--- a/img/in-post/2020/2020-09-09/0909_resource.pptx
+++ b/img/in-post/2020/2020-09-09/0909_resource.pptx
@@ -8,6 +8,7 @@
     <p:sldId id="256" r:id="rId2"/>
     <p:sldId id="258" r:id="rId3"/>
     <p:sldId id="259" r:id="rId4"/>
+    <p:sldId id="260" r:id="rId5"/>
   </p:sldIdLst>
   <p:sldSz cx="12192000" cy="6858000"/>
   <p:notesSz cx="6858000" cy="9144000"/>
@@ -106,6 +107,11 @@
       </a:defRPr>
     </a:lvl9pPr>
   </p:defaultTextStyle>
+  <p:extLst>
+    <p:ext uri="{EFAFB233-063F-42B5-8137-9DF3F51BA10A}">
+      <p15:sldGuideLst xmlns:p15="http://schemas.microsoft.com/office/powerpoint/2012/main"/>
+    </p:ext>
+  </p:extLst>
 </p:presentation>
 </file>
 
@@ -256,7 +262,7 @@
           <a:p>
             <a:fld id="{47A4B225-37CE-4935-BE91-519DC3D81B29}" type="datetimeFigureOut">
               <a:rPr lang="ko-KR" altLang="en-US" smtClean="0"/>
-              <a:t>2020-09-07</a:t>
+              <a:t>2020-09-08</a:t>
             </a:fld>
             <a:endParaRPr lang="ko-KR" altLang="en-US"/>
           </a:p>
@@ -454,7 +460,7 @@
           <a:p>
             <a:fld id="{47A4B225-37CE-4935-BE91-519DC3D81B29}" type="datetimeFigureOut">
               <a:rPr lang="ko-KR" altLang="en-US" smtClean="0"/>
-              <a:t>2020-09-07</a:t>
+              <a:t>2020-09-08</a:t>
             </a:fld>
             <a:endParaRPr lang="ko-KR" altLang="en-US"/>
           </a:p>
@@ -662,7 +668,7 @@
           <a:p>
             <a:fld id="{47A4B225-37CE-4935-BE91-519DC3D81B29}" type="datetimeFigureOut">
               <a:rPr lang="ko-KR" altLang="en-US" smtClean="0"/>
-              <a:t>2020-09-07</a:t>
+              <a:t>2020-09-08</a:t>
             </a:fld>
             <a:endParaRPr lang="ko-KR" altLang="en-US"/>
           </a:p>
@@ -860,7 +866,7 @@
           <a:p>
             <a:fld id="{47A4B225-37CE-4935-BE91-519DC3D81B29}" type="datetimeFigureOut">
               <a:rPr lang="ko-KR" altLang="en-US" smtClean="0"/>
-              <a:t>2020-09-07</a:t>
+              <a:t>2020-09-08</a:t>
             </a:fld>
             <a:endParaRPr lang="ko-KR" altLang="en-US"/>
           </a:p>
@@ -1135,7 +1141,7 @@
           <a:p>
             <a:fld id="{47A4B225-37CE-4935-BE91-519DC3D81B29}" type="datetimeFigureOut">
               <a:rPr lang="ko-KR" altLang="en-US" smtClean="0"/>
-              <a:t>2020-09-07</a:t>
+              <a:t>2020-09-08</a:t>
             </a:fld>
             <a:endParaRPr lang="ko-KR" altLang="en-US"/>
           </a:p>
@@ -1400,7 +1406,7 @@
           <a:p>
             <a:fld id="{47A4B225-37CE-4935-BE91-519DC3D81B29}" type="datetimeFigureOut">
               <a:rPr lang="ko-KR" altLang="en-US" smtClean="0"/>
-              <a:t>2020-09-07</a:t>
+              <a:t>2020-09-08</a:t>
             </a:fld>
             <a:endParaRPr lang="ko-KR" altLang="en-US"/>
           </a:p>
@@ -1812,7 +1818,7 @@
           <a:p>
             <a:fld id="{47A4B225-37CE-4935-BE91-519DC3D81B29}" type="datetimeFigureOut">
               <a:rPr lang="ko-KR" altLang="en-US" smtClean="0"/>
-              <a:t>2020-09-07</a:t>
+              <a:t>2020-09-08</a:t>
             </a:fld>
             <a:endParaRPr lang="ko-KR" altLang="en-US"/>
           </a:p>
@@ -1953,7 +1959,7 @@
           <a:p>
             <a:fld id="{47A4B225-37CE-4935-BE91-519DC3D81B29}" type="datetimeFigureOut">
               <a:rPr lang="ko-KR" altLang="en-US" smtClean="0"/>
-              <a:t>2020-09-07</a:t>
+              <a:t>2020-09-08</a:t>
             </a:fld>
             <a:endParaRPr lang="ko-KR" altLang="en-US"/>
           </a:p>
@@ -2066,7 +2072,7 @@
           <a:p>
             <a:fld id="{47A4B225-37CE-4935-BE91-519DC3D81B29}" type="datetimeFigureOut">
               <a:rPr lang="ko-KR" altLang="en-US" smtClean="0"/>
-              <a:t>2020-09-07</a:t>
+              <a:t>2020-09-08</a:t>
             </a:fld>
             <a:endParaRPr lang="ko-KR" altLang="en-US"/>
           </a:p>
@@ -2377,7 +2383,7 @@
           <a:p>
             <a:fld id="{47A4B225-37CE-4935-BE91-519DC3D81B29}" type="datetimeFigureOut">
               <a:rPr lang="ko-KR" altLang="en-US" smtClean="0"/>
-              <a:t>2020-09-07</a:t>
+              <a:t>2020-09-08</a:t>
             </a:fld>
             <a:endParaRPr lang="ko-KR" altLang="en-US"/>
           </a:p>
@@ -2665,7 +2671,7 @@
           <a:p>
             <a:fld id="{47A4B225-37CE-4935-BE91-519DC3D81B29}" type="datetimeFigureOut">
               <a:rPr lang="ko-KR" altLang="en-US" smtClean="0"/>
-              <a:t>2020-09-07</a:t>
+              <a:t>2020-09-08</a:t>
             </a:fld>
             <a:endParaRPr lang="ko-KR" altLang="en-US"/>
           </a:p>
@@ -2906,7 +2912,7 @@
           <a:p>
             <a:fld id="{47A4B225-37CE-4935-BE91-519DC3D81B29}" type="datetimeFigureOut">
               <a:rPr lang="ko-KR" altLang="en-US" smtClean="0"/>
-              <a:t>2020-09-07</a:t>
+              <a:t>2020-09-08</a:t>
             </a:fld>
             <a:endParaRPr lang="ko-KR" altLang="en-US"/>
           </a:p>
@@ -5641,8 +5647,8 @@
           </a:p>
         </p:txBody>
       </p:sp>
-      <mc:AlternateContent xmlns:mc="http://schemas.openxmlformats.org/markup-compatibility/2006">
-        <mc:Choice xmlns:a14="http://schemas.microsoft.com/office/drawing/2010/main" Requires="a14">
+      <mc:AlternateContent xmlns:mc="http://schemas.openxmlformats.org/markup-compatibility/2006" xmlns:a14="http://schemas.microsoft.com/office/drawing/2010/main">
+        <mc:Choice Requires="a14">
           <p:sp>
             <p:nvSpPr>
               <p:cNvPr id="101" name="TextBox 100">
@@ -5717,7 +5723,7 @@
             </p:txBody>
           </p:sp>
         </mc:Choice>
-        <mc:Fallback>
+        <mc:Fallback xmlns="">
           <p:sp>
             <p:nvSpPr>
               <p:cNvPr id="101" name="TextBox 100">
@@ -5864,8 +5870,8 @@
           </a:p>
         </p:txBody>
       </p:sp>
-      <mc:AlternateContent xmlns:mc="http://schemas.openxmlformats.org/markup-compatibility/2006">
-        <mc:Choice xmlns:a14="http://schemas.microsoft.com/office/drawing/2010/main" Requires="a14">
+      <mc:AlternateContent xmlns:mc="http://schemas.openxmlformats.org/markup-compatibility/2006" xmlns:a14="http://schemas.microsoft.com/office/drawing/2010/main">
+        <mc:Choice Requires="a14">
           <p:sp>
             <p:nvSpPr>
               <p:cNvPr id="105" name="TextBox 104">
@@ -5940,7 +5946,7 @@
             </p:txBody>
           </p:sp>
         </mc:Choice>
-        <mc:Fallback>
+        <mc:Fallback xmlns="">
           <p:sp>
             <p:nvSpPr>
               <p:cNvPr id="105" name="TextBox 104">
@@ -9417,52 +9423,6 @@
           </p:txBody>
         </p:sp>
       </p:grpSp>
-      <p:sp>
-        <p:nvSpPr>
-          <p:cNvPr id="222" name="직사각형 221">
-            <a:extLst>
-              <a:ext uri="{FF2B5EF4-FFF2-40B4-BE49-F238E27FC236}">
-                <a16:creationId xmlns:a16="http://schemas.microsoft.com/office/drawing/2014/main" id="{1EA9BDFC-2AC2-4036-A449-BC0B3E056255}"/>
-              </a:ext>
-            </a:extLst>
-          </p:cNvPr>
-          <p:cNvSpPr/>
-          <p:nvPr/>
-        </p:nvSpPr>
-        <p:spPr>
-          <a:xfrm>
-            <a:off x="938081" y="1047750"/>
-            <a:ext cx="9242239" cy="1141876"/>
-          </a:xfrm>
-          <a:prstGeom prst="rect">
-            <a:avLst/>
-          </a:prstGeom>
-        </p:spPr>
-        <p:style>
-          <a:lnRef idx="2">
-            <a:schemeClr val="accent1">
-              <a:shade val="50000"/>
-            </a:schemeClr>
-          </a:lnRef>
-          <a:fillRef idx="1">
-            <a:schemeClr val="accent1"/>
-          </a:fillRef>
-          <a:effectRef idx="0">
-            <a:schemeClr val="accent1"/>
-          </a:effectRef>
-          <a:fontRef idx="minor">
-            <a:schemeClr val="lt1"/>
-          </a:fontRef>
-        </p:style>
-        <p:txBody>
-          <a:bodyPr rtlCol="0" anchor="ctr"/>
-          <a:lstStyle/>
-          <a:p>
-            <a:pPr algn="ctr"/>
-            <a:endParaRPr lang="ko-KR" altLang="en-US"/>
-          </a:p>
-        </p:txBody>
-      </p:sp>
     </p:spTree>
     <p:extLst>
       <p:ext uri="{BB962C8B-B14F-4D97-AF65-F5344CB8AC3E}">
@@ -10610,6 +10570,4381 @@
     <p:extLst>
       <p:ext uri="{BB962C8B-B14F-4D97-AF65-F5344CB8AC3E}">
         <p14:creationId xmlns:p14="http://schemas.microsoft.com/office/powerpoint/2010/main" val="2468909867"/>
+      </p:ext>
+    </p:extLst>
+  </p:cSld>
+  <p:clrMapOvr>
+    <a:masterClrMapping/>
+  </p:clrMapOvr>
+</p:sld>
+</file>
+
+<file path=ppt/slides/slide4.xml><?xml version="1.0" encoding="utf-8"?>
+<p:sld xmlns:a="http://schemas.openxmlformats.org/drawingml/2006/main" xmlns:r="http://schemas.openxmlformats.org/officeDocument/2006/relationships" xmlns:p="http://schemas.openxmlformats.org/presentationml/2006/main">
+  <p:cSld>
+    <p:spTree>
+      <p:nvGrpSpPr>
+        <p:cNvPr id="1" name=""/>
+        <p:cNvGrpSpPr/>
+        <p:nvPr/>
+      </p:nvGrpSpPr>
+      <p:grpSpPr>
+        <a:xfrm>
+          <a:off x="0" y="0"/>
+          <a:ext cx="0" cy="0"/>
+          <a:chOff x="0" y="0"/>
+          <a:chExt cx="0" cy="0"/>
+        </a:xfrm>
+      </p:grpSpPr>
+      <p:sp>
+        <p:nvSpPr>
+          <p:cNvPr id="2" name="사각형: 둥근 모서리 5">
+            <a:extLst>
+              <a:ext uri="{FF2B5EF4-FFF2-40B4-BE49-F238E27FC236}">
+                <a16:creationId xmlns:a16="http://schemas.microsoft.com/office/drawing/2014/main" id="{570911D5-A62A-47C9-8221-321F4C99BFF0}"/>
+              </a:ext>
+            </a:extLst>
+          </p:cNvPr>
+          <p:cNvSpPr/>
+          <p:nvPr/>
+        </p:nvSpPr>
+        <p:spPr>
+          <a:xfrm>
+            <a:off x="5629275" y="1993901"/>
+            <a:ext cx="3181350" cy="2966316"/>
+          </a:xfrm>
+          <a:prstGeom prst="roundRect">
+            <a:avLst>
+              <a:gd name="adj" fmla="val 10043"/>
+            </a:avLst>
+          </a:prstGeom>
+          <a:solidFill>
+            <a:srgbClr val="FFF2CC"/>
+          </a:solidFill>
+          <a:ln w="25400">
+            <a:solidFill>
+              <a:srgbClr val="FFC000"/>
+            </a:solidFill>
+          </a:ln>
+        </p:spPr>
+        <p:style>
+          <a:lnRef idx="2">
+            <a:schemeClr val="accent1">
+              <a:shade val="50000"/>
+            </a:schemeClr>
+          </a:lnRef>
+          <a:fillRef idx="1">
+            <a:schemeClr val="accent1"/>
+          </a:fillRef>
+          <a:effectRef idx="0">
+            <a:schemeClr val="accent1"/>
+          </a:effectRef>
+          <a:fontRef idx="minor">
+            <a:schemeClr val="lt1"/>
+          </a:fontRef>
+        </p:style>
+        <p:txBody>
+          <a:bodyPr rtlCol="0" anchor="ctr"/>
+          <a:lstStyle/>
+          <a:p>
+            <a:pPr algn="ctr"/>
+            <a:endParaRPr lang="ko-KR" altLang="en-US"/>
+          </a:p>
+        </p:txBody>
+      </p:sp>
+      <p:sp>
+        <p:nvSpPr>
+          <p:cNvPr id="3" name="사각형: 둥근 모서리 6">
+            <a:extLst>
+              <a:ext uri="{FF2B5EF4-FFF2-40B4-BE49-F238E27FC236}">
+                <a16:creationId xmlns:a16="http://schemas.microsoft.com/office/drawing/2014/main" id="{F7054C02-73B1-4C74-88EA-012EEA4BDF37}"/>
+              </a:ext>
+            </a:extLst>
+          </p:cNvPr>
+          <p:cNvSpPr/>
+          <p:nvPr/>
+        </p:nvSpPr>
+        <p:spPr>
+          <a:xfrm>
+            <a:off x="6331671" y="2159000"/>
+            <a:ext cx="1411432" cy="695325"/>
+          </a:xfrm>
+          <a:prstGeom prst="roundRect">
+            <a:avLst>
+              <a:gd name="adj" fmla="val 7535"/>
+            </a:avLst>
+          </a:prstGeom>
+          <a:solidFill>
+            <a:srgbClr val="FBDDB4"/>
+          </a:solidFill>
+          <a:ln w="25400">
+            <a:solidFill>
+              <a:schemeClr val="accent6">
+                <a:lumMod val="75000"/>
+              </a:schemeClr>
+            </a:solidFill>
+          </a:ln>
+        </p:spPr>
+        <p:style>
+          <a:lnRef idx="2">
+            <a:schemeClr val="accent1">
+              <a:shade val="50000"/>
+            </a:schemeClr>
+          </a:lnRef>
+          <a:fillRef idx="1">
+            <a:schemeClr val="accent1"/>
+          </a:fillRef>
+          <a:effectRef idx="0">
+            <a:schemeClr val="accent1"/>
+          </a:effectRef>
+          <a:fontRef idx="minor">
+            <a:schemeClr val="lt1"/>
+          </a:fontRef>
+        </p:style>
+        <p:txBody>
+          <a:bodyPr rtlCol="0" anchor="ctr"/>
+          <a:lstStyle/>
+          <a:p>
+            <a:pPr algn="ctr"/>
+            <a:r>
+              <a:rPr lang="en-US" altLang="ko-KR" b="1" dirty="0" smtClean="0">
+                <a:solidFill>
+                  <a:schemeClr val="tx1"/>
+                </a:solidFill>
+                <a:latin typeface="나눔스퀘어" panose="020B0600000101010101" pitchFamily="50" charset="-127"/>
+                <a:ea typeface="나눔스퀘어" panose="020B0600000101010101" pitchFamily="50" charset="-127"/>
+              </a:rPr>
+              <a:t>Trend </a:t>
+            </a:r>
+            <a:r>
+              <a:rPr lang="en-US" altLang="ko-KR" b="1" dirty="0" smtClean="0">
+                <a:solidFill>
+                  <a:schemeClr val="tx1"/>
+                </a:solidFill>
+                <a:latin typeface="나눔스퀘어" panose="020B0600000101010101" pitchFamily="50" charset="-127"/>
+                <a:ea typeface="나눔스퀘어" panose="020B0600000101010101" pitchFamily="50" charset="-127"/>
+              </a:rPr>
+              <a:t>Stack</a:t>
+            </a:r>
+            <a:endParaRPr lang="ko-KR" altLang="en-US" b="1" dirty="0">
+              <a:solidFill>
+                <a:schemeClr val="tx1"/>
+              </a:solidFill>
+              <a:latin typeface="나눔스퀘어" panose="020B0600000101010101" pitchFamily="50" charset="-127"/>
+              <a:ea typeface="나눔스퀘어" panose="020B0600000101010101" pitchFamily="50" charset="-127"/>
+            </a:endParaRPr>
+          </a:p>
+        </p:txBody>
+      </p:sp>
+      <p:sp>
+        <p:nvSpPr>
+          <p:cNvPr id="4" name="사각형: 둥근 모서리 7">
+            <a:extLst>
+              <a:ext uri="{FF2B5EF4-FFF2-40B4-BE49-F238E27FC236}">
+                <a16:creationId xmlns:a16="http://schemas.microsoft.com/office/drawing/2014/main" id="{066DBC46-B975-436E-ACC9-DED5082E20B6}"/>
+              </a:ext>
+            </a:extLst>
+          </p:cNvPr>
+          <p:cNvSpPr/>
+          <p:nvPr/>
+        </p:nvSpPr>
+        <p:spPr>
+          <a:xfrm>
+            <a:off x="6331671" y="4055156"/>
+            <a:ext cx="1411432" cy="695325"/>
+          </a:xfrm>
+          <a:prstGeom prst="roundRect">
+            <a:avLst>
+              <a:gd name="adj" fmla="val 7535"/>
+            </a:avLst>
+          </a:prstGeom>
+          <a:solidFill>
+            <a:srgbClr val="FBDDB4"/>
+          </a:solidFill>
+          <a:ln w="25400">
+            <a:solidFill>
+              <a:srgbClr val="7030A0"/>
+            </a:solidFill>
+          </a:ln>
+        </p:spPr>
+        <p:style>
+          <a:lnRef idx="2">
+            <a:schemeClr val="accent1">
+              <a:shade val="50000"/>
+            </a:schemeClr>
+          </a:lnRef>
+          <a:fillRef idx="1">
+            <a:schemeClr val="accent1"/>
+          </a:fillRef>
+          <a:effectRef idx="0">
+            <a:schemeClr val="accent1"/>
+          </a:effectRef>
+          <a:fontRef idx="minor">
+            <a:schemeClr val="lt1"/>
+          </a:fontRef>
+        </p:style>
+        <p:txBody>
+          <a:bodyPr rtlCol="0" anchor="ctr"/>
+          <a:lstStyle/>
+          <a:p>
+            <a:pPr algn="ctr"/>
+            <a:r>
+              <a:rPr lang="en-US" altLang="ko-KR" b="1" dirty="0" smtClean="0">
+                <a:solidFill>
+                  <a:schemeClr val="tx1"/>
+                </a:solidFill>
+                <a:latin typeface="나눔스퀘어" panose="020B0600000101010101" pitchFamily="50" charset="-127"/>
+                <a:ea typeface="나눔스퀘어" panose="020B0600000101010101" pitchFamily="50" charset="-127"/>
+              </a:rPr>
+              <a:t>Seasonal</a:t>
+            </a:r>
+          </a:p>
+          <a:p>
+            <a:pPr algn="ctr"/>
+            <a:r>
+              <a:rPr lang="en-US" altLang="ko-KR" b="1" dirty="0" smtClean="0">
+                <a:solidFill>
+                  <a:schemeClr val="tx1"/>
+                </a:solidFill>
+                <a:latin typeface="나눔스퀘어" panose="020B0600000101010101" pitchFamily="50" charset="-127"/>
+                <a:ea typeface="나눔스퀘어" panose="020B0600000101010101" pitchFamily="50" charset="-127"/>
+              </a:rPr>
+              <a:t>Stack</a:t>
+            </a:r>
+            <a:endParaRPr lang="ko-KR" altLang="en-US" b="1" dirty="0">
+              <a:solidFill>
+                <a:schemeClr val="tx1"/>
+              </a:solidFill>
+              <a:latin typeface="나눔스퀘어" panose="020B0600000101010101" pitchFamily="50" charset="-127"/>
+              <a:ea typeface="나눔스퀘어" panose="020B0600000101010101" pitchFamily="50" charset="-127"/>
+            </a:endParaRPr>
+          </a:p>
+        </p:txBody>
+      </p:sp>
+      <p:cxnSp>
+        <p:nvCxnSpPr>
+          <p:cNvPr id="5" name="직선 화살표 연결선 4">
+            <a:extLst>
+              <a:ext uri="{FF2B5EF4-FFF2-40B4-BE49-F238E27FC236}">
+                <a16:creationId xmlns:a16="http://schemas.microsoft.com/office/drawing/2014/main" id="{D16881A0-9338-4AD7-943A-7443C6B0686C}"/>
+              </a:ext>
+            </a:extLst>
+          </p:cNvPr>
+          <p:cNvCxnSpPr>
+            <a:cxnSpLocks/>
+            <a:stCxn id="3" idx="2"/>
+            <a:endCxn id="4" idx="0"/>
+          </p:cNvCxnSpPr>
+          <p:nvPr/>
+        </p:nvCxnSpPr>
+        <p:spPr>
+          <a:xfrm>
+            <a:off x="7037387" y="2854325"/>
+            <a:ext cx="0" cy="1200831"/>
+          </a:xfrm>
+          <a:prstGeom prst="straightConnector1">
+            <a:avLst/>
+          </a:prstGeom>
+          <a:ln w="25400">
+            <a:solidFill>
+              <a:schemeClr val="bg2">
+                <a:lumMod val="50000"/>
+              </a:schemeClr>
+            </a:solidFill>
+            <a:tailEnd type="triangle"/>
+          </a:ln>
+        </p:spPr>
+        <p:style>
+          <a:lnRef idx="1">
+            <a:schemeClr val="accent1"/>
+          </a:lnRef>
+          <a:fillRef idx="0">
+            <a:schemeClr val="accent1"/>
+          </a:fillRef>
+          <a:effectRef idx="0">
+            <a:schemeClr val="accent1"/>
+          </a:effectRef>
+          <a:fontRef idx="minor">
+            <a:schemeClr val="tx1"/>
+          </a:fontRef>
+        </p:style>
+      </p:cxnSp>
+      <p:sp>
+        <p:nvSpPr>
+          <p:cNvPr id="6" name="타원 5">
+            <a:extLst>
+              <a:ext uri="{FF2B5EF4-FFF2-40B4-BE49-F238E27FC236}">
+                <a16:creationId xmlns:a16="http://schemas.microsoft.com/office/drawing/2014/main" id="{3D947FC3-10B1-452A-B3A9-F7AFE2164105}"/>
+              </a:ext>
+            </a:extLst>
+          </p:cNvPr>
+          <p:cNvSpPr/>
+          <p:nvPr/>
+        </p:nvSpPr>
+        <p:spPr>
+          <a:xfrm>
+            <a:off x="8389133" y="2401970"/>
+            <a:ext cx="200894" cy="200894"/>
+          </a:xfrm>
+          <a:prstGeom prst="ellipse">
+            <a:avLst/>
+          </a:prstGeom>
+          <a:solidFill>
+            <a:schemeClr val="bg1"/>
+          </a:solidFill>
+          <a:ln>
+            <a:solidFill>
+              <a:schemeClr val="tx1"/>
+            </a:solidFill>
+          </a:ln>
+        </p:spPr>
+        <p:style>
+          <a:lnRef idx="2">
+            <a:schemeClr val="accent1">
+              <a:shade val="50000"/>
+            </a:schemeClr>
+          </a:lnRef>
+          <a:fillRef idx="1">
+            <a:schemeClr val="accent1"/>
+          </a:fillRef>
+          <a:effectRef idx="0">
+            <a:schemeClr val="accent1"/>
+          </a:effectRef>
+          <a:fontRef idx="minor">
+            <a:schemeClr val="lt1"/>
+          </a:fontRef>
+        </p:style>
+        <p:txBody>
+          <a:bodyPr lIns="0" tIns="0" rIns="0" bIns="0" rtlCol="0" anchor="ctr"/>
+          <a:lstStyle/>
+          <a:p>
+            <a:pPr algn="ctr"/>
+            <a:r>
+              <a:rPr lang="en-US" altLang="ko-KR" sz="2000" b="1" dirty="0">
+                <a:solidFill>
+                  <a:schemeClr val="tx1"/>
+                </a:solidFill>
+                <a:latin typeface="나눔스퀘어 ExtraBold" panose="020B0600000101010101" pitchFamily="50" charset="-127"/>
+                <a:ea typeface="나눔스퀘어 ExtraBold" panose="020B0600000101010101" pitchFamily="50" charset="-127"/>
+              </a:rPr>
+              <a:t>+</a:t>
+            </a:r>
+            <a:endParaRPr lang="ko-KR" altLang="en-US" sz="2000" b="1" dirty="0">
+              <a:solidFill>
+                <a:schemeClr val="tx1"/>
+              </a:solidFill>
+              <a:latin typeface="나눔스퀘어 ExtraBold" panose="020B0600000101010101" pitchFamily="50" charset="-127"/>
+              <a:ea typeface="나눔스퀘어 ExtraBold" panose="020B0600000101010101" pitchFamily="50" charset="-127"/>
+            </a:endParaRPr>
+          </a:p>
+        </p:txBody>
+      </p:sp>
+      <p:sp>
+        <p:nvSpPr>
+          <p:cNvPr id="7" name="TextBox 6">
+            <a:extLst>
+              <a:ext uri="{FF2B5EF4-FFF2-40B4-BE49-F238E27FC236}">
+                <a16:creationId xmlns:a16="http://schemas.microsoft.com/office/drawing/2014/main" id="{4BFF7B3A-2402-479D-AEBD-30E2F1F743EB}"/>
+              </a:ext>
+            </a:extLst>
+          </p:cNvPr>
+          <p:cNvSpPr txBox="1"/>
+          <p:nvPr/>
+        </p:nvSpPr>
+        <p:spPr>
+          <a:xfrm>
+            <a:off x="5957332" y="2909110"/>
+            <a:ext cx="1112805" cy="430887"/>
+          </a:xfrm>
+          <a:prstGeom prst="rect">
+            <a:avLst/>
+          </a:prstGeom>
+          <a:noFill/>
+        </p:spPr>
+        <p:txBody>
+          <a:bodyPr wrap="none" rtlCol="0">
+            <a:spAutoFit/>
+          </a:bodyPr>
+          <a:lstStyle/>
+          <a:p>
+            <a:pPr algn="ctr"/>
+            <a:r>
+              <a:rPr lang="en-US" altLang="ko-KR" sz="1100" b="1" dirty="0">
+                <a:latin typeface="나눔스퀘어" panose="020B0600000101010101" pitchFamily="50" charset="-127"/>
+                <a:ea typeface="나눔스퀘어" panose="020B0600000101010101" pitchFamily="50" charset="-127"/>
+              </a:rPr>
+              <a:t>Stack residual</a:t>
+            </a:r>
+          </a:p>
+          <a:p>
+            <a:pPr algn="ctr"/>
+            <a:r>
+              <a:rPr lang="en-US" altLang="ko-KR" sz="1100" b="1" dirty="0">
+                <a:latin typeface="나눔스퀘어" panose="020B0600000101010101" pitchFamily="50" charset="-127"/>
+                <a:ea typeface="나눔스퀘어" panose="020B0600000101010101" pitchFamily="50" charset="-127"/>
+              </a:rPr>
+              <a:t>(to next stack)</a:t>
+            </a:r>
+            <a:endParaRPr lang="ko-KR" altLang="en-US" sz="1100" b="1" dirty="0">
+              <a:latin typeface="나눔스퀘어" panose="020B0600000101010101" pitchFamily="50" charset="-127"/>
+              <a:ea typeface="나눔스퀘어" panose="020B0600000101010101" pitchFamily="50" charset="-127"/>
+            </a:endParaRPr>
+          </a:p>
+        </p:txBody>
+      </p:sp>
+      <p:cxnSp>
+        <p:nvCxnSpPr>
+          <p:cNvPr id="8" name="직선 화살표 연결선 7">
+            <a:extLst>
+              <a:ext uri="{FF2B5EF4-FFF2-40B4-BE49-F238E27FC236}">
+                <a16:creationId xmlns:a16="http://schemas.microsoft.com/office/drawing/2014/main" id="{04847F17-A4CB-4312-B7D1-5D170ADB78EF}"/>
+              </a:ext>
+            </a:extLst>
+          </p:cNvPr>
+          <p:cNvCxnSpPr>
+            <a:cxnSpLocks/>
+          </p:cNvCxnSpPr>
+          <p:nvPr/>
+        </p:nvCxnSpPr>
+        <p:spPr>
+          <a:xfrm>
+            <a:off x="7037387" y="1638300"/>
+            <a:ext cx="0" cy="581038"/>
+          </a:xfrm>
+          <a:prstGeom prst="straightConnector1">
+            <a:avLst/>
+          </a:prstGeom>
+          <a:ln w="25400">
+            <a:solidFill>
+              <a:schemeClr val="bg2">
+                <a:lumMod val="50000"/>
+              </a:schemeClr>
+            </a:solidFill>
+            <a:tailEnd type="triangle"/>
+          </a:ln>
+        </p:spPr>
+        <p:style>
+          <a:lnRef idx="1">
+            <a:schemeClr val="accent1"/>
+          </a:lnRef>
+          <a:fillRef idx="0">
+            <a:schemeClr val="accent1"/>
+          </a:fillRef>
+          <a:effectRef idx="0">
+            <a:schemeClr val="accent1"/>
+          </a:effectRef>
+          <a:fontRef idx="minor">
+            <a:schemeClr val="tx1"/>
+          </a:fontRef>
+        </p:style>
+      </p:cxnSp>
+      <p:sp>
+        <p:nvSpPr>
+          <p:cNvPr id="9" name="TextBox 8">
+            <a:extLst>
+              <a:ext uri="{FF2B5EF4-FFF2-40B4-BE49-F238E27FC236}">
+                <a16:creationId xmlns:a16="http://schemas.microsoft.com/office/drawing/2014/main" id="{B1C677D2-9752-45DC-8592-2BBD8BB1245A}"/>
+              </a:ext>
+            </a:extLst>
+          </p:cNvPr>
+          <p:cNvSpPr txBox="1"/>
+          <p:nvPr/>
+        </p:nvSpPr>
+        <p:spPr>
+          <a:xfrm>
+            <a:off x="5695950" y="1522377"/>
+            <a:ext cx="1339660" cy="430887"/>
+          </a:xfrm>
+          <a:prstGeom prst="rect">
+            <a:avLst/>
+          </a:prstGeom>
+          <a:noFill/>
+        </p:spPr>
+        <p:txBody>
+          <a:bodyPr wrap="square" rtlCol="0">
+            <a:spAutoFit/>
+          </a:bodyPr>
+          <a:lstStyle/>
+          <a:p>
+            <a:pPr algn="r"/>
+            <a:r>
+              <a:rPr lang="en-US" altLang="ko-KR" sz="1100" b="1" dirty="0">
+                <a:latin typeface="나눔스퀘어" panose="020B0600000101010101" pitchFamily="50" charset="-127"/>
+                <a:ea typeface="나눔스퀘어" panose="020B0600000101010101" pitchFamily="50" charset="-127"/>
+              </a:rPr>
+              <a:t>Lookback window</a:t>
+            </a:r>
+          </a:p>
+          <a:p>
+            <a:pPr algn="r"/>
+            <a:r>
+              <a:rPr lang="en-US" altLang="ko-KR" sz="1100" b="1" dirty="0">
+                <a:latin typeface="나눔스퀘어" panose="020B0600000101010101" pitchFamily="50" charset="-127"/>
+                <a:ea typeface="나눔스퀘어" panose="020B0600000101010101" pitchFamily="50" charset="-127"/>
+              </a:rPr>
+              <a:t>(model input)</a:t>
+            </a:r>
+            <a:endParaRPr lang="ko-KR" altLang="en-US" sz="1100" b="1" dirty="0">
+              <a:latin typeface="나눔스퀘어" panose="020B0600000101010101" pitchFamily="50" charset="-127"/>
+              <a:ea typeface="나눔스퀘어" panose="020B0600000101010101" pitchFamily="50" charset="-127"/>
+            </a:endParaRPr>
+          </a:p>
+        </p:txBody>
+      </p:sp>
+      <p:cxnSp>
+        <p:nvCxnSpPr>
+          <p:cNvPr id="10" name="연결선: 꺾임 51">
+            <a:extLst>
+              <a:ext uri="{FF2B5EF4-FFF2-40B4-BE49-F238E27FC236}">
+                <a16:creationId xmlns:a16="http://schemas.microsoft.com/office/drawing/2014/main" id="{9DFCAAB4-EA98-4218-A428-57C0080A8808}"/>
+              </a:ext>
+            </a:extLst>
+          </p:cNvPr>
+          <p:cNvCxnSpPr>
+            <a:cxnSpLocks/>
+            <a:stCxn id="4" idx="3"/>
+            <a:endCxn id="6" idx="4"/>
+          </p:cNvCxnSpPr>
+          <p:nvPr/>
+        </p:nvCxnSpPr>
+        <p:spPr>
+          <a:xfrm flipV="1">
+            <a:off x="7743103" y="2602864"/>
+            <a:ext cx="746477" cy="1799955"/>
+          </a:xfrm>
+          <a:prstGeom prst="bentConnector2">
+            <a:avLst/>
+          </a:prstGeom>
+          <a:ln w="25400">
+            <a:solidFill>
+              <a:schemeClr val="bg2">
+                <a:lumMod val="50000"/>
+              </a:schemeClr>
+            </a:solidFill>
+            <a:tailEnd type="triangle"/>
+          </a:ln>
+        </p:spPr>
+        <p:style>
+          <a:lnRef idx="1">
+            <a:schemeClr val="accent1"/>
+          </a:lnRef>
+          <a:fillRef idx="0">
+            <a:schemeClr val="accent1"/>
+          </a:fillRef>
+          <a:effectRef idx="0">
+            <a:schemeClr val="accent1"/>
+          </a:effectRef>
+          <a:fontRef idx="minor">
+            <a:schemeClr val="tx1"/>
+          </a:fontRef>
+        </p:style>
+      </p:cxnSp>
+      <p:cxnSp>
+        <p:nvCxnSpPr>
+          <p:cNvPr id="11" name="직선 화살표 연결선 10">
+            <a:extLst>
+              <a:ext uri="{FF2B5EF4-FFF2-40B4-BE49-F238E27FC236}">
+                <a16:creationId xmlns:a16="http://schemas.microsoft.com/office/drawing/2014/main" id="{F137D9FA-B1DB-43E0-8E83-4A3BF0A18378}"/>
+              </a:ext>
+            </a:extLst>
+          </p:cNvPr>
+          <p:cNvCxnSpPr>
+            <a:cxnSpLocks/>
+            <a:stCxn id="3" idx="3"/>
+            <a:endCxn id="6" idx="2"/>
+          </p:cNvCxnSpPr>
+          <p:nvPr/>
+        </p:nvCxnSpPr>
+        <p:spPr>
+          <a:xfrm flipV="1">
+            <a:off x="7743103" y="2502417"/>
+            <a:ext cx="646030" cy="4246"/>
+          </a:xfrm>
+          <a:prstGeom prst="straightConnector1">
+            <a:avLst/>
+          </a:prstGeom>
+          <a:ln w="25400">
+            <a:solidFill>
+              <a:schemeClr val="bg2">
+                <a:lumMod val="50000"/>
+              </a:schemeClr>
+            </a:solidFill>
+            <a:tailEnd type="triangle"/>
+          </a:ln>
+        </p:spPr>
+        <p:style>
+          <a:lnRef idx="1">
+            <a:schemeClr val="accent1"/>
+          </a:lnRef>
+          <a:fillRef idx="0">
+            <a:schemeClr val="accent1"/>
+          </a:fillRef>
+          <a:effectRef idx="0">
+            <a:schemeClr val="accent1"/>
+          </a:effectRef>
+          <a:fontRef idx="minor">
+            <a:schemeClr val="tx1"/>
+          </a:fontRef>
+        </p:style>
+      </p:cxnSp>
+      <p:cxnSp>
+        <p:nvCxnSpPr>
+          <p:cNvPr id="12" name="직선 화살표 연결선 11">
+            <a:extLst>
+              <a:ext uri="{FF2B5EF4-FFF2-40B4-BE49-F238E27FC236}">
+                <a16:creationId xmlns:a16="http://schemas.microsoft.com/office/drawing/2014/main" id="{EEABADA6-B54A-4A08-B163-FFA1DE408703}"/>
+              </a:ext>
+            </a:extLst>
+          </p:cNvPr>
+          <p:cNvCxnSpPr>
+            <a:cxnSpLocks/>
+            <a:stCxn id="6" idx="0"/>
+          </p:cNvCxnSpPr>
+          <p:nvPr/>
+        </p:nvCxnSpPr>
+        <p:spPr>
+          <a:xfrm flipV="1">
+            <a:off x="8489580" y="1638300"/>
+            <a:ext cx="0" cy="763670"/>
+          </a:xfrm>
+          <a:prstGeom prst="straightConnector1">
+            <a:avLst/>
+          </a:prstGeom>
+          <a:ln w="25400">
+            <a:solidFill>
+              <a:schemeClr val="bg2">
+                <a:lumMod val="50000"/>
+              </a:schemeClr>
+            </a:solidFill>
+            <a:tailEnd type="triangle"/>
+          </a:ln>
+        </p:spPr>
+        <p:style>
+          <a:lnRef idx="1">
+            <a:schemeClr val="accent1"/>
+          </a:lnRef>
+          <a:fillRef idx="0">
+            <a:schemeClr val="accent1"/>
+          </a:fillRef>
+          <a:effectRef idx="0">
+            <a:schemeClr val="accent1"/>
+          </a:effectRef>
+          <a:fontRef idx="minor">
+            <a:schemeClr val="tx1"/>
+          </a:fontRef>
+        </p:style>
+      </p:cxnSp>
+      <p:sp>
+        <p:nvSpPr>
+          <p:cNvPr id="13" name="TextBox 12">
+            <a:extLst>
+              <a:ext uri="{FF2B5EF4-FFF2-40B4-BE49-F238E27FC236}">
+                <a16:creationId xmlns:a16="http://schemas.microsoft.com/office/drawing/2014/main" id="{64B6F494-A769-4C7A-9E0A-7EF2744D6F00}"/>
+              </a:ext>
+            </a:extLst>
+          </p:cNvPr>
+          <p:cNvSpPr txBox="1"/>
+          <p:nvPr/>
+        </p:nvSpPr>
+        <p:spPr>
+          <a:xfrm>
+            <a:off x="8526373" y="1522377"/>
+            <a:ext cx="1168574" cy="430887"/>
+          </a:xfrm>
+          <a:prstGeom prst="rect">
+            <a:avLst/>
+          </a:prstGeom>
+          <a:noFill/>
+        </p:spPr>
+        <p:txBody>
+          <a:bodyPr wrap="square" rtlCol="0">
+            <a:spAutoFit/>
+          </a:bodyPr>
+          <a:lstStyle/>
+          <a:p>
+            <a:r>
+              <a:rPr lang="en-US" altLang="ko-KR" sz="1100" b="1" dirty="0">
+                <a:latin typeface="나눔스퀘어" panose="020B0600000101010101" pitchFamily="50" charset="-127"/>
+                <a:ea typeface="나눔스퀘어" panose="020B0600000101010101" pitchFamily="50" charset="-127"/>
+              </a:rPr>
+              <a:t>Global forecast</a:t>
+            </a:r>
+          </a:p>
+          <a:p>
+            <a:r>
+              <a:rPr lang="en-US" altLang="ko-KR" sz="1100" b="1" dirty="0">
+                <a:latin typeface="나눔스퀘어" panose="020B0600000101010101" pitchFamily="50" charset="-127"/>
+                <a:ea typeface="나눔스퀘어" panose="020B0600000101010101" pitchFamily="50" charset="-127"/>
+              </a:rPr>
+              <a:t>(model input)</a:t>
+            </a:r>
+            <a:endParaRPr lang="ko-KR" altLang="en-US" sz="1100" b="1" dirty="0">
+              <a:latin typeface="나눔스퀘어" panose="020B0600000101010101" pitchFamily="50" charset="-127"/>
+              <a:ea typeface="나눔스퀘어" panose="020B0600000101010101" pitchFamily="50" charset="-127"/>
+            </a:endParaRPr>
+          </a:p>
+        </p:txBody>
+      </p:sp>
+      <p:pic>
+        <p:nvPicPr>
+          <p:cNvPr id="14" name="그림 13">
+            <a:extLst>
+              <a:ext uri="{FF2B5EF4-FFF2-40B4-BE49-F238E27FC236}">
+                <a16:creationId xmlns:a16="http://schemas.microsoft.com/office/drawing/2014/main" id="{FF7E7A27-DF01-43A1-8E43-04FD5F2DCD86}"/>
+              </a:ext>
+            </a:extLst>
+          </p:cNvPr>
+          <p:cNvPicPr>
+            <a:picLocks noChangeAspect="1"/>
+          </p:cNvPicPr>
+          <p:nvPr/>
+        </p:nvPicPr>
+        <p:blipFill>
+          <a:blip r:embed="rId2">
+            <a:extLst>
+              <a:ext uri="{28A0092B-C50C-407E-A947-70E740481C1C}">
+                <a14:useLocalDpi xmlns:a14="http://schemas.microsoft.com/office/drawing/2010/main" val="0"/>
+              </a:ext>
+            </a:extLst>
+          </a:blip>
+          <a:stretch>
+            <a:fillRect/>
+          </a:stretch>
+        </p:blipFill>
+        <p:spPr>
+          <a:xfrm>
+            <a:off x="3775053" y="303895"/>
+            <a:ext cx="5919894" cy="1272422"/>
+          </a:xfrm>
+          <a:prstGeom prst="rect">
+            <a:avLst/>
+          </a:prstGeom>
+        </p:spPr>
+      </p:pic>
+      <p:grpSp>
+        <p:nvGrpSpPr>
+          <p:cNvPr id="15" name="그룹 14"/>
+          <p:cNvGrpSpPr/>
+          <p:nvPr/>
+        </p:nvGrpSpPr>
+        <p:grpSpPr>
+          <a:xfrm>
+            <a:off x="1668757" y="1751371"/>
+            <a:ext cx="3162323" cy="1885979"/>
+            <a:chOff x="1023265" y="1638300"/>
+            <a:chExt cx="4136581" cy="2467017"/>
+          </a:xfrm>
+        </p:grpSpPr>
+        <p:sp>
+          <p:nvSpPr>
+            <p:cNvPr id="16" name="타원 15">
+              <a:extLst>
+                <a:ext uri="{FF2B5EF4-FFF2-40B4-BE49-F238E27FC236}">
+                  <a16:creationId xmlns:a16="http://schemas.microsoft.com/office/drawing/2014/main" id="{CEC9CFC5-DEB3-457C-8D4E-AFB1B02B8465}"/>
+                </a:ext>
+              </a:extLst>
+            </p:cNvPr>
+            <p:cNvSpPr/>
+            <p:nvPr/>
+          </p:nvSpPr>
+          <p:spPr>
+            <a:xfrm flipV="1">
+              <a:off x="3444525" y="3755892"/>
+              <a:ext cx="17626" cy="19389"/>
+            </a:xfrm>
+            <a:prstGeom prst="ellipse">
+              <a:avLst/>
+            </a:prstGeom>
+            <a:solidFill>
+              <a:schemeClr val="bg2">
+                <a:lumMod val="50000"/>
+              </a:schemeClr>
+            </a:solidFill>
+            <a:ln>
+              <a:solidFill>
+                <a:schemeClr val="bg2">
+                  <a:lumMod val="50000"/>
+                </a:schemeClr>
+              </a:solidFill>
+            </a:ln>
+          </p:spPr>
+          <p:style>
+            <a:lnRef idx="2">
+              <a:schemeClr val="accent1">
+                <a:shade val="50000"/>
+              </a:schemeClr>
+            </a:lnRef>
+            <a:fillRef idx="1">
+              <a:schemeClr val="accent1"/>
+            </a:fillRef>
+            <a:effectRef idx="0">
+              <a:schemeClr val="accent1"/>
+            </a:effectRef>
+            <a:fontRef idx="minor">
+              <a:schemeClr val="lt1"/>
+            </a:fontRef>
+          </p:style>
+          <p:txBody>
+            <a:bodyPr rtlCol="0" anchor="ctr"/>
+            <a:lstStyle/>
+            <a:p>
+              <a:pPr algn="ctr"/>
+              <a:endParaRPr lang="ko-KR" altLang="en-US" sz="1400"/>
+            </a:p>
+          </p:txBody>
+        </p:sp>
+        <p:sp>
+          <p:nvSpPr>
+            <p:cNvPr id="17" name="직사각형 16">
+              <a:extLst>
+                <a:ext uri="{FF2B5EF4-FFF2-40B4-BE49-F238E27FC236}">
+                  <a16:creationId xmlns:a16="http://schemas.microsoft.com/office/drawing/2014/main" id="{E82B772F-7FE0-4BA8-A6AD-6EDF4BE25BDF}"/>
+                </a:ext>
+              </a:extLst>
+            </p:cNvPr>
+            <p:cNvSpPr/>
+            <p:nvPr/>
+          </p:nvSpPr>
+          <p:spPr>
+            <a:xfrm>
+              <a:off x="1331504" y="1937702"/>
+              <a:ext cx="2832096" cy="516008"/>
+            </a:xfrm>
+            <a:prstGeom prst="rect">
+              <a:avLst/>
+            </a:prstGeom>
+            <a:solidFill>
+              <a:schemeClr val="accent5">
+                <a:lumMod val="20000"/>
+                <a:lumOff val="80000"/>
+              </a:schemeClr>
+            </a:solidFill>
+            <a:ln w="9525">
+              <a:solidFill>
+                <a:schemeClr val="accent1">
+                  <a:lumMod val="60000"/>
+                  <a:lumOff val="40000"/>
+                </a:schemeClr>
+              </a:solidFill>
+            </a:ln>
+          </p:spPr>
+          <p:style>
+            <a:lnRef idx="2">
+              <a:schemeClr val="accent1">
+                <a:shade val="50000"/>
+              </a:schemeClr>
+            </a:lnRef>
+            <a:fillRef idx="1">
+              <a:schemeClr val="accent1"/>
+            </a:fillRef>
+            <a:effectRef idx="0">
+              <a:schemeClr val="accent1"/>
+            </a:effectRef>
+            <a:fontRef idx="minor">
+              <a:schemeClr val="lt1"/>
+            </a:fontRef>
+          </p:style>
+          <p:txBody>
+            <a:bodyPr rtlCol="0" anchor="ctr"/>
+            <a:lstStyle/>
+            <a:p>
+              <a:pPr algn="ctr"/>
+              <a:r>
+                <a:rPr lang="en-US" altLang="ko-KR" sz="1200" b="1" dirty="0" smtClean="0">
+                  <a:solidFill>
+                    <a:schemeClr val="tx1"/>
+                  </a:solidFill>
+                  <a:latin typeface="나눔스퀘어" panose="020B0600000101010101" pitchFamily="50" charset="-127"/>
+                  <a:ea typeface="나눔스퀘어" panose="020B0600000101010101" pitchFamily="50" charset="-127"/>
+                </a:rPr>
+                <a:t>Trend </a:t>
+              </a:r>
+              <a:r>
+                <a:rPr lang="en-US" altLang="ko-KR" sz="1200" b="1" dirty="0" smtClean="0">
+                  <a:solidFill>
+                    <a:schemeClr val="tx1"/>
+                  </a:solidFill>
+                  <a:latin typeface="나눔스퀘어" panose="020B0600000101010101" pitchFamily="50" charset="-127"/>
+                  <a:ea typeface="나눔스퀘어" panose="020B0600000101010101" pitchFamily="50" charset="-127"/>
+                </a:rPr>
+                <a:t>Block 1</a:t>
+              </a:r>
+              <a:endParaRPr lang="ko-KR" altLang="en-US" sz="1200" b="1" dirty="0">
+                <a:solidFill>
+                  <a:schemeClr val="tx1"/>
+                </a:solidFill>
+                <a:latin typeface="나눔스퀘어" panose="020B0600000101010101" pitchFamily="50" charset="-127"/>
+                <a:ea typeface="나눔스퀘어" panose="020B0600000101010101" pitchFamily="50" charset="-127"/>
+              </a:endParaRPr>
+            </a:p>
+          </p:txBody>
+        </p:sp>
+        <p:sp>
+          <p:nvSpPr>
+            <p:cNvPr id="18" name="타원 17">
+              <a:extLst>
+                <a:ext uri="{FF2B5EF4-FFF2-40B4-BE49-F238E27FC236}">
+                  <a16:creationId xmlns:a16="http://schemas.microsoft.com/office/drawing/2014/main" id="{06730BDE-B23C-4E62-8677-B9BF85EF4742}"/>
+                </a:ext>
+              </a:extLst>
+            </p:cNvPr>
+            <p:cNvSpPr/>
+            <p:nvPr/>
+          </p:nvSpPr>
+          <p:spPr>
+            <a:xfrm>
+              <a:off x="2015623" y="1713434"/>
+              <a:ext cx="55881" cy="55881"/>
+            </a:xfrm>
+            <a:prstGeom prst="ellipse">
+              <a:avLst/>
+            </a:prstGeom>
+            <a:solidFill>
+              <a:schemeClr val="bg2">
+                <a:lumMod val="50000"/>
+              </a:schemeClr>
+            </a:solidFill>
+            <a:ln>
+              <a:solidFill>
+                <a:schemeClr val="bg2">
+                  <a:lumMod val="50000"/>
+                </a:schemeClr>
+              </a:solidFill>
+            </a:ln>
+          </p:spPr>
+          <p:style>
+            <a:lnRef idx="2">
+              <a:schemeClr val="accent1">
+                <a:shade val="50000"/>
+              </a:schemeClr>
+            </a:lnRef>
+            <a:fillRef idx="1">
+              <a:schemeClr val="accent1"/>
+            </a:fillRef>
+            <a:effectRef idx="0">
+              <a:schemeClr val="accent1"/>
+            </a:effectRef>
+            <a:fontRef idx="minor">
+              <a:schemeClr val="lt1"/>
+            </a:fontRef>
+          </p:style>
+          <p:txBody>
+            <a:bodyPr rtlCol="0" anchor="ctr"/>
+            <a:lstStyle/>
+            <a:p>
+              <a:pPr algn="ctr"/>
+              <a:endParaRPr lang="ko-KR" altLang="en-US" sz="1400"/>
+            </a:p>
+          </p:txBody>
+        </p:sp>
+        <p:cxnSp>
+          <p:nvCxnSpPr>
+            <p:cNvPr id="19" name="연결선: 꺾임 86">
+              <a:extLst>
+                <a:ext uri="{FF2B5EF4-FFF2-40B4-BE49-F238E27FC236}">
+                  <a16:creationId xmlns:a16="http://schemas.microsoft.com/office/drawing/2014/main" id="{8906E86D-0BE9-47FE-ABD9-3902224606A7}"/>
+                </a:ext>
+              </a:extLst>
+            </p:cNvPr>
+            <p:cNvCxnSpPr>
+              <a:cxnSpLocks/>
+              <a:stCxn id="18" idx="6"/>
+              <a:endCxn id="17" idx="0"/>
+            </p:cNvCxnSpPr>
+            <p:nvPr/>
+          </p:nvCxnSpPr>
+          <p:spPr>
+            <a:xfrm>
+              <a:off x="2071504" y="1741375"/>
+              <a:ext cx="676048" cy="196327"/>
+            </a:xfrm>
+            <a:prstGeom prst="bentConnector2">
+              <a:avLst/>
+            </a:prstGeom>
+            <a:ln w="25400">
+              <a:solidFill>
+                <a:schemeClr val="bg2">
+                  <a:lumMod val="50000"/>
+                </a:schemeClr>
+              </a:solidFill>
+              <a:tailEnd type="triangle"/>
+            </a:ln>
+          </p:spPr>
+          <p:style>
+            <a:lnRef idx="1">
+              <a:schemeClr val="accent1"/>
+            </a:lnRef>
+            <a:fillRef idx="0">
+              <a:schemeClr val="accent1"/>
+            </a:fillRef>
+            <a:effectRef idx="0">
+              <a:schemeClr val="accent1"/>
+            </a:effectRef>
+            <a:fontRef idx="minor">
+              <a:schemeClr val="tx1"/>
+            </a:fontRef>
+          </p:style>
+        </p:cxnSp>
+        <p:cxnSp>
+          <p:nvCxnSpPr>
+            <p:cNvPr id="21" name="직선 화살표 연결선 20">
+              <a:extLst>
+                <a:ext uri="{FF2B5EF4-FFF2-40B4-BE49-F238E27FC236}">
+                  <a16:creationId xmlns:a16="http://schemas.microsoft.com/office/drawing/2014/main" id="{DD32051E-C8B4-4422-86EB-A09069E9C112}"/>
+                </a:ext>
+              </a:extLst>
+            </p:cNvPr>
+            <p:cNvCxnSpPr>
+              <a:cxnSpLocks/>
+              <a:endCxn id="22" idx="0"/>
+            </p:cNvCxnSpPr>
+            <p:nvPr/>
+          </p:nvCxnSpPr>
+          <p:spPr>
+            <a:xfrm>
+              <a:off x="2042569" y="2392752"/>
+              <a:ext cx="0" cy="145482"/>
+            </a:xfrm>
+            <a:prstGeom prst="straightConnector1">
+              <a:avLst/>
+            </a:prstGeom>
+            <a:ln w="25400">
+              <a:solidFill>
+                <a:schemeClr val="bg2">
+                  <a:lumMod val="50000"/>
+                </a:schemeClr>
+              </a:solidFill>
+              <a:tailEnd type="triangle"/>
+            </a:ln>
+          </p:spPr>
+          <p:style>
+            <a:lnRef idx="1">
+              <a:schemeClr val="accent1"/>
+            </a:lnRef>
+            <a:fillRef idx="0">
+              <a:schemeClr val="accent1"/>
+            </a:fillRef>
+            <a:effectRef idx="0">
+              <a:schemeClr val="accent1"/>
+            </a:effectRef>
+            <a:fontRef idx="minor">
+              <a:schemeClr val="tx1"/>
+            </a:fontRef>
+          </p:style>
+        </p:cxnSp>
+        <p:sp>
+          <p:nvSpPr>
+            <p:cNvPr id="22" name="타원 21">
+              <a:extLst>
+                <a:ext uri="{FF2B5EF4-FFF2-40B4-BE49-F238E27FC236}">
+                  <a16:creationId xmlns:a16="http://schemas.microsoft.com/office/drawing/2014/main" id="{397E579C-8D6F-4B10-8F25-A211EC89F629}"/>
+                </a:ext>
+              </a:extLst>
+            </p:cNvPr>
+            <p:cNvSpPr/>
+            <p:nvPr/>
+          </p:nvSpPr>
+          <p:spPr>
+            <a:xfrm>
+              <a:off x="1942122" y="2538234"/>
+              <a:ext cx="200894" cy="200894"/>
+            </a:xfrm>
+            <a:prstGeom prst="ellipse">
+              <a:avLst/>
+            </a:prstGeom>
+            <a:solidFill>
+              <a:schemeClr val="bg1"/>
+            </a:solidFill>
+            <a:ln>
+              <a:solidFill>
+                <a:schemeClr val="tx1"/>
+              </a:solidFill>
+            </a:ln>
+          </p:spPr>
+          <p:style>
+            <a:lnRef idx="2">
+              <a:schemeClr val="accent1">
+                <a:shade val="50000"/>
+              </a:schemeClr>
+            </a:lnRef>
+            <a:fillRef idx="1">
+              <a:schemeClr val="accent1"/>
+            </a:fillRef>
+            <a:effectRef idx="0">
+              <a:schemeClr val="accent1"/>
+            </a:effectRef>
+            <a:fontRef idx="minor">
+              <a:schemeClr val="lt1"/>
+            </a:fontRef>
+          </p:style>
+          <p:txBody>
+            <a:bodyPr lIns="0" tIns="0" rIns="0" bIns="0" rtlCol="0" anchor="ctr"/>
+            <a:lstStyle/>
+            <a:p>
+              <a:pPr algn="ctr"/>
+              <a:r>
+                <a:rPr lang="en-US" altLang="ko-KR" sz="1600" b="1" dirty="0">
+                  <a:solidFill>
+                    <a:schemeClr val="tx1"/>
+                  </a:solidFill>
+                  <a:latin typeface="나눔스퀘어 ExtraBold" panose="020B0600000101010101" pitchFamily="50" charset="-127"/>
+                  <a:ea typeface="나눔스퀘어 ExtraBold" panose="020B0600000101010101" pitchFamily="50" charset="-127"/>
+                </a:rPr>
+                <a:t>-</a:t>
+              </a:r>
+              <a:endParaRPr lang="ko-KR" altLang="en-US" sz="1600" b="1" dirty="0">
+                <a:solidFill>
+                  <a:schemeClr val="tx1"/>
+                </a:solidFill>
+                <a:latin typeface="나눔스퀘어 ExtraBold" panose="020B0600000101010101" pitchFamily="50" charset="-127"/>
+                <a:ea typeface="나눔스퀘어 ExtraBold" panose="020B0600000101010101" pitchFamily="50" charset="-127"/>
+              </a:endParaRPr>
+            </a:p>
+          </p:txBody>
+        </p:sp>
+        <p:sp>
+          <p:nvSpPr>
+            <p:cNvPr id="23" name="타원 22">
+              <a:extLst>
+                <a:ext uri="{FF2B5EF4-FFF2-40B4-BE49-F238E27FC236}">
+                  <a16:creationId xmlns:a16="http://schemas.microsoft.com/office/drawing/2014/main" id="{2649EAF5-4F8E-4C7B-97F7-3C01DB94CAEB}"/>
+                </a:ext>
+              </a:extLst>
+            </p:cNvPr>
+            <p:cNvSpPr/>
+            <p:nvPr/>
+          </p:nvSpPr>
+          <p:spPr>
+            <a:xfrm>
+              <a:off x="2015623" y="2827811"/>
+              <a:ext cx="55881" cy="55881"/>
+            </a:xfrm>
+            <a:prstGeom prst="ellipse">
+              <a:avLst/>
+            </a:prstGeom>
+            <a:solidFill>
+              <a:schemeClr val="bg2">
+                <a:lumMod val="50000"/>
+              </a:schemeClr>
+            </a:solidFill>
+            <a:ln>
+              <a:solidFill>
+                <a:schemeClr val="bg2">
+                  <a:lumMod val="50000"/>
+                </a:schemeClr>
+              </a:solidFill>
+            </a:ln>
+          </p:spPr>
+          <p:style>
+            <a:lnRef idx="2">
+              <a:schemeClr val="accent1">
+                <a:shade val="50000"/>
+              </a:schemeClr>
+            </a:lnRef>
+            <a:fillRef idx="1">
+              <a:schemeClr val="accent1"/>
+            </a:fillRef>
+            <a:effectRef idx="0">
+              <a:schemeClr val="accent1"/>
+            </a:effectRef>
+            <a:fontRef idx="minor">
+              <a:schemeClr val="lt1"/>
+            </a:fontRef>
+          </p:style>
+          <p:txBody>
+            <a:bodyPr rtlCol="0" anchor="ctr"/>
+            <a:lstStyle/>
+            <a:p>
+              <a:pPr algn="ctr"/>
+              <a:endParaRPr lang="ko-KR" altLang="en-US" sz="1400"/>
+            </a:p>
+          </p:txBody>
+        </p:sp>
+        <p:cxnSp>
+          <p:nvCxnSpPr>
+            <p:cNvPr id="24" name="연결선: 꺾임 114">
+              <a:extLst>
+                <a:ext uri="{FF2B5EF4-FFF2-40B4-BE49-F238E27FC236}">
+                  <a16:creationId xmlns:a16="http://schemas.microsoft.com/office/drawing/2014/main" id="{85A63CE9-FD59-4139-8B8B-DF402C3AC7EF}"/>
+                </a:ext>
+              </a:extLst>
+            </p:cNvPr>
+            <p:cNvCxnSpPr>
+              <a:cxnSpLocks/>
+              <a:stCxn id="23" idx="6"/>
+              <a:endCxn id="44" idx="6"/>
+            </p:cNvCxnSpPr>
+            <p:nvPr/>
+          </p:nvCxnSpPr>
+          <p:spPr>
+            <a:xfrm>
+              <a:off x="2071504" y="2855752"/>
+              <a:ext cx="673081" cy="156538"/>
+            </a:xfrm>
+            <a:prstGeom prst="bentConnector2">
+              <a:avLst/>
+            </a:prstGeom>
+            <a:ln w="25400">
+              <a:solidFill>
+                <a:schemeClr val="bg2">
+                  <a:lumMod val="50000"/>
+                </a:schemeClr>
+              </a:solidFill>
+              <a:tailEnd type="triangle"/>
+            </a:ln>
+          </p:spPr>
+          <p:style>
+            <a:lnRef idx="1">
+              <a:schemeClr val="accent1"/>
+            </a:lnRef>
+            <a:fillRef idx="0">
+              <a:schemeClr val="accent1"/>
+            </a:fillRef>
+            <a:effectRef idx="0">
+              <a:schemeClr val="accent1"/>
+            </a:effectRef>
+            <a:fontRef idx="minor">
+              <a:schemeClr val="tx1"/>
+            </a:fontRef>
+          </p:style>
+        </p:cxnSp>
+        <p:cxnSp>
+          <p:nvCxnSpPr>
+            <p:cNvPr id="25" name="직선 화살표 연결선 24">
+              <a:extLst>
+                <a:ext uri="{FF2B5EF4-FFF2-40B4-BE49-F238E27FC236}">
+                  <a16:creationId xmlns:a16="http://schemas.microsoft.com/office/drawing/2014/main" id="{8F4406CE-68C2-49CA-B6CA-A07D94231074}"/>
+                </a:ext>
+              </a:extLst>
+            </p:cNvPr>
+            <p:cNvCxnSpPr>
+              <a:cxnSpLocks/>
+              <a:stCxn id="22" idx="4"/>
+              <a:endCxn id="23" idx="0"/>
+            </p:cNvCxnSpPr>
+            <p:nvPr/>
+          </p:nvCxnSpPr>
+          <p:spPr>
+            <a:xfrm>
+              <a:off x="2042569" y="2739128"/>
+              <a:ext cx="995" cy="88683"/>
+            </a:xfrm>
+            <a:prstGeom prst="straightConnector1">
+              <a:avLst/>
+            </a:prstGeom>
+            <a:ln w="25400">
+              <a:solidFill>
+                <a:schemeClr val="bg2">
+                  <a:lumMod val="50000"/>
+                </a:schemeClr>
+              </a:solidFill>
+              <a:tailEnd type="none"/>
+            </a:ln>
+          </p:spPr>
+          <p:style>
+            <a:lnRef idx="1">
+              <a:schemeClr val="accent1"/>
+            </a:lnRef>
+            <a:fillRef idx="0">
+              <a:schemeClr val="accent1"/>
+            </a:fillRef>
+            <a:effectRef idx="0">
+              <a:schemeClr val="accent1"/>
+            </a:effectRef>
+            <a:fontRef idx="minor">
+              <a:schemeClr val="tx1"/>
+            </a:fontRef>
+          </p:style>
+        </p:cxnSp>
+        <p:grpSp>
+          <p:nvGrpSpPr>
+            <p:cNvPr id="26" name="그룹 25">
+              <a:extLst>
+                <a:ext uri="{FF2B5EF4-FFF2-40B4-BE49-F238E27FC236}">
+                  <a16:creationId xmlns:a16="http://schemas.microsoft.com/office/drawing/2014/main" id="{315C5CE3-5A9C-40CE-BDAF-4FEAC91E1476}"/>
+                </a:ext>
+              </a:extLst>
+            </p:cNvPr>
+            <p:cNvGrpSpPr/>
+            <p:nvPr/>
+          </p:nvGrpSpPr>
+          <p:grpSpPr>
+            <a:xfrm rot="16200000">
+              <a:off x="2711835" y="2927253"/>
+              <a:ext cx="69056" cy="239130"/>
+              <a:chOff x="9477375" y="2904120"/>
+              <a:chExt cx="69056" cy="239130"/>
+            </a:xfrm>
+          </p:grpSpPr>
+          <p:sp>
+            <p:nvSpPr>
+              <p:cNvPr id="43" name="타원 42">
+                <a:extLst>
+                  <a:ext uri="{FF2B5EF4-FFF2-40B4-BE49-F238E27FC236}">
+                    <a16:creationId xmlns:a16="http://schemas.microsoft.com/office/drawing/2014/main" id="{9315A9AE-472A-4441-BBDF-652AAD985197}"/>
+                  </a:ext>
+                </a:extLst>
+              </p:cNvPr>
+              <p:cNvSpPr/>
+              <p:nvPr/>
+            </p:nvSpPr>
+            <p:spPr>
+              <a:xfrm>
+                <a:off x="9477375" y="2904120"/>
+                <a:ext cx="69056" cy="69056"/>
+              </a:xfrm>
+              <a:prstGeom prst="ellipse">
+                <a:avLst/>
+              </a:prstGeom>
+              <a:solidFill>
+                <a:schemeClr val="bg1">
+                  <a:lumMod val="75000"/>
+                </a:schemeClr>
+              </a:solidFill>
+              <a:ln>
+                <a:noFill/>
+              </a:ln>
+            </p:spPr>
+            <p:style>
+              <a:lnRef idx="2">
+                <a:schemeClr val="accent1">
+                  <a:shade val="50000"/>
+                </a:schemeClr>
+              </a:lnRef>
+              <a:fillRef idx="1">
+                <a:schemeClr val="accent1"/>
+              </a:fillRef>
+              <a:effectRef idx="0">
+                <a:schemeClr val="accent1"/>
+              </a:effectRef>
+              <a:fontRef idx="minor">
+                <a:schemeClr val="lt1"/>
+              </a:fontRef>
+            </p:style>
+            <p:txBody>
+              <a:bodyPr rtlCol="0" anchor="ctr"/>
+              <a:lstStyle/>
+              <a:p>
+                <a:pPr algn="ctr"/>
+                <a:endParaRPr lang="ko-KR" altLang="en-US" sz="1400"/>
+              </a:p>
+            </p:txBody>
+          </p:sp>
+          <p:sp>
+            <p:nvSpPr>
+              <p:cNvPr id="44" name="타원 43">
+                <a:extLst>
+                  <a:ext uri="{FF2B5EF4-FFF2-40B4-BE49-F238E27FC236}">
+                    <a16:creationId xmlns:a16="http://schemas.microsoft.com/office/drawing/2014/main" id="{22B54196-105F-4E02-BA1C-A13A0C3DC41E}"/>
+                  </a:ext>
+                </a:extLst>
+              </p:cNvPr>
+              <p:cNvSpPr/>
+              <p:nvPr/>
+            </p:nvSpPr>
+            <p:spPr>
+              <a:xfrm>
+                <a:off x="9477375" y="2987379"/>
+                <a:ext cx="69056" cy="69056"/>
+              </a:xfrm>
+              <a:prstGeom prst="ellipse">
+                <a:avLst/>
+              </a:prstGeom>
+              <a:solidFill>
+                <a:schemeClr val="bg1">
+                  <a:lumMod val="75000"/>
+                </a:schemeClr>
+              </a:solidFill>
+              <a:ln>
+                <a:noFill/>
+              </a:ln>
+            </p:spPr>
+            <p:style>
+              <a:lnRef idx="2">
+                <a:schemeClr val="accent1">
+                  <a:shade val="50000"/>
+                </a:schemeClr>
+              </a:lnRef>
+              <a:fillRef idx="1">
+                <a:schemeClr val="accent1"/>
+              </a:fillRef>
+              <a:effectRef idx="0">
+                <a:schemeClr val="accent1"/>
+              </a:effectRef>
+              <a:fontRef idx="minor">
+                <a:schemeClr val="lt1"/>
+              </a:fontRef>
+            </p:style>
+            <p:txBody>
+              <a:bodyPr rtlCol="0" anchor="ctr"/>
+              <a:lstStyle/>
+              <a:p>
+                <a:pPr algn="ctr"/>
+                <a:endParaRPr lang="ko-KR" altLang="en-US" sz="1400"/>
+              </a:p>
+            </p:txBody>
+          </p:sp>
+          <p:sp>
+            <p:nvSpPr>
+              <p:cNvPr id="45" name="타원 44">
+                <a:extLst>
+                  <a:ext uri="{FF2B5EF4-FFF2-40B4-BE49-F238E27FC236}">
+                    <a16:creationId xmlns:a16="http://schemas.microsoft.com/office/drawing/2014/main" id="{4D44F053-8418-4795-9298-350869261AA0}"/>
+                  </a:ext>
+                </a:extLst>
+              </p:cNvPr>
+              <p:cNvSpPr/>
+              <p:nvPr/>
+            </p:nvSpPr>
+            <p:spPr>
+              <a:xfrm>
+                <a:off x="9477375" y="3074194"/>
+                <a:ext cx="69056" cy="69056"/>
+              </a:xfrm>
+              <a:prstGeom prst="ellipse">
+                <a:avLst/>
+              </a:prstGeom>
+              <a:solidFill>
+                <a:schemeClr val="bg1">
+                  <a:lumMod val="75000"/>
+                </a:schemeClr>
+              </a:solidFill>
+              <a:ln>
+                <a:noFill/>
+              </a:ln>
+            </p:spPr>
+            <p:style>
+              <a:lnRef idx="2">
+                <a:schemeClr val="accent1">
+                  <a:shade val="50000"/>
+                </a:schemeClr>
+              </a:lnRef>
+              <a:fillRef idx="1">
+                <a:schemeClr val="accent1"/>
+              </a:fillRef>
+              <a:effectRef idx="0">
+                <a:schemeClr val="accent1"/>
+              </a:effectRef>
+              <a:fontRef idx="minor">
+                <a:schemeClr val="lt1"/>
+              </a:fontRef>
+            </p:style>
+            <p:txBody>
+              <a:bodyPr rtlCol="0" anchor="ctr"/>
+              <a:lstStyle/>
+              <a:p>
+                <a:pPr algn="ctr"/>
+                <a:endParaRPr lang="ko-KR" altLang="en-US" sz="1400"/>
+              </a:p>
+            </p:txBody>
+          </p:sp>
+        </p:grpSp>
+        <p:sp>
+          <p:nvSpPr>
+            <p:cNvPr id="27" name="직사각형 26">
+              <a:extLst>
+                <a:ext uri="{FF2B5EF4-FFF2-40B4-BE49-F238E27FC236}">
+                  <a16:creationId xmlns:a16="http://schemas.microsoft.com/office/drawing/2014/main" id="{15DB987E-98A5-4779-A843-0C89FD074E7B}"/>
+                </a:ext>
+              </a:extLst>
+            </p:cNvPr>
+            <p:cNvSpPr/>
+            <p:nvPr/>
+          </p:nvSpPr>
+          <p:spPr>
+            <a:xfrm>
+              <a:off x="1331504" y="3256400"/>
+              <a:ext cx="2832096" cy="516008"/>
+            </a:xfrm>
+            <a:prstGeom prst="rect">
+              <a:avLst/>
+            </a:prstGeom>
+            <a:solidFill>
+              <a:schemeClr val="accent5">
+                <a:lumMod val="20000"/>
+                <a:lumOff val="80000"/>
+              </a:schemeClr>
+            </a:solidFill>
+            <a:ln w="9525">
+              <a:solidFill>
+                <a:schemeClr val="accent1">
+                  <a:lumMod val="60000"/>
+                  <a:lumOff val="40000"/>
+                </a:schemeClr>
+              </a:solidFill>
+            </a:ln>
+          </p:spPr>
+          <p:style>
+            <a:lnRef idx="2">
+              <a:schemeClr val="accent1">
+                <a:shade val="50000"/>
+              </a:schemeClr>
+            </a:lnRef>
+            <a:fillRef idx="1">
+              <a:schemeClr val="accent1"/>
+            </a:fillRef>
+            <a:effectRef idx="0">
+              <a:schemeClr val="accent1"/>
+            </a:effectRef>
+            <a:fontRef idx="minor">
+              <a:schemeClr val="lt1"/>
+            </a:fontRef>
+          </p:style>
+          <p:txBody>
+            <a:bodyPr rtlCol="0" anchor="ctr"/>
+            <a:lstStyle/>
+            <a:p>
+              <a:pPr algn="ctr"/>
+              <a:r>
+                <a:rPr lang="en-US" altLang="ko-KR" sz="1200" b="1" dirty="0" smtClean="0">
+                  <a:solidFill>
+                    <a:schemeClr val="tx1"/>
+                  </a:solidFill>
+                  <a:latin typeface="나눔스퀘어" panose="020B0600000101010101" pitchFamily="50" charset="-127"/>
+                  <a:ea typeface="나눔스퀘어" panose="020B0600000101010101" pitchFamily="50" charset="-127"/>
+                </a:rPr>
+                <a:t>Trend  Block </a:t>
+              </a:r>
+              <a:r>
+                <a:rPr lang="en-US" altLang="ko-KR" sz="1200" b="1" i="1" dirty="0">
+                  <a:solidFill>
+                    <a:schemeClr val="tx1"/>
+                  </a:solidFill>
+                  <a:latin typeface="나눔스퀘어" panose="020B0600000101010101" pitchFamily="50" charset="-127"/>
+                  <a:ea typeface="나눔스퀘어" panose="020B0600000101010101" pitchFamily="50" charset="-127"/>
+                </a:rPr>
+                <a:t>K</a:t>
+              </a:r>
+              <a:endParaRPr lang="ko-KR" altLang="en-US" sz="1200" b="1" i="1" dirty="0">
+                <a:solidFill>
+                  <a:schemeClr val="tx1"/>
+                </a:solidFill>
+                <a:latin typeface="나눔스퀘어" panose="020B0600000101010101" pitchFamily="50" charset="-127"/>
+                <a:ea typeface="나눔스퀘어" panose="020B0600000101010101" pitchFamily="50" charset="-127"/>
+              </a:endParaRPr>
+            </a:p>
+          </p:txBody>
+        </p:sp>
+        <p:cxnSp>
+          <p:nvCxnSpPr>
+            <p:cNvPr id="28" name="연결선: 꺾임 124">
+              <a:extLst>
+                <a:ext uri="{FF2B5EF4-FFF2-40B4-BE49-F238E27FC236}">
+                  <a16:creationId xmlns:a16="http://schemas.microsoft.com/office/drawing/2014/main" id="{C2EB735B-7E1C-4EB4-A7C8-1FBDBC3E119B}"/>
+                </a:ext>
+              </a:extLst>
+            </p:cNvPr>
+            <p:cNvCxnSpPr>
+              <a:cxnSpLocks/>
+              <a:stCxn id="18" idx="2"/>
+              <a:endCxn id="22" idx="2"/>
+            </p:cNvCxnSpPr>
+            <p:nvPr/>
+          </p:nvCxnSpPr>
+          <p:spPr>
+            <a:xfrm rot="10800000" flipV="1">
+              <a:off x="1942123" y="1741375"/>
+              <a:ext cx="73501" cy="897306"/>
+            </a:xfrm>
+            <a:prstGeom prst="bentConnector3">
+              <a:avLst>
+                <a:gd name="adj1" fmla="val 1102163"/>
+              </a:avLst>
+            </a:prstGeom>
+            <a:ln w="25400">
+              <a:solidFill>
+                <a:schemeClr val="bg2">
+                  <a:lumMod val="50000"/>
+                </a:schemeClr>
+              </a:solidFill>
+              <a:tailEnd type="triangle"/>
+            </a:ln>
+          </p:spPr>
+          <p:style>
+            <a:lnRef idx="1">
+              <a:schemeClr val="accent1"/>
+            </a:lnRef>
+            <a:fillRef idx="0">
+              <a:schemeClr val="accent1"/>
+            </a:fillRef>
+            <a:effectRef idx="0">
+              <a:schemeClr val="accent1"/>
+            </a:effectRef>
+            <a:fontRef idx="minor">
+              <a:schemeClr val="tx1"/>
+            </a:fontRef>
+          </p:style>
+        </p:cxnSp>
+        <p:cxnSp>
+          <p:nvCxnSpPr>
+            <p:cNvPr id="29" name="연결선: 꺾임 131">
+              <a:extLst>
+                <a:ext uri="{FF2B5EF4-FFF2-40B4-BE49-F238E27FC236}">
+                  <a16:creationId xmlns:a16="http://schemas.microsoft.com/office/drawing/2014/main" id="{2E058120-AC82-4ECE-ACA7-9E78DCD0ACE8}"/>
+                </a:ext>
+              </a:extLst>
+            </p:cNvPr>
+            <p:cNvCxnSpPr>
+              <a:cxnSpLocks/>
+              <a:stCxn id="23" idx="2"/>
+              <a:endCxn id="41" idx="6"/>
+            </p:cNvCxnSpPr>
+            <p:nvPr/>
+          </p:nvCxnSpPr>
+          <p:spPr>
+            <a:xfrm rot="10800000" flipV="1">
+              <a:off x="1191351" y="2855752"/>
+              <a:ext cx="824273" cy="156538"/>
+            </a:xfrm>
+            <a:prstGeom prst="bentConnector2">
+              <a:avLst/>
+            </a:prstGeom>
+            <a:ln w="25400">
+              <a:solidFill>
+                <a:schemeClr val="bg2">
+                  <a:lumMod val="50000"/>
+                </a:schemeClr>
+              </a:solidFill>
+              <a:tailEnd type="triangle"/>
+            </a:ln>
+          </p:spPr>
+          <p:style>
+            <a:lnRef idx="1">
+              <a:schemeClr val="accent1"/>
+            </a:lnRef>
+            <a:fillRef idx="0">
+              <a:schemeClr val="accent1"/>
+            </a:fillRef>
+            <a:effectRef idx="0">
+              <a:schemeClr val="accent1"/>
+            </a:effectRef>
+            <a:fontRef idx="minor">
+              <a:schemeClr val="tx1"/>
+            </a:fontRef>
+          </p:style>
+        </p:cxnSp>
+        <p:grpSp>
+          <p:nvGrpSpPr>
+            <p:cNvPr id="30" name="그룹 29">
+              <a:extLst>
+                <a:ext uri="{FF2B5EF4-FFF2-40B4-BE49-F238E27FC236}">
+                  <a16:creationId xmlns:a16="http://schemas.microsoft.com/office/drawing/2014/main" id="{4A965B5E-A8F3-4410-B109-D53B2CAA48F4}"/>
+                </a:ext>
+              </a:extLst>
+            </p:cNvPr>
+            <p:cNvGrpSpPr/>
+            <p:nvPr/>
+          </p:nvGrpSpPr>
+          <p:grpSpPr>
+            <a:xfrm rot="16200000">
+              <a:off x="1158600" y="2927253"/>
+              <a:ext cx="69056" cy="239130"/>
+              <a:chOff x="9477375" y="2904120"/>
+              <a:chExt cx="69056" cy="239130"/>
+            </a:xfrm>
+          </p:grpSpPr>
+          <p:sp>
+            <p:nvSpPr>
+              <p:cNvPr id="40" name="타원 39">
+                <a:extLst>
+                  <a:ext uri="{FF2B5EF4-FFF2-40B4-BE49-F238E27FC236}">
+                    <a16:creationId xmlns:a16="http://schemas.microsoft.com/office/drawing/2014/main" id="{E42FEE65-40B3-4E4F-80F0-01AC62083836}"/>
+                  </a:ext>
+                </a:extLst>
+              </p:cNvPr>
+              <p:cNvSpPr/>
+              <p:nvPr/>
+            </p:nvSpPr>
+            <p:spPr>
+              <a:xfrm>
+                <a:off x="9477375" y="2904120"/>
+                <a:ext cx="69056" cy="69056"/>
+              </a:xfrm>
+              <a:prstGeom prst="ellipse">
+                <a:avLst/>
+              </a:prstGeom>
+              <a:solidFill>
+                <a:schemeClr val="bg1">
+                  <a:lumMod val="75000"/>
+                </a:schemeClr>
+              </a:solidFill>
+              <a:ln>
+                <a:noFill/>
+              </a:ln>
+            </p:spPr>
+            <p:style>
+              <a:lnRef idx="2">
+                <a:schemeClr val="accent1">
+                  <a:shade val="50000"/>
+                </a:schemeClr>
+              </a:lnRef>
+              <a:fillRef idx="1">
+                <a:schemeClr val="accent1"/>
+              </a:fillRef>
+              <a:effectRef idx="0">
+                <a:schemeClr val="accent1"/>
+              </a:effectRef>
+              <a:fontRef idx="minor">
+                <a:schemeClr val="lt1"/>
+              </a:fontRef>
+            </p:style>
+            <p:txBody>
+              <a:bodyPr rtlCol="0" anchor="ctr"/>
+              <a:lstStyle/>
+              <a:p>
+                <a:pPr algn="ctr"/>
+                <a:endParaRPr lang="ko-KR" altLang="en-US" sz="1400"/>
+              </a:p>
+            </p:txBody>
+          </p:sp>
+          <p:sp>
+            <p:nvSpPr>
+              <p:cNvPr id="41" name="타원 40">
+                <a:extLst>
+                  <a:ext uri="{FF2B5EF4-FFF2-40B4-BE49-F238E27FC236}">
+                    <a16:creationId xmlns:a16="http://schemas.microsoft.com/office/drawing/2014/main" id="{EC6978E5-B000-4792-8D77-16E5BED83EB0}"/>
+                  </a:ext>
+                </a:extLst>
+              </p:cNvPr>
+              <p:cNvSpPr/>
+              <p:nvPr/>
+            </p:nvSpPr>
+            <p:spPr>
+              <a:xfrm>
+                <a:off x="9477375" y="2987379"/>
+                <a:ext cx="69056" cy="69056"/>
+              </a:xfrm>
+              <a:prstGeom prst="ellipse">
+                <a:avLst/>
+              </a:prstGeom>
+              <a:solidFill>
+                <a:schemeClr val="bg1">
+                  <a:lumMod val="75000"/>
+                </a:schemeClr>
+              </a:solidFill>
+              <a:ln>
+                <a:noFill/>
+              </a:ln>
+            </p:spPr>
+            <p:style>
+              <a:lnRef idx="2">
+                <a:schemeClr val="accent1">
+                  <a:shade val="50000"/>
+                </a:schemeClr>
+              </a:lnRef>
+              <a:fillRef idx="1">
+                <a:schemeClr val="accent1"/>
+              </a:fillRef>
+              <a:effectRef idx="0">
+                <a:schemeClr val="accent1"/>
+              </a:effectRef>
+              <a:fontRef idx="minor">
+                <a:schemeClr val="lt1"/>
+              </a:fontRef>
+            </p:style>
+            <p:txBody>
+              <a:bodyPr rtlCol="0" anchor="ctr"/>
+              <a:lstStyle/>
+              <a:p>
+                <a:pPr algn="ctr"/>
+                <a:endParaRPr lang="ko-KR" altLang="en-US" sz="1400"/>
+              </a:p>
+            </p:txBody>
+          </p:sp>
+          <p:sp>
+            <p:nvSpPr>
+              <p:cNvPr id="42" name="타원 41">
+                <a:extLst>
+                  <a:ext uri="{FF2B5EF4-FFF2-40B4-BE49-F238E27FC236}">
+                    <a16:creationId xmlns:a16="http://schemas.microsoft.com/office/drawing/2014/main" id="{C05A203F-065A-450A-8007-0E100A077F7B}"/>
+                  </a:ext>
+                </a:extLst>
+              </p:cNvPr>
+              <p:cNvSpPr/>
+              <p:nvPr/>
+            </p:nvSpPr>
+            <p:spPr>
+              <a:xfrm>
+                <a:off x="9477375" y="3074194"/>
+                <a:ext cx="69056" cy="69056"/>
+              </a:xfrm>
+              <a:prstGeom prst="ellipse">
+                <a:avLst/>
+              </a:prstGeom>
+              <a:solidFill>
+                <a:schemeClr val="bg1">
+                  <a:lumMod val="75000"/>
+                </a:schemeClr>
+              </a:solidFill>
+              <a:ln>
+                <a:noFill/>
+              </a:ln>
+            </p:spPr>
+            <p:style>
+              <a:lnRef idx="2">
+                <a:schemeClr val="accent1">
+                  <a:shade val="50000"/>
+                </a:schemeClr>
+              </a:lnRef>
+              <a:fillRef idx="1">
+                <a:schemeClr val="accent1"/>
+              </a:fillRef>
+              <a:effectRef idx="0">
+                <a:schemeClr val="accent1"/>
+              </a:effectRef>
+              <a:fontRef idx="minor">
+                <a:schemeClr val="lt1"/>
+              </a:fontRef>
+            </p:style>
+            <p:txBody>
+              <a:bodyPr rtlCol="0" anchor="ctr"/>
+              <a:lstStyle/>
+              <a:p>
+                <a:pPr algn="ctr"/>
+                <a:endParaRPr lang="ko-KR" altLang="en-US" sz="1400"/>
+              </a:p>
+            </p:txBody>
+          </p:sp>
+        </p:grpSp>
+        <p:sp>
+          <p:nvSpPr>
+            <p:cNvPr id="31" name="타원 30">
+              <a:extLst>
+                <a:ext uri="{FF2B5EF4-FFF2-40B4-BE49-F238E27FC236}">
+                  <a16:creationId xmlns:a16="http://schemas.microsoft.com/office/drawing/2014/main" id="{F6AE04DD-C253-40C1-8928-159E416F7438}"/>
+                </a:ext>
+              </a:extLst>
+            </p:cNvPr>
+            <p:cNvSpPr/>
+            <p:nvPr/>
+          </p:nvSpPr>
+          <p:spPr>
+            <a:xfrm>
+              <a:off x="1942122" y="3849466"/>
+              <a:ext cx="200894" cy="200894"/>
+            </a:xfrm>
+            <a:prstGeom prst="ellipse">
+              <a:avLst/>
+            </a:prstGeom>
+            <a:solidFill>
+              <a:schemeClr val="bg1"/>
+            </a:solidFill>
+            <a:ln>
+              <a:solidFill>
+                <a:schemeClr val="tx1"/>
+              </a:solidFill>
+            </a:ln>
+          </p:spPr>
+          <p:style>
+            <a:lnRef idx="2">
+              <a:schemeClr val="accent1">
+                <a:shade val="50000"/>
+              </a:schemeClr>
+            </a:lnRef>
+            <a:fillRef idx="1">
+              <a:schemeClr val="accent1"/>
+            </a:fillRef>
+            <a:effectRef idx="0">
+              <a:schemeClr val="accent1"/>
+            </a:effectRef>
+            <a:fontRef idx="minor">
+              <a:schemeClr val="lt1"/>
+            </a:fontRef>
+          </p:style>
+          <p:txBody>
+            <a:bodyPr lIns="0" tIns="0" rIns="0" bIns="0" rtlCol="0" anchor="ctr"/>
+            <a:lstStyle/>
+            <a:p>
+              <a:pPr algn="ctr"/>
+              <a:r>
+                <a:rPr lang="en-US" altLang="ko-KR" sz="1600" b="1" dirty="0">
+                  <a:solidFill>
+                    <a:schemeClr val="tx1"/>
+                  </a:solidFill>
+                  <a:latin typeface="나눔스퀘어 ExtraBold" panose="020B0600000101010101" pitchFamily="50" charset="-127"/>
+                  <a:ea typeface="나눔스퀘어 ExtraBold" panose="020B0600000101010101" pitchFamily="50" charset="-127"/>
+                </a:rPr>
+                <a:t>-</a:t>
+              </a:r>
+              <a:endParaRPr lang="ko-KR" altLang="en-US" sz="1600" b="1" dirty="0">
+                <a:solidFill>
+                  <a:schemeClr val="tx1"/>
+                </a:solidFill>
+                <a:latin typeface="나눔스퀘어 ExtraBold" panose="020B0600000101010101" pitchFamily="50" charset="-127"/>
+                <a:ea typeface="나눔스퀘어 ExtraBold" panose="020B0600000101010101" pitchFamily="50" charset="-127"/>
+              </a:endParaRPr>
+            </a:p>
+          </p:txBody>
+        </p:sp>
+        <p:cxnSp>
+          <p:nvCxnSpPr>
+            <p:cNvPr id="32" name="직선 화살표 연결선 31">
+              <a:extLst>
+                <a:ext uri="{FF2B5EF4-FFF2-40B4-BE49-F238E27FC236}">
+                  <a16:creationId xmlns:a16="http://schemas.microsoft.com/office/drawing/2014/main" id="{33EB9F59-D0A4-4710-96B1-3CB8A6487026}"/>
+                </a:ext>
+              </a:extLst>
+            </p:cNvPr>
+            <p:cNvCxnSpPr>
+              <a:cxnSpLocks/>
+              <a:stCxn id="44" idx="2"/>
+              <a:endCxn id="27" idx="0"/>
+            </p:cNvCxnSpPr>
+            <p:nvPr/>
+          </p:nvCxnSpPr>
+          <p:spPr>
+            <a:xfrm>
+              <a:off x="2744585" y="3081346"/>
+              <a:ext cx="2967" cy="175054"/>
+            </a:xfrm>
+            <a:prstGeom prst="straightConnector1">
+              <a:avLst/>
+            </a:prstGeom>
+            <a:ln w="25400">
+              <a:solidFill>
+                <a:schemeClr val="bg2">
+                  <a:lumMod val="50000"/>
+                </a:schemeClr>
+              </a:solidFill>
+              <a:tailEnd type="triangle"/>
+            </a:ln>
+          </p:spPr>
+          <p:style>
+            <a:lnRef idx="1">
+              <a:schemeClr val="accent1"/>
+            </a:lnRef>
+            <a:fillRef idx="0">
+              <a:schemeClr val="accent1"/>
+            </a:fillRef>
+            <a:effectRef idx="0">
+              <a:schemeClr val="accent1"/>
+            </a:effectRef>
+            <a:fontRef idx="minor">
+              <a:schemeClr val="tx1"/>
+            </a:fontRef>
+          </p:style>
+        </p:cxnSp>
+        <p:cxnSp>
+          <p:nvCxnSpPr>
+            <p:cNvPr id="33" name="연결선: 꺾임 156">
+              <a:extLst>
+                <a:ext uri="{FF2B5EF4-FFF2-40B4-BE49-F238E27FC236}">
+                  <a16:creationId xmlns:a16="http://schemas.microsoft.com/office/drawing/2014/main" id="{33942ADE-96BD-4ABF-81D2-A170D8958D7E}"/>
+                </a:ext>
+              </a:extLst>
+            </p:cNvPr>
+            <p:cNvCxnSpPr>
+              <a:cxnSpLocks/>
+              <a:stCxn id="41" idx="2"/>
+              <a:endCxn id="31" idx="2"/>
+            </p:cNvCxnSpPr>
+            <p:nvPr/>
+          </p:nvCxnSpPr>
+          <p:spPr>
+            <a:xfrm rot="16200000" flipH="1">
+              <a:off x="1132453" y="3140243"/>
+              <a:ext cx="868567" cy="750772"/>
+            </a:xfrm>
+            <a:prstGeom prst="bentConnector2">
+              <a:avLst/>
+            </a:prstGeom>
+            <a:ln w="25400">
+              <a:solidFill>
+                <a:schemeClr val="bg2">
+                  <a:lumMod val="50000"/>
+                </a:schemeClr>
+              </a:solidFill>
+              <a:tailEnd type="triangle"/>
+            </a:ln>
+          </p:spPr>
+          <p:style>
+            <a:lnRef idx="1">
+              <a:schemeClr val="accent1"/>
+            </a:lnRef>
+            <a:fillRef idx="0">
+              <a:schemeClr val="accent1"/>
+            </a:fillRef>
+            <a:effectRef idx="0">
+              <a:schemeClr val="accent1"/>
+            </a:effectRef>
+            <a:fontRef idx="minor">
+              <a:schemeClr val="tx1"/>
+            </a:fontRef>
+          </p:style>
+        </p:cxnSp>
+        <p:cxnSp>
+          <p:nvCxnSpPr>
+            <p:cNvPr id="34" name="직선 화살표 연결선 33">
+              <a:extLst>
+                <a:ext uri="{FF2B5EF4-FFF2-40B4-BE49-F238E27FC236}">
+                  <a16:creationId xmlns:a16="http://schemas.microsoft.com/office/drawing/2014/main" id="{991CA34E-02B6-4598-B0CA-AF1FD209BDFB}"/>
+                </a:ext>
+              </a:extLst>
+            </p:cNvPr>
+            <p:cNvCxnSpPr>
+              <a:cxnSpLocks/>
+              <a:endCxn id="31" idx="0"/>
+            </p:cNvCxnSpPr>
+            <p:nvPr/>
+          </p:nvCxnSpPr>
+          <p:spPr>
+            <a:xfrm>
+              <a:off x="2042569" y="3719374"/>
+              <a:ext cx="0" cy="130092"/>
+            </a:xfrm>
+            <a:prstGeom prst="straightConnector1">
+              <a:avLst/>
+            </a:prstGeom>
+            <a:ln w="25400">
+              <a:solidFill>
+                <a:schemeClr val="bg2">
+                  <a:lumMod val="50000"/>
+                </a:schemeClr>
+              </a:solidFill>
+              <a:tailEnd type="triangle"/>
+            </a:ln>
+          </p:spPr>
+          <p:style>
+            <a:lnRef idx="1">
+              <a:schemeClr val="accent1"/>
+            </a:lnRef>
+            <a:fillRef idx="0">
+              <a:schemeClr val="accent1"/>
+            </a:fillRef>
+            <a:effectRef idx="0">
+              <a:schemeClr val="accent1"/>
+            </a:effectRef>
+            <a:fontRef idx="minor">
+              <a:schemeClr val="tx1"/>
+            </a:fontRef>
+          </p:style>
+        </p:cxnSp>
+        <p:sp>
+          <p:nvSpPr>
+            <p:cNvPr id="35" name="타원 34">
+              <a:extLst>
+                <a:ext uri="{FF2B5EF4-FFF2-40B4-BE49-F238E27FC236}">
+                  <a16:creationId xmlns:a16="http://schemas.microsoft.com/office/drawing/2014/main" id="{BA3D4DF0-E450-44E1-9E81-30670D06DEAA}"/>
+                </a:ext>
+              </a:extLst>
+            </p:cNvPr>
+            <p:cNvSpPr/>
+            <p:nvPr/>
+          </p:nvSpPr>
+          <p:spPr>
+            <a:xfrm>
+              <a:off x="4566551" y="2449143"/>
+              <a:ext cx="200894" cy="200894"/>
+            </a:xfrm>
+            <a:prstGeom prst="ellipse">
+              <a:avLst/>
+            </a:prstGeom>
+            <a:solidFill>
+              <a:schemeClr val="bg1"/>
+            </a:solidFill>
+            <a:ln>
+              <a:solidFill>
+                <a:schemeClr val="tx1"/>
+              </a:solidFill>
+            </a:ln>
+          </p:spPr>
+          <p:style>
+            <a:lnRef idx="2">
+              <a:schemeClr val="accent1">
+                <a:shade val="50000"/>
+              </a:schemeClr>
+            </a:lnRef>
+            <a:fillRef idx="1">
+              <a:schemeClr val="accent1"/>
+            </a:fillRef>
+            <a:effectRef idx="0">
+              <a:schemeClr val="accent1"/>
+            </a:effectRef>
+            <a:fontRef idx="minor">
+              <a:schemeClr val="lt1"/>
+            </a:fontRef>
+          </p:style>
+          <p:txBody>
+            <a:bodyPr lIns="0" tIns="0" rIns="0" bIns="0" rtlCol="0" anchor="ctr"/>
+            <a:lstStyle/>
+            <a:p>
+              <a:pPr algn="ctr"/>
+              <a:r>
+                <a:rPr lang="en-US" altLang="ko-KR" sz="1600" b="1" dirty="0">
+                  <a:solidFill>
+                    <a:schemeClr val="tx1"/>
+                  </a:solidFill>
+                  <a:latin typeface="나눔스퀘어 ExtraBold" panose="020B0600000101010101" pitchFamily="50" charset="-127"/>
+                  <a:ea typeface="나눔스퀘어 ExtraBold" panose="020B0600000101010101" pitchFamily="50" charset="-127"/>
+                </a:rPr>
+                <a:t>+</a:t>
+              </a:r>
+              <a:endParaRPr lang="ko-KR" altLang="en-US" sz="1600" b="1" dirty="0">
+                <a:solidFill>
+                  <a:schemeClr val="tx1"/>
+                </a:solidFill>
+                <a:latin typeface="나눔스퀘어 ExtraBold" panose="020B0600000101010101" pitchFamily="50" charset="-127"/>
+                <a:ea typeface="나눔스퀘어 ExtraBold" panose="020B0600000101010101" pitchFamily="50" charset="-127"/>
+              </a:endParaRPr>
+            </a:p>
+          </p:txBody>
+        </p:sp>
+        <p:cxnSp>
+          <p:nvCxnSpPr>
+            <p:cNvPr id="36" name="연결선: 꺾임 174">
+              <a:extLst>
+                <a:ext uri="{FF2B5EF4-FFF2-40B4-BE49-F238E27FC236}">
+                  <a16:creationId xmlns:a16="http://schemas.microsoft.com/office/drawing/2014/main" id="{D4D7297C-5B09-46F5-9571-EF769E598F6B}"/>
+                </a:ext>
+              </a:extLst>
+            </p:cNvPr>
+            <p:cNvCxnSpPr>
+              <a:cxnSpLocks/>
+              <a:endCxn id="35" idx="2"/>
+            </p:cNvCxnSpPr>
+            <p:nvPr/>
+          </p:nvCxnSpPr>
+          <p:spPr>
+            <a:xfrm>
+              <a:off x="3462352" y="2453710"/>
+              <a:ext cx="1104199" cy="95880"/>
+            </a:xfrm>
+            <a:prstGeom prst="bentConnector3">
+              <a:avLst>
+                <a:gd name="adj1" fmla="val 184"/>
+              </a:avLst>
+            </a:prstGeom>
+            <a:ln w="25400">
+              <a:solidFill>
+                <a:schemeClr val="bg2">
+                  <a:lumMod val="50000"/>
+                </a:schemeClr>
+              </a:solidFill>
+              <a:tailEnd type="triangle"/>
+            </a:ln>
+          </p:spPr>
+          <p:style>
+            <a:lnRef idx="1">
+              <a:schemeClr val="accent1"/>
+            </a:lnRef>
+            <a:fillRef idx="0">
+              <a:schemeClr val="accent1"/>
+            </a:fillRef>
+            <a:effectRef idx="0">
+              <a:schemeClr val="accent1"/>
+            </a:effectRef>
+            <a:fontRef idx="minor">
+              <a:schemeClr val="tx1"/>
+            </a:fontRef>
+          </p:style>
+        </p:cxnSp>
+        <p:cxnSp>
+          <p:nvCxnSpPr>
+            <p:cNvPr id="37" name="연결선: 꺾임 191">
+              <a:extLst>
+                <a:ext uri="{FF2B5EF4-FFF2-40B4-BE49-F238E27FC236}">
+                  <a16:creationId xmlns:a16="http://schemas.microsoft.com/office/drawing/2014/main" id="{0493E489-82ED-4684-8F2E-DAB4F7E549D2}"/>
+                </a:ext>
+              </a:extLst>
+            </p:cNvPr>
+            <p:cNvCxnSpPr>
+              <a:cxnSpLocks/>
+              <a:stCxn id="16" idx="0"/>
+              <a:endCxn id="35" idx="4"/>
+            </p:cNvCxnSpPr>
+            <p:nvPr/>
+          </p:nvCxnSpPr>
+          <p:spPr>
+            <a:xfrm rot="5400000" flipH="1" flipV="1">
+              <a:off x="3497546" y="2605829"/>
+              <a:ext cx="1125244" cy="1213660"/>
+            </a:xfrm>
+            <a:prstGeom prst="bentConnector3">
+              <a:avLst>
+                <a:gd name="adj1" fmla="val -20316"/>
+              </a:avLst>
+            </a:prstGeom>
+            <a:ln w="25400">
+              <a:solidFill>
+                <a:schemeClr val="bg2">
+                  <a:lumMod val="50000"/>
+                </a:schemeClr>
+              </a:solidFill>
+              <a:tailEnd type="triangle"/>
+            </a:ln>
+          </p:spPr>
+          <p:style>
+            <a:lnRef idx="1">
+              <a:schemeClr val="accent1"/>
+            </a:lnRef>
+            <a:fillRef idx="0">
+              <a:schemeClr val="accent1"/>
+            </a:fillRef>
+            <a:effectRef idx="0">
+              <a:schemeClr val="accent1"/>
+            </a:effectRef>
+            <a:fontRef idx="minor">
+              <a:schemeClr val="tx1"/>
+            </a:fontRef>
+          </p:style>
+        </p:cxnSp>
+        <p:cxnSp>
+          <p:nvCxnSpPr>
+            <p:cNvPr id="38" name="직선 화살표 연결선 37">
+              <a:extLst>
+                <a:ext uri="{FF2B5EF4-FFF2-40B4-BE49-F238E27FC236}">
+                  <a16:creationId xmlns:a16="http://schemas.microsoft.com/office/drawing/2014/main" id="{C8FA6D70-2F32-4796-83F1-A1B3DC8F14F2}"/>
+                </a:ext>
+              </a:extLst>
+            </p:cNvPr>
+            <p:cNvCxnSpPr>
+              <a:cxnSpLocks/>
+              <a:stCxn id="35" idx="6"/>
+            </p:cNvCxnSpPr>
+            <p:nvPr/>
+          </p:nvCxnSpPr>
+          <p:spPr>
+            <a:xfrm>
+              <a:off x="4767446" y="2549590"/>
+              <a:ext cx="392400" cy="0"/>
+            </a:xfrm>
+            <a:prstGeom prst="straightConnector1">
+              <a:avLst/>
+            </a:prstGeom>
+            <a:ln w="25400">
+              <a:solidFill>
+                <a:schemeClr val="bg2">
+                  <a:lumMod val="50000"/>
+                </a:schemeClr>
+              </a:solidFill>
+              <a:tailEnd type="triangle"/>
+            </a:ln>
+          </p:spPr>
+          <p:style>
+            <a:lnRef idx="1">
+              <a:schemeClr val="accent1"/>
+            </a:lnRef>
+            <a:fillRef idx="0">
+              <a:schemeClr val="accent1"/>
+            </a:fillRef>
+            <a:effectRef idx="0">
+              <a:schemeClr val="accent1"/>
+            </a:effectRef>
+            <a:fontRef idx="minor">
+              <a:schemeClr val="tx1"/>
+            </a:fontRef>
+          </p:style>
+        </p:cxnSp>
+        <p:sp>
+          <p:nvSpPr>
+            <p:cNvPr id="39" name="직사각형 38">
+              <a:extLst>
+                <a:ext uri="{FF2B5EF4-FFF2-40B4-BE49-F238E27FC236}">
+                  <a16:creationId xmlns:a16="http://schemas.microsoft.com/office/drawing/2014/main" id="{04907CDA-B761-4793-88EB-4F7E40EAE51D}"/>
+                </a:ext>
+              </a:extLst>
+            </p:cNvPr>
+            <p:cNvSpPr/>
+            <p:nvPr/>
+          </p:nvSpPr>
+          <p:spPr>
+            <a:xfrm>
+              <a:off x="1023265" y="1638300"/>
+              <a:ext cx="3854436" cy="2467017"/>
+            </a:xfrm>
+            <a:prstGeom prst="rect">
+              <a:avLst/>
+            </a:prstGeom>
+            <a:noFill/>
+            <a:ln w="25400">
+              <a:solidFill>
+                <a:schemeClr val="accent6">
+                  <a:lumMod val="50000"/>
+                </a:schemeClr>
+              </a:solidFill>
+            </a:ln>
+          </p:spPr>
+          <p:style>
+            <a:lnRef idx="2">
+              <a:schemeClr val="accent1">
+                <a:shade val="50000"/>
+              </a:schemeClr>
+            </a:lnRef>
+            <a:fillRef idx="1">
+              <a:schemeClr val="accent1"/>
+            </a:fillRef>
+            <a:effectRef idx="0">
+              <a:schemeClr val="accent1"/>
+            </a:effectRef>
+            <a:fontRef idx="minor">
+              <a:schemeClr val="lt1"/>
+            </a:fontRef>
+          </p:style>
+          <p:txBody>
+            <a:bodyPr rtlCol="0" anchor="ctr"/>
+            <a:lstStyle/>
+            <a:p>
+              <a:pPr algn="ctr"/>
+              <a:endParaRPr lang="ko-KR" altLang="en-US" sz="900" dirty="0">
+                <a:solidFill>
+                  <a:schemeClr val="tx1"/>
+                </a:solidFill>
+                <a:latin typeface="나눔스퀘어" panose="020B0600000101010101" pitchFamily="50" charset="-127"/>
+                <a:ea typeface="나눔스퀘어" panose="020B0600000101010101" pitchFamily="50" charset="-127"/>
+              </a:endParaRPr>
+            </a:p>
+          </p:txBody>
+        </p:sp>
+      </p:grpSp>
+      <p:grpSp>
+        <p:nvGrpSpPr>
+          <p:cNvPr id="46" name="그룹 45"/>
+          <p:cNvGrpSpPr/>
+          <p:nvPr/>
+        </p:nvGrpSpPr>
+        <p:grpSpPr>
+          <a:xfrm>
+            <a:off x="1668757" y="3807491"/>
+            <a:ext cx="3162323" cy="1885979"/>
+            <a:chOff x="1023265" y="1638300"/>
+            <a:chExt cx="4136581" cy="2467017"/>
+          </a:xfrm>
+        </p:grpSpPr>
+        <p:sp>
+          <p:nvSpPr>
+            <p:cNvPr id="47" name="타원 46">
+              <a:extLst>
+                <a:ext uri="{FF2B5EF4-FFF2-40B4-BE49-F238E27FC236}">
+                  <a16:creationId xmlns:a16="http://schemas.microsoft.com/office/drawing/2014/main" id="{CEC9CFC5-DEB3-457C-8D4E-AFB1B02B8465}"/>
+                </a:ext>
+              </a:extLst>
+            </p:cNvPr>
+            <p:cNvSpPr/>
+            <p:nvPr/>
+          </p:nvSpPr>
+          <p:spPr>
+            <a:xfrm flipV="1">
+              <a:off x="3444525" y="3755892"/>
+              <a:ext cx="17626" cy="19389"/>
+            </a:xfrm>
+            <a:prstGeom prst="ellipse">
+              <a:avLst/>
+            </a:prstGeom>
+            <a:solidFill>
+              <a:schemeClr val="bg2">
+                <a:lumMod val="50000"/>
+              </a:schemeClr>
+            </a:solidFill>
+            <a:ln>
+              <a:solidFill>
+                <a:schemeClr val="bg2">
+                  <a:lumMod val="50000"/>
+                </a:schemeClr>
+              </a:solidFill>
+            </a:ln>
+          </p:spPr>
+          <p:style>
+            <a:lnRef idx="2">
+              <a:schemeClr val="accent1">
+                <a:shade val="50000"/>
+              </a:schemeClr>
+            </a:lnRef>
+            <a:fillRef idx="1">
+              <a:schemeClr val="accent1"/>
+            </a:fillRef>
+            <a:effectRef idx="0">
+              <a:schemeClr val="accent1"/>
+            </a:effectRef>
+            <a:fontRef idx="minor">
+              <a:schemeClr val="lt1"/>
+            </a:fontRef>
+          </p:style>
+          <p:txBody>
+            <a:bodyPr rtlCol="0" anchor="ctr"/>
+            <a:lstStyle/>
+            <a:p>
+              <a:pPr algn="ctr"/>
+              <a:endParaRPr lang="ko-KR" altLang="en-US" sz="1400"/>
+            </a:p>
+          </p:txBody>
+        </p:sp>
+        <p:sp>
+          <p:nvSpPr>
+            <p:cNvPr id="48" name="직사각형 47">
+              <a:extLst>
+                <a:ext uri="{FF2B5EF4-FFF2-40B4-BE49-F238E27FC236}">
+                  <a16:creationId xmlns:a16="http://schemas.microsoft.com/office/drawing/2014/main" id="{E82B772F-7FE0-4BA8-A6AD-6EDF4BE25BDF}"/>
+                </a:ext>
+              </a:extLst>
+            </p:cNvPr>
+            <p:cNvSpPr/>
+            <p:nvPr/>
+          </p:nvSpPr>
+          <p:spPr>
+            <a:xfrm>
+              <a:off x="1331504" y="1937702"/>
+              <a:ext cx="2832096" cy="516008"/>
+            </a:xfrm>
+            <a:prstGeom prst="rect">
+              <a:avLst/>
+            </a:prstGeom>
+            <a:solidFill>
+              <a:schemeClr val="accent5">
+                <a:lumMod val="20000"/>
+                <a:lumOff val="80000"/>
+              </a:schemeClr>
+            </a:solidFill>
+            <a:ln w="9525">
+              <a:solidFill>
+                <a:schemeClr val="accent1">
+                  <a:lumMod val="60000"/>
+                  <a:lumOff val="40000"/>
+                </a:schemeClr>
+              </a:solidFill>
+            </a:ln>
+          </p:spPr>
+          <p:style>
+            <a:lnRef idx="2">
+              <a:schemeClr val="accent1">
+                <a:shade val="50000"/>
+              </a:schemeClr>
+            </a:lnRef>
+            <a:fillRef idx="1">
+              <a:schemeClr val="accent1"/>
+            </a:fillRef>
+            <a:effectRef idx="0">
+              <a:schemeClr val="accent1"/>
+            </a:effectRef>
+            <a:fontRef idx="minor">
+              <a:schemeClr val="lt1"/>
+            </a:fontRef>
+          </p:style>
+          <p:txBody>
+            <a:bodyPr rtlCol="0" anchor="ctr"/>
+            <a:lstStyle/>
+            <a:p>
+              <a:pPr algn="ctr"/>
+              <a:r>
+                <a:rPr lang="en-US" altLang="ko-KR" sz="1200" b="1" dirty="0" smtClean="0">
+                  <a:solidFill>
+                    <a:schemeClr val="tx1"/>
+                  </a:solidFill>
+                  <a:latin typeface="나눔스퀘어" panose="020B0600000101010101" pitchFamily="50" charset="-127"/>
+                  <a:ea typeface="나눔스퀘어" panose="020B0600000101010101" pitchFamily="50" charset="-127"/>
+                </a:rPr>
+                <a:t>Seasonal </a:t>
+              </a:r>
+              <a:r>
+                <a:rPr lang="en-US" altLang="ko-KR" sz="1200" b="1" dirty="0" smtClean="0">
+                  <a:solidFill>
+                    <a:schemeClr val="tx1"/>
+                  </a:solidFill>
+                  <a:latin typeface="나눔스퀘어" panose="020B0600000101010101" pitchFamily="50" charset="-127"/>
+                  <a:ea typeface="나눔스퀘어" panose="020B0600000101010101" pitchFamily="50" charset="-127"/>
+                </a:rPr>
+                <a:t>Block 1</a:t>
+              </a:r>
+              <a:endParaRPr lang="ko-KR" altLang="en-US" sz="1200" b="1" dirty="0">
+                <a:solidFill>
+                  <a:schemeClr val="tx1"/>
+                </a:solidFill>
+                <a:latin typeface="나눔스퀘어" panose="020B0600000101010101" pitchFamily="50" charset="-127"/>
+                <a:ea typeface="나눔스퀘어" panose="020B0600000101010101" pitchFamily="50" charset="-127"/>
+              </a:endParaRPr>
+            </a:p>
+          </p:txBody>
+        </p:sp>
+        <p:sp>
+          <p:nvSpPr>
+            <p:cNvPr id="49" name="타원 48">
+              <a:extLst>
+                <a:ext uri="{FF2B5EF4-FFF2-40B4-BE49-F238E27FC236}">
+                  <a16:creationId xmlns:a16="http://schemas.microsoft.com/office/drawing/2014/main" id="{06730BDE-B23C-4E62-8677-B9BF85EF4742}"/>
+                </a:ext>
+              </a:extLst>
+            </p:cNvPr>
+            <p:cNvSpPr/>
+            <p:nvPr/>
+          </p:nvSpPr>
+          <p:spPr>
+            <a:xfrm>
+              <a:off x="2015623" y="1713434"/>
+              <a:ext cx="55881" cy="55881"/>
+            </a:xfrm>
+            <a:prstGeom prst="ellipse">
+              <a:avLst/>
+            </a:prstGeom>
+            <a:solidFill>
+              <a:schemeClr val="bg2">
+                <a:lumMod val="50000"/>
+              </a:schemeClr>
+            </a:solidFill>
+            <a:ln>
+              <a:solidFill>
+                <a:schemeClr val="bg2">
+                  <a:lumMod val="50000"/>
+                </a:schemeClr>
+              </a:solidFill>
+            </a:ln>
+          </p:spPr>
+          <p:style>
+            <a:lnRef idx="2">
+              <a:schemeClr val="accent1">
+                <a:shade val="50000"/>
+              </a:schemeClr>
+            </a:lnRef>
+            <a:fillRef idx="1">
+              <a:schemeClr val="accent1"/>
+            </a:fillRef>
+            <a:effectRef idx="0">
+              <a:schemeClr val="accent1"/>
+            </a:effectRef>
+            <a:fontRef idx="minor">
+              <a:schemeClr val="lt1"/>
+            </a:fontRef>
+          </p:style>
+          <p:txBody>
+            <a:bodyPr rtlCol="0" anchor="ctr"/>
+            <a:lstStyle/>
+            <a:p>
+              <a:pPr algn="ctr"/>
+              <a:endParaRPr lang="ko-KR" altLang="en-US" sz="1400"/>
+            </a:p>
+          </p:txBody>
+        </p:sp>
+        <p:cxnSp>
+          <p:nvCxnSpPr>
+            <p:cNvPr id="50" name="연결선: 꺾임 86">
+              <a:extLst>
+                <a:ext uri="{FF2B5EF4-FFF2-40B4-BE49-F238E27FC236}">
+                  <a16:creationId xmlns:a16="http://schemas.microsoft.com/office/drawing/2014/main" id="{8906E86D-0BE9-47FE-ABD9-3902224606A7}"/>
+                </a:ext>
+              </a:extLst>
+            </p:cNvPr>
+            <p:cNvCxnSpPr>
+              <a:cxnSpLocks/>
+              <a:stCxn id="49" idx="6"/>
+              <a:endCxn id="48" idx="0"/>
+            </p:cNvCxnSpPr>
+            <p:nvPr/>
+          </p:nvCxnSpPr>
+          <p:spPr>
+            <a:xfrm>
+              <a:off x="2071504" y="1741375"/>
+              <a:ext cx="676048" cy="196327"/>
+            </a:xfrm>
+            <a:prstGeom prst="bentConnector2">
+              <a:avLst/>
+            </a:prstGeom>
+            <a:ln w="25400">
+              <a:solidFill>
+                <a:schemeClr val="bg2">
+                  <a:lumMod val="50000"/>
+                </a:schemeClr>
+              </a:solidFill>
+              <a:tailEnd type="triangle"/>
+            </a:ln>
+          </p:spPr>
+          <p:style>
+            <a:lnRef idx="1">
+              <a:schemeClr val="accent1"/>
+            </a:lnRef>
+            <a:fillRef idx="0">
+              <a:schemeClr val="accent1"/>
+            </a:fillRef>
+            <a:effectRef idx="0">
+              <a:schemeClr val="accent1"/>
+            </a:effectRef>
+            <a:fontRef idx="minor">
+              <a:schemeClr val="tx1"/>
+            </a:fontRef>
+          </p:style>
+        </p:cxnSp>
+        <p:cxnSp>
+          <p:nvCxnSpPr>
+            <p:cNvPr id="52" name="직선 화살표 연결선 51">
+              <a:extLst>
+                <a:ext uri="{FF2B5EF4-FFF2-40B4-BE49-F238E27FC236}">
+                  <a16:creationId xmlns:a16="http://schemas.microsoft.com/office/drawing/2014/main" id="{DD32051E-C8B4-4422-86EB-A09069E9C112}"/>
+                </a:ext>
+              </a:extLst>
+            </p:cNvPr>
+            <p:cNvCxnSpPr>
+              <a:cxnSpLocks/>
+              <a:endCxn id="53" idx="0"/>
+            </p:cNvCxnSpPr>
+            <p:nvPr/>
+          </p:nvCxnSpPr>
+          <p:spPr>
+            <a:xfrm>
+              <a:off x="2042569" y="2392752"/>
+              <a:ext cx="0" cy="145482"/>
+            </a:xfrm>
+            <a:prstGeom prst="straightConnector1">
+              <a:avLst/>
+            </a:prstGeom>
+            <a:ln w="25400">
+              <a:solidFill>
+                <a:schemeClr val="bg2">
+                  <a:lumMod val="50000"/>
+                </a:schemeClr>
+              </a:solidFill>
+              <a:tailEnd type="triangle"/>
+            </a:ln>
+          </p:spPr>
+          <p:style>
+            <a:lnRef idx="1">
+              <a:schemeClr val="accent1"/>
+            </a:lnRef>
+            <a:fillRef idx="0">
+              <a:schemeClr val="accent1"/>
+            </a:fillRef>
+            <a:effectRef idx="0">
+              <a:schemeClr val="accent1"/>
+            </a:effectRef>
+            <a:fontRef idx="minor">
+              <a:schemeClr val="tx1"/>
+            </a:fontRef>
+          </p:style>
+        </p:cxnSp>
+        <p:sp>
+          <p:nvSpPr>
+            <p:cNvPr id="53" name="타원 52">
+              <a:extLst>
+                <a:ext uri="{FF2B5EF4-FFF2-40B4-BE49-F238E27FC236}">
+                  <a16:creationId xmlns:a16="http://schemas.microsoft.com/office/drawing/2014/main" id="{397E579C-8D6F-4B10-8F25-A211EC89F629}"/>
+                </a:ext>
+              </a:extLst>
+            </p:cNvPr>
+            <p:cNvSpPr/>
+            <p:nvPr/>
+          </p:nvSpPr>
+          <p:spPr>
+            <a:xfrm>
+              <a:off x="1942122" y="2538234"/>
+              <a:ext cx="200894" cy="200894"/>
+            </a:xfrm>
+            <a:prstGeom prst="ellipse">
+              <a:avLst/>
+            </a:prstGeom>
+            <a:solidFill>
+              <a:schemeClr val="bg1"/>
+            </a:solidFill>
+            <a:ln>
+              <a:solidFill>
+                <a:schemeClr val="tx1"/>
+              </a:solidFill>
+            </a:ln>
+          </p:spPr>
+          <p:style>
+            <a:lnRef idx="2">
+              <a:schemeClr val="accent1">
+                <a:shade val="50000"/>
+              </a:schemeClr>
+            </a:lnRef>
+            <a:fillRef idx="1">
+              <a:schemeClr val="accent1"/>
+            </a:fillRef>
+            <a:effectRef idx="0">
+              <a:schemeClr val="accent1"/>
+            </a:effectRef>
+            <a:fontRef idx="minor">
+              <a:schemeClr val="lt1"/>
+            </a:fontRef>
+          </p:style>
+          <p:txBody>
+            <a:bodyPr lIns="0" tIns="0" rIns="0" bIns="0" rtlCol="0" anchor="ctr"/>
+            <a:lstStyle/>
+            <a:p>
+              <a:pPr algn="ctr"/>
+              <a:r>
+                <a:rPr lang="en-US" altLang="ko-KR" sz="1600" b="1" dirty="0">
+                  <a:solidFill>
+                    <a:schemeClr val="tx1"/>
+                  </a:solidFill>
+                  <a:latin typeface="나눔스퀘어 ExtraBold" panose="020B0600000101010101" pitchFamily="50" charset="-127"/>
+                  <a:ea typeface="나눔스퀘어 ExtraBold" panose="020B0600000101010101" pitchFamily="50" charset="-127"/>
+                </a:rPr>
+                <a:t>-</a:t>
+              </a:r>
+              <a:endParaRPr lang="ko-KR" altLang="en-US" sz="1600" b="1" dirty="0">
+                <a:solidFill>
+                  <a:schemeClr val="tx1"/>
+                </a:solidFill>
+                <a:latin typeface="나눔스퀘어 ExtraBold" panose="020B0600000101010101" pitchFamily="50" charset="-127"/>
+                <a:ea typeface="나눔스퀘어 ExtraBold" panose="020B0600000101010101" pitchFamily="50" charset="-127"/>
+              </a:endParaRPr>
+            </a:p>
+          </p:txBody>
+        </p:sp>
+        <p:sp>
+          <p:nvSpPr>
+            <p:cNvPr id="54" name="타원 53">
+              <a:extLst>
+                <a:ext uri="{FF2B5EF4-FFF2-40B4-BE49-F238E27FC236}">
+                  <a16:creationId xmlns:a16="http://schemas.microsoft.com/office/drawing/2014/main" id="{2649EAF5-4F8E-4C7B-97F7-3C01DB94CAEB}"/>
+                </a:ext>
+              </a:extLst>
+            </p:cNvPr>
+            <p:cNvSpPr/>
+            <p:nvPr/>
+          </p:nvSpPr>
+          <p:spPr>
+            <a:xfrm>
+              <a:off x="2015623" y="2827811"/>
+              <a:ext cx="55881" cy="55881"/>
+            </a:xfrm>
+            <a:prstGeom prst="ellipse">
+              <a:avLst/>
+            </a:prstGeom>
+            <a:solidFill>
+              <a:schemeClr val="bg2">
+                <a:lumMod val="50000"/>
+              </a:schemeClr>
+            </a:solidFill>
+            <a:ln>
+              <a:solidFill>
+                <a:schemeClr val="bg2">
+                  <a:lumMod val="50000"/>
+                </a:schemeClr>
+              </a:solidFill>
+            </a:ln>
+          </p:spPr>
+          <p:style>
+            <a:lnRef idx="2">
+              <a:schemeClr val="accent1">
+                <a:shade val="50000"/>
+              </a:schemeClr>
+            </a:lnRef>
+            <a:fillRef idx="1">
+              <a:schemeClr val="accent1"/>
+            </a:fillRef>
+            <a:effectRef idx="0">
+              <a:schemeClr val="accent1"/>
+            </a:effectRef>
+            <a:fontRef idx="minor">
+              <a:schemeClr val="lt1"/>
+            </a:fontRef>
+          </p:style>
+          <p:txBody>
+            <a:bodyPr rtlCol="0" anchor="ctr"/>
+            <a:lstStyle/>
+            <a:p>
+              <a:pPr algn="ctr"/>
+              <a:endParaRPr lang="ko-KR" altLang="en-US" sz="1400"/>
+            </a:p>
+          </p:txBody>
+        </p:sp>
+        <p:cxnSp>
+          <p:nvCxnSpPr>
+            <p:cNvPr id="55" name="연결선: 꺾임 114">
+              <a:extLst>
+                <a:ext uri="{FF2B5EF4-FFF2-40B4-BE49-F238E27FC236}">
+                  <a16:creationId xmlns:a16="http://schemas.microsoft.com/office/drawing/2014/main" id="{85A63CE9-FD59-4139-8B8B-DF402C3AC7EF}"/>
+                </a:ext>
+              </a:extLst>
+            </p:cNvPr>
+            <p:cNvCxnSpPr>
+              <a:cxnSpLocks/>
+              <a:stCxn id="54" idx="6"/>
+              <a:endCxn id="75" idx="6"/>
+            </p:cNvCxnSpPr>
+            <p:nvPr/>
+          </p:nvCxnSpPr>
+          <p:spPr>
+            <a:xfrm>
+              <a:off x="2071504" y="2855752"/>
+              <a:ext cx="673081" cy="156538"/>
+            </a:xfrm>
+            <a:prstGeom prst="bentConnector2">
+              <a:avLst/>
+            </a:prstGeom>
+            <a:ln w="25400">
+              <a:solidFill>
+                <a:schemeClr val="bg2">
+                  <a:lumMod val="50000"/>
+                </a:schemeClr>
+              </a:solidFill>
+              <a:tailEnd type="triangle"/>
+            </a:ln>
+          </p:spPr>
+          <p:style>
+            <a:lnRef idx="1">
+              <a:schemeClr val="accent1"/>
+            </a:lnRef>
+            <a:fillRef idx="0">
+              <a:schemeClr val="accent1"/>
+            </a:fillRef>
+            <a:effectRef idx="0">
+              <a:schemeClr val="accent1"/>
+            </a:effectRef>
+            <a:fontRef idx="minor">
+              <a:schemeClr val="tx1"/>
+            </a:fontRef>
+          </p:style>
+        </p:cxnSp>
+        <p:cxnSp>
+          <p:nvCxnSpPr>
+            <p:cNvPr id="56" name="직선 화살표 연결선 55">
+              <a:extLst>
+                <a:ext uri="{FF2B5EF4-FFF2-40B4-BE49-F238E27FC236}">
+                  <a16:creationId xmlns:a16="http://schemas.microsoft.com/office/drawing/2014/main" id="{8F4406CE-68C2-49CA-B6CA-A07D94231074}"/>
+                </a:ext>
+              </a:extLst>
+            </p:cNvPr>
+            <p:cNvCxnSpPr>
+              <a:cxnSpLocks/>
+              <a:stCxn id="53" idx="4"/>
+              <a:endCxn id="54" idx="0"/>
+            </p:cNvCxnSpPr>
+            <p:nvPr/>
+          </p:nvCxnSpPr>
+          <p:spPr>
+            <a:xfrm>
+              <a:off x="2042569" y="2739128"/>
+              <a:ext cx="995" cy="88683"/>
+            </a:xfrm>
+            <a:prstGeom prst="straightConnector1">
+              <a:avLst/>
+            </a:prstGeom>
+            <a:ln w="25400">
+              <a:solidFill>
+                <a:schemeClr val="bg2">
+                  <a:lumMod val="50000"/>
+                </a:schemeClr>
+              </a:solidFill>
+              <a:tailEnd type="none"/>
+            </a:ln>
+          </p:spPr>
+          <p:style>
+            <a:lnRef idx="1">
+              <a:schemeClr val="accent1"/>
+            </a:lnRef>
+            <a:fillRef idx="0">
+              <a:schemeClr val="accent1"/>
+            </a:fillRef>
+            <a:effectRef idx="0">
+              <a:schemeClr val="accent1"/>
+            </a:effectRef>
+            <a:fontRef idx="minor">
+              <a:schemeClr val="tx1"/>
+            </a:fontRef>
+          </p:style>
+        </p:cxnSp>
+        <p:grpSp>
+          <p:nvGrpSpPr>
+            <p:cNvPr id="57" name="그룹 56">
+              <a:extLst>
+                <a:ext uri="{FF2B5EF4-FFF2-40B4-BE49-F238E27FC236}">
+                  <a16:creationId xmlns:a16="http://schemas.microsoft.com/office/drawing/2014/main" id="{315C5CE3-5A9C-40CE-BDAF-4FEAC91E1476}"/>
+                </a:ext>
+              </a:extLst>
+            </p:cNvPr>
+            <p:cNvGrpSpPr/>
+            <p:nvPr/>
+          </p:nvGrpSpPr>
+          <p:grpSpPr>
+            <a:xfrm rot="16200000">
+              <a:off x="2711835" y="2927253"/>
+              <a:ext cx="69056" cy="239130"/>
+              <a:chOff x="9477375" y="2904120"/>
+              <a:chExt cx="69056" cy="239130"/>
+            </a:xfrm>
+          </p:grpSpPr>
+          <p:sp>
+            <p:nvSpPr>
+              <p:cNvPr id="74" name="타원 73">
+                <a:extLst>
+                  <a:ext uri="{FF2B5EF4-FFF2-40B4-BE49-F238E27FC236}">
+                    <a16:creationId xmlns:a16="http://schemas.microsoft.com/office/drawing/2014/main" id="{9315A9AE-472A-4441-BBDF-652AAD985197}"/>
+                  </a:ext>
+                </a:extLst>
+              </p:cNvPr>
+              <p:cNvSpPr/>
+              <p:nvPr/>
+            </p:nvSpPr>
+            <p:spPr>
+              <a:xfrm>
+                <a:off x="9477375" y="2904120"/>
+                <a:ext cx="69056" cy="69056"/>
+              </a:xfrm>
+              <a:prstGeom prst="ellipse">
+                <a:avLst/>
+              </a:prstGeom>
+              <a:solidFill>
+                <a:schemeClr val="bg1">
+                  <a:lumMod val="75000"/>
+                </a:schemeClr>
+              </a:solidFill>
+              <a:ln>
+                <a:noFill/>
+              </a:ln>
+            </p:spPr>
+            <p:style>
+              <a:lnRef idx="2">
+                <a:schemeClr val="accent1">
+                  <a:shade val="50000"/>
+                </a:schemeClr>
+              </a:lnRef>
+              <a:fillRef idx="1">
+                <a:schemeClr val="accent1"/>
+              </a:fillRef>
+              <a:effectRef idx="0">
+                <a:schemeClr val="accent1"/>
+              </a:effectRef>
+              <a:fontRef idx="minor">
+                <a:schemeClr val="lt1"/>
+              </a:fontRef>
+            </p:style>
+            <p:txBody>
+              <a:bodyPr rtlCol="0" anchor="ctr"/>
+              <a:lstStyle/>
+              <a:p>
+                <a:pPr algn="ctr"/>
+                <a:endParaRPr lang="ko-KR" altLang="en-US" sz="1400"/>
+              </a:p>
+            </p:txBody>
+          </p:sp>
+          <p:sp>
+            <p:nvSpPr>
+              <p:cNvPr id="75" name="타원 74">
+                <a:extLst>
+                  <a:ext uri="{FF2B5EF4-FFF2-40B4-BE49-F238E27FC236}">
+                    <a16:creationId xmlns:a16="http://schemas.microsoft.com/office/drawing/2014/main" id="{22B54196-105F-4E02-BA1C-A13A0C3DC41E}"/>
+                  </a:ext>
+                </a:extLst>
+              </p:cNvPr>
+              <p:cNvSpPr/>
+              <p:nvPr/>
+            </p:nvSpPr>
+            <p:spPr>
+              <a:xfrm>
+                <a:off x="9477375" y="2987379"/>
+                <a:ext cx="69056" cy="69056"/>
+              </a:xfrm>
+              <a:prstGeom prst="ellipse">
+                <a:avLst/>
+              </a:prstGeom>
+              <a:solidFill>
+                <a:schemeClr val="bg1">
+                  <a:lumMod val="75000"/>
+                </a:schemeClr>
+              </a:solidFill>
+              <a:ln>
+                <a:noFill/>
+              </a:ln>
+            </p:spPr>
+            <p:style>
+              <a:lnRef idx="2">
+                <a:schemeClr val="accent1">
+                  <a:shade val="50000"/>
+                </a:schemeClr>
+              </a:lnRef>
+              <a:fillRef idx="1">
+                <a:schemeClr val="accent1"/>
+              </a:fillRef>
+              <a:effectRef idx="0">
+                <a:schemeClr val="accent1"/>
+              </a:effectRef>
+              <a:fontRef idx="minor">
+                <a:schemeClr val="lt1"/>
+              </a:fontRef>
+            </p:style>
+            <p:txBody>
+              <a:bodyPr rtlCol="0" anchor="ctr"/>
+              <a:lstStyle/>
+              <a:p>
+                <a:pPr algn="ctr"/>
+                <a:endParaRPr lang="ko-KR" altLang="en-US" sz="1400"/>
+              </a:p>
+            </p:txBody>
+          </p:sp>
+          <p:sp>
+            <p:nvSpPr>
+              <p:cNvPr id="76" name="타원 75">
+                <a:extLst>
+                  <a:ext uri="{FF2B5EF4-FFF2-40B4-BE49-F238E27FC236}">
+                    <a16:creationId xmlns:a16="http://schemas.microsoft.com/office/drawing/2014/main" id="{4D44F053-8418-4795-9298-350869261AA0}"/>
+                  </a:ext>
+                </a:extLst>
+              </p:cNvPr>
+              <p:cNvSpPr/>
+              <p:nvPr/>
+            </p:nvSpPr>
+            <p:spPr>
+              <a:xfrm>
+                <a:off x="9477375" y="3074194"/>
+                <a:ext cx="69056" cy="69056"/>
+              </a:xfrm>
+              <a:prstGeom prst="ellipse">
+                <a:avLst/>
+              </a:prstGeom>
+              <a:solidFill>
+                <a:schemeClr val="bg1">
+                  <a:lumMod val="75000"/>
+                </a:schemeClr>
+              </a:solidFill>
+              <a:ln>
+                <a:noFill/>
+              </a:ln>
+            </p:spPr>
+            <p:style>
+              <a:lnRef idx="2">
+                <a:schemeClr val="accent1">
+                  <a:shade val="50000"/>
+                </a:schemeClr>
+              </a:lnRef>
+              <a:fillRef idx="1">
+                <a:schemeClr val="accent1"/>
+              </a:fillRef>
+              <a:effectRef idx="0">
+                <a:schemeClr val="accent1"/>
+              </a:effectRef>
+              <a:fontRef idx="minor">
+                <a:schemeClr val="lt1"/>
+              </a:fontRef>
+            </p:style>
+            <p:txBody>
+              <a:bodyPr rtlCol="0" anchor="ctr"/>
+              <a:lstStyle/>
+              <a:p>
+                <a:pPr algn="ctr"/>
+                <a:endParaRPr lang="ko-KR" altLang="en-US" sz="1400"/>
+              </a:p>
+            </p:txBody>
+          </p:sp>
+        </p:grpSp>
+        <p:sp>
+          <p:nvSpPr>
+            <p:cNvPr id="58" name="직사각형 57">
+              <a:extLst>
+                <a:ext uri="{FF2B5EF4-FFF2-40B4-BE49-F238E27FC236}">
+                  <a16:creationId xmlns:a16="http://schemas.microsoft.com/office/drawing/2014/main" id="{15DB987E-98A5-4779-A843-0C89FD074E7B}"/>
+                </a:ext>
+              </a:extLst>
+            </p:cNvPr>
+            <p:cNvSpPr/>
+            <p:nvPr/>
+          </p:nvSpPr>
+          <p:spPr>
+            <a:xfrm>
+              <a:off x="1331504" y="3256400"/>
+              <a:ext cx="2832096" cy="516008"/>
+            </a:xfrm>
+            <a:prstGeom prst="rect">
+              <a:avLst/>
+            </a:prstGeom>
+            <a:solidFill>
+              <a:schemeClr val="accent5">
+                <a:lumMod val="20000"/>
+                <a:lumOff val="80000"/>
+              </a:schemeClr>
+            </a:solidFill>
+            <a:ln w="9525">
+              <a:solidFill>
+                <a:schemeClr val="accent1">
+                  <a:lumMod val="60000"/>
+                  <a:lumOff val="40000"/>
+                </a:schemeClr>
+              </a:solidFill>
+            </a:ln>
+          </p:spPr>
+          <p:style>
+            <a:lnRef idx="2">
+              <a:schemeClr val="accent1">
+                <a:shade val="50000"/>
+              </a:schemeClr>
+            </a:lnRef>
+            <a:fillRef idx="1">
+              <a:schemeClr val="accent1"/>
+            </a:fillRef>
+            <a:effectRef idx="0">
+              <a:schemeClr val="accent1"/>
+            </a:effectRef>
+            <a:fontRef idx="minor">
+              <a:schemeClr val="lt1"/>
+            </a:fontRef>
+          </p:style>
+          <p:txBody>
+            <a:bodyPr rtlCol="0" anchor="ctr"/>
+            <a:lstStyle/>
+            <a:p>
+              <a:pPr algn="ctr"/>
+              <a:r>
+                <a:rPr lang="en-US" altLang="ko-KR" sz="1200" b="1" dirty="0">
+                  <a:solidFill>
+                    <a:schemeClr val="tx1"/>
+                  </a:solidFill>
+                  <a:latin typeface="나눔스퀘어" panose="020B0600000101010101" pitchFamily="50" charset="-127"/>
+                  <a:ea typeface="나눔스퀘어" panose="020B0600000101010101" pitchFamily="50" charset="-127"/>
+                </a:rPr>
+                <a:t>Seasonal </a:t>
+              </a:r>
+              <a:r>
+                <a:rPr lang="en-US" altLang="ko-KR" sz="1200" b="1" dirty="0" smtClean="0">
+                  <a:solidFill>
+                    <a:schemeClr val="tx1"/>
+                  </a:solidFill>
+                  <a:latin typeface="나눔스퀘어" panose="020B0600000101010101" pitchFamily="50" charset="-127"/>
+                  <a:ea typeface="나눔스퀘어" panose="020B0600000101010101" pitchFamily="50" charset="-127"/>
+                </a:rPr>
+                <a:t> Block </a:t>
+              </a:r>
+              <a:r>
+                <a:rPr lang="en-US" altLang="ko-KR" sz="1200" b="1" i="1" dirty="0">
+                  <a:solidFill>
+                    <a:schemeClr val="tx1"/>
+                  </a:solidFill>
+                  <a:latin typeface="나눔스퀘어" panose="020B0600000101010101" pitchFamily="50" charset="-127"/>
+                  <a:ea typeface="나눔스퀘어" panose="020B0600000101010101" pitchFamily="50" charset="-127"/>
+                </a:rPr>
+                <a:t>K</a:t>
+              </a:r>
+              <a:endParaRPr lang="ko-KR" altLang="en-US" sz="1200" b="1" i="1" dirty="0">
+                <a:solidFill>
+                  <a:schemeClr val="tx1"/>
+                </a:solidFill>
+                <a:latin typeface="나눔스퀘어" panose="020B0600000101010101" pitchFamily="50" charset="-127"/>
+                <a:ea typeface="나눔스퀘어" panose="020B0600000101010101" pitchFamily="50" charset="-127"/>
+              </a:endParaRPr>
+            </a:p>
+          </p:txBody>
+        </p:sp>
+        <p:cxnSp>
+          <p:nvCxnSpPr>
+            <p:cNvPr id="59" name="연결선: 꺾임 124">
+              <a:extLst>
+                <a:ext uri="{FF2B5EF4-FFF2-40B4-BE49-F238E27FC236}">
+                  <a16:creationId xmlns:a16="http://schemas.microsoft.com/office/drawing/2014/main" id="{C2EB735B-7E1C-4EB4-A7C8-1FBDBC3E119B}"/>
+                </a:ext>
+              </a:extLst>
+            </p:cNvPr>
+            <p:cNvCxnSpPr>
+              <a:cxnSpLocks/>
+              <a:stCxn id="49" idx="2"/>
+              <a:endCxn id="53" idx="2"/>
+            </p:cNvCxnSpPr>
+            <p:nvPr/>
+          </p:nvCxnSpPr>
+          <p:spPr>
+            <a:xfrm rot="10800000" flipV="1">
+              <a:off x="1942123" y="1741375"/>
+              <a:ext cx="73501" cy="897306"/>
+            </a:xfrm>
+            <a:prstGeom prst="bentConnector3">
+              <a:avLst>
+                <a:gd name="adj1" fmla="val 1102163"/>
+              </a:avLst>
+            </a:prstGeom>
+            <a:ln w="25400">
+              <a:solidFill>
+                <a:schemeClr val="bg2">
+                  <a:lumMod val="50000"/>
+                </a:schemeClr>
+              </a:solidFill>
+              <a:tailEnd type="triangle"/>
+            </a:ln>
+          </p:spPr>
+          <p:style>
+            <a:lnRef idx="1">
+              <a:schemeClr val="accent1"/>
+            </a:lnRef>
+            <a:fillRef idx="0">
+              <a:schemeClr val="accent1"/>
+            </a:fillRef>
+            <a:effectRef idx="0">
+              <a:schemeClr val="accent1"/>
+            </a:effectRef>
+            <a:fontRef idx="minor">
+              <a:schemeClr val="tx1"/>
+            </a:fontRef>
+          </p:style>
+        </p:cxnSp>
+        <p:cxnSp>
+          <p:nvCxnSpPr>
+            <p:cNvPr id="60" name="연결선: 꺾임 131">
+              <a:extLst>
+                <a:ext uri="{FF2B5EF4-FFF2-40B4-BE49-F238E27FC236}">
+                  <a16:creationId xmlns:a16="http://schemas.microsoft.com/office/drawing/2014/main" id="{2E058120-AC82-4ECE-ACA7-9E78DCD0ACE8}"/>
+                </a:ext>
+              </a:extLst>
+            </p:cNvPr>
+            <p:cNvCxnSpPr>
+              <a:cxnSpLocks/>
+              <a:stCxn id="54" idx="2"/>
+              <a:endCxn id="72" idx="6"/>
+            </p:cNvCxnSpPr>
+            <p:nvPr/>
+          </p:nvCxnSpPr>
+          <p:spPr>
+            <a:xfrm rot="10800000" flipV="1">
+              <a:off x="1191351" y="2855752"/>
+              <a:ext cx="824273" cy="156538"/>
+            </a:xfrm>
+            <a:prstGeom prst="bentConnector2">
+              <a:avLst/>
+            </a:prstGeom>
+            <a:ln w="25400">
+              <a:solidFill>
+                <a:schemeClr val="bg2">
+                  <a:lumMod val="50000"/>
+                </a:schemeClr>
+              </a:solidFill>
+              <a:tailEnd type="triangle"/>
+            </a:ln>
+          </p:spPr>
+          <p:style>
+            <a:lnRef idx="1">
+              <a:schemeClr val="accent1"/>
+            </a:lnRef>
+            <a:fillRef idx="0">
+              <a:schemeClr val="accent1"/>
+            </a:fillRef>
+            <a:effectRef idx="0">
+              <a:schemeClr val="accent1"/>
+            </a:effectRef>
+            <a:fontRef idx="minor">
+              <a:schemeClr val="tx1"/>
+            </a:fontRef>
+          </p:style>
+        </p:cxnSp>
+        <p:grpSp>
+          <p:nvGrpSpPr>
+            <p:cNvPr id="61" name="그룹 60">
+              <a:extLst>
+                <a:ext uri="{FF2B5EF4-FFF2-40B4-BE49-F238E27FC236}">
+                  <a16:creationId xmlns:a16="http://schemas.microsoft.com/office/drawing/2014/main" id="{4A965B5E-A8F3-4410-B109-D53B2CAA48F4}"/>
+                </a:ext>
+              </a:extLst>
+            </p:cNvPr>
+            <p:cNvGrpSpPr/>
+            <p:nvPr/>
+          </p:nvGrpSpPr>
+          <p:grpSpPr>
+            <a:xfrm rot="16200000">
+              <a:off x="1158600" y="2927253"/>
+              <a:ext cx="69056" cy="239130"/>
+              <a:chOff x="9477375" y="2904120"/>
+              <a:chExt cx="69056" cy="239130"/>
+            </a:xfrm>
+          </p:grpSpPr>
+          <p:sp>
+            <p:nvSpPr>
+              <p:cNvPr id="71" name="타원 70">
+                <a:extLst>
+                  <a:ext uri="{FF2B5EF4-FFF2-40B4-BE49-F238E27FC236}">
+                    <a16:creationId xmlns:a16="http://schemas.microsoft.com/office/drawing/2014/main" id="{E42FEE65-40B3-4E4F-80F0-01AC62083836}"/>
+                  </a:ext>
+                </a:extLst>
+              </p:cNvPr>
+              <p:cNvSpPr/>
+              <p:nvPr/>
+            </p:nvSpPr>
+            <p:spPr>
+              <a:xfrm>
+                <a:off x="9477375" y="2904120"/>
+                <a:ext cx="69056" cy="69056"/>
+              </a:xfrm>
+              <a:prstGeom prst="ellipse">
+                <a:avLst/>
+              </a:prstGeom>
+              <a:solidFill>
+                <a:schemeClr val="bg1">
+                  <a:lumMod val="75000"/>
+                </a:schemeClr>
+              </a:solidFill>
+              <a:ln>
+                <a:noFill/>
+              </a:ln>
+            </p:spPr>
+            <p:style>
+              <a:lnRef idx="2">
+                <a:schemeClr val="accent1">
+                  <a:shade val="50000"/>
+                </a:schemeClr>
+              </a:lnRef>
+              <a:fillRef idx="1">
+                <a:schemeClr val="accent1"/>
+              </a:fillRef>
+              <a:effectRef idx="0">
+                <a:schemeClr val="accent1"/>
+              </a:effectRef>
+              <a:fontRef idx="minor">
+                <a:schemeClr val="lt1"/>
+              </a:fontRef>
+            </p:style>
+            <p:txBody>
+              <a:bodyPr rtlCol="0" anchor="ctr"/>
+              <a:lstStyle/>
+              <a:p>
+                <a:pPr algn="ctr"/>
+                <a:endParaRPr lang="ko-KR" altLang="en-US" sz="1400"/>
+              </a:p>
+            </p:txBody>
+          </p:sp>
+          <p:sp>
+            <p:nvSpPr>
+              <p:cNvPr id="72" name="타원 71">
+                <a:extLst>
+                  <a:ext uri="{FF2B5EF4-FFF2-40B4-BE49-F238E27FC236}">
+                    <a16:creationId xmlns:a16="http://schemas.microsoft.com/office/drawing/2014/main" id="{EC6978E5-B000-4792-8D77-16E5BED83EB0}"/>
+                  </a:ext>
+                </a:extLst>
+              </p:cNvPr>
+              <p:cNvSpPr/>
+              <p:nvPr/>
+            </p:nvSpPr>
+            <p:spPr>
+              <a:xfrm>
+                <a:off x="9477375" y="2987379"/>
+                <a:ext cx="69056" cy="69056"/>
+              </a:xfrm>
+              <a:prstGeom prst="ellipse">
+                <a:avLst/>
+              </a:prstGeom>
+              <a:solidFill>
+                <a:schemeClr val="bg1">
+                  <a:lumMod val="75000"/>
+                </a:schemeClr>
+              </a:solidFill>
+              <a:ln>
+                <a:noFill/>
+              </a:ln>
+            </p:spPr>
+            <p:style>
+              <a:lnRef idx="2">
+                <a:schemeClr val="accent1">
+                  <a:shade val="50000"/>
+                </a:schemeClr>
+              </a:lnRef>
+              <a:fillRef idx="1">
+                <a:schemeClr val="accent1"/>
+              </a:fillRef>
+              <a:effectRef idx="0">
+                <a:schemeClr val="accent1"/>
+              </a:effectRef>
+              <a:fontRef idx="minor">
+                <a:schemeClr val="lt1"/>
+              </a:fontRef>
+            </p:style>
+            <p:txBody>
+              <a:bodyPr rtlCol="0" anchor="ctr"/>
+              <a:lstStyle/>
+              <a:p>
+                <a:pPr algn="ctr"/>
+                <a:endParaRPr lang="ko-KR" altLang="en-US" sz="1400"/>
+              </a:p>
+            </p:txBody>
+          </p:sp>
+          <p:sp>
+            <p:nvSpPr>
+              <p:cNvPr id="73" name="타원 72">
+                <a:extLst>
+                  <a:ext uri="{FF2B5EF4-FFF2-40B4-BE49-F238E27FC236}">
+                    <a16:creationId xmlns:a16="http://schemas.microsoft.com/office/drawing/2014/main" id="{C05A203F-065A-450A-8007-0E100A077F7B}"/>
+                  </a:ext>
+                </a:extLst>
+              </p:cNvPr>
+              <p:cNvSpPr/>
+              <p:nvPr/>
+            </p:nvSpPr>
+            <p:spPr>
+              <a:xfrm>
+                <a:off x="9477375" y="3074194"/>
+                <a:ext cx="69056" cy="69056"/>
+              </a:xfrm>
+              <a:prstGeom prst="ellipse">
+                <a:avLst/>
+              </a:prstGeom>
+              <a:solidFill>
+                <a:schemeClr val="bg1">
+                  <a:lumMod val="75000"/>
+                </a:schemeClr>
+              </a:solidFill>
+              <a:ln>
+                <a:noFill/>
+              </a:ln>
+            </p:spPr>
+            <p:style>
+              <a:lnRef idx="2">
+                <a:schemeClr val="accent1">
+                  <a:shade val="50000"/>
+                </a:schemeClr>
+              </a:lnRef>
+              <a:fillRef idx="1">
+                <a:schemeClr val="accent1"/>
+              </a:fillRef>
+              <a:effectRef idx="0">
+                <a:schemeClr val="accent1"/>
+              </a:effectRef>
+              <a:fontRef idx="minor">
+                <a:schemeClr val="lt1"/>
+              </a:fontRef>
+            </p:style>
+            <p:txBody>
+              <a:bodyPr rtlCol="0" anchor="ctr"/>
+              <a:lstStyle/>
+              <a:p>
+                <a:pPr algn="ctr"/>
+                <a:endParaRPr lang="ko-KR" altLang="en-US" sz="1400"/>
+              </a:p>
+            </p:txBody>
+          </p:sp>
+        </p:grpSp>
+        <p:sp>
+          <p:nvSpPr>
+            <p:cNvPr id="62" name="타원 61">
+              <a:extLst>
+                <a:ext uri="{FF2B5EF4-FFF2-40B4-BE49-F238E27FC236}">
+                  <a16:creationId xmlns:a16="http://schemas.microsoft.com/office/drawing/2014/main" id="{F6AE04DD-C253-40C1-8928-159E416F7438}"/>
+                </a:ext>
+              </a:extLst>
+            </p:cNvPr>
+            <p:cNvSpPr/>
+            <p:nvPr/>
+          </p:nvSpPr>
+          <p:spPr>
+            <a:xfrm>
+              <a:off x="1942122" y="3849466"/>
+              <a:ext cx="200894" cy="200894"/>
+            </a:xfrm>
+            <a:prstGeom prst="ellipse">
+              <a:avLst/>
+            </a:prstGeom>
+            <a:solidFill>
+              <a:schemeClr val="bg1"/>
+            </a:solidFill>
+            <a:ln>
+              <a:solidFill>
+                <a:schemeClr val="tx1"/>
+              </a:solidFill>
+            </a:ln>
+          </p:spPr>
+          <p:style>
+            <a:lnRef idx="2">
+              <a:schemeClr val="accent1">
+                <a:shade val="50000"/>
+              </a:schemeClr>
+            </a:lnRef>
+            <a:fillRef idx="1">
+              <a:schemeClr val="accent1"/>
+            </a:fillRef>
+            <a:effectRef idx="0">
+              <a:schemeClr val="accent1"/>
+            </a:effectRef>
+            <a:fontRef idx="minor">
+              <a:schemeClr val="lt1"/>
+            </a:fontRef>
+          </p:style>
+          <p:txBody>
+            <a:bodyPr lIns="0" tIns="0" rIns="0" bIns="0" rtlCol="0" anchor="ctr"/>
+            <a:lstStyle/>
+            <a:p>
+              <a:pPr algn="ctr"/>
+              <a:r>
+                <a:rPr lang="en-US" altLang="ko-KR" sz="1600" b="1" dirty="0">
+                  <a:solidFill>
+                    <a:schemeClr val="tx1"/>
+                  </a:solidFill>
+                  <a:latin typeface="나눔스퀘어 ExtraBold" panose="020B0600000101010101" pitchFamily="50" charset="-127"/>
+                  <a:ea typeface="나눔스퀘어 ExtraBold" panose="020B0600000101010101" pitchFamily="50" charset="-127"/>
+                </a:rPr>
+                <a:t>-</a:t>
+              </a:r>
+              <a:endParaRPr lang="ko-KR" altLang="en-US" sz="1600" b="1" dirty="0">
+                <a:solidFill>
+                  <a:schemeClr val="tx1"/>
+                </a:solidFill>
+                <a:latin typeface="나눔스퀘어 ExtraBold" panose="020B0600000101010101" pitchFamily="50" charset="-127"/>
+                <a:ea typeface="나눔스퀘어 ExtraBold" panose="020B0600000101010101" pitchFamily="50" charset="-127"/>
+              </a:endParaRPr>
+            </a:p>
+          </p:txBody>
+        </p:sp>
+        <p:cxnSp>
+          <p:nvCxnSpPr>
+            <p:cNvPr id="63" name="직선 화살표 연결선 62">
+              <a:extLst>
+                <a:ext uri="{FF2B5EF4-FFF2-40B4-BE49-F238E27FC236}">
+                  <a16:creationId xmlns:a16="http://schemas.microsoft.com/office/drawing/2014/main" id="{33EB9F59-D0A4-4710-96B1-3CB8A6487026}"/>
+                </a:ext>
+              </a:extLst>
+            </p:cNvPr>
+            <p:cNvCxnSpPr>
+              <a:cxnSpLocks/>
+              <a:stCxn id="75" idx="2"/>
+              <a:endCxn id="58" idx="0"/>
+            </p:cNvCxnSpPr>
+            <p:nvPr/>
+          </p:nvCxnSpPr>
+          <p:spPr>
+            <a:xfrm>
+              <a:off x="2744585" y="3081346"/>
+              <a:ext cx="2967" cy="175054"/>
+            </a:xfrm>
+            <a:prstGeom prst="straightConnector1">
+              <a:avLst/>
+            </a:prstGeom>
+            <a:ln w="25400">
+              <a:solidFill>
+                <a:schemeClr val="bg2">
+                  <a:lumMod val="50000"/>
+                </a:schemeClr>
+              </a:solidFill>
+              <a:tailEnd type="triangle"/>
+            </a:ln>
+          </p:spPr>
+          <p:style>
+            <a:lnRef idx="1">
+              <a:schemeClr val="accent1"/>
+            </a:lnRef>
+            <a:fillRef idx="0">
+              <a:schemeClr val="accent1"/>
+            </a:fillRef>
+            <a:effectRef idx="0">
+              <a:schemeClr val="accent1"/>
+            </a:effectRef>
+            <a:fontRef idx="minor">
+              <a:schemeClr val="tx1"/>
+            </a:fontRef>
+          </p:style>
+        </p:cxnSp>
+        <p:cxnSp>
+          <p:nvCxnSpPr>
+            <p:cNvPr id="64" name="연결선: 꺾임 156">
+              <a:extLst>
+                <a:ext uri="{FF2B5EF4-FFF2-40B4-BE49-F238E27FC236}">
+                  <a16:creationId xmlns:a16="http://schemas.microsoft.com/office/drawing/2014/main" id="{33942ADE-96BD-4ABF-81D2-A170D8958D7E}"/>
+                </a:ext>
+              </a:extLst>
+            </p:cNvPr>
+            <p:cNvCxnSpPr>
+              <a:cxnSpLocks/>
+              <a:stCxn id="72" idx="2"/>
+              <a:endCxn id="62" idx="2"/>
+            </p:cNvCxnSpPr>
+            <p:nvPr/>
+          </p:nvCxnSpPr>
+          <p:spPr>
+            <a:xfrm rot="16200000" flipH="1">
+              <a:off x="1132453" y="3140243"/>
+              <a:ext cx="868567" cy="750772"/>
+            </a:xfrm>
+            <a:prstGeom prst="bentConnector2">
+              <a:avLst/>
+            </a:prstGeom>
+            <a:ln w="25400">
+              <a:solidFill>
+                <a:schemeClr val="bg2">
+                  <a:lumMod val="50000"/>
+                </a:schemeClr>
+              </a:solidFill>
+              <a:tailEnd type="triangle"/>
+            </a:ln>
+          </p:spPr>
+          <p:style>
+            <a:lnRef idx="1">
+              <a:schemeClr val="accent1"/>
+            </a:lnRef>
+            <a:fillRef idx="0">
+              <a:schemeClr val="accent1"/>
+            </a:fillRef>
+            <a:effectRef idx="0">
+              <a:schemeClr val="accent1"/>
+            </a:effectRef>
+            <a:fontRef idx="minor">
+              <a:schemeClr val="tx1"/>
+            </a:fontRef>
+          </p:style>
+        </p:cxnSp>
+        <p:cxnSp>
+          <p:nvCxnSpPr>
+            <p:cNvPr id="65" name="직선 화살표 연결선 64">
+              <a:extLst>
+                <a:ext uri="{FF2B5EF4-FFF2-40B4-BE49-F238E27FC236}">
+                  <a16:creationId xmlns:a16="http://schemas.microsoft.com/office/drawing/2014/main" id="{991CA34E-02B6-4598-B0CA-AF1FD209BDFB}"/>
+                </a:ext>
+              </a:extLst>
+            </p:cNvPr>
+            <p:cNvCxnSpPr>
+              <a:cxnSpLocks/>
+              <a:endCxn id="62" idx="0"/>
+            </p:cNvCxnSpPr>
+            <p:nvPr/>
+          </p:nvCxnSpPr>
+          <p:spPr>
+            <a:xfrm>
+              <a:off x="2042569" y="3719374"/>
+              <a:ext cx="0" cy="130092"/>
+            </a:xfrm>
+            <a:prstGeom prst="straightConnector1">
+              <a:avLst/>
+            </a:prstGeom>
+            <a:ln w="25400">
+              <a:solidFill>
+                <a:schemeClr val="bg2">
+                  <a:lumMod val="50000"/>
+                </a:schemeClr>
+              </a:solidFill>
+              <a:tailEnd type="triangle"/>
+            </a:ln>
+          </p:spPr>
+          <p:style>
+            <a:lnRef idx="1">
+              <a:schemeClr val="accent1"/>
+            </a:lnRef>
+            <a:fillRef idx="0">
+              <a:schemeClr val="accent1"/>
+            </a:fillRef>
+            <a:effectRef idx="0">
+              <a:schemeClr val="accent1"/>
+            </a:effectRef>
+            <a:fontRef idx="minor">
+              <a:schemeClr val="tx1"/>
+            </a:fontRef>
+          </p:style>
+        </p:cxnSp>
+        <p:sp>
+          <p:nvSpPr>
+            <p:cNvPr id="66" name="타원 65">
+              <a:extLst>
+                <a:ext uri="{FF2B5EF4-FFF2-40B4-BE49-F238E27FC236}">
+                  <a16:creationId xmlns:a16="http://schemas.microsoft.com/office/drawing/2014/main" id="{BA3D4DF0-E450-44E1-9E81-30670D06DEAA}"/>
+                </a:ext>
+              </a:extLst>
+            </p:cNvPr>
+            <p:cNvSpPr/>
+            <p:nvPr/>
+          </p:nvSpPr>
+          <p:spPr>
+            <a:xfrm>
+              <a:off x="4566551" y="2449143"/>
+              <a:ext cx="200894" cy="200894"/>
+            </a:xfrm>
+            <a:prstGeom prst="ellipse">
+              <a:avLst/>
+            </a:prstGeom>
+            <a:solidFill>
+              <a:schemeClr val="bg1"/>
+            </a:solidFill>
+            <a:ln>
+              <a:solidFill>
+                <a:schemeClr val="tx1"/>
+              </a:solidFill>
+            </a:ln>
+          </p:spPr>
+          <p:style>
+            <a:lnRef idx="2">
+              <a:schemeClr val="accent1">
+                <a:shade val="50000"/>
+              </a:schemeClr>
+            </a:lnRef>
+            <a:fillRef idx="1">
+              <a:schemeClr val="accent1"/>
+            </a:fillRef>
+            <a:effectRef idx="0">
+              <a:schemeClr val="accent1"/>
+            </a:effectRef>
+            <a:fontRef idx="minor">
+              <a:schemeClr val="lt1"/>
+            </a:fontRef>
+          </p:style>
+          <p:txBody>
+            <a:bodyPr lIns="0" tIns="0" rIns="0" bIns="0" rtlCol="0" anchor="ctr"/>
+            <a:lstStyle/>
+            <a:p>
+              <a:pPr algn="ctr"/>
+              <a:r>
+                <a:rPr lang="en-US" altLang="ko-KR" sz="1600" b="1" dirty="0">
+                  <a:solidFill>
+                    <a:schemeClr val="tx1"/>
+                  </a:solidFill>
+                  <a:latin typeface="나눔스퀘어 ExtraBold" panose="020B0600000101010101" pitchFamily="50" charset="-127"/>
+                  <a:ea typeface="나눔스퀘어 ExtraBold" panose="020B0600000101010101" pitchFamily="50" charset="-127"/>
+                </a:rPr>
+                <a:t>+</a:t>
+              </a:r>
+              <a:endParaRPr lang="ko-KR" altLang="en-US" sz="1600" b="1" dirty="0">
+                <a:solidFill>
+                  <a:schemeClr val="tx1"/>
+                </a:solidFill>
+                <a:latin typeface="나눔스퀘어 ExtraBold" panose="020B0600000101010101" pitchFamily="50" charset="-127"/>
+                <a:ea typeface="나눔스퀘어 ExtraBold" panose="020B0600000101010101" pitchFamily="50" charset="-127"/>
+              </a:endParaRPr>
+            </a:p>
+          </p:txBody>
+        </p:sp>
+        <p:cxnSp>
+          <p:nvCxnSpPr>
+            <p:cNvPr id="67" name="연결선: 꺾임 174">
+              <a:extLst>
+                <a:ext uri="{FF2B5EF4-FFF2-40B4-BE49-F238E27FC236}">
+                  <a16:creationId xmlns:a16="http://schemas.microsoft.com/office/drawing/2014/main" id="{D4D7297C-5B09-46F5-9571-EF769E598F6B}"/>
+                </a:ext>
+              </a:extLst>
+            </p:cNvPr>
+            <p:cNvCxnSpPr>
+              <a:cxnSpLocks/>
+              <a:endCxn id="66" idx="2"/>
+            </p:cNvCxnSpPr>
+            <p:nvPr/>
+          </p:nvCxnSpPr>
+          <p:spPr>
+            <a:xfrm>
+              <a:off x="3462352" y="2453710"/>
+              <a:ext cx="1104199" cy="95880"/>
+            </a:xfrm>
+            <a:prstGeom prst="bentConnector3">
+              <a:avLst>
+                <a:gd name="adj1" fmla="val 184"/>
+              </a:avLst>
+            </a:prstGeom>
+            <a:ln w="25400">
+              <a:solidFill>
+                <a:schemeClr val="bg2">
+                  <a:lumMod val="50000"/>
+                </a:schemeClr>
+              </a:solidFill>
+              <a:tailEnd type="triangle"/>
+            </a:ln>
+          </p:spPr>
+          <p:style>
+            <a:lnRef idx="1">
+              <a:schemeClr val="accent1"/>
+            </a:lnRef>
+            <a:fillRef idx="0">
+              <a:schemeClr val="accent1"/>
+            </a:fillRef>
+            <a:effectRef idx="0">
+              <a:schemeClr val="accent1"/>
+            </a:effectRef>
+            <a:fontRef idx="minor">
+              <a:schemeClr val="tx1"/>
+            </a:fontRef>
+          </p:style>
+        </p:cxnSp>
+        <p:cxnSp>
+          <p:nvCxnSpPr>
+            <p:cNvPr id="68" name="연결선: 꺾임 191">
+              <a:extLst>
+                <a:ext uri="{FF2B5EF4-FFF2-40B4-BE49-F238E27FC236}">
+                  <a16:creationId xmlns:a16="http://schemas.microsoft.com/office/drawing/2014/main" id="{0493E489-82ED-4684-8F2E-DAB4F7E549D2}"/>
+                </a:ext>
+              </a:extLst>
+            </p:cNvPr>
+            <p:cNvCxnSpPr>
+              <a:cxnSpLocks/>
+              <a:stCxn id="47" idx="0"/>
+              <a:endCxn id="66" idx="4"/>
+            </p:cNvCxnSpPr>
+            <p:nvPr/>
+          </p:nvCxnSpPr>
+          <p:spPr>
+            <a:xfrm rot="5400000" flipH="1" flipV="1">
+              <a:off x="3497546" y="2605829"/>
+              <a:ext cx="1125244" cy="1213660"/>
+            </a:xfrm>
+            <a:prstGeom prst="bentConnector3">
+              <a:avLst>
+                <a:gd name="adj1" fmla="val -20316"/>
+              </a:avLst>
+            </a:prstGeom>
+            <a:ln w="25400">
+              <a:solidFill>
+                <a:schemeClr val="bg2">
+                  <a:lumMod val="50000"/>
+                </a:schemeClr>
+              </a:solidFill>
+              <a:tailEnd type="triangle"/>
+            </a:ln>
+          </p:spPr>
+          <p:style>
+            <a:lnRef idx="1">
+              <a:schemeClr val="accent1"/>
+            </a:lnRef>
+            <a:fillRef idx="0">
+              <a:schemeClr val="accent1"/>
+            </a:fillRef>
+            <a:effectRef idx="0">
+              <a:schemeClr val="accent1"/>
+            </a:effectRef>
+            <a:fontRef idx="minor">
+              <a:schemeClr val="tx1"/>
+            </a:fontRef>
+          </p:style>
+        </p:cxnSp>
+        <p:cxnSp>
+          <p:nvCxnSpPr>
+            <p:cNvPr id="69" name="직선 화살표 연결선 68">
+              <a:extLst>
+                <a:ext uri="{FF2B5EF4-FFF2-40B4-BE49-F238E27FC236}">
+                  <a16:creationId xmlns:a16="http://schemas.microsoft.com/office/drawing/2014/main" id="{C8FA6D70-2F32-4796-83F1-A1B3DC8F14F2}"/>
+                </a:ext>
+              </a:extLst>
+            </p:cNvPr>
+            <p:cNvCxnSpPr>
+              <a:cxnSpLocks/>
+              <a:stCxn id="66" idx="6"/>
+            </p:cNvCxnSpPr>
+            <p:nvPr/>
+          </p:nvCxnSpPr>
+          <p:spPr>
+            <a:xfrm>
+              <a:off x="4767446" y="2549590"/>
+              <a:ext cx="392400" cy="0"/>
+            </a:xfrm>
+            <a:prstGeom prst="straightConnector1">
+              <a:avLst/>
+            </a:prstGeom>
+            <a:ln w="25400">
+              <a:solidFill>
+                <a:schemeClr val="bg2">
+                  <a:lumMod val="50000"/>
+                </a:schemeClr>
+              </a:solidFill>
+              <a:tailEnd type="triangle"/>
+            </a:ln>
+          </p:spPr>
+          <p:style>
+            <a:lnRef idx="1">
+              <a:schemeClr val="accent1"/>
+            </a:lnRef>
+            <a:fillRef idx="0">
+              <a:schemeClr val="accent1"/>
+            </a:fillRef>
+            <a:effectRef idx="0">
+              <a:schemeClr val="accent1"/>
+            </a:effectRef>
+            <a:fontRef idx="minor">
+              <a:schemeClr val="tx1"/>
+            </a:fontRef>
+          </p:style>
+        </p:cxnSp>
+        <p:sp>
+          <p:nvSpPr>
+            <p:cNvPr id="70" name="직사각형 69">
+              <a:extLst>
+                <a:ext uri="{FF2B5EF4-FFF2-40B4-BE49-F238E27FC236}">
+                  <a16:creationId xmlns:a16="http://schemas.microsoft.com/office/drawing/2014/main" id="{04907CDA-B761-4793-88EB-4F7E40EAE51D}"/>
+                </a:ext>
+              </a:extLst>
+            </p:cNvPr>
+            <p:cNvSpPr/>
+            <p:nvPr/>
+          </p:nvSpPr>
+          <p:spPr>
+            <a:xfrm>
+              <a:off x="1023265" y="1638300"/>
+              <a:ext cx="3854436" cy="2467017"/>
+            </a:xfrm>
+            <a:prstGeom prst="rect">
+              <a:avLst/>
+            </a:prstGeom>
+            <a:noFill/>
+            <a:ln w="25400">
+              <a:solidFill>
+                <a:srgbClr val="7030A0"/>
+              </a:solidFill>
+            </a:ln>
+          </p:spPr>
+          <p:style>
+            <a:lnRef idx="2">
+              <a:schemeClr val="accent1">
+                <a:shade val="50000"/>
+              </a:schemeClr>
+            </a:lnRef>
+            <a:fillRef idx="1">
+              <a:schemeClr val="accent1"/>
+            </a:fillRef>
+            <a:effectRef idx="0">
+              <a:schemeClr val="accent1"/>
+            </a:effectRef>
+            <a:fontRef idx="minor">
+              <a:schemeClr val="lt1"/>
+            </a:fontRef>
+          </p:style>
+          <p:txBody>
+            <a:bodyPr rtlCol="0" anchor="ctr"/>
+            <a:lstStyle/>
+            <a:p>
+              <a:pPr algn="ctr"/>
+              <a:endParaRPr lang="ko-KR" altLang="en-US" sz="900" dirty="0">
+                <a:solidFill>
+                  <a:schemeClr val="tx1"/>
+                </a:solidFill>
+                <a:latin typeface="나눔스퀘어" panose="020B0600000101010101" pitchFamily="50" charset="-127"/>
+                <a:ea typeface="나눔스퀘어" panose="020B0600000101010101" pitchFamily="50" charset="-127"/>
+              </a:endParaRPr>
+            </a:p>
+          </p:txBody>
+        </p:sp>
+      </p:grpSp>
+      <p:cxnSp>
+        <p:nvCxnSpPr>
+          <p:cNvPr id="78" name="직선 연결선 77"/>
+          <p:cNvCxnSpPr/>
+          <p:nvPr/>
+        </p:nvCxnSpPr>
+        <p:spPr>
+          <a:xfrm flipH="1" flipV="1">
+            <a:off x="4615387" y="1751371"/>
+            <a:ext cx="1716284" cy="467967"/>
+          </a:xfrm>
+          <a:prstGeom prst="line">
+            <a:avLst/>
+          </a:prstGeom>
+          <a:ln>
+            <a:solidFill>
+              <a:schemeClr val="tx1">
+                <a:lumMod val="75000"/>
+                <a:lumOff val="25000"/>
+              </a:schemeClr>
+            </a:solidFill>
+            <a:prstDash val="dash"/>
+          </a:ln>
+        </p:spPr>
+        <p:style>
+          <a:lnRef idx="1">
+            <a:schemeClr val="accent1"/>
+          </a:lnRef>
+          <a:fillRef idx="0">
+            <a:schemeClr val="accent1"/>
+          </a:fillRef>
+          <a:effectRef idx="0">
+            <a:schemeClr val="accent1"/>
+          </a:effectRef>
+          <a:fontRef idx="minor">
+            <a:schemeClr val="tx1"/>
+          </a:fontRef>
+        </p:style>
+      </p:cxnSp>
+      <p:cxnSp>
+        <p:nvCxnSpPr>
+          <p:cNvPr id="79" name="직선 연결선 78"/>
+          <p:cNvCxnSpPr/>
+          <p:nvPr/>
+        </p:nvCxnSpPr>
+        <p:spPr>
+          <a:xfrm flipH="1">
+            <a:off x="4615387" y="2854325"/>
+            <a:ext cx="1716284" cy="783025"/>
+          </a:xfrm>
+          <a:prstGeom prst="line">
+            <a:avLst/>
+          </a:prstGeom>
+          <a:ln>
+            <a:solidFill>
+              <a:schemeClr val="tx1">
+                <a:lumMod val="75000"/>
+                <a:lumOff val="25000"/>
+              </a:schemeClr>
+            </a:solidFill>
+            <a:prstDash val="dash"/>
+          </a:ln>
+        </p:spPr>
+        <p:style>
+          <a:lnRef idx="1">
+            <a:schemeClr val="accent1"/>
+          </a:lnRef>
+          <a:fillRef idx="0">
+            <a:schemeClr val="accent1"/>
+          </a:fillRef>
+          <a:effectRef idx="0">
+            <a:schemeClr val="accent1"/>
+          </a:effectRef>
+          <a:fontRef idx="minor">
+            <a:schemeClr val="tx1"/>
+          </a:fontRef>
+        </p:style>
+      </p:cxnSp>
+      <p:cxnSp>
+        <p:nvCxnSpPr>
+          <p:cNvPr id="82" name="직선 연결선 81"/>
+          <p:cNvCxnSpPr/>
+          <p:nvPr/>
+        </p:nvCxnSpPr>
+        <p:spPr>
+          <a:xfrm flipH="1" flipV="1">
+            <a:off x="4615387" y="3821174"/>
+            <a:ext cx="1716284" cy="222468"/>
+          </a:xfrm>
+          <a:prstGeom prst="line">
+            <a:avLst/>
+          </a:prstGeom>
+          <a:ln>
+            <a:solidFill>
+              <a:schemeClr val="tx1">
+                <a:lumMod val="75000"/>
+                <a:lumOff val="25000"/>
+              </a:schemeClr>
+            </a:solidFill>
+            <a:prstDash val="dash"/>
+          </a:ln>
+        </p:spPr>
+        <p:style>
+          <a:lnRef idx="1">
+            <a:schemeClr val="accent1"/>
+          </a:lnRef>
+          <a:fillRef idx="0">
+            <a:schemeClr val="accent1"/>
+          </a:fillRef>
+          <a:effectRef idx="0">
+            <a:schemeClr val="accent1"/>
+          </a:effectRef>
+          <a:fontRef idx="minor">
+            <a:schemeClr val="tx1"/>
+          </a:fontRef>
+        </p:style>
+      </p:cxnSp>
+      <p:cxnSp>
+        <p:nvCxnSpPr>
+          <p:cNvPr id="83" name="직선 연결선 82"/>
+          <p:cNvCxnSpPr/>
+          <p:nvPr/>
+        </p:nvCxnSpPr>
+        <p:spPr>
+          <a:xfrm flipH="1">
+            <a:off x="4615387" y="4759565"/>
+            <a:ext cx="1724382" cy="947586"/>
+          </a:xfrm>
+          <a:prstGeom prst="line">
+            <a:avLst/>
+          </a:prstGeom>
+          <a:ln>
+            <a:solidFill>
+              <a:schemeClr val="tx1">
+                <a:lumMod val="75000"/>
+                <a:lumOff val="25000"/>
+              </a:schemeClr>
+            </a:solidFill>
+            <a:prstDash val="dash"/>
+          </a:ln>
+        </p:spPr>
+        <p:style>
+          <a:lnRef idx="1">
+            <a:schemeClr val="accent1"/>
+          </a:lnRef>
+          <a:fillRef idx="0">
+            <a:schemeClr val="accent1"/>
+          </a:fillRef>
+          <a:effectRef idx="0">
+            <a:schemeClr val="accent1"/>
+          </a:effectRef>
+          <a:fontRef idx="minor">
+            <a:schemeClr val="tx1"/>
+          </a:fontRef>
+        </p:style>
+      </p:cxnSp>
+      <p:cxnSp>
+        <p:nvCxnSpPr>
+          <p:cNvPr id="89" name="직선 화살표 연결선 88">
+            <a:extLst>
+              <a:ext uri="{FF2B5EF4-FFF2-40B4-BE49-F238E27FC236}">
+                <a16:creationId xmlns:a16="http://schemas.microsoft.com/office/drawing/2014/main" id="{DD32051E-C8B4-4422-86EB-A09069E9C112}"/>
+              </a:ext>
+            </a:extLst>
+          </p:cNvPr>
+          <p:cNvCxnSpPr>
+            <a:cxnSpLocks/>
+            <a:endCxn id="18" idx="0"/>
+          </p:cNvCxnSpPr>
+          <p:nvPr/>
+        </p:nvCxnSpPr>
+        <p:spPr>
+          <a:xfrm>
+            <a:off x="2448752" y="1349375"/>
+            <a:ext cx="0" cy="459434"/>
+          </a:xfrm>
+          <a:prstGeom prst="straightConnector1">
+            <a:avLst/>
+          </a:prstGeom>
+          <a:ln w="25400">
+            <a:solidFill>
+              <a:schemeClr val="bg2">
+                <a:lumMod val="50000"/>
+              </a:schemeClr>
+            </a:solidFill>
+            <a:tailEnd type="triangle"/>
+          </a:ln>
+        </p:spPr>
+        <p:style>
+          <a:lnRef idx="1">
+            <a:schemeClr val="accent1"/>
+          </a:lnRef>
+          <a:fillRef idx="0">
+            <a:schemeClr val="accent1"/>
+          </a:fillRef>
+          <a:effectRef idx="0">
+            <a:schemeClr val="accent1"/>
+          </a:effectRef>
+          <a:fontRef idx="minor">
+            <a:schemeClr val="tx1"/>
+          </a:fontRef>
+        </p:style>
+      </p:cxnSp>
+      <p:cxnSp>
+        <p:nvCxnSpPr>
+          <p:cNvPr id="95" name="직선 화살표 연결선 94">
+            <a:extLst>
+              <a:ext uri="{FF2B5EF4-FFF2-40B4-BE49-F238E27FC236}">
+                <a16:creationId xmlns:a16="http://schemas.microsoft.com/office/drawing/2014/main" id="{DD32051E-C8B4-4422-86EB-A09069E9C112}"/>
+              </a:ext>
+            </a:extLst>
+          </p:cNvPr>
+          <p:cNvCxnSpPr>
+            <a:cxnSpLocks/>
+            <a:stCxn id="31" idx="4"/>
+            <a:endCxn id="49" idx="0"/>
+          </p:cNvCxnSpPr>
+          <p:nvPr/>
+        </p:nvCxnSpPr>
+        <p:spPr>
+          <a:xfrm>
+            <a:off x="2447993" y="3595337"/>
+            <a:ext cx="759" cy="269592"/>
+          </a:xfrm>
+          <a:prstGeom prst="straightConnector1">
+            <a:avLst/>
+          </a:prstGeom>
+          <a:ln w="25400">
+            <a:solidFill>
+              <a:schemeClr val="bg2">
+                <a:lumMod val="50000"/>
+              </a:schemeClr>
+            </a:solidFill>
+            <a:tailEnd type="triangle"/>
+          </a:ln>
+        </p:spPr>
+        <p:style>
+          <a:lnRef idx="1">
+            <a:schemeClr val="accent1"/>
+          </a:lnRef>
+          <a:fillRef idx="0">
+            <a:schemeClr val="accent1"/>
+          </a:fillRef>
+          <a:effectRef idx="0">
+            <a:schemeClr val="accent1"/>
+          </a:effectRef>
+          <a:fontRef idx="minor">
+            <a:schemeClr val="tx1"/>
+          </a:fontRef>
+        </p:style>
+      </p:cxnSp>
+      <p:cxnSp>
+        <p:nvCxnSpPr>
+          <p:cNvPr id="98" name="직선 화살표 연결선 97">
+            <a:extLst>
+              <a:ext uri="{FF2B5EF4-FFF2-40B4-BE49-F238E27FC236}">
+                <a16:creationId xmlns:a16="http://schemas.microsoft.com/office/drawing/2014/main" id="{DD32051E-C8B4-4422-86EB-A09069E9C112}"/>
+              </a:ext>
+            </a:extLst>
+          </p:cNvPr>
+          <p:cNvCxnSpPr>
+            <a:cxnSpLocks/>
+            <a:stCxn id="62" idx="4"/>
+          </p:cNvCxnSpPr>
+          <p:nvPr/>
+        </p:nvCxnSpPr>
+        <p:spPr>
+          <a:xfrm flipH="1">
+            <a:off x="2447992" y="5651457"/>
+            <a:ext cx="1" cy="212154"/>
+          </a:xfrm>
+          <a:prstGeom prst="straightConnector1">
+            <a:avLst/>
+          </a:prstGeom>
+          <a:ln w="25400">
+            <a:solidFill>
+              <a:schemeClr val="bg2">
+                <a:lumMod val="50000"/>
+              </a:schemeClr>
+            </a:solidFill>
+            <a:tailEnd type="triangle"/>
+          </a:ln>
+        </p:spPr>
+        <p:style>
+          <a:lnRef idx="1">
+            <a:schemeClr val="accent1"/>
+          </a:lnRef>
+          <a:fillRef idx="0">
+            <a:schemeClr val="accent1"/>
+          </a:fillRef>
+          <a:effectRef idx="0">
+            <a:schemeClr val="accent1"/>
+          </a:effectRef>
+          <a:fontRef idx="minor">
+            <a:schemeClr val="tx1"/>
+          </a:fontRef>
+        </p:style>
+      </p:cxnSp>
+      <p:sp>
+        <p:nvSpPr>
+          <p:cNvPr id="102" name="TextBox 101">
+            <a:extLst>
+              <a:ext uri="{FF2B5EF4-FFF2-40B4-BE49-F238E27FC236}">
+                <a16:creationId xmlns:a16="http://schemas.microsoft.com/office/drawing/2014/main" id="{B1C677D2-9752-45DC-8592-2BBD8BB1245A}"/>
+              </a:ext>
+            </a:extLst>
+          </p:cNvPr>
+          <p:cNvSpPr txBox="1"/>
+          <p:nvPr/>
+        </p:nvSpPr>
+        <p:spPr>
+          <a:xfrm>
+            <a:off x="1111623" y="1294527"/>
+            <a:ext cx="1339660" cy="430887"/>
+          </a:xfrm>
+          <a:prstGeom prst="rect">
+            <a:avLst/>
+          </a:prstGeom>
+          <a:noFill/>
+        </p:spPr>
+        <p:txBody>
+          <a:bodyPr wrap="square" rtlCol="0">
+            <a:spAutoFit/>
+          </a:bodyPr>
+          <a:lstStyle/>
+          <a:p>
+            <a:pPr algn="r"/>
+            <a:r>
+              <a:rPr lang="en-US" altLang="ko-KR" sz="1100" b="1" dirty="0">
+                <a:latin typeface="나눔스퀘어" panose="020B0600000101010101" pitchFamily="50" charset="-127"/>
+                <a:ea typeface="나눔스퀘어" panose="020B0600000101010101" pitchFamily="50" charset="-127"/>
+              </a:rPr>
+              <a:t>Lookback window</a:t>
+            </a:r>
+          </a:p>
+          <a:p>
+            <a:pPr algn="r"/>
+            <a:r>
+              <a:rPr lang="en-US" altLang="ko-KR" sz="1100" b="1" dirty="0">
+                <a:latin typeface="나눔스퀘어" panose="020B0600000101010101" pitchFamily="50" charset="-127"/>
+                <a:ea typeface="나눔스퀘어" panose="020B0600000101010101" pitchFamily="50" charset="-127"/>
+              </a:rPr>
+              <a:t>(model input)</a:t>
+            </a:r>
+            <a:endParaRPr lang="ko-KR" altLang="en-US" sz="1100" b="1" dirty="0">
+              <a:latin typeface="나눔스퀘어" panose="020B0600000101010101" pitchFamily="50" charset="-127"/>
+              <a:ea typeface="나눔스퀘어" panose="020B0600000101010101" pitchFamily="50" charset="-127"/>
+            </a:endParaRPr>
+          </a:p>
+        </p:txBody>
+      </p:sp>
+      <p:sp>
+        <p:nvSpPr>
+          <p:cNvPr id="106" name="TextBox 105">
+            <a:extLst>
+              <a:ext uri="{FF2B5EF4-FFF2-40B4-BE49-F238E27FC236}">
+                <a16:creationId xmlns:a16="http://schemas.microsoft.com/office/drawing/2014/main" id="{2B07C4B7-D90D-403F-B535-1030D664D9E5}"/>
+              </a:ext>
+            </a:extLst>
+          </p:cNvPr>
+          <p:cNvSpPr txBox="1"/>
+          <p:nvPr/>
+        </p:nvSpPr>
+        <p:spPr>
+          <a:xfrm>
+            <a:off x="4578595" y="2005917"/>
+            <a:ext cx="673582" cy="400110"/>
+          </a:xfrm>
+          <a:prstGeom prst="rect">
+            <a:avLst/>
+          </a:prstGeom>
+          <a:noFill/>
+        </p:spPr>
+        <p:txBody>
+          <a:bodyPr wrap="none" rtlCol="0">
+            <a:spAutoFit/>
+          </a:bodyPr>
+          <a:lstStyle/>
+          <a:p>
+            <a:r>
+              <a:rPr lang="en-US" altLang="ko-KR" sz="1000" b="1" dirty="0" smtClean="0">
+                <a:latin typeface="나눔스퀘어" panose="020B0600000101010101" pitchFamily="50" charset="-127"/>
+                <a:ea typeface="나눔스퀘어" panose="020B0600000101010101" pitchFamily="50" charset="-127"/>
+              </a:rPr>
+              <a:t>Trend</a:t>
+            </a:r>
+            <a:endParaRPr lang="en-US" altLang="ko-KR" sz="1000" b="1" dirty="0">
+              <a:latin typeface="나눔스퀘어" panose="020B0600000101010101" pitchFamily="50" charset="-127"/>
+              <a:ea typeface="나눔스퀘어" panose="020B0600000101010101" pitchFamily="50" charset="-127"/>
+            </a:endParaRPr>
+          </a:p>
+          <a:p>
+            <a:pPr algn="ctr"/>
+            <a:r>
+              <a:rPr lang="en-US" altLang="ko-KR" sz="1000" b="1" dirty="0">
+                <a:latin typeface="나눔스퀘어" panose="020B0600000101010101" pitchFamily="50" charset="-127"/>
+                <a:ea typeface="나눔스퀘어" panose="020B0600000101010101" pitchFamily="50" charset="-127"/>
+              </a:rPr>
+              <a:t>forecast</a:t>
+            </a:r>
+            <a:endParaRPr lang="ko-KR" altLang="en-US" sz="1000" b="1" dirty="0">
+              <a:latin typeface="나눔스퀘어" panose="020B0600000101010101" pitchFamily="50" charset="-127"/>
+              <a:ea typeface="나눔스퀘어" panose="020B0600000101010101" pitchFamily="50" charset="-127"/>
+            </a:endParaRPr>
+          </a:p>
+        </p:txBody>
+      </p:sp>
+      <p:sp>
+        <p:nvSpPr>
+          <p:cNvPr id="107" name="TextBox 106">
+            <a:extLst>
+              <a:ext uri="{FF2B5EF4-FFF2-40B4-BE49-F238E27FC236}">
+                <a16:creationId xmlns:a16="http://schemas.microsoft.com/office/drawing/2014/main" id="{2B07C4B7-D90D-403F-B535-1030D664D9E5}"/>
+              </a:ext>
+            </a:extLst>
+          </p:cNvPr>
+          <p:cNvSpPr txBox="1"/>
+          <p:nvPr/>
+        </p:nvSpPr>
+        <p:spPr>
+          <a:xfrm>
+            <a:off x="4578595" y="4076000"/>
+            <a:ext cx="713657" cy="400110"/>
+          </a:xfrm>
+          <a:prstGeom prst="rect">
+            <a:avLst/>
+          </a:prstGeom>
+          <a:noFill/>
+        </p:spPr>
+        <p:txBody>
+          <a:bodyPr wrap="none" rtlCol="0">
+            <a:spAutoFit/>
+          </a:bodyPr>
+          <a:lstStyle/>
+          <a:p>
+            <a:r>
+              <a:rPr lang="en-US" altLang="ko-KR" sz="1000" b="1" dirty="0" smtClean="0">
+                <a:latin typeface="나눔스퀘어" panose="020B0600000101010101" pitchFamily="50" charset="-127"/>
+                <a:ea typeface="나눔스퀘어" panose="020B0600000101010101" pitchFamily="50" charset="-127"/>
+              </a:rPr>
+              <a:t>Seasonal</a:t>
+            </a:r>
+            <a:endParaRPr lang="en-US" altLang="ko-KR" sz="1000" b="1" dirty="0">
+              <a:latin typeface="나눔스퀘어" panose="020B0600000101010101" pitchFamily="50" charset="-127"/>
+              <a:ea typeface="나눔스퀘어" panose="020B0600000101010101" pitchFamily="50" charset="-127"/>
+            </a:endParaRPr>
+          </a:p>
+          <a:p>
+            <a:r>
+              <a:rPr lang="en-US" altLang="ko-KR" sz="1000" b="1" dirty="0">
+                <a:latin typeface="나눔스퀘어" panose="020B0600000101010101" pitchFamily="50" charset="-127"/>
+                <a:ea typeface="나눔스퀘어" panose="020B0600000101010101" pitchFamily="50" charset="-127"/>
+              </a:rPr>
+              <a:t>forecast</a:t>
+            </a:r>
+            <a:endParaRPr lang="ko-KR" altLang="en-US" sz="1000" b="1" dirty="0">
+              <a:latin typeface="나눔스퀘어" panose="020B0600000101010101" pitchFamily="50" charset="-127"/>
+              <a:ea typeface="나눔스퀘어" panose="020B0600000101010101" pitchFamily="50" charset="-127"/>
+            </a:endParaRPr>
+          </a:p>
+        </p:txBody>
+      </p:sp>
+    </p:spTree>
+    <p:extLst>
+      <p:ext uri="{BB962C8B-B14F-4D97-AF65-F5344CB8AC3E}">
+        <p14:creationId xmlns:p14="http://schemas.microsoft.com/office/powerpoint/2010/main" val="2662807149"/>
       </p:ext>
     </p:extLst>
   </p:cSld>

--- a/img/in-post/2020/2020-09-09/0909_resource.pptx
+++ b/img/in-post/2020/2020-09-09/0909_resource.pptx
@@ -9,6 +9,7 @@
     <p:sldId id="258" r:id="rId3"/>
     <p:sldId id="259" r:id="rId4"/>
     <p:sldId id="260" r:id="rId5"/>
+    <p:sldId id="261" r:id="rId6"/>
   </p:sldIdLst>
   <p:sldSz cx="12192000" cy="6858000"/>
   <p:notesSz cx="6858000" cy="9144000"/>
@@ -262,7 +263,7 @@
           <a:p>
             <a:fld id="{47A4B225-37CE-4935-BE91-519DC3D81B29}" type="datetimeFigureOut">
               <a:rPr lang="ko-KR" altLang="en-US" smtClean="0"/>
-              <a:t>2020-09-08</a:t>
+              <a:t>2020-09-09</a:t>
             </a:fld>
             <a:endParaRPr lang="ko-KR" altLang="en-US"/>
           </a:p>
@@ -460,7 +461,7 @@
           <a:p>
             <a:fld id="{47A4B225-37CE-4935-BE91-519DC3D81B29}" type="datetimeFigureOut">
               <a:rPr lang="ko-KR" altLang="en-US" smtClean="0"/>
-              <a:t>2020-09-08</a:t>
+              <a:t>2020-09-09</a:t>
             </a:fld>
             <a:endParaRPr lang="ko-KR" altLang="en-US"/>
           </a:p>
@@ -668,7 +669,7 @@
           <a:p>
             <a:fld id="{47A4B225-37CE-4935-BE91-519DC3D81B29}" type="datetimeFigureOut">
               <a:rPr lang="ko-KR" altLang="en-US" smtClean="0"/>
-              <a:t>2020-09-08</a:t>
+              <a:t>2020-09-09</a:t>
             </a:fld>
             <a:endParaRPr lang="ko-KR" altLang="en-US"/>
           </a:p>
@@ -866,7 +867,7 @@
           <a:p>
             <a:fld id="{47A4B225-37CE-4935-BE91-519DC3D81B29}" type="datetimeFigureOut">
               <a:rPr lang="ko-KR" altLang="en-US" smtClean="0"/>
-              <a:t>2020-09-08</a:t>
+              <a:t>2020-09-09</a:t>
             </a:fld>
             <a:endParaRPr lang="ko-KR" altLang="en-US"/>
           </a:p>
@@ -1141,7 +1142,7 @@
           <a:p>
             <a:fld id="{47A4B225-37CE-4935-BE91-519DC3D81B29}" type="datetimeFigureOut">
               <a:rPr lang="ko-KR" altLang="en-US" smtClean="0"/>
-              <a:t>2020-09-08</a:t>
+              <a:t>2020-09-09</a:t>
             </a:fld>
             <a:endParaRPr lang="ko-KR" altLang="en-US"/>
           </a:p>
@@ -1406,7 +1407,7 @@
           <a:p>
             <a:fld id="{47A4B225-37CE-4935-BE91-519DC3D81B29}" type="datetimeFigureOut">
               <a:rPr lang="ko-KR" altLang="en-US" smtClean="0"/>
-              <a:t>2020-09-08</a:t>
+              <a:t>2020-09-09</a:t>
             </a:fld>
             <a:endParaRPr lang="ko-KR" altLang="en-US"/>
           </a:p>
@@ -1818,7 +1819,7 @@
           <a:p>
             <a:fld id="{47A4B225-37CE-4935-BE91-519DC3D81B29}" type="datetimeFigureOut">
               <a:rPr lang="ko-KR" altLang="en-US" smtClean="0"/>
-              <a:t>2020-09-08</a:t>
+              <a:t>2020-09-09</a:t>
             </a:fld>
             <a:endParaRPr lang="ko-KR" altLang="en-US"/>
           </a:p>
@@ -1959,7 +1960,7 @@
           <a:p>
             <a:fld id="{47A4B225-37CE-4935-BE91-519DC3D81B29}" type="datetimeFigureOut">
               <a:rPr lang="ko-KR" altLang="en-US" smtClean="0"/>
-              <a:t>2020-09-08</a:t>
+              <a:t>2020-09-09</a:t>
             </a:fld>
             <a:endParaRPr lang="ko-KR" altLang="en-US"/>
           </a:p>
@@ -2072,7 +2073,7 @@
           <a:p>
             <a:fld id="{47A4B225-37CE-4935-BE91-519DC3D81B29}" type="datetimeFigureOut">
               <a:rPr lang="ko-KR" altLang="en-US" smtClean="0"/>
-              <a:t>2020-09-08</a:t>
+              <a:t>2020-09-09</a:t>
             </a:fld>
             <a:endParaRPr lang="ko-KR" altLang="en-US"/>
           </a:p>
@@ -2383,7 +2384,7 @@
           <a:p>
             <a:fld id="{47A4B225-37CE-4935-BE91-519DC3D81B29}" type="datetimeFigureOut">
               <a:rPr lang="ko-KR" altLang="en-US" smtClean="0"/>
-              <a:t>2020-09-08</a:t>
+              <a:t>2020-09-09</a:t>
             </a:fld>
             <a:endParaRPr lang="ko-KR" altLang="en-US"/>
           </a:p>
@@ -2671,7 +2672,7 @@
           <a:p>
             <a:fld id="{47A4B225-37CE-4935-BE91-519DC3D81B29}" type="datetimeFigureOut">
               <a:rPr lang="ko-KR" altLang="en-US" smtClean="0"/>
-              <a:t>2020-09-08</a:t>
+              <a:t>2020-09-09</a:t>
             </a:fld>
             <a:endParaRPr lang="ko-KR" altLang="en-US"/>
           </a:p>
@@ -2912,7 +2913,7 @@
           <a:p>
             <a:fld id="{47A4B225-37CE-4935-BE91-519DC3D81B29}" type="datetimeFigureOut">
               <a:rPr lang="ko-KR" altLang="en-US" smtClean="0"/>
-              <a:t>2020-09-08</a:t>
+              <a:t>2020-09-09</a:t>
             </a:fld>
             <a:endParaRPr lang="ko-KR" altLang="en-US"/>
           </a:p>
@@ -10707,24 +10708,14 @@
           <a:p>
             <a:pPr algn="ctr"/>
             <a:r>
-              <a:rPr lang="en-US" altLang="ko-KR" b="1" dirty="0" smtClean="0">
+              <a:rPr lang="en-US" altLang="ko-KR" b="1" dirty="0">
                 <a:solidFill>
                   <a:schemeClr val="tx1"/>
                 </a:solidFill>
                 <a:latin typeface="나눔스퀘어" panose="020B0600000101010101" pitchFamily="50" charset="-127"/>
                 <a:ea typeface="나눔스퀘어" panose="020B0600000101010101" pitchFamily="50" charset="-127"/>
               </a:rPr>
-              <a:t>Trend </a:t>
-            </a:r>
-            <a:r>
-              <a:rPr lang="en-US" altLang="ko-KR" b="1" dirty="0" smtClean="0">
-                <a:solidFill>
-                  <a:schemeClr val="tx1"/>
-                </a:solidFill>
-                <a:latin typeface="나눔스퀘어" panose="020B0600000101010101" pitchFamily="50" charset="-127"/>
-                <a:ea typeface="나눔스퀘어" panose="020B0600000101010101" pitchFamily="50" charset="-127"/>
-              </a:rPr>
-              <a:t>Stack</a:t>
+              <a:t>Trend Stack</a:t>
             </a:r>
             <a:endParaRPr lang="ko-KR" altLang="en-US" b="1" dirty="0">
               <a:solidFill>
@@ -10789,7 +10780,7 @@
           <a:p>
             <a:pPr algn="ctr"/>
             <a:r>
-              <a:rPr lang="en-US" altLang="ko-KR" b="1" dirty="0" smtClean="0">
+              <a:rPr lang="en-US" altLang="ko-KR" b="1" dirty="0">
                 <a:solidFill>
                   <a:schemeClr val="tx1"/>
                 </a:solidFill>
@@ -10802,7 +10793,7 @@
           <a:p>
             <a:pPr algn="ctr"/>
             <a:r>
-              <a:rPr lang="en-US" altLang="ko-KR" b="1" dirty="0" smtClean="0">
+              <a:rPr lang="en-US" altLang="ko-KR" b="1" dirty="0">
                 <a:solidFill>
                   <a:schemeClr val="tx1"/>
                 </a:solidFill>
@@ -11450,24 +11441,14 @@
             <a:p>
               <a:pPr algn="ctr"/>
               <a:r>
-                <a:rPr lang="en-US" altLang="ko-KR" sz="1200" b="1" dirty="0" smtClean="0">
+                <a:rPr lang="en-US" altLang="ko-KR" sz="1200" b="1" dirty="0">
                   <a:solidFill>
                     <a:schemeClr val="tx1"/>
                   </a:solidFill>
                   <a:latin typeface="나눔스퀘어" panose="020B0600000101010101" pitchFamily="50" charset="-127"/>
                   <a:ea typeface="나눔스퀘어" panose="020B0600000101010101" pitchFamily="50" charset="-127"/>
                 </a:rPr>
-                <a:t>Trend </a:t>
-              </a:r>
-              <a:r>
-                <a:rPr lang="en-US" altLang="ko-KR" sz="1200" b="1" dirty="0" smtClean="0">
-                  <a:solidFill>
-                    <a:schemeClr val="tx1"/>
-                  </a:solidFill>
-                  <a:latin typeface="나눔스퀘어" panose="020B0600000101010101" pitchFamily="50" charset="-127"/>
-                  <a:ea typeface="나눔스퀘어" panose="020B0600000101010101" pitchFamily="50" charset="-127"/>
-                </a:rPr>
-                <a:t>Block 1</a:t>
+                <a:t>Trend Block 1</a:t>
               </a:r>
               <a:endParaRPr lang="ko-KR" altLang="en-US" sz="1200" b="1" dirty="0">
                 <a:solidFill>
@@ -12096,7 +12077,7 @@
             <a:p>
               <a:pPr algn="ctr"/>
               <a:r>
-                <a:rPr lang="en-US" altLang="ko-KR" sz="1200" b="1" dirty="0" smtClean="0">
+                <a:rPr lang="en-US" altLang="ko-KR" sz="1200" b="1" dirty="0">
                   <a:solidFill>
                     <a:schemeClr val="tx1"/>
                   </a:solidFill>
@@ -13025,24 +13006,14 @@
             <a:p>
               <a:pPr algn="ctr"/>
               <a:r>
-                <a:rPr lang="en-US" altLang="ko-KR" sz="1200" b="1" dirty="0" smtClean="0">
+                <a:rPr lang="en-US" altLang="ko-KR" sz="1200" b="1" dirty="0">
                   <a:solidFill>
                     <a:schemeClr val="tx1"/>
                   </a:solidFill>
                   <a:latin typeface="나눔스퀘어" panose="020B0600000101010101" pitchFamily="50" charset="-127"/>
                   <a:ea typeface="나눔스퀘어" panose="020B0600000101010101" pitchFamily="50" charset="-127"/>
                 </a:rPr>
-                <a:t>Seasonal </a:t>
-              </a:r>
-              <a:r>
-                <a:rPr lang="en-US" altLang="ko-KR" sz="1200" b="1" dirty="0" smtClean="0">
-                  <a:solidFill>
-                    <a:schemeClr val="tx1"/>
-                  </a:solidFill>
-                  <a:latin typeface="나눔스퀘어" panose="020B0600000101010101" pitchFamily="50" charset="-127"/>
-                  <a:ea typeface="나눔스퀘어" panose="020B0600000101010101" pitchFamily="50" charset="-127"/>
-                </a:rPr>
-                <a:t>Block 1</a:t>
+                <a:t>Seasonal Block 1</a:t>
               </a:r>
               <a:endParaRPr lang="ko-KR" altLang="en-US" sz="1200" b="1" dirty="0">
                 <a:solidFill>
@@ -13678,17 +13649,7 @@
                   <a:latin typeface="나눔스퀘어" panose="020B0600000101010101" pitchFamily="50" charset="-127"/>
                   <a:ea typeface="나눔스퀘어" panose="020B0600000101010101" pitchFamily="50" charset="-127"/>
                 </a:rPr>
-                <a:t>Seasonal </a:t>
-              </a:r>
-              <a:r>
-                <a:rPr lang="en-US" altLang="ko-KR" sz="1200" b="1" dirty="0" smtClean="0">
-                  <a:solidFill>
-                    <a:schemeClr val="tx1"/>
-                  </a:solidFill>
-                  <a:latin typeface="나눔스퀘어" panose="020B0600000101010101" pitchFamily="50" charset="-127"/>
-                  <a:ea typeface="나눔스퀘어" panose="020B0600000101010101" pitchFamily="50" charset="-127"/>
-                </a:rPr>
-                <a:t> Block </a:t>
+                <a:t>Seasonal  Block </a:t>
               </a:r>
               <a:r>
                 <a:rPr lang="en-US" altLang="ko-KR" sz="1200" b="1" i="1" dirty="0">
@@ -14859,16 +14820,12 @@
           <a:lstStyle/>
           <a:p>
             <a:r>
-              <a:rPr lang="en-US" altLang="ko-KR" sz="1000" b="1" dirty="0" smtClean="0">
+              <a:rPr lang="en-US" altLang="ko-KR" sz="1000" b="1" dirty="0">
                 <a:latin typeface="나눔스퀘어" panose="020B0600000101010101" pitchFamily="50" charset="-127"/>
                 <a:ea typeface="나눔스퀘어" panose="020B0600000101010101" pitchFamily="50" charset="-127"/>
               </a:rPr>
               <a:t>Trend</a:t>
             </a:r>
-            <a:endParaRPr lang="en-US" altLang="ko-KR" sz="1000" b="1" dirty="0">
-              <a:latin typeface="나눔스퀘어" panose="020B0600000101010101" pitchFamily="50" charset="-127"/>
-              <a:ea typeface="나눔스퀘어" panose="020B0600000101010101" pitchFamily="50" charset="-127"/>
-            </a:endParaRPr>
           </a:p>
           <a:p>
             <a:pPr algn="ctr"/>
@@ -14915,16 +14872,12 @@
           <a:lstStyle/>
           <a:p>
             <a:r>
-              <a:rPr lang="en-US" altLang="ko-KR" sz="1000" b="1" dirty="0" smtClean="0">
+              <a:rPr lang="en-US" altLang="ko-KR" sz="1000" b="1" dirty="0">
                 <a:latin typeface="나눔스퀘어" panose="020B0600000101010101" pitchFamily="50" charset="-127"/>
                 <a:ea typeface="나눔스퀘어" panose="020B0600000101010101" pitchFamily="50" charset="-127"/>
               </a:rPr>
               <a:t>Seasonal</a:t>
             </a:r>
-            <a:endParaRPr lang="en-US" altLang="ko-KR" sz="1000" b="1" dirty="0">
-              <a:latin typeface="나눔스퀘어" panose="020B0600000101010101" pitchFamily="50" charset="-127"/>
-              <a:ea typeface="나눔스퀘어" panose="020B0600000101010101" pitchFamily="50" charset="-127"/>
-            </a:endParaRPr>
           </a:p>
           <a:p>
             <a:r>
@@ -14945,6 +14898,3602 @@
     <p:extLst>
       <p:ext uri="{BB962C8B-B14F-4D97-AF65-F5344CB8AC3E}">
         <p14:creationId xmlns:p14="http://schemas.microsoft.com/office/powerpoint/2010/main" val="2662807149"/>
+      </p:ext>
+    </p:extLst>
+  </p:cSld>
+  <p:clrMapOvr>
+    <a:masterClrMapping/>
+  </p:clrMapOvr>
+</p:sld>
+</file>
+
+<file path=ppt/slides/slide5.xml><?xml version="1.0" encoding="utf-8"?>
+<p:sld xmlns:a="http://schemas.openxmlformats.org/drawingml/2006/main" xmlns:r="http://schemas.openxmlformats.org/officeDocument/2006/relationships" xmlns:p="http://schemas.openxmlformats.org/presentationml/2006/main">
+  <p:cSld>
+    <p:spTree>
+      <p:nvGrpSpPr>
+        <p:cNvPr id="1" name=""/>
+        <p:cNvGrpSpPr/>
+        <p:nvPr/>
+      </p:nvGrpSpPr>
+      <p:grpSpPr>
+        <a:xfrm>
+          <a:off x="0" y="0"/>
+          <a:ext cx="0" cy="0"/>
+          <a:chOff x="0" y="0"/>
+          <a:chExt cx="0" cy="0"/>
+        </a:xfrm>
+      </p:grpSpPr>
+      <p:pic>
+        <p:nvPicPr>
+          <p:cNvPr id="5" name="그림 4">
+            <a:extLst>
+              <a:ext uri="{FF2B5EF4-FFF2-40B4-BE49-F238E27FC236}">
+                <a16:creationId xmlns:a16="http://schemas.microsoft.com/office/drawing/2014/main" id="{E8F418CA-638E-4B6D-B326-722A3F43E53E}"/>
+              </a:ext>
+            </a:extLst>
+          </p:cNvPr>
+          <p:cNvPicPr>
+            <a:picLocks noChangeAspect="1"/>
+          </p:cNvPicPr>
+          <p:nvPr/>
+        </p:nvPicPr>
+        <p:blipFill>
+          <a:blip r:embed="rId2"/>
+          <a:stretch>
+            <a:fillRect/>
+          </a:stretch>
+        </p:blipFill>
+        <p:spPr>
+          <a:xfrm>
+            <a:off x="689952" y="636023"/>
+            <a:ext cx="2628046" cy="4279175"/>
+          </a:xfrm>
+          <a:prstGeom prst="rect">
+            <a:avLst/>
+          </a:prstGeom>
+        </p:spPr>
+      </p:pic>
+      <p:sp>
+        <p:nvSpPr>
+          <p:cNvPr id="7" name="화살표: 오른쪽 6">
+            <a:extLst>
+              <a:ext uri="{FF2B5EF4-FFF2-40B4-BE49-F238E27FC236}">
+                <a16:creationId xmlns:a16="http://schemas.microsoft.com/office/drawing/2014/main" id="{BEC9760C-56EF-47B7-A39B-E63C0FE20222}"/>
+              </a:ext>
+            </a:extLst>
+          </p:cNvPr>
+          <p:cNvSpPr/>
+          <p:nvPr/>
+        </p:nvSpPr>
+        <p:spPr>
+          <a:xfrm>
+            <a:off x="3522564" y="1623113"/>
+            <a:ext cx="679580" cy="1910686"/>
+          </a:xfrm>
+          <a:prstGeom prst="rightArrow">
+            <a:avLst/>
+          </a:prstGeom>
+          <a:solidFill>
+            <a:schemeClr val="bg1">
+              <a:lumMod val="95000"/>
+            </a:schemeClr>
+          </a:solidFill>
+          <a:ln>
+            <a:solidFill>
+              <a:schemeClr val="bg1">
+                <a:lumMod val="75000"/>
+              </a:schemeClr>
+            </a:solidFill>
+          </a:ln>
+          <a:effectLst>
+            <a:outerShdw blurRad="50800" dist="38100" dir="8100000" algn="tr" rotWithShape="0">
+              <a:prstClr val="black">
+                <a:alpha val="40000"/>
+              </a:prstClr>
+            </a:outerShdw>
+          </a:effectLst>
+        </p:spPr>
+        <p:style>
+          <a:lnRef idx="2">
+            <a:schemeClr val="accent1">
+              <a:shade val="50000"/>
+            </a:schemeClr>
+          </a:lnRef>
+          <a:fillRef idx="1">
+            <a:schemeClr val="accent1"/>
+          </a:fillRef>
+          <a:effectRef idx="0">
+            <a:schemeClr val="accent1"/>
+          </a:effectRef>
+          <a:fontRef idx="minor">
+            <a:schemeClr val="lt1"/>
+          </a:fontRef>
+        </p:style>
+        <p:txBody>
+          <a:bodyPr rtlCol="0" anchor="ctr"/>
+          <a:lstStyle/>
+          <a:p>
+            <a:pPr algn="ctr"/>
+            <a:endParaRPr lang="ko-KR" altLang="en-US"/>
+          </a:p>
+        </p:txBody>
+      </p:sp>
+      <p:sp>
+        <p:nvSpPr>
+          <p:cNvPr id="11" name="직사각형 10">
+            <a:extLst>
+              <a:ext uri="{FF2B5EF4-FFF2-40B4-BE49-F238E27FC236}">
+                <a16:creationId xmlns:a16="http://schemas.microsoft.com/office/drawing/2014/main" id="{92E42DB1-3CC0-4BDD-9C09-919315FE2B85}"/>
+              </a:ext>
+            </a:extLst>
+          </p:cNvPr>
+          <p:cNvSpPr/>
+          <p:nvPr/>
+        </p:nvSpPr>
+        <p:spPr>
+          <a:xfrm>
+            <a:off x="5865707" y="343323"/>
+            <a:ext cx="2628053" cy="291254"/>
+          </a:xfrm>
+          <a:prstGeom prst="rect">
+            <a:avLst/>
+          </a:prstGeom>
+          <a:noFill/>
+          <a:ln w="3175">
+            <a:solidFill>
+              <a:schemeClr val="tx1">
+                <a:lumMod val="65000"/>
+                <a:lumOff val="35000"/>
+              </a:schemeClr>
+            </a:solidFill>
+          </a:ln>
+        </p:spPr>
+        <p:style>
+          <a:lnRef idx="2">
+            <a:schemeClr val="accent1">
+              <a:shade val="50000"/>
+            </a:schemeClr>
+          </a:lnRef>
+          <a:fillRef idx="1">
+            <a:schemeClr val="accent1"/>
+          </a:fillRef>
+          <a:effectRef idx="0">
+            <a:schemeClr val="accent1"/>
+          </a:effectRef>
+          <a:fontRef idx="minor">
+            <a:schemeClr val="lt1"/>
+          </a:fontRef>
+        </p:style>
+        <p:txBody>
+          <a:bodyPr rtlCol="0" anchor="ctr"/>
+          <a:lstStyle/>
+          <a:p>
+            <a:pPr algn="ctr"/>
+            <a:r>
+              <a:rPr lang="en-US" altLang="ko-KR" sz="1050" dirty="0">
+                <a:solidFill>
+                  <a:schemeClr val="tx1"/>
+                </a:solidFill>
+                <a:latin typeface="나눔스퀘어" panose="020B0600000101010101" pitchFamily="50" charset="-127"/>
+                <a:ea typeface="나눔스퀘어" panose="020B0600000101010101" pitchFamily="50" charset="-127"/>
+              </a:rPr>
+              <a:t>Block</a:t>
+            </a:r>
+            <a:r>
+              <a:rPr lang="ko-KR" altLang="en-US" sz="1050" dirty="0">
+                <a:solidFill>
+                  <a:schemeClr val="tx1"/>
+                </a:solidFill>
+                <a:latin typeface="나눔스퀘어" panose="020B0600000101010101" pitchFamily="50" charset="-127"/>
+                <a:ea typeface="나눔스퀘어" panose="020B0600000101010101" pitchFamily="50" charset="-127"/>
+              </a:rPr>
+              <a:t> </a:t>
+            </a:r>
+            <a:r>
+              <a:rPr lang="en-US" altLang="ko-KR" sz="1050" dirty="0">
+                <a:solidFill>
+                  <a:schemeClr val="tx1"/>
+                </a:solidFill>
+                <a:latin typeface="나눔스퀘어" panose="020B0600000101010101" pitchFamily="50" charset="-127"/>
+                <a:ea typeface="나눔스퀘어" panose="020B0600000101010101" pitchFamily="50" charset="-127"/>
+              </a:rPr>
+              <a:t>Input</a:t>
+            </a:r>
+            <a:r>
+              <a:rPr lang="ko-KR" altLang="en-US" sz="1050" dirty="0">
+                <a:solidFill>
+                  <a:schemeClr val="tx1"/>
+                </a:solidFill>
+                <a:latin typeface="나눔스퀘어" panose="020B0600000101010101" pitchFamily="50" charset="-127"/>
+                <a:ea typeface="나눔스퀘어" panose="020B0600000101010101" pitchFamily="50" charset="-127"/>
+              </a:rPr>
+              <a:t> </a:t>
+            </a:r>
+            <a:r>
+              <a:rPr lang="en-US" altLang="ko-KR" sz="1050" dirty="0">
+                <a:solidFill>
+                  <a:schemeClr val="tx1"/>
+                </a:solidFill>
+                <a:latin typeface="나눔스퀘어" panose="020B0600000101010101" pitchFamily="50" charset="-127"/>
+                <a:ea typeface="나눔스퀘어" panose="020B0600000101010101" pitchFamily="50" charset="-127"/>
+              </a:rPr>
+              <a:t>=</a:t>
+            </a:r>
+            <a:r>
+              <a:rPr lang="ko-KR" altLang="en-US" sz="1050" dirty="0">
+                <a:solidFill>
+                  <a:schemeClr val="tx1"/>
+                </a:solidFill>
+                <a:latin typeface="나눔스퀘어" panose="020B0600000101010101" pitchFamily="50" charset="-127"/>
+                <a:ea typeface="나눔스퀘어" panose="020B0600000101010101" pitchFamily="50" charset="-127"/>
+              </a:rPr>
+              <a:t> </a:t>
+            </a:r>
+            <a:r>
+              <a:rPr lang="en-US" altLang="ko-KR" sz="1050" dirty="0">
+                <a:solidFill>
+                  <a:schemeClr val="tx1"/>
+                </a:solidFill>
+                <a:latin typeface="나눔스퀘어" panose="020B0600000101010101" pitchFamily="50" charset="-127"/>
+                <a:ea typeface="나눔스퀘어" panose="020B0600000101010101" pitchFamily="50" charset="-127"/>
+              </a:rPr>
+              <a:t>15</a:t>
+            </a:r>
+            <a:r>
+              <a:rPr lang="ko-KR" altLang="en-US" sz="1050" dirty="0">
+                <a:solidFill>
+                  <a:schemeClr val="tx1"/>
+                </a:solidFill>
+                <a:latin typeface="나눔스퀘어" panose="020B0600000101010101" pitchFamily="50" charset="-127"/>
+                <a:ea typeface="나눔스퀘어" panose="020B0600000101010101" pitchFamily="50" charset="-127"/>
+              </a:rPr>
+              <a:t> </a:t>
+            </a:r>
+            <a:r>
+              <a:rPr lang="en-US" altLang="ko-KR" sz="1050" dirty="0">
+                <a:solidFill>
+                  <a:schemeClr val="tx1"/>
+                </a:solidFill>
+                <a:latin typeface="나눔스퀘어" panose="020B0600000101010101" pitchFamily="50" charset="-127"/>
+                <a:ea typeface="나눔스퀘어" panose="020B0600000101010101" pitchFamily="50" charset="-127"/>
+              </a:rPr>
+              <a:t>data</a:t>
+            </a:r>
+            <a:r>
+              <a:rPr lang="ko-KR" altLang="en-US" sz="1050" dirty="0">
+                <a:solidFill>
+                  <a:schemeClr val="tx1"/>
+                </a:solidFill>
+                <a:latin typeface="나눔스퀘어" panose="020B0600000101010101" pitchFamily="50" charset="-127"/>
+                <a:ea typeface="나눔스퀘어" panose="020B0600000101010101" pitchFamily="50" charset="-127"/>
+              </a:rPr>
+              <a:t> </a:t>
+            </a:r>
+            <a:r>
+              <a:rPr lang="en-US" altLang="ko-KR" sz="1050" dirty="0">
+                <a:solidFill>
+                  <a:schemeClr val="tx1"/>
+                </a:solidFill>
+                <a:latin typeface="나눔스퀘어" panose="020B0600000101010101" pitchFamily="50" charset="-127"/>
+                <a:ea typeface="나눔스퀘어" panose="020B0600000101010101" pitchFamily="50" charset="-127"/>
+              </a:rPr>
+              <a:t>points</a:t>
+            </a:r>
+            <a:endParaRPr lang="ko-KR" altLang="en-US" sz="1050" dirty="0">
+              <a:solidFill>
+                <a:schemeClr val="tx1"/>
+              </a:solidFill>
+              <a:latin typeface="나눔스퀘어" panose="020B0600000101010101" pitchFamily="50" charset="-127"/>
+              <a:ea typeface="나눔스퀘어" panose="020B0600000101010101" pitchFamily="50" charset="-127"/>
+            </a:endParaRPr>
+          </a:p>
+        </p:txBody>
+      </p:sp>
+      <p:sp>
+        <p:nvSpPr>
+          <p:cNvPr id="13" name="직사각형 12">
+            <a:extLst>
+              <a:ext uri="{FF2B5EF4-FFF2-40B4-BE49-F238E27FC236}">
+                <a16:creationId xmlns:a16="http://schemas.microsoft.com/office/drawing/2014/main" id="{8A18BFDB-553C-4B59-94C7-AD33421B1875}"/>
+              </a:ext>
+            </a:extLst>
+          </p:cNvPr>
+          <p:cNvSpPr/>
+          <p:nvPr/>
+        </p:nvSpPr>
+        <p:spPr>
+          <a:xfrm>
+            <a:off x="8550487" y="343323"/>
+            <a:ext cx="1629833" cy="291254"/>
+          </a:xfrm>
+          <a:prstGeom prst="rect">
+            <a:avLst/>
+          </a:prstGeom>
+          <a:noFill/>
+          <a:ln w="3175">
+            <a:solidFill>
+              <a:schemeClr val="tx1">
+                <a:lumMod val="65000"/>
+                <a:lumOff val="35000"/>
+              </a:schemeClr>
+            </a:solidFill>
+          </a:ln>
+        </p:spPr>
+        <p:style>
+          <a:lnRef idx="2">
+            <a:schemeClr val="accent1">
+              <a:shade val="50000"/>
+            </a:schemeClr>
+          </a:lnRef>
+          <a:fillRef idx="1">
+            <a:schemeClr val="accent1"/>
+          </a:fillRef>
+          <a:effectRef idx="0">
+            <a:schemeClr val="accent1"/>
+          </a:effectRef>
+          <a:fontRef idx="minor">
+            <a:schemeClr val="lt1"/>
+          </a:fontRef>
+        </p:style>
+        <p:txBody>
+          <a:bodyPr rtlCol="0" anchor="ctr"/>
+          <a:lstStyle/>
+          <a:p>
+            <a:pPr algn="ctr"/>
+            <a:r>
+              <a:rPr lang="ko-KR" altLang="en-US" sz="1050" dirty="0">
+                <a:solidFill>
+                  <a:schemeClr val="tx1"/>
+                </a:solidFill>
+                <a:latin typeface="나눔스퀘어" panose="020B0600000101010101" pitchFamily="50" charset="-127"/>
+                <a:ea typeface="나눔스퀘어" panose="020B0600000101010101" pitchFamily="50" charset="-127"/>
+              </a:rPr>
+              <a:t>예측구간</a:t>
+            </a:r>
+            <a:r>
+              <a:rPr lang="en-US" altLang="ko-KR" sz="1050" dirty="0">
+                <a:solidFill>
+                  <a:schemeClr val="tx1"/>
+                </a:solidFill>
+                <a:latin typeface="나눔스퀘어" panose="020B0600000101010101" pitchFamily="50" charset="-127"/>
+                <a:ea typeface="나눔스퀘어" panose="020B0600000101010101" pitchFamily="50" charset="-127"/>
+              </a:rPr>
+              <a:t> =</a:t>
+            </a:r>
+            <a:r>
+              <a:rPr lang="ko-KR" altLang="en-US" sz="1050" dirty="0">
+                <a:solidFill>
+                  <a:schemeClr val="tx1"/>
+                </a:solidFill>
+                <a:latin typeface="나눔스퀘어" panose="020B0600000101010101" pitchFamily="50" charset="-127"/>
+                <a:ea typeface="나눔스퀘어" panose="020B0600000101010101" pitchFamily="50" charset="-127"/>
+              </a:rPr>
+              <a:t> </a:t>
+            </a:r>
+            <a:r>
+              <a:rPr lang="en-US" altLang="ko-KR" sz="1050" dirty="0">
+                <a:solidFill>
+                  <a:schemeClr val="tx1"/>
+                </a:solidFill>
+                <a:latin typeface="나눔스퀘어" panose="020B0600000101010101" pitchFamily="50" charset="-127"/>
+                <a:ea typeface="나눔스퀘어" panose="020B0600000101010101" pitchFamily="50" charset="-127"/>
+              </a:rPr>
+              <a:t>5</a:t>
+            </a:r>
+            <a:r>
+              <a:rPr lang="ko-KR" altLang="en-US" sz="1050" dirty="0">
+                <a:solidFill>
+                  <a:schemeClr val="tx1"/>
+                </a:solidFill>
+                <a:latin typeface="나눔스퀘어" panose="020B0600000101010101" pitchFamily="50" charset="-127"/>
+                <a:ea typeface="나눔스퀘어" panose="020B0600000101010101" pitchFamily="50" charset="-127"/>
+              </a:rPr>
+              <a:t> </a:t>
+            </a:r>
+            <a:r>
+              <a:rPr lang="en-US" altLang="ko-KR" sz="1050" dirty="0">
+                <a:solidFill>
+                  <a:schemeClr val="tx1"/>
+                </a:solidFill>
+                <a:latin typeface="나눔스퀘어" panose="020B0600000101010101" pitchFamily="50" charset="-127"/>
+                <a:ea typeface="나눔스퀘어" panose="020B0600000101010101" pitchFamily="50" charset="-127"/>
+              </a:rPr>
+              <a:t>data</a:t>
+            </a:r>
+            <a:r>
+              <a:rPr lang="ko-KR" altLang="en-US" sz="1050" dirty="0">
+                <a:solidFill>
+                  <a:schemeClr val="tx1"/>
+                </a:solidFill>
+                <a:latin typeface="나눔스퀘어" panose="020B0600000101010101" pitchFamily="50" charset="-127"/>
+                <a:ea typeface="나눔스퀘어" panose="020B0600000101010101" pitchFamily="50" charset="-127"/>
+              </a:rPr>
+              <a:t> </a:t>
+            </a:r>
+            <a:r>
+              <a:rPr lang="en-US" altLang="ko-KR" sz="1050" dirty="0">
+                <a:solidFill>
+                  <a:schemeClr val="tx1"/>
+                </a:solidFill>
+                <a:latin typeface="나눔스퀘어" panose="020B0600000101010101" pitchFamily="50" charset="-127"/>
+                <a:ea typeface="나눔스퀘어" panose="020B0600000101010101" pitchFamily="50" charset="-127"/>
+              </a:rPr>
+              <a:t>points</a:t>
+            </a:r>
+            <a:endParaRPr lang="ko-KR" altLang="en-US" sz="1050" dirty="0">
+              <a:solidFill>
+                <a:schemeClr val="tx1"/>
+              </a:solidFill>
+              <a:latin typeface="나눔스퀘어" panose="020B0600000101010101" pitchFamily="50" charset="-127"/>
+              <a:ea typeface="나눔스퀘어" panose="020B0600000101010101" pitchFamily="50" charset="-127"/>
+            </a:endParaRPr>
+          </a:p>
+        </p:txBody>
+      </p:sp>
+      <p:cxnSp>
+        <p:nvCxnSpPr>
+          <p:cNvPr id="15" name="직선 화살표 연결선 14">
+            <a:extLst>
+              <a:ext uri="{FF2B5EF4-FFF2-40B4-BE49-F238E27FC236}">
+                <a16:creationId xmlns:a16="http://schemas.microsoft.com/office/drawing/2014/main" id="{9081448A-5CEE-4295-BB7D-1232A7ADA247}"/>
+              </a:ext>
+            </a:extLst>
+          </p:cNvPr>
+          <p:cNvCxnSpPr>
+            <a:cxnSpLocks/>
+            <a:stCxn id="11" idx="2"/>
+            <a:endCxn id="47" idx="0"/>
+          </p:cNvCxnSpPr>
+          <p:nvPr/>
+        </p:nvCxnSpPr>
+        <p:spPr>
+          <a:xfrm>
+            <a:off x="7179734" y="634577"/>
+            <a:ext cx="421" cy="260773"/>
+          </a:xfrm>
+          <a:prstGeom prst="straightConnector1">
+            <a:avLst/>
+          </a:prstGeom>
+          <a:ln w="25400">
+            <a:solidFill>
+              <a:schemeClr val="tx1">
+                <a:lumMod val="75000"/>
+                <a:lumOff val="25000"/>
+              </a:schemeClr>
+            </a:solidFill>
+            <a:tailEnd type="triangle"/>
+          </a:ln>
+        </p:spPr>
+        <p:style>
+          <a:lnRef idx="1">
+            <a:schemeClr val="accent1"/>
+          </a:lnRef>
+          <a:fillRef idx="0">
+            <a:schemeClr val="accent1"/>
+          </a:fillRef>
+          <a:effectRef idx="0">
+            <a:schemeClr val="accent1"/>
+          </a:effectRef>
+          <a:fontRef idx="minor">
+            <a:schemeClr val="tx1"/>
+          </a:fontRef>
+        </p:style>
+      </p:cxnSp>
+      <p:sp>
+        <p:nvSpPr>
+          <p:cNvPr id="17" name="직사각형 16">
+            <a:extLst>
+              <a:ext uri="{FF2B5EF4-FFF2-40B4-BE49-F238E27FC236}">
+                <a16:creationId xmlns:a16="http://schemas.microsoft.com/office/drawing/2014/main" id="{8498ED5D-DF34-4EFF-88BB-B304CFA93DC2}"/>
+              </a:ext>
+            </a:extLst>
+          </p:cNvPr>
+          <p:cNvSpPr/>
+          <p:nvPr/>
+        </p:nvSpPr>
+        <p:spPr>
+          <a:xfrm>
+            <a:off x="5865707" y="1007162"/>
+            <a:ext cx="2628053" cy="240705"/>
+          </a:xfrm>
+          <a:prstGeom prst="rect">
+            <a:avLst/>
+          </a:prstGeom>
+          <a:noFill/>
+          <a:ln w="3175">
+            <a:solidFill>
+              <a:schemeClr val="tx1">
+                <a:lumMod val="65000"/>
+                <a:lumOff val="35000"/>
+              </a:schemeClr>
+            </a:solidFill>
+          </a:ln>
+        </p:spPr>
+        <p:style>
+          <a:lnRef idx="2">
+            <a:schemeClr val="accent1">
+              <a:shade val="50000"/>
+            </a:schemeClr>
+          </a:lnRef>
+          <a:fillRef idx="1">
+            <a:schemeClr val="accent1"/>
+          </a:fillRef>
+          <a:effectRef idx="0">
+            <a:schemeClr val="accent1"/>
+          </a:effectRef>
+          <a:fontRef idx="minor">
+            <a:schemeClr val="lt1"/>
+          </a:fontRef>
+        </p:style>
+        <p:txBody>
+          <a:bodyPr rtlCol="0" anchor="ctr"/>
+          <a:lstStyle/>
+          <a:p>
+            <a:pPr algn="ctr"/>
+            <a:r>
+              <a:rPr lang="en-US" altLang="ko-KR" sz="1050" dirty="0">
+                <a:solidFill>
+                  <a:schemeClr val="tx1"/>
+                </a:solidFill>
+                <a:latin typeface="나눔스퀘어" panose="020B0600000101010101" pitchFamily="50" charset="-127"/>
+                <a:ea typeface="나눔스퀘어" panose="020B0600000101010101" pitchFamily="50" charset="-127"/>
+              </a:rPr>
+              <a:t>FC[ 15 -&gt; 256 ]</a:t>
+            </a:r>
+            <a:endParaRPr lang="ko-KR" altLang="en-US" sz="1050" dirty="0">
+              <a:solidFill>
+                <a:schemeClr val="tx1"/>
+              </a:solidFill>
+              <a:latin typeface="나눔스퀘어" panose="020B0600000101010101" pitchFamily="50" charset="-127"/>
+              <a:ea typeface="나눔스퀘어" panose="020B0600000101010101" pitchFamily="50" charset="-127"/>
+            </a:endParaRPr>
+          </a:p>
+        </p:txBody>
+      </p:sp>
+      <p:sp>
+        <p:nvSpPr>
+          <p:cNvPr id="19" name="직사각형 18">
+            <a:extLst>
+              <a:ext uri="{FF2B5EF4-FFF2-40B4-BE49-F238E27FC236}">
+                <a16:creationId xmlns:a16="http://schemas.microsoft.com/office/drawing/2014/main" id="{14EF3E05-325E-4451-B385-EFBB524AB1DE}"/>
+              </a:ext>
+            </a:extLst>
+          </p:cNvPr>
+          <p:cNvSpPr/>
+          <p:nvPr/>
+        </p:nvSpPr>
+        <p:spPr>
+          <a:xfrm>
+            <a:off x="5865707" y="1369835"/>
+            <a:ext cx="2628053" cy="124953"/>
+          </a:xfrm>
+          <a:prstGeom prst="rect">
+            <a:avLst/>
+          </a:prstGeom>
+          <a:noFill/>
+          <a:ln w="3175">
+            <a:solidFill>
+              <a:schemeClr val="tx1">
+                <a:lumMod val="65000"/>
+                <a:lumOff val="35000"/>
+              </a:schemeClr>
+            </a:solidFill>
+          </a:ln>
+        </p:spPr>
+        <p:style>
+          <a:lnRef idx="2">
+            <a:schemeClr val="accent1">
+              <a:shade val="50000"/>
+            </a:schemeClr>
+          </a:lnRef>
+          <a:fillRef idx="1">
+            <a:schemeClr val="accent1"/>
+          </a:fillRef>
+          <a:effectRef idx="0">
+            <a:schemeClr val="accent1"/>
+          </a:effectRef>
+          <a:fontRef idx="minor">
+            <a:schemeClr val="lt1"/>
+          </a:fontRef>
+        </p:style>
+        <p:txBody>
+          <a:bodyPr rtlCol="0" anchor="ctr"/>
+          <a:lstStyle/>
+          <a:p>
+            <a:pPr algn="ctr"/>
+            <a:r>
+              <a:rPr lang="en-US" altLang="ko-KR" sz="1050" dirty="0" err="1">
+                <a:solidFill>
+                  <a:schemeClr val="tx1"/>
+                </a:solidFill>
+                <a:latin typeface="나눔스퀘어" panose="020B0600000101010101" pitchFamily="50" charset="-127"/>
+                <a:ea typeface="나눔스퀘어" panose="020B0600000101010101" pitchFamily="50" charset="-127"/>
+              </a:rPr>
+              <a:t>Relu</a:t>
+            </a:r>
+            <a:endParaRPr lang="ko-KR" altLang="en-US" sz="1050" dirty="0">
+              <a:solidFill>
+                <a:schemeClr val="tx1"/>
+              </a:solidFill>
+              <a:latin typeface="나눔스퀘어" panose="020B0600000101010101" pitchFamily="50" charset="-127"/>
+              <a:ea typeface="나눔스퀘어" panose="020B0600000101010101" pitchFamily="50" charset="-127"/>
+            </a:endParaRPr>
+          </a:p>
+        </p:txBody>
+      </p:sp>
+      <p:cxnSp>
+        <p:nvCxnSpPr>
+          <p:cNvPr id="21" name="직선 화살표 연결선 20">
+            <a:extLst>
+              <a:ext uri="{FF2B5EF4-FFF2-40B4-BE49-F238E27FC236}">
+                <a16:creationId xmlns:a16="http://schemas.microsoft.com/office/drawing/2014/main" id="{F27E086C-7D89-41DB-9104-E731746C6371}"/>
+              </a:ext>
+            </a:extLst>
+          </p:cNvPr>
+          <p:cNvCxnSpPr>
+            <a:cxnSpLocks/>
+            <a:stCxn id="17" idx="2"/>
+            <a:endCxn id="19" idx="0"/>
+          </p:cNvCxnSpPr>
+          <p:nvPr/>
+        </p:nvCxnSpPr>
+        <p:spPr>
+          <a:xfrm>
+            <a:off x="7179734" y="1247867"/>
+            <a:ext cx="0" cy="121968"/>
+          </a:xfrm>
+          <a:prstGeom prst="straightConnector1">
+            <a:avLst/>
+          </a:prstGeom>
+          <a:ln w="25400">
+            <a:solidFill>
+              <a:schemeClr val="tx1">
+                <a:lumMod val="75000"/>
+                <a:lumOff val="25000"/>
+              </a:schemeClr>
+            </a:solidFill>
+            <a:tailEnd type="triangle"/>
+          </a:ln>
+        </p:spPr>
+        <p:style>
+          <a:lnRef idx="1">
+            <a:schemeClr val="accent1"/>
+          </a:lnRef>
+          <a:fillRef idx="0">
+            <a:schemeClr val="accent1"/>
+          </a:fillRef>
+          <a:effectRef idx="0">
+            <a:schemeClr val="accent1"/>
+          </a:effectRef>
+          <a:fontRef idx="minor">
+            <a:schemeClr val="tx1"/>
+          </a:fontRef>
+        </p:style>
+      </p:cxnSp>
+      <p:cxnSp>
+        <p:nvCxnSpPr>
+          <p:cNvPr id="35" name="직선 화살표 연결선 34">
+            <a:extLst>
+              <a:ext uri="{FF2B5EF4-FFF2-40B4-BE49-F238E27FC236}">
+                <a16:creationId xmlns:a16="http://schemas.microsoft.com/office/drawing/2014/main" id="{B156C00A-90C4-4397-91E4-45ED93DE4026}"/>
+              </a:ext>
+            </a:extLst>
+          </p:cNvPr>
+          <p:cNvCxnSpPr>
+            <a:cxnSpLocks/>
+            <a:stCxn id="19" idx="2"/>
+          </p:cNvCxnSpPr>
+          <p:nvPr/>
+        </p:nvCxnSpPr>
+        <p:spPr>
+          <a:xfrm>
+            <a:off x="7179734" y="1494788"/>
+            <a:ext cx="0" cy="120282"/>
+          </a:xfrm>
+          <a:prstGeom prst="straightConnector1">
+            <a:avLst/>
+          </a:prstGeom>
+          <a:ln w="25400">
+            <a:solidFill>
+              <a:schemeClr val="tx1">
+                <a:lumMod val="75000"/>
+                <a:lumOff val="25000"/>
+              </a:schemeClr>
+            </a:solidFill>
+            <a:tailEnd type="triangle"/>
+          </a:ln>
+        </p:spPr>
+        <p:style>
+          <a:lnRef idx="1">
+            <a:schemeClr val="accent1"/>
+          </a:lnRef>
+          <a:fillRef idx="0">
+            <a:schemeClr val="accent1"/>
+          </a:fillRef>
+          <a:effectRef idx="0">
+            <a:schemeClr val="accent1"/>
+          </a:effectRef>
+          <a:fontRef idx="minor">
+            <a:schemeClr val="tx1"/>
+          </a:fontRef>
+        </p:style>
+      </p:cxnSp>
+      <p:sp>
+        <p:nvSpPr>
+          <p:cNvPr id="47" name="직사각형 46">
+            <a:extLst>
+              <a:ext uri="{FF2B5EF4-FFF2-40B4-BE49-F238E27FC236}">
+                <a16:creationId xmlns:a16="http://schemas.microsoft.com/office/drawing/2014/main" id="{9DCC065B-166E-4F70-913C-14AFD24686DB}"/>
+              </a:ext>
+            </a:extLst>
+          </p:cNvPr>
+          <p:cNvSpPr/>
+          <p:nvPr/>
+        </p:nvSpPr>
+        <p:spPr>
+          <a:xfrm>
+            <a:off x="5764107" y="895350"/>
+            <a:ext cx="2832096" cy="1711542"/>
+          </a:xfrm>
+          <a:prstGeom prst="rect">
+            <a:avLst/>
+          </a:prstGeom>
+          <a:noFill/>
+          <a:ln w="19050">
+            <a:solidFill>
+              <a:schemeClr val="accent1">
+                <a:lumMod val="60000"/>
+                <a:lumOff val="40000"/>
+              </a:schemeClr>
+            </a:solidFill>
+          </a:ln>
+        </p:spPr>
+        <p:style>
+          <a:lnRef idx="2">
+            <a:schemeClr val="accent1">
+              <a:shade val="50000"/>
+            </a:schemeClr>
+          </a:lnRef>
+          <a:fillRef idx="1">
+            <a:schemeClr val="accent1"/>
+          </a:fillRef>
+          <a:effectRef idx="0">
+            <a:schemeClr val="accent1"/>
+          </a:effectRef>
+          <a:fontRef idx="minor">
+            <a:schemeClr val="lt1"/>
+          </a:fontRef>
+        </p:style>
+        <p:txBody>
+          <a:bodyPr rtlCol="0" anchor="ctr"/>
+          <a:lstStyle/>
+          <a:p>
+            <a:pPr algn="ctr"/>
+            <a:endParaRPr lang="ko-KR" altLang="en-US" sz="1050" dirty="0">
+              <a:solidFill>
+                <a:schemeClr val="tx1"/>
+              </a:solidFill>
+              <a:latin typeface="나눔스퀘어" panose="020B0600000101010101" pitchFamily="50" charset="-127"/>
+              <a:ea typeface="나눔스퀘어" panose="020B0600000101010101" pitchFamily="50" charset="-127"/>
+            </a:endParaRPr>
+          </a:p>
+        </p:txBody>
+      </p:sp>
+      <p:sp>
+        <p:nvSpPr>
+          <p:cNvPr id="49" name="왼쪽 중괄호 48">
+            <a:extLst>
+              <a:ext uri="{FF2B5EF4-FFF2-40B4-BE49-F238E27FC236}">
+                <a16:creationId xmlns:a16="http://schemas.microsoft.com/office/drawing/2014/main" id="{608B30AF-44A3-4812-87D1-96A368AF2113}"/>
+              </a:ext>
+            </a:extLst>
+          </p:cNvPr>
+          <p:cNvSpPr/>
+          <p:nvPr/>
+        </p:nvSpPr>
+        <p:spPr>
+          <a:xfrm>
+            <a:off x="5434753" y="895350"/>
+            <a:ext cx="158750" cy="1711542"/>
+          </a:xfrm>
+          <a:prstGeom prst="leftBrace">
+            <a:avLst/>
+          </a:prstGeom>
+          <a:ln w="25400">
+            <a:solidFill>
+              <a:schemeClr val="bg2">
+                <a:lumMod val="50000"/>
+              </a:schemeClr>
+            </a:solidFill>
+          </a:ln>
+        </p:spPr>
+        <p:style>
+          <a:lnRef idx="1">
+            <a:schemeClr val="accent1"/>
+          </a:lnRef>
+          <a:fillRef idx="0">
+            <a:schemeClr val="accent1"/>
+          </a:fillRef>
+          <a:effectRef idx="0">
+            <a:schemeClr val="accent1"/>
+          </a:effectRef>
+          <a:fontRef idx="minor">
+            <a:schemeClr val="tx1"/>
+          </a:fontRef>
+        </p:style>
+        <p:txBody>
+          <a:bodyPr rtlCol="0" anchor="ctr"/>
+          <a:lstStyle/>
+          <a:p>
+            <a:pPr algn="ctr"/>
+            <a:endParaRPr lang="ko-KR" altLang="en-US"/>
+          </a:p>
+        </p:txBody>
+      </p:sp>
+      <p:sp>
+        <p:nvSpPr>
+          <p:cNvPr id="51" name="TextBox 50">
+            <a:extLst>
+              <a:ext uri="{FF2B5EF4-FFF2-40B4-BE49-F238E27FC236}">
+                <a16:creationId xmlns:a16="http://schemas.microsoft.com/office/drawing/2014/main" id="{5AFF4854-EF2F-4C0C-B4EA-0D2257CCA8FF}"/>
+              </a:ext>
+            </a:extLst>
+          </p:cNvPr>
+          <p:cNvSpPr txBox="1"/>
+          <p:nvPr/>
+        </p:nvSpPr>
+        <p:spPr>
+          <a:xfrm>
+            <a:off x="4451972" y="1554929"/>
+            <a:ext cx="826701" cy="461665"/>
+          </a:xfrm>
+          <a:prstGeom prst="rect">
+            <a:avLst/>
+          </a:prstGeom>
+          <a:noFill/>
+        </p:spPr>
+        <p:txBody>
+          <a:bodyPr wrap="none" rtlCol="0">
+            <a:spAutoFit/>
+          </a:bodyPr>
+          <a:lstStyle/>
+          <a:p>
+            <a:pPr algn="ctr"/>
+            <a:r>
+              <a:rPr lang="en-US" altLang="ko-KR" sz="1200" b="1" dirty="0">
+                <a:latin typeface="나눔스퀘어" panose="020B0600000101010101" pitchFamily="50" charset="-127"/>
+                <a:ea typeface="나눔스퀘어" panose="020B0600000101010101" pitchFamily="50" charset="-127"/>
+              </a:rPr>
+              <a:t>FC Stack</a:t>
+            </a:r>
+          </a:p>
+          <a:p>
+            <a:pPr algn="ctr"/>
+            <a:r>
+              <a:rPr lang="en-US" altLang="ko-KR" sz="1200" b="1" dirty="0">
+                <a:latin typeface="나눔스퀘어" panose="020B0600000101010101" pitchFamily="50" charset="-127"/>
+                <a:ea typeface="나눔스퀘어" panose="020B0600000101010101" pitchFamily="50" charset="-127"/>
+              </a:rPr>
+              <a:t>(4 layers)</a:t>
+            </a:r>
+            <a:endParaRPr lang="ko-KR" altLang="en-US" sz="1200" b="1" dirty="0">
+              <a:latin typeface="나눔스퀘어" panose="020B0600000101010101" pitchFamily="50" charset="-127"/>
+              <a:ea typeface="나눔스퀘어" panose="020B0600000101010101" pitchFamily="50" charset="-127"/>
+            </a:endParaRPr>
+          </a:p>
+        </p:txBody>
+      </p:sp>
+      <p:cxnSp>
+        <p:nvCxnSpPr>
+          <p:cNvPr id="53" name="직선 화살표 연결선 52">
+            <a:extLst>
+              <a:ext uri="{FF2B5EF4-FFF2-40B4-BE49-F238E27FC236}">
+                <a16:creationId xmlns:a16="http://schemas.microsoft.com/office/drawing/2014/main" id="{34AECE6B-06B3-4E94-8E79-77890D79DE60}"/>
+              </a:ext>
+            </a:extLst>
+          </p:cNvPr>
+          <p:cNvCxnSpPr>
+            <a:cxnSpLocks/>
+            <a:stCxn id="47" idx="2"/>
+            <a:endCxn id="61" idx="0"/>
+          </p:cNvCxnSpPr>
+          <p:nvPr/>
+        </p:nvCxnSpPr>
+        <p:spPr>
+          <a:xfrm flipH="1">
+            <a:off x="6096000" y="2606892"/>
+            <a:ext cx="1084155" cy="393502"/>
+          </a:xfrm>
+          <a:prstGeom prst="straightConnector1">
+            <a:avLst/>
+          </a:prstGeom>
+          <a:ln w="25400">
+            <a:solidFill>
+              <a:schemeClr val="tx1">
+                <a:lumMod val="75000"/>
+                <a:lumOff val="25000"/>
+              </a:schemeClr>
+            </a:solidFill>
+            <a:tailEnd type="triangle"/>
+          </a:ln>
+        </p:spPr>
+        <p:style>
+          <a:lnRef idx="1">
+            <a:schemeClr val="accent1"/>
+          </a:lnRef>
+          <a:fillRef idx="0">
+            <a:schemeClr val="accent1"/>
+          </a:fillRef>
+          <a:effectRef idx="0">
+            <a:schemeClr val="accent1"/>
+          </a:effectRef>
+          <a:fontRef idx="minor">
+            <a:schemeClr val="tx1"/>
+          </a:fontRef>
+        </p:style>
+      </p:cxnSp>
+      <p:cxnSp>
+        <p:nvCxnSpPr>
+          <p:cNvPr id="55" name="직선 화살표 연결선 54">
+            <a:extLst>
+              <a:ext uri="{FF2B5EF4-FFF2-40B4-BE49-F238E27FC236}">
+                <a16:creationId xmlns:a16="http://schemas.microsoft.com/office/drawing/2014/main" id="{35065456-91D7-4857-AF80-BABDBFE09B8B}"/>
+              </a:ext>
+            </a:extLst>
+          </p:cNvPr>
+          <p:cNvCxnSpPr>
+            <a:cxnSpLocks/>
+            <a:stCxn id="47" idx="2"/>
+            <a:endCxn id="57" idx="0"/>
+          </p:cNvCxnSpPr>
+          <p:nvPr/>
+        </p:nvCxnSpPr>
+        <p:spPr>
+          <a:xfrm>
+            <a:off x="7180155" y="2606892"/>
+            <a:ext cx="1081195" cy="393502"/>
+          </a:xfrm>
+          <a:prstGeom prst="straightConnector1">
+            <a:avLst/>
+          </a:prstGeom>
+          <a:ln w="25400">
+            <a:solidFill>
+              <a:schemeClr val="tx1">
+                <a:lumMod val="75000"/>
+                <a:lumOff val="25000"/>
+              </a:schemeClr>
+            </a:solidFill>
+            <a:tailEnd type="triangle"/>
+          </a:ln>
+        </p:spPr>
+        <p:style>
+          <a:lnRef idx="1">
+            <a:schemeClr val="accent1"/>
+          </a:lnRef>
+          <a:fillRef idx="0">
+            <a:schemeClr val="accent1"/>
+          </a:fillRef>
+          <a:effectRef idx="0">
+            <a:schemeClr val="accent1"/>
+          </a:effectRef>
+          <a:fontRef idx="minor">
+            <a:schemeClr val="tx1"/>
+          </a:fontRef>
+        </p:style>
+      </p:cxnSp>
+      <p:sp>
+        <p:nvSpPr>
+          <p:cNvPr id="57" name="직사각형 56">
+            <a:extLst>
+              <a:ext uri="{FF2B5EF4-FFF2-40B4-BE49-F238E27FC236}">
+                <a16:creationId xmlns:a16="http://schemas.microsoft.com/office/drawing/2014/main" id="{A28FD7B5-137C-4610-9848-BDDF910026FD}"/>
+              </a:ext>
+            </a:extLst>
+          </p:cNvPr>
+          <p:cNvSpPr/>
+          <p:nvPr/>
+        </p:nvSpPr>
+        <p:spPr>
+          <a:xfrm>
+            <a:off x="7519616" y="3000394"/>
+            <a:ext cx="1483467" cy="240705"/>
+          </a:xfrm>
+          <a:prstGeom prst="rect">
+            <a:avLst/>
+          </a:prstGeom>
+          <a:noFill/>
+          <a:ln w="3175">
+            <a:solidFill>
+              <a:schemeClr val="tx1">
+                <a:lumMod val="65000"/>
+                <a:lumOff val="35000"/>
+              </a:schemeClr>
+            </a:solidFill>
+          </a:ln>
+        </p:spPr>
+        <p:style>
+          <a:lnRef idx="2">
+            <a:schemeClr val="accent1">
+              <a:shade val="50000"/>
+            </a:schemeClr>
+          </a:lnRef>
+          <a:fillRef idx="1">
+            <a:schemeClr val="accent1"/>
+          </a:fillRef>
+          <a:effectRef idx="0">
+            <a:schemeClr val="accent1"/>
+          </a:effectRef>
+          <a:fontRef idx="minor">
+            <a:schemeClr val="lt1"/>
+          </a:fontRef>
+        </p:style>
+        <p:txBody>
+          <a:bodyPr rtlCol="0" anchor="ctr"/>
+          <a:lstStyle/>
+          <a:p>
+            <a:pPr algn="ctr"/>
+            <a:r>
+              <a:rPr lang="en-US" altLang="ko-KR" sz="1050" dirty="0">
+                <a:solidFill>
+                  <a:schemeClr val="tx1"/>
+                </a:solidFill>
+                <a:latin typeface="나눔스퀘어" panose="020B0600000101010101" pitchFamily="50" charset="-127"/>
+                <a:ea typeface="나눔스퀘어" panose="020B0600000101010101" pitchFamily="50" charset="-127"/>
+              </a:rPr>
+              <a:t>FC[ 256 -&gt; 20 ]</a:t>
+            </a:r>
+            <a:endParaRPr lang="ko-KR" altLang="en-US" sz="1050" dirty="0">
+              <a:solidFill>
+                <a:schemeClr val="tx1"/>
+              </a:solidFill>
+              <a:latin typeface="나눔스퀘어" panose="020B0600000101010101" pitchFamily="50" charset="-127"/>
+              <a:ea typeface="나눔스퀘어" panose="020B0600000101010101" pitchFamily="50" charset="-127"/>
+            </a:endParaRPr>
+          </a:p>
+        </p:txBody>
+      </p:sp>
+      <p:cxnSp>
+        <p:nvCxnSpPr>
+          <p:cNvPr id="59" name="직선 화살표 연결선 58">
+            <a:extLst>
+              <a:ext uri="{FF2B5EF4-FFF2-40B4-BE49-F238E27FC236}">
+                <a16:creationId xmlns:a16="http://schemas.microsoft.com/office/drawing/2014/main" id="{FBF495CC-38E2-499D-A358-5BC7568BD214}"/>
+              </a:ext>
+            </a:extLst>
+          </p:cNvPr>
+          <p:cNvCxnSpPr>
+            <a:cxnSpLocks/>
+            <a:stCxn id="57" idx="2"/>
+          </p:cNvCxnSpPr>
+          <p:nvPr/>
+        </p:nvCxnSpPr>
+        <p:spPr>
+          <a:xfrm>
+            <a:off x="8261350" y="3241099"/>
+            <a:ext cx="0" cy="121968"/>
+          </a:xfrm>
+          <a:prstGeom prst="straightConnector1">
+            <a:avLst/>
+          </a:prstGeom>
+          <a:ln w="25400">
+            <a:solidFill>
+              <a:schemeClr val="tx1">
+                <a:lumMod val="75000"/>
+                <a:lumOff val="25000"/>
+              </a:schemeClr>
+            </a:solidFill>
+            <a:tailEnd type="triangle"/>
+          </a:ln>
+        </p:spPr>
+        <p:style>
+          <a:lnRef idx="1">
+            <a:schemeClr val="accent1"/>
+          </a:lnRef>
+          <a:fillRef idx="0">
+            <a:schemeClr val="accent1"/>
+          </a:fillRef>
+          <a:effectRef idx="0">
+            <a:schemeClr val="accent1"/>
+          </a:effectRef>
+          <a:fontRef idx="minor">
+            <a:schemeClr val="tx1"/>
+          </a:fontRef>
+        </p:style>
+      </p:cxnSp>
+      <p:sp>
+        <p:nvSpPr>
+          <p:cNvPr id="61" name="직사각형 60">
+            <a:extLst>
+              <a:ext uri="{FF2B5EF4-FFF2-40B4-BE49-F238E27FC236}">
+                <a16:creationId xmlns:a16="http://schemas.microsoft.com/office/drawing/2014/main" id="{5466D731-4578-4D58-86C1-48FB65800198}"/>
+              </a:ext>
+            </a:extLst>
+          </p:cNvPr>
+          <p:cNvSpPr/>
+          <p:nvPr/>
+        </p:nvSpPr>
+        <p:spPr>
+          <a:xfrm>
+            <a:off x="5354266" y="3000394"/>
+            <a:ext cx="1483467" cy="240705"/>
+          </a:xfrm>
+          <a:prstGeom prst="rect">
+            <a:avLst/>
+          </a:prstGeom>
+          <a:noFill/>
+          <a:ln w="3175">
+            <a:solidFill>
+              <a:schemeClr val="tx1">
+                <a:lumMod val="65000"/>
+                <a:lumOff val="35000"/>
+              </a:schemeClr>
+            </a:solidFill>
+          </a:ln>
+        </p:spPr>
+        <p:style>
+          <a:lnRef idx="2">
+            <a:schemeClr val="accent1">
+              <a:shade val="50000"/>
+            </a:schemeClr>
+          </a:lnRef>
+          <a:fillRef idx="1">
+            <a:schemeClr val="accent1"/>
+          </a:fillRef>
+          <a:effectRef idx="0">
+            <a:schemeClr val="accent1"/>
+          </a:effectRef>
+          <a:fontRef idx="minor">
+            <a:schemeClr val="lt1"/>
+          </a:fontRef>
+        </p:style>
+        <p:txBody>
+          <a:bodyPr rtlCol="0" anchor="ctr"/>
+          <a:lstStyle/>
+          <a:p>
+            <a:pPr algn="ctr"/>
+            <a:r>
+              <a:rPr lang="en-US" altLang="ko-KR" sz="1050" dirty="0">
+                <a:solidFill>
+                  <a:schemeClr val="tx1"/>
+                </a:solidFill>
+                <a:latin typeface="나눔스퀘어" panose="020B0600000101010101" pitchFamily="50" charset="-127"/>
+                <a:ea typeface="나눔스퀘어" panose="020B0600000101010101" pitchFamily="50" charset="-127"/>
+              </a:rPr>
+              <a:t>FC[ 256 -&gt; 20 ]</a:t>
+            </a:r>
+            <a:endParaRPr lang="ko-KR" altLang="en-US" sz="1050" dirty="0">
+              <a:solidFill>
+                <a:schemeClr val="tx1"/>
+              </a:solidFill>
+              <a:latin typeface="나눔스퀘어" panose="020B0600000101010101" pitchFamily="50" charset="-127"/>
+              <a:ea typeface="나눔스퀘어" panose="020B0600000101010101" pitchFamily="50" charset="-127"/>
+            </a:endParaRPr>
+          </a:p>
+        </p:txBody>
+      </p:sp>
+      <p:cxnSp>
+        <p:nvCxnSpPr>
+          <p:cNvPr id="63" name="직선 화살표 연결선 62">
+            <a:extLst>
+              <a:ext uri="{FF2B5EF4-FFF2-40B4-BE49-F238E27FC236}">
+                <a16:creationId xmlns:a16="http://schemas.microsoft.com/office/drawing/2014/main" id="{058CEB61-7966-40BB-8AED-7AA22828CC9F}"/>
+              </a:ext>
+            </a:extLst>
+          </p:cNvPr>
+          <p:cNvCxnSpPr>
+            <a:cxnSpLocks/>
+            <a:stCxn id="61" idx="2"/>
+          </p:cNvCxnSpPr>
+          <p:nvPr/>
+        </p:nvCxnSpPr>
+        <p:spPr>
+          <a:xfrm>
+            <a:off x="6096000" y="3241099"/>
+            <a:ext cx="0" cy="121968"/>
+          </a:xfrm>
+          <a:prstGeom prst="straightConnector1">
+            <a:avLst/>
+          </a:prstGeom>
+          <a:ln w="25400">
+            <a:solidFill>
+              <a:schemeClr val="tx1">
+                <a:lumMod val="75000"/>
+                <a:lumOff val="25000"/>
+              </a:schemeClr>
+            </a:solidFill>
+            <a:tailEnd type="triangle"/>
+          </a:ln>
+        </p:spPr>
+        <p:style>
+          <a:lnRef idx="1">
+            <a:schemeClr val="accent1"/>
+          </a:lnRef>
+          <a:fillRef idx="0">
+            <a:schemeClr val="accent1"/>
+          </a:fillRef>
+          <a:effectRef idx="0">
+            <a:schemeClr val="accent1"/>
+          </a:effectRef>
+          <a:fontRef idx="minor">
+            <a:schemeClr val="tx1"/>
+          </a:fontRef>
+        </p:style>
+      </p:cxnSp>
+      <p:sp>
+        <p:nvSpPr>
+          <p:cNvPr id="71" name="TextBox 70">
+            <a:extLst>
+              <a:ext uri="{FF2B5EF4-FFF2-40B4-BE49-F238E27FC236}">
+                <a16:creationId xmlns:a16="http://schemas.microsoft.com/office/drawing/2014/main" id="{C5F816F3-A788-4086-BAAB-B1F3DAAF8A11}"/>
+              </a:ext>
+            </a:extLst>
+          </p:cNvPr>
+          <p:cNvSpPr txBox="1"/>
+          <p:nvPr/>
+        </p:nvSpPr>
+        <p:spPr>
+          <a:xfrm>
+            <a:off x="5690567" y="5261551"/>
+            <a:ext cx="810863" cy="276999"/>
+          </a:xfrm>
+          <a:prstGeom prst="rect">
+            <a:avLst/>
+          </a:prstGeom>
+          <a:noFill/>
+        </p:spPr>
+        <p:txBody>
+          <a:bodyPr wrap="none" rtlCol="0">
+            <a:spAutoFit/>
+          </a:bodyPr>
+          <a:lstStyle/>
+          <a:p>
+            <a:pPr algn="ctr"/>
+            <a:r>
+              <a:rPr lang="en-US" altLang="ko-KR" sz="1200" b="1" dirty="0" err="1">
+                <a:latin typeface="나눔스퀘어" panose="020B0600000101010101" pitchFamily="50" charset="-127"/>
+                <a:ea typeface="나눔스퀘어" panose="020B0600000101010101" pitchFamily="50" charset="-127"/>
+              </a:rPr>
+              <a:t>Backcast</a:t>
+            </a:r>
+            <a:endParaRPr lang="ko-KR" altLang="en-US" sz="1200" b="1" dirty="0">
+              <a:latin typeface="나눔스퀘어" panose="020B0600000101010101" pitchFamily="50" charset="-127"/>
+              <a:ea typeface="나눔스퀘어" panose="020B0600000101010101" pitchFamily="50" charset="-127"/>
+            </a:endParaRPr>
+          </a:p>
+        </p:txBody>
+      </p:sp>
+      <p:sp>
+        <p:nvSpPr>
+          <p:cNvPr id="73" name="TextBox 72">
+            <a:extLst>
+              <a:ext uri="{FF2B5EF4-FFF2-40B4-BE49-F238E27FC236}">
+                <a16:creationId xmlns:a16="http://schemas.microsoft.com/office/drawing/2014/main" id="{BF13CE0D-5F5A-4772-80E7-965144BAB7AD}"/>
+              </a:ext>
+            </a:extLst>
+          </p:cNvPr>
+          <p:cNvSpPr txBox="1"/>
+          <p:nvPr/>
+        </p:nvSpPr>
+        <p:spPr>
+          <a:xfrm>
+            <a:off x="7863548" y="5261551"/>
+            <a:ext cx="795602" cy="276999"/>
+          </a:xfrm>
+          <a:prstGeom prst="rect">
+            <a:avLst/>
+          </a:prstGeom>
+          <a:noFill/>
+        </p:spPr>
+        <p:txBody>
+          <a:bodyPr wrap="none" rtlCol="0">
+            <a:spAutoFit/>
+          </a:bodyPr>
+          <a:lstStyle/>
+          <a:p>
+            <a:pPr algn="ctr"/>
+            <a:r>
+              <a:rPr lang="en-US" altLang="ko-KR" sz="1200" b="1" dirty="0">
+                <a:latin typeface="나눔스퀘어" panose="020B0600000101010101" pitchFamily="50" charset="-127"/>
+                <a:ea typeface="나눔스퀘어" panose="020B0600000101010101" pitchFamily="50" charset="-127"/>
+              </a:rPr>
+              <a:t>Forecast</a:t>
+            </a:r>
+            <a:endParaRPr lang="ko-KR" altLang="en-US" sz="1200" b="1" dirty="0">
+              <a:latin typeface="나눔스퀘어" panose="020B0600000101010101" pitchFamily="50" charset="-127"/>
+              <a:ea typeface="나눔스퀘어" panose="020B0600000101010101" pitchFamily="50" charset="-127"/>
+            </a:endParaRPr>
+          </a:p>
+        </p:txBody>
+      </p:sp>
+      <p:sp>
+        <p:nvSpPr>
+          <p:cNvPr id="77" name="왼쪽 중괄호 76">
+            <a:extLst>
+              <a:ext uri="{FF2B5EF4-FFF2-40B4-BE49-F238E27FC236}">
+                <a16:creationId xmlns:a16="http://schemas.microsoft.com/office/drawing/2014/main" id="{7C239180-EC51-4D9A-9CF0-F795443B81BE}"/>
+              </a:ext>
+            </a:extLst>
+          </p:cNvPr>
+          <p:cNvSpPr/>
+          <p:nvPr/>
+        </p:nvSpPr>
+        <p:spPr>
+          <a:xfrm>
+            <a:off x="5114440" y="2977085"/>
+            <a:ext cx="158750" cy="254651"/>
+          </a:xfrm>
+          <a:prstGeom prst="leftBrace">
+            <a:avLst/>
+          </a:prstGeom>
+          <a:ln w="25400">
+            <a:solidFill>
+              <a:schemeClr val="bg2">
+                <a:lumMod val="50000"/>
+              </a:schemeClr>
+            </a:solidFill>
+          </a:ln>
+        </p:spPr>
+        <p:style>
+          <a:lnRef idx="1">
+            <a:schemeClr val="accent1"/>
+          </a:lnRef>
+          <a:fillRef idx="0">
+            <a:schemeClr val="accent1"/>
+          </a:fillRef>
+          <a:effectRef idx="0">
+            <a:schemeClr val="accent1"/>
+          </a:effectRef>
+          <a:fontRef idx="minor">
+            <a:schemeClr val="tx1"/>
+          </a:fontRef>
+        </p:style>
+        <p:txBody>
+          <a:bodyPr rtlCol="0" anchor="ctr"/>
+          <a:lstStyle/>
+          <a:p>
+            <a:pPr algn="ctr"/>
+            <a:endParaRPr lang="ko-KR" altLang="en-US"/>
+          </a:p>
+        </p:txBody>
+      </p:sp>
+      <p:sp>
+        <p:nvSpPr>
+          <p:cNvPr id="79" name="TextBox 78">
+            <a:extLst>
+              <a:ext uri="{FF2B5EF4-FFF2-40B4-BE49-F238E27FC236}">
+                <a16:creationId xmlns:a16="http://schemas.microsoft.com/office/drawing/2014/main" id="{972EFC62-E108-48E6-8FE1-4D4B657AC317}"/>
+              </a:ext>
+            </a:extLst>
+          </p:cNvPr>
+          <p:cNvSpPr txBox="1"/>
+          <p:nvPr/>
+        </p:nvSpPr>
+        <p:spPr>
+          <a:xfrm>
+            <a:off x="4626143" y="2984113"/>
+            <a:ext cx="367408" cy="276999"/>
+          </a:xfrm>
+          <a:prstGeom prst="rect">
+            <a:avLst/>
+          </a:prstGeom>
+          <a:noFill/>
+        </p:spPr>
+        <p:txBody>
+          <a:bodyPr wrap="none" rtlCol="0">
+            <a:spAutoFit/>
+          </a:bodyPr>
+          <a:lstStyle/>
+          <a:p>
+            <a:pPr algn="ctr"/>
+            <a:r>
+              <a:rPr lang="en-US" altLang="ko-KR" sz="1200" b="1" dirty="0">
+                <a:latin typeface="나눔스퀘어" panose="020B0600000101010101" pitchFamily="50" charset="-127"/>
+                <a:ea typeface="나눔스퀘어" panose="020B0600000101010101" pitchFamily="50" charset="-127"/>
+              </a:rPr>
+              <a:t>FC</a:t>
+            </a:r>
+          </a:p>
+        </p:txBody>
+      </p:sp>
+      <mc:AlternateContent xmlns:mc="http://schemas.openxmlformats.org/markup-compatibility/2006">
+        <mc:Choice xmlns:a14="http://schemas.microsoft.com/office/drawing/2010/main" Requires="a14">
+          <p:sp>
+            <p:nvSpPr>
+              <p:cNvPr id="81" name="TextBox 80">
+                <a:extLst>
+                  <a:ext uri="{FF2B5EF4-FFF2-40B4-BE49-F238E27FC236}">
+                    <a16:creationId xmlns:a16="http://schemas.microsoft.com/office/drawing/2014/main" id="{568666AE-B0F9-4636-B214-537A08E868F7}"/>
+                  </a:ext>
+                </a:extLst>
+              </p:cNvPr>
+              <p:cNvSpPr txBox="1"/>
+              <p:nvPr/>
+            </p:nvSpPr>
+            <p:spPr>
+              <a:xfrm>
+                <a:off x="4675474" y="3962084"/>
+                <a:ext cx="438966" cy="315856"/>
+              </a:xfrm>
+              <a:prstGeom prst="rect">
+                <a:avLst/>
+              </a:prstGeom>
+              <a:noFill/>
+            </p:spPr>
+            <p:txBody>
+              <a:bodyPr wrap="none" rtlCol="0">
+                <a:spAutoFit/>
+              </a:bodyPr>
+              <a:lstStyle/>
+              <a:p>
+                <a:pPr algn="ctr"/>
+                <a14:m>
+                  <m:oMathPara xmlns:m="http://schemas.openxmlformats.org/officeDocument/2006/math">
+                    <m:oMathParaPr>
+                      <m:jc m:val="centerGroup"/>
+                    </m:oMathParaPr>
+                    <m:oMath xmlns:m="http://schemas.openxmlformats.org/officeDocument/2006/math">
+                      <m:sSup>
+                        <m:sSupPr>
+                          <m:ctrlPr>
+                            <a:rPr lang="en-US" altLang="ko-KR" sz="1400" b="1" i="1" smtClean="0">
+                              <a:latin typeface="Cambria Math" panose="02040503050406030204" pitchFamily="18" charset="0"/>
+                              <a:ea typeface="나눔스퀘어" panose="020B0600000101010101" pitchFamily="50" charset="-127"/>
+                            </a:rPr>
+                          </m:ctrlPr>
+                        </m:sSupPr>
+                        <m:e>
+                          <m:r>
+                            <a:rPr lang="en-US" altLang="ko-KR" sz="1400" b="1" i="1" smtClean="0">
+                              <a:latin typeface="Cambria Math" panose="02040503050406030204" pitchFamily="18" charset="0"/>
+                              <a:ea typeface="나눔스퀘어" panose="020B0600000101010101" pitchFamily="50" charset="-127"/>
+                            </a:rPr>
+                            <m:t>𝒈</m:t>
+                          </m:r>
+                        </m:e>
+                        <m:sup>
+                          <m:r>
+                            <a:rPr lang="en-US" altLang="ko-KR" sz="1400" b="1" i="1" smtClean="0">
+                              <a:latin typeface="Cambria Math" panose="02040503050406030204" pitchFamily="18" charset="0"/>
+                              <a:ea typeface="나눔스퀘어" panose="020B0600000101010101" pitchFamily="50" charset="-127"/>
+                            </a:rPr>
+                            <m:t>𝒃</m:t>
+                          </m:r>
+                        </m:sup>
+                      </m:sSup>
+                    </m:oMath>
+                  </m:oMathPara>
+                </a14:m>
+                <a:endParaRPr lang="en-US" altLang="ko-KR" sz="1400" b="1" dirty="0">
+                  <a:latin typeface="나눔스퀘어" panose="020B0600000101010101" pitchFamily="50" charset="-127"/>
+                  <a:ea typeface="나눔스퀘어" panose="020B0600000101010101" pitchFamily="50" charset="-127"/>
+                </a:endParaRPr>
+              </a:p>
+            </p:txBody>
+          </p:sp>
+        </mc:Choice>
+        <mc:Fallback>
+          <p:sp>
+            <p:nvSpPr>
+              <p:cNvPr id="81" name="TextBox 80">
+                <a:extLst>
+                  <a:ext uri="{FF2B5EF4-FFF2-40B4-BE49-F238E27FC236}">
+                    <a16:creationId xmlns:a16="http://schemas.microsoft.com/office/drawing/2014/main" id="{568666AE-B0F9-4636-B214-537A08E868F7}"/>
+                  </a:ext>
+                </a:extLst>
+              </p:cNvPr>
+              <p:cNvSpPr txBox="1">
+                <a:spLocks noRot="1" noChangeAspect="1" noMove="1" noResize="1" noEditPoints="1" noAdjustHandles="1" noChangeArrowheads="1" noChangeShapeType="1" noTextEdit="1"/>
+              </p:cNvSpPr>
+              <p:nvPr/>
+            </p:nvSpPr>
+            <p:spPr>
+              <a:xfrm>
+                <a:off x="4675474" y="3962084"/>
+                <a:ext cx="438966" cy="315856"/>
+              </a:xfrm>
+              <a:prstGeom prst="rect">
+                <a:avLst/>
+              </a:prstGeom>
+              <a:blipFill>
+                <a:blip r:embed="rId3"/>
+                <a:stretch>
+                  <a:fillRect b="-1923"/>
+                </a:stretch>
+              </a:blipFill>
+            </p:spPr>
+            <p:txBody>
+              <a:bodyPr/>
+              <a:lstStyle/>
+              <a:p>
+                <a:r>
+                  <a:rPr lang="ko-KR" altLang="en-US">
+                    <a:noFill/>
+                  </a:rPr>
+                  <a:t> </a:t>
+                </a:r>
+              </a:p>
+            </p:txBody>
+          </p:sp>
+        </mc:Fallback>
+      </mc:AlternateContent>
+      <p:sp>
+        <p:nvSpPr>
+          <p:cNvPr id="83" name="왼쪽 중괄호 82">
+            <a:extLst>
+              <a:ext uri="{FF2B5EF4-FFF2-40B4-BE49-F238E27FC236}">
+                <a16:creationId xmlns:a16="http://schemas.microsoft.com/office/drawing/2014/main" id="{AB6DC569-7C60-4060-93D8-6F06BAF80C7B}"/>
+              </a:ext>
+            </a:extLst>
+          </p:cNvPr>
+          <p:cNvSpPr/>
+          <p:nvPr/>
+        </p:nvSpPr>
+        <p:spPr>
+          <a:xfrm>
+            <a:off x="5114440" y="3363068"/>
+            <a:ext cx="158750" cy="1516068"/>
+          </a:xfrm>
+          <a:prstGeom prst="leftBrace">
+            <a:avLst/>
+          </a:prstGeom>
+          <a:ln w="25400">
+            <a:solidFill>
+              <a:schemeClr val="bg2">
+                <a:lumMod val="50000"/>
+              </a:schemeClr>
+            </a:solidFill>
+          </a:ln>
+        </p:spPr>
+        <p:style>
+          <a:lnRef idx="1">
+            <a:schemeClr val="accent1"/>
+          </a:lnRef>
+          <a:fillRef idx="0">
+            <a:schemeClr val="accent1"/>
+          </a:fillRef>
+          <a:effectRef idx="0">
+            <a:schemeClr val="accent1"/>
+          </a:effectRef>
+          <a:fontRef idx="minor">
+            <a:schemeClr val="tx1"/>
+          </a:fontRef>
+        </p:style>
+        <p:txBody>
+          <a:bodyPr rtlCol="0" anchor="ctr"/>
+          <a:lstStyle/>
+          <a:p>
+            <a:pPr algn="ctr"/>
+            <a:endParaRPr lang="ko-KR" altLang="en-US"/>
+          </a:p>
+        </p:txBody>
+      </p:sp>
+      <mc:AlternateContent xmlns:mc="http://schemas.openxmlformats.org/markup-compatibility/2006">
+        <mc:Choice xmlns:a14="http://schemas.microsoft.com/office/drawing/2010/main" Requires="a14">
+          <p:sp>
+            <p:nvSpPr>
+              <p:cNvPr id="87" name="TextBox 86">
+                <a:extLst>
+                  <a:ext uri="{FF2B5EF4-FFF2-40B4-BE49-F238E27FC236}">
+                    <a16:creationId xmlns:a16="http://schemas.microsoft.com/office/drawing/2014/main" id="{47BA009E-67F4-4437-983A-D12DD62B02AD}"/>
+                  </a:ext>
+                </a:extLst>
+              </p:cNvPr>
+              <p:cNvSpPr txBox="1"/>
+              <p:nvPr/>
+            </p:nvSpPr>
+            <p:spPr>
+              <a:xfrm>
+                <a:off x="9362838" y="3964264"/>
+                <a:ext cx="437877" cy="313676"/>
+              </a:xfrm>
+              <a:prstGeom prst="rect">
+                <a:avLst/>
+              </a:prstGeom>
+              <a:noFill/>
+            </p:spPr>
+            <p:txBody>
+              <a:bodyPr wrap="none" rtlCol="0">
+                <a:spAutoFit/>
+              </a:bodyPr>
+              <a:lstStyle/>
+              <a:p>
+                <a:pPr algn="ctr"/>
+                <a14:m>
+                  <m:oMathPara xmlns:m="http://schemas.openxmlformats.org/officeDocument/2006/math">
+                    <m:oMathParaPr>
+                      <m:jc m:val="centerGroup"/>
+                    </m:oMathParaPr>
+                    <m:oMath xmlns:m="http://schemas.openxmlformats.org/officeDocument/2006/math">
+                      <m:sSup>
+                        <m:sSupPr>
+                          <m:ctrlPr>
+                            <a:rPr lang="en-US" altLang="ko-KR" sz="1400" b="1" i="1" smtClean="0">
+                              <a:latin typeface="Cambria Math" panose="02040503050406030204" pitchFamily="18" charset="0"/>
+                              <a:ea typeface="나눔스퀘어" panose="020B0600000101010101" pitchFamily="50" charset="-127"/>
+                            </a:rPr>
+                          </m:ctrlPr>
+                        </m:sSupPr>
+                        <m:e>
+                          <m:r>
+                            <a:rPr lang="en-US" altLang="ko-KR" sz="1400" b="1" i="1" smtClean="0">
+                              <a:latin typeface="Cambria Math" panose="02040503050406030204" pitchFamily="18" charset="0"/>
+                              <a:ea typeface="나눔스퀘어" panose="020B0600000101010101" pitchFamily="50" charset="-127"/>
+                            </a:rPr>
+                            <m:t>𝒈</m:t>
+                          </m:r>
+                        </m:e>
+                        <m:sup>
+                          <m:r>
+                            <a:rPr lang="en-US" altLang="ko-KR" sz="1400" b="1" i="1" smtClean="0">
+                              <a:latin typeface="Cambria Math" panose="02040503050406030204" pitchFamily="18" charset="0"/>
+                              <a:ea typeface="나눔스퀘어" panose="020B0600000101010101" pitchFamily="50" charset="-127"/>
+                            </a:rPr>
+                            <m:t>𝒇</m:t>
+                          </m:r>
+                        </m:sup>
+                      </m:sSup>
+                    </m:oMath>
+                  </m:oMathPara>
+                </a14:m>
+                <a:endParaRPr lang="en-US" altLang="ko-KR" sz="1400" b="1" dirty="0">
+                  <a:latin typeface="나눔스퀘어" panose="020B0600000101010101" pitchFamily="50" charset="-127"/>
+                  <a:ea typeface="나눔스퀘어" panose="020B0600000101010101" pitchFamily="50" charset="-127"/>
+                </a:endParaRPr>
+              </a:p>
+            </p:txBody>
+          </p:sp>
+        </mc:Choice>
+        <mc:Fallback>
+          <p:sp>
+            <p:nvSpPr>
+              <p:cNvPr id="87" name="TextBox 86">
+                <a:extLst>
+                  <a:ext uri="{FF2B5EF4-FFF2-40B4-BE49-F238E27FC236}">
+                    <a16:creationId xmlns:a16="http://schemas.microsoft.com/office/drawing/2014/main" id="{47BA009E-67F4-4437-983A-D12DD62B02AD}"/>
+                  </a:ext>
+                </a:extLst>
+              </p:cNvPr>
+              <p:cNvSpPr txBox="1">
+                <a:spLocks noRot="1" noChangeAspect="1" noMove="1" noResize="1" noEditPoints="1" noAdjustHandles="1" noChangeArrowheads="1" noChangeShapeType="1" noTextEdit="1"/>
+              </p:cNvSpPr>
+              <p:nvPr/>
+            </p:nvSpPr>
+            <p:spPr>
+              <a:xfrm>
+                <a:off x="9362838" y="3964264"/>
+                <a:ext cx="437877" cy="313676"/>
+              </a:xfrm>
+              <a:prstGeom prst="rect">
+                <a:avLst/>
+              </a:prstGeom>
+              <a:blipFill>
+                <a:blip r:embed="rId4"/>
+                <a:stretch>
+                  <a:fillRect b="-1923"/>
+                </a:stretch>
+              </a:blipFill>
+            </p:spPr>
+            <p:txBody>
+              <a:bodyPr/>
+              <a:lstStyle/>
+              <a:p>
+                <a:r>
+                  <a:rPr lang="ko-KR" altLang="en-US">
+                    <a:noFill/>
+                  </a:rPr>
+                  <a:t> </a:t>
+                </a:r>
+              </a:p>
+            </p:txBody>
+          </p:sp>
+        </mc:Fallback>
+      </mc:AlternateContent>
+      <mc:AlternateContent xmlns:mc="http://schemas.openxmlformats.org/markup-compatibility/2006">
+        <mc:Choice xmlns:a14="http://schemas.microsoft.com/office/drawing/2010/main" Requires="a14">
+          <p:sp>
+            <p:nvSpPr>
+              <p:cNvPr id="90" name="직사각형 89">
+                <a:extLst>
+                  <a:ext uri="{FF2B5EF4-FFF2-40B4-BE49-F238E27FC236}">
+                    <a16:creationId xmlns:a16="http://schemas.microsoft.com/office/drawing/2014/main" id="{DA92ED44-50F6-49FB-859F-7655CAE21373}"/>
+                  </a:ext>
+                </a:extLst>
+              </p:cNvPr>
+              <p:cNvSpPr/>
+              <p:nvPr/>
+            </p:nvSpPr>
+            <p:spPr>
+              <a:xfrm>
+                <a:off x="5589386" y="3363067"/>
+                <a:ext cx="1013227" cy="240705"/>
+              </a:xfrm>
+              <a:prstGeom prst="rect">
+                <a:avLst/>
+              </a:prstGeom>
+              <a:noFill/>
+              <a:ln w="3175">
+                <a:solidFill>
+                  <a:schemeClr val="tx1">
+                    <a:lumMod val="65000"/>
+                    <a:lumOff val="35000"/>
+                  </a:schemeClr>
+                </a:solidFill>
+              </a:ln>
+            </p:spPr>
+            <p:style>
+              <a:lnRef idx="2">
+                <a:schemeClr val="accent1">
+                  <a:shade val="50000"/>
+                </a:schemeClr>
+              </a:lnRef>
+              <a:fillRef idx="1">
+                <a:schemeClr val="accent1"/>
+              </a:fillRef>
+              <a:effectRef idx="0">
+                <a:schemeClr val="accent1"/>
+              </a:effectRef>
+              <a:fontRef idx="minor">
+                <a:schemeClr val="lt1"/>
+              </a:fontRef>
+            </p:style>
+            <p:txBody>
+              <a:bodyPr rtlCol="0" anchor="ctr"/>
+              <a:lstStyle/>
+              <a:p>
+                <a:pPr/>
+                <a14:m>
+                  <m:oMathPara xmlns:m="http://schemas.openxmlformats.org/officeDocument/2006/math">
+                    <m:oMathParaPr>
+                      <m:jc m:val="center"/>
+                    </m:oMathParaPr>
+                    <m:oMath xmlns:m="http://schemas.openxmlformats.org/officeDocument/2006/math">
+                      <m:sSup>
+                        <m:sSupPr>
+                          <m:ctrlPr>
+                            <a:rPr lang="en-US" altLang="ko-KR" sz="1200" b="1" i="1" smtClean="0">
+                              <a:solidFill>
+                                <a:schemeClr val="tx1"/>
+                              </a:solidFill>
+                              <a:latin typeface="Cambria Math" panose="02040503050406030204" pitchFamily="18" charset="0"/>
+                              <a:ea typeface="나눔스퀘어" panose="020B0600000101010101" pitchFamily="50" charset="-127"/>
+                            </a:rPr>
+                          </m:ctrlPr>
+                        </m:sSupPr>
+                        <m:e>
+                          <m:r>
+                            <a:rPr lang="ko-KR" altLang="en-US" sz="1200" b="1" i="1">
+                              <a:solidFill>
+                                <a:schemeClr val="tx1"/>
+                              </a:solidFill>
+                              <a:latin typeface="Cambria Math" panose="02040503050406030204" pitchFamily="18" charset="0"/>
+                              <a:ea typeface="나눔스퀘어" panose="020B0600000101010101" pitchFamily="50" charset="-127"/>
+                            </a:rPr>
+                            <m:t>𝜽</m:t>
+                          </m:r>
+                        </m:e>
+                        <m:sup>
+                          <m:r>
+                            <a:rPr lang="en-US" altLang="ko-KR" sz="1200" b="1" i="1">
+                              <a:solidFill>
+                                <a:schemeClr val="tx1"/>
+                              </a:solidFill>
+                              <a:latin typeface="Cambria Math" panose="02040503050406030204" pitchFamily="18" charset="0"/>
+                              <a:ea typeface="나눔스퀘어" panose="020B0600000101010101" pitchFamily="50" charset="-127"/>
+                            </a:rPr>
+                            <m:t>𝒃</m:t>
+                          </m:r>
+                        </m:sup>
+                      </m:sSup>
+                    </m:oMath>
+                  </m:oMathPara>
+                </a14:m>
+                <a:endParaRPr lang="ko-KR" altLang="en-US" sz="1200" b="1" dirty="0"/>
+              </a:p>
+            </p:txBody>
+          </p:sp>
+        </mc:Choice>
+        <mc:Fallback>
+          <p:sp>
+            <p:nvSpPr>
+              <p:cNvPr id="90" name="직사각형 89">
+                <a:extLst>
+                  <a:ext uri="{FF2B5EF4-FFF2-40B4-BE49-F238E27FC236}">
+                    <a16:creationId xmlns:a16="http://schemas.microsoft.com/office/drawing/2014/main" id="{DA92ED44-50F6-49FB-859F-7655CAE21373}"/>
+                  </a:ext>
+                </a:extLst>
+              </p:cNvPr>
+              <p:cNvSpPr>
+                <a:spLocks noRot="1" noChangeAspect="1" noMove="1" noResize="1" noEditPoints="1" noAdjustHandles="1" noChangeArrowheads="1" noChangeShapeType="1" noTextEdit="1"/>
+              </p:cNvSpPr>
+              <p:nvPr/>
+            </p:nvSpPr>
+            <p:spPr>
+              <a:xfrm>
+                <a:off x="5589386" y="3363067"/>
+                <a:ext cx="1013227" cy="240705"/>
+              </a:xfrm>
+              <a:prstGeom prst="rect">
+                <a:avLst/>
+              </a:prstGeom>
+              <a:blipFill>
+                <a:blip r:embed="rId5"/>
+                <a:stretch>
+                  <a:fillRect/>
+                </a:stretch>
+              </a:blipFill>
+              <a:ln w="3175">
+                <a:solidFill>
+                  <a:schemeClr val="tx1">
+                    <a:lumMod val="65000"/>
+                    <a:lumOff val="35000"/>
+                  </a:schemeClr>
+                </a:solidFill>
+              </a:ln>
+            </p:spPr>
+            <p:txBody>
+              <a:bodyPr/>
+              <a:lstStyle/>
+              <a:p>
+                <a:r>
+                  <a:rPr lang="ko-KR" altLang="en-US">
+                    <a:noFill/>
+                  </a:rPr>
+                  <a:t> </a:t>
+                </a:r>
+              </a:p>
+            </p:txBody>
+          </p:sp>
+        </mc:Fallback>
+      </mc:AlternateContent>
+      <mc:AlternateContent xmlns:mc="http://schemas.openxmlformats.org/markup-compatibility/2006">
+        <mc:Choice xmlns:a14="http://schemas.microsoft.com/office/drawing/2010/main" Requires="a14">
+          <p:sp>
+            <p:nvSpPr>
+              <p:cNvPr id="91" name="직사각형 90">
+                <a:extLst>
+                  <a:ext uri="{FF2B5EF4-FFF2-40B4-BE49-F238E27FC236}">
+                    <a16:creationId xmlns:a16="http://schemas.microsoft.com/office/drawing/2014/main" id="{4A00E22D-2216-401E-90FC-EADCE21D3D58}"/>
+                  </a:ext>
+                </a:extLst>
+              </p:cNvPr>
+              <p:cNvSpPr/>
+              <p:nvPr/>
+            </p:nvSpPr>
+            <p:spPr>
+              <a:xfrm>
+                <a:off x="7754735" y="3363067"/>
+                <a:ext cx="1013227" cy="240705"/>
+              </a:xfrm>
+              <a:prstGeom prst="rect">
+                <a:avLst/>
+              </a:prstGeom>
+              <a:noFill/>
+              <a:ln w="3175">
+                <a:solidFill>
+                  <a:schemeClr val="tx1">
+                    <a:lumMod val="65000"/>
+                    <a:lumOff val="35000"/>
+                  </a:schemeClr>
+                </a:solidFill>
+              </a:ln>
+            </p:spPr>
+            <p:style>
+              <a:lnRef idx="2">
+                <a:schemeClr val="accent1">
+                  <a:shade val="50000"/>
+                </a:schemeClr>
+              </a:lnRef>
+              <a:fillRef idx="1">
+                <a:schemeClr val="accent1"/>
+              </a:fillRef>
+              <a:effectRef idx="0">
+                <a:schemeClr val="accent1"/>
+              </a:effectRef>
+              <a:fontRef idx="minor">
+                <a:schemeClr val="lt1"/>
+              </a:fontRef>
+            </p:style>
+            <p:txBody>
+              <a:bodyPr rtlCol="0" anchor="ctr"/>
+              <a:lstStyle/>
+              <a:p>
+                <a:pPr/>
+                <a14:m>
+                  <m:oMathPara xmlns:m="http://schemas.openxmlformats.org/officeDocument/2006/math">
+                    <m:oMathParaPr>
+                      <m:jc m:val="centerGroup"/>
+                    </m:oMathParaPr>
+                    <m:oMath xmlns:m="http://schemas.openxmlformats.org/officeDocument/2006/math">
+                      <m:sSup>
+                        <m:sSupPr>
+                          <m:ctrlPr>
+                            <a:rPr lang="en-US" altLang="ko-KR" sz="1200" b="1" i="1">
+                              <a:solidFill>
+                                <a:schemeClr val="tx1"/>
+                              </a:solidFill>
+                              <a:latin typeface="Cambria Math" panose="02040503050406030204" pitchFamily="18" charset="0"/>
+                              <a:ea typeface="나눔스퀘어" panose="020B0600000101010101" pitchFamily="50" charset="-127"/>
+                            </a:rPr>
+                          </m:ctrlPr>
+                        </m:sSupPr>
+                        <m:e>
+                          <m:r>
+                            <a:rPr lang="ko-KR" altLang="en-US" sz="1200" b="1" i="1">
+                              <a:solidFill>
+                                <a:schemeClr val="tx1"/>
+                              </a:solidFill>
+                              <a:latin typeface="Cambria Math" panose="02040503050406030204" pitchFamily="18" charset="0"/>
+                              <a:ea typeface="나눔스퀘어" panose="020B0600000101010101" pitchFamily="50" charset="-127"/>
+                            </a:rPr>
+                            <m:t>𝜽</m:t>
+                          </m:r>
+                        </m:e>
+                        <m:sup>
+                          <m:r>
+                            <a:rPr lang="en-US" altLang="ko-KR" sz="1200" b="1" i="1">
+                              <a:solidFill>
+                                <a:schemeClr val="tx1"/>
+                              </a:solidFill>
+                              <a:latin typeface="Cambria Math" panose="02040503050406030204" pitchFamily="18" charset="0"/>
+                              <a:ea typeface="나눔스퀘어" panose="020B0600000101010101" pitchFamily="50" charset="-127"/>
+                            </a:rPr>
+                            <m:t>𝒇</m:t>
+                          </m:r>
+                        </m:sup>
+                      </m:sSup>
+                    </m:oMath>
+                  </m:oMathPara>
+                </a14:m>
+                <a:endParaRPr lang="ko-KR" altLang="en-US" sz="1200" b="1" dirty="0"/>
+              </a:p>
+            </p:txBody>
+          </p:sp>
+        </mc:Choice>
+        <mc:Fallback>
+          <p:sp>
+            <p:nvSpPr>
+              <p:cNvPr id="91" name="직사각형 90">
+                <a:extLst>
+                  <a:ext uri="{FF2B5EF4-FFF2-40B4-BE49-F238E27FC236}">
+                    <a16:creationId xmlns:a16="http://schemas.microsoft.com/office/drawing/2014/main" id="{4A00E22D-2216-401E-90FC-EADCE21D3D58}"/>
+                  </a:ext>
+                </a:extLst>
+              </p:cNvPr>
+              <p:cNvSpPr>
+                <a:spLocks noRot="1" noChangeAspect="1" noMove="1" noResize="1" noEditPoints="1" noAdjustHandles="1" noChangeArrowheads="1" noChangeShapeType="1" noTextEdit="1"/>
+              </p:cNvSpPr>
+              <p:nvPr/>
+            </p:nvSpPr>
+            <p:spPr>
+              <a:xfrm>
+                <a:off x="7754735" y="3363067"/>
+                <a:ext cx="1013227" cy="240705"/>
+              </a:xfrm>
+              <a:prstGeom prst="rect">
+                <a:avLst/>
+              </a:prstGeom>
+              <a:blipFill>
+                <a:blip r:embed="rId6"/>
+                <a:stretch>
+                  <a:fillRect/>
+                </a:stretch>
+              </a:blipFill>
+              <a:ln w="3175">
+                <a:solidFill>
+                  <a:schemeClr val="tx1">
+                    <a:lumMod val="65000"/>
+                    <a:lumOff val="35000"/>
+                  </a:schemeClr>
+                </a:solidFill>
+              </a:ln>
+            </p:spPr>
+            <p:txBody>
+              <a:bodyPr/>
+              <a:lstStyle/>
+              <a:p>
+                <a:r>
+                  <a:rPr lang="ko-KR" altLang="en-US">
+                    <a:noFill/>
+                  </a:rPr>
+                  <a:t> </a:t>
+                </a:r>
+              </a:p>
+            </p:txBody>
+          </p:sp>
+        </mc:Fallback>
+      </mc:AlternateContent>
+      <p:grpSp>
+        <p:nvGrpSpPr>
+          <p:cNvPr id="104" name="그룹 103">
+            <a:extLst>
+              <a:ext uri="{FF2B5EF4-FFF2-40B4-BE49-F238E27FC236}">
+                <a16:creationId xmlns:a16="http://schemas.microsoft.com/office/drawing/2014/main" id="{6301A3A0-BF02-4586-87CD-BA8DF9B92799}"/>
+              </a:ext>
+            </a:extLst>
+          </p:cNvPr>
+          <p:cNvGrpSpPr/>
+          <p:nvPr/>
+        </p:nvGrpSpPr>
+        <p:grpSpPr>
+          <a:xfrm rot="5400000">
+            <a:off x="7144783" y="1600994"/>
+            <a:ext cx="69056" cy="239130"/>
+            <a:chOff x="7144783" y="2625365"/>
+            <a:chExt cx="69056" cy="239130"/>
+          </a:xfrm>
+        </p:grpSpPr>
+        <p:sp>
+          <p:nvSpPr>
+            <p:cNvPr id="99" name="타원 98">
+              <a:extLst>
+                <a:ext uri="{FF2B5EF4-FFF2-40B4-BE49-F238E27FC236}">
+                  <a16:creationId xmlns:a16="http://schemas.microsoft.com/office/drawing/2014/main" id="{8BA7450D-1BAB-467D-B39D-3A30C6A4BF1A}"/>
+                </a:ext>
+              </a:extLst>
+            </p:cNvPr>
+            <p:cNvSpPr/>
+            <p:nvPr/>
+          </p:nvSpPr>
+          <p:spPr>
+            <a:xfrm>
+              <a:off x="7144783" y="2625365"/>
+              <a:ext cx="69056" cy="69056"/>
+            </a:xfrm>
+            <a:prstGeom prst="ellipse">
+              <a:avLst/>
+            </a:prstGeom>
+            <a:solidFill>
+              <a:schemeClr val="bg1">
+                <a:lumMod val="50000"/>
+              </a:schemeClr>
+            </a:solidFill>
+            <a:ln>
+              <a:noFill/>
+            </a:ln>
+          </p:spPr>
+          <p:style>
+            <a:lnRef idx="2">
+              <a:schemeClr val="accent1">
+                <a:shade val="50000"/>
+              </a:schemeClr>
+            </a:lnRef>
+            <a:fillRef idx="1">
+              <a:schemeClr val="accent1"/>
+            </a:fillRef>
+            <a:effectRef idx="0">
+              <a:schemeClr val="accent1"/>
+            </a:effectRef>
+            <a:fontRef idx="minor">
+              <a:schemeClr val="lt1"/>
+            </a:fontRef>
+          </p:style>
+          <p:txBody>
+            <a:bodyPr rtlCol="0" anchor="ctr"/>
+            <a:lstStyle/>
+            <a:p>
+              <a:pPr algn="ctr"/>
+              <a:endParaRPr lang="ko-KR" altLang="en-US"/>
+            </a:p>
+          </p:txBody>
+        </p:sp>
+        <p:sp>
+          <p:nvSpPr>
+            <p:cNvPr id="101" name="타원 100">
+              <a:extLst>
+                <a:ext uri="{FF2B5EF4-FFF2-40B4-BE49-F238E27FC236}">
+                  <a16:creationId xmlns:a16="http://schemas.microsoft.com/office/drawing/2014/main" id="{3B7E7041-048A-45E7-A0A9-E1A09B03DD37}"/>
+                </a:ext>
+              </a:extLst>
+            </p:cNvPr>
+            <p:cNvSpPr/>
+            <p:nvPr/>
+          </p:nvSpPr>
+          <p:spPr>
+            <a:xfrm>
+              <a:off x="7144783" y="2708624"/>
+              <a:ext cx="69056" cy="69056"/>
+            </a:xfrm>
+            <a:prstGeom prst="ellipse">
+              <a:avLst/>
+            </a:prstGeom>
+            <a:solidFill>
+              <a:schemeClr val="bg1">
+                <a:lumMod val="50000"/>
+              </a:schemeClr>
+            </a:solidFill>
+            <a:ln>
+              <a:noFill/>
+            </a:ln>
+          </p:spPr>
+          <p:style>
+            <a:lnRef idx="2">
+              <a:schemeClr val="accent1">
+                <a:shade val="50000"/>
+              </a:schemeClr>
+            </a:lnRef>
+            <a:fillRef idx="1">
+              <a:schemeClr val="accent1"/>
+            </a:fillRef>
+            <a:effectRef idx="0">
+              <a:schemeClr val="accent1"/>
+            </a:effectRef>
+            <a:fontRef idx="minor">
+              <a:schemeClr val="lt1"/>
+            </a:fontRef>
+          </p:style>
+          <p:txBody>
+            <a:bodyPr rtlCol="0" anchor="ctr"/>
+            <a:lstStyle/>
+            <a:p>
+              <a:pPr algn="ctr"/>
+              <a:endParaRPr lang="ko-KR" altLang="en-US"/>
+            </a:p>
+          </p:txBody>
+        </p:sp>
+        <p:sp>
+          <p:nvSpPr>
+            <p:cNvPr id="103" name="타원 102">
+              <a:extLst>
+                <a:ext uri="{FF2B5EF4-FFF2-40B4-BE49-F238E27FC236}">
+                  <a16:creationId xmlns:a16="http://schemas.microsoft.com/office/drawing/2014/main" id="{C4334EE9-713D-4983-B5CD-F0B5672F57D1}"/>
+                </a:ext>
+              </a:extLst>
+            </p:cNvPr>
+            <p:cNvSpPr/>
+            <p:nvPr/>
+          </p:nvSpPr>
+          <p:spPr>
+            <a:xfrm>
+              <a:off x="7144783" y="2795439"/>
+              <a:ext cx="69056" cy="69056"/>
+            </a:xfrm>
+            <a:prstGeom prst="ellipse">
+              <a:avLst/>
+            </a:prstGeom>
+            <a:solidFill>
+              <a:schemeClr val="bg1">
+                <a:lumMod val="50000"/>
+              </a:schemeClr>
+            </a:solidFill>
+            <a:ln>
+              <a:noFill/>
+            </a:ln>
+          </p:spPr>
+          <p:style>
+            <a:lnRef idx="2">
+              <a:schemeClr val="accent1">
+                <a:shade val="50000"/>
+              </a:schemeClr>
+            </a:lnRef>
+            <a:fillRef idx="1">
+              <a:schemeClr val="accent1"/>
+            </a:fillRef>
+            <a:effectRef idx="0">
+              <a:schemeClr val="accent1"/>
+            </a:effectRef>
+            <a:fontRef idx="minor">
+              <a:schemeClr val="lt1"/>
+            </a:fontRef>
+          </p:style>
+          <p:txBody>
+            <a:bodyPr rtlCol="0" anchor="ctr"/>
+            <a:lstStyle/>
+            <a:p>
+              <a:pPr algn="ctr"/>
+              <a:endParaRPr lang="ko-KR" altLang="en-US"/>
+            </a:p>
+          </p:txBody>
+        </p:sp>
+      </p:grpSp>
+      <p:sp>
+        <p:nvSpPr>
+          <p:cNvPr id="105" name="직사각형 104">
+            <a:extLst>
+              <a:ext uri="{FF2B5EF4-FFF2-40B4-BE49-F238E27FC236}">
+                <a16:creationId xmlns:a16="http://schemas.microsoft.com/office/drawing/2014/main" id="{74BFCFB5-E289-492F-AF74-758D5B804FDE}"/>
+              </a:ext>
+            </a:extLst>
+          </p:cNvPr>
+          <p:cNvSpPr/>
+          <p:nvPr/>
+        </p:nvSpPr>
+        <p:spPr>
+          <a:xfrm>
+            <a:off x="5865707" y="1970548"/>
+            <a:ext cx="2628053" cy="240705"/>
+          </a:xfrm>
+          <a:prstGeom prst="rect">
+            <a:avLst/>
+          </a:prstGeom>
+          <a:noFill/>
+          <a:ln w="3175">
+            <a:solidFill>
+              <a:schemeClr val="tx1">
+                <a:lumMod val="65000"/>
+                <a:lumOff val="35000"/>
+              </a:schemeClr>
+            </a:solidFill>
+          </a:ln>
+        </p:spPr>
+        <p:style>
+          <a:lnRef idx="2">
+            <a:schemeClr val="accent1">
+              <a:shade val="50000"/>
+            </a:schemeClr>
+          </a:lnRef>
+          <a:fillRef idx="1">
+            <a:schemeClr val="accent1"/>
+          </a:fillRef>
+          <a:effectRef idx="0">
+            <a:schemeClr val="accent1"/>
+          </a:effectRef>
+          <a:fontRef idx="minor">
+            <a:schemeClr val="lt1"/>
+          </a:fontRef>
+        </p:style>
+        <p:txBody>
+          <a:bodyPr rtlCol="0" anchor="ctr"/>
+          <a:lstStyle/>
+          <a:p>
+            <a:pPr algn="ctr"/>
+            <a:r>
+              <a:rPr lang="en-US" altLang="ko-KR" sz="1050" dirty="0">
+                <a:solidFill>
+                  <a:schemeClr val="tx1"/>
+                </a:solidFill>
+                <a:latin typeface="나눔스퀘어" panose="020B0600000101010101" pitchFamily="50" charset="-127"/>
+                <a:ea typeface="나눔스퀘어" panose="020B0600000101010101" pitchFamily="50" charset="-127"/>
+              </a:rPr>
+              <a:t>FC[ 15 -&gt; 256 ]</a:t>
+            </a:r>
+            <a:endParaRPr lang="ko-KR" altLang="en-US" sz="1050" dirty="0">
+              <a:solidFill>
+                <a:schemeClr val="tx1"/>
+              </a:solidFill>
+              <a:latin typeface="나눔스퀘어" panose="020B0600000101010101" pitchFamily="50" charset="-127"/>
+              <a:ea typeface="나눔스퀘어" panose="020B0600000101010101" pitchFamily="50" charset="-127"/>
+            </a:endParaRPr>
+          </a:p>
+        </p:txBody>
+      </p:sp>
+      <p:sp>
+        <p:nvSpPr>
+          <p:cNvPr id="106" name="직사각형 105">
+            <a:extLst>
+              <a:ext uri="{FF2B5EF4-FFF2-40B4-BE49-F238E27FC236}">
+                <a16:creationId xmlns:a16="http://schemas.microsoft.com/office/drawing/2014/main" id="{E92FB5C1-F64D-42F9-A5BF-DA69A0E11A71}"/>
+              </a:ext>
+            </a:extLst>
+          </p:cNvPr>
+          <p:cNvSpPr/>
+          <p:nvPr/>
+        </p:nvSpPr>
+        <p:spPr>
+          <a:xfrm>
+            <a:off x="5865707" y="2333221"/>
+            <a:ext cx="2628053" cy="124953"/>
+          </a:xfrm>
+          <a:prstGeom prst="rect">
+            <a:avLst/>
+          </a:prstGeom>
+          <a:noFill/>
+          <a:ln w="3175">
+            <a:solidFill>
+              <a:schemeClr val="tx1">
+                <a:lumMod val="65000"/>
+                <a:lumOff val="35000"/>
+              </a:schemeClr>
+            </a:solidFill>
+          </a:ln>
+        </p:spPr>
+        <p:style>
+          <a:lnRef idx="2">
+            <a:schemeClr val="accent1">
+              <a:shade val="50000"/>
+            </a:schemeClr>
+          </a:lnRef>
+          <a:fillRef idx="1">
+            <a:schemeClr val="accent1"/>
+          </a:fillRef>
+          <a:effectRef idx="0">
+            <a:schemeClr val="accent1"/>
+          </a:effectRef>
+          <a:fontRef idx="minor">
+            <a:schemeClr val="lt1"/>
+          </a:fontRef>
+        </p:style>
+        <p:txBody>
+          <a:bodyPr rtlCol="0" anchor="ctr"/>
+          <a:lstStyle/>
+          <a:p>
+            <a:pPr algn="ctr"/>
+            <a:r>
+              <a:rPr lang="en-US" altLang="ko-KR" sz="1050" dirty="0" err="1">
+                <a:solidFill>
+                  <a:schemeClr val="tx1"/>
+                </a:solidFill>
+                <a:latin typeface="나눔스퀘어" panose="020B0600000101010101" pitchFamily="50" charset="-127"/>
+                <a:ea typeface="나눔스퀘어" panose="020B0600000101010101" pitchFamily="50" charset="-127"/>
+              </a:rPr>
+              <a:t>Relu</a:t>
+            </a:r>
+            <a:endParaRPr lang="ko-KR" altLang="en-US" sz="1050" dirty="0">
+              <a:solidFill>
+                <a:schemeClr val="tx1"/>
+              </a:solidFill>
+              <a:latin typeface="나눔스퀘어" panose="020B0600000101010101" pitchFamily="50" charset="-127"/>
+              <a:ea typeface="나눔스퀘어" panose="020B0600000101010101" pitchFamily="50" charset="-127"/>
+            </a:endParaRPr>
+          </a:p>
+        </p:txBody>
+      </p:sp>
+      <p:cxnSp>
+        <p:nvCxnSpPr>
+          <p:cNvPr id="107" name="직선 화살표 연결선 106">
+            <a:extLst>
+              <a:ext uri="{FF2B5EF4-FFF2-40B4-BE49-F238E27FC236}">
+                <a16:creationId xmlns:a16="http://schemas.microsoft.com/office/drawing/2014/main" id="{6CC9BB48-2864-4AE5-BD48-14531A6822CC}"/>
+              </a:ext>
+            </a:extLst>
+          </p:cNvPr>
+          <p:cNvCxnSpPr>
+            <a:cxnSpLocks/>
+            <a:stCxn id="105" idx="2"/>
+            <a:endCxn id="106" idx="0"/>
+          </p:cNvCxnSpPr>
+          <p:nvPr/>
+        </p:nvCxnSpPr>
+        <p:spPr>
+          <a:xfrm>
+            <a:off x="7179734" y="2211253"/>
+            <a:ext cx="0" cy="121968"/>
+          </a:xfrm>
+          <a:prstGeom prst="straightConnector1">
+            <a:avLst/>
+          </a:prstGeom>
+          <a:ln w="25400">
+            <a:solidFill>
+              <a:schemeClr val="tx1">
+                <a:lumMod val="75000"/>
+                <a:lumOff val="25000"/>
+              </a:schemeClr>
+            </a:solidFill>
+            <a:tailEnd type="triangle"/>
+          </a:ln>
+        </p:spPr>
+        <p:style>
+          <a:lnRef idx="1">
+            <a:schemeClr val="accent1"/>
+          </a:lnRef>
+          <a:fillRef idx="0">
+            <a:schemeClr val="accent1"/>
+          </a:fillRef>
+          <a:effectRef idx="0">
+            <a:schemeClr val="accent1"/>
+          </a:effectRef>
+          <a:fontRef idx="minor">
+            <a:schemeClr val="tx1"/>
+          </a:fontRef>
+        </p:style>
+      </p:cxnSp>
+      <p:cxnSp>
+        <p:nvCxnSpPr>
+          <p:cNvPr id="108" name="직선 화살표 연결선 107">
+            <a:extLst>
+              <a:ext uri="{FF2B5EF4-FFF2-40B4-BE49-F238E27FC236}">
+                <a16:creationId xmlns:a16="http://schemas.microsoft.com/office/drawing/2014/main" id="{3871E332-0E45-450C-98C5-6360E6FADA02}"/>
+              </a:ext>
+            </a:extLst>
+          </p:cNvPr>
+          <p:cNvCxnSpPr>
+            <a:cxnSpLocks/>
+            <a:stCxn id="106" idx="2"/>
+          </p:cNvCxnSpPr>
+          <p:nvPr/>
+        </p:nvCxnSpPr>
+        <p:spPr>
+          <a:xfrm>
+            <a:off x="7179734" y="2458174"/>
+            <a:ext cx="0" cy="120282"/>
+          </a:xfrm>
+          <a:prstGeom prst="straightConnector1">
+            <a:avLst/>
+          </a:prstGeom>
+          <a:ln w="25400">
+            <a:solidFill>
+              <a:schemeClr val="tx1">
+                <a:lumMod val="75000"/>
+                <a:lumOff val="25000"/>
+              </a:schemeClr>
+            </a:solidFill>
+            <a:tailEnd type="triangle"/>
+          </a:ln>
+        </p:spPr>
+        <p:style>
+          <a:lnRef idx="1">
+            <a:schemeClr val="accent1"/>
+          </a:lnRef>
+          <a:fillRef idx="0">
+            <a:schemeClr val="accent1"/>
+          </a:fillRef>
+          <a:effectRef idx="0">
+            <a:schemeClr val="accent1"/>
+          </a:effectRef>
+          <a:fontRef idx="minor">
+            <a:schemeClr val="tx1"/>
+          </a:fontRef>
+        </p:style>
+      </p:cxnSp>
+      <p:cxnSp>
+        <p:nvCxnSpPr>
+          <p:cNvPr id="109" name="직선 화살표 연결선 108">
+            <a:extLst>
+              <a:ext uri="{FF2B5EF4-FFF2-40B4-BE49-F238E27FC236}">
+                <a16:creationId xmlns:a16="http://schemas.microsoft.com/office/drawing/2014/main" id="{75C167EF-DA77-42BD-B661-7A5C83F59A97}"/>
+              </a:ext>
+            </a:extLst>
+          </p:cNvPr>
+          <p:cNvCxnSpPr>
+            <a:cxnSpLocks/>
+            <a:endCxn id="105" idx="0"/>
+          </p:cNvCxnSpPr>
+          <p:nvPr/>
+        </p:nvCxnSpPr>
+        <p:spPr>
+          <a:xfrm>
+            <a:off x="7179734" y="1831747"/>
+            <a:ext cx="0" cy="138801"/>
+          </a:xfrm>
+          <a:prstGeom prst="straightConnector1">
+            <a:avLst/>
+          </a:prstGeom>
+          <a:ln w="25400">
+            <a:solidFill>
+              <a:schemeClr val="tx1">
+                <a:lumMod val="75000"/>
+                <a:lumOff val="25000"/>
+              </a:schemeClr>
+            </a:solidFill>
+            <a:tailEnd type="triangle"/>
+          </a:ln>
+        </p:spPr>
+        <p:style>
+          <a:lnRef idx="1">
+            <a:schemeClr val="accent1"/>
+          </a:lnRef>
+          <a:fillRef idx="0">
+            <a:schemeClr val="accent1"/>
+          </a:fillRef>
+          <a:effectRef idx="0">
+            <a:schemeClr val="accent1"/>
+          </a:effectRef>
+          <a:fontRef idx="minor">
+            <a:schemeClr val="tx1"/>
+          </a:fontRef>
+        </p:style>
+      </p:cxnSp>
+      <mc:AlternateContent xmlns:mc="http://schemas.openxmlformats.org/markup-compatibility/2006">
+        <mc:Choice xmlns:a14="http://schemas.microsoft.com/office/drawing/2010/main" Requires="a14">
+          <p:sp>
+            <p:nvSpPr>
+              <p:cNvPr id="120" name="TextBox 119">
+                <a:extLst>
+                  <a:ext uri="{FF2B5EF4-FFF2-40B4-BE49-F238E27FC236}">
+                    <a16:creationId xmlns:a16="http://schemas.microsoft.com/office/drawing/2014/main" id="{9DFF7777-A03C-4407-AABA-4C6C7ED27198}"/>
+                  </a:ext>
+                </a:extLst>
+              </p:cNvPr>
+              <p:cNvSpPr txBox="1"/>
+              <p:nvPr/>
+            </p:nvSpPr>
+            <p:spPr>
+              <a:xfrm>
+                <a:off x="7893192" y="3591709"/>
+                <a:ext cx="748292" cy="246221"/>
+              </a:xfrm>
+              <a:prstGeom prst="rect">
+                <a:avLst/>
+              </a:prstGeom>
+              <a:noFill/>
+            </p:spPr>
+            <p:txBody>
+              <a:bodyPr wrap="square">
+                <a:spAutoFit/>
+              </a:bodyPr>
+              <a:lstStyle/>
+              <a:p>
+                <a:pPr algn="ctr"/>
+                <a14:m>
+                  <m:oMathPara xmlns:m="http://schemas.openxmlformats.org/officeDocument/2006/math">
+                    <m:oMathParaPr>
+                      <m:jc m:val="centerGroup"/>
+                    </m:oMathParaPr>
+                    <m:oMath xmlns:m="http://schemas.openxmlformats.org/officeDocument/2006/math">
+                      <m:r>
+                        <m:rPr>
+                          <m:nor/>
+                        </m:rPr>
+                        <a:rPr lang="en-US" altLang="ko-KR" sz="1000" dirty="0">
+                          <a:latin typeface="나눔스퀘어" panose="020B0600000101010101" pitchFamily="50" charset="-127"/>
+                          <a:ea typeface="나눔스퀘어" panose="020B0600000101010101" pitchFamily="50" charset="-127"/>
+                        </a:rPr>
+                        <m:t>[20</m:t>
+                      </m:r>
+                      <m:r>
+                        <a:rPr lang="en-US" altLang="ko-KR" sz="1000" i="1">
+                          <a:latin typeface="Cambria Math" panose="02040503050406030204" pitchFamily="18" charset="0"/>
+                          <a:ea typeface="Cambria Math" panose="02040503050406030204" pitchFamily="18" charset="0"/>
+                        </a:rPr>
+                        <m:t>×</m:t>
+                      </m:r>
+                      <m:r>
+                        <m:rPr>
+                          <m:nor/>
+                        </m:rPr>
+                        <a:rPr lang="en-US" altLang="ko-KR" sz="1000" dirty="0">
+                          <a:latin typeface="나눔스퀘어" panose="020B0600000101010101" pitchFamily="50" charset="-127"/>
+                          <a:ea typeface="나눔스퀘어" panose="020B0600000101010101" pitchFamily="50" charset="-127"/>
+                        </a:rPr>
+                        <m:t>1]</m:t>
+                      </m:r>
+                    </m:oMath>
+                  </m:oMathPara>
+                </a14:m>
+                <a:endParaRPr lang="ko-KR" altLang="en-US" sz="1000" dirty="0">
+                  <a:latin typeface="나눔스퀘어" panose="020B0600000101010101" pitchFamily="50" charset="-127"/>
+                  <a:ea typeface="나눔스퀘어" panose="020B0600000101010101" pitchFamily="50" charset="-127"/>
+                </a:endParaRPr>
+              </a:p>
+            </p:txBody>
+          </p:sp>
+        </mc:Choice>
+        <mc:Fallback>
+          <p:sp>
+            <p:nvSpPr>
+              <p:cNvPr id="120" name="TextBox 119">
+                <a:extLst>
+                  <a:ext uri="{FF2B5EF4-FFF2-40B4-BE49-F238E27FC236}">
+                    <a16:creationId xmlns:a16="http://schemas.microsoft.com/office/drawing/2014/main" id="{9DFF7777-A03C-4407-AABA-4C6C7ED27198}"/>
+                  </a:ext>
+                </a:extLst>
+              </p:cNvPr>
+              <p:cNvSpPr txBox="1">
+                <a:spLocks noRot="1" noChangeAspect="1" noMove="1" noResize="1" noEditPoints="1" noAdjustHandles="1" noChangeArrowheads="1" noChangeShapeType="1" noTextEdit="1"/>
+              </p:cNvSpPr>
+              <p:nvPr/>
+            </p:nvSpPr>
+            <p:spPr>
+              <a:xfrm>
+                <a:off x="7893192" y="3591709"/>
+                <a:ext cx="748292" cy="246221"/>
+              </a:xfrm>
+              <a:prstGeom prst="rect">
+                <a:avLst/>
+              </a:prstGeom>
+              <a:blipFill>
+                <a:blip r:embed="rId7"/>
+                <a:stretch>
+                  <a:fillRect/>
+                </a:stretch>
+              </a:blipFill>
+            </p:spPr>
+            <p:txBody>
+              <a:bodyPr/>
+              <a:lstStyle/>
+              <a:p>
+                <a:r>
+                  <a:rPr lang="ko-KR" altLang="en-US">
+                    <a:noFill/>
+                  </a:rPr>
+                  <a:t> </a:t>
+                </a:r>
+              </a:p>
+            </p:txBody>
+          </p:sp>
+        </mc:Fallback>
+      </mc:AlternateContent>
+      <p:sp>
+        <p:nvSpPr>
+          <p:cNvPr id="122" name="곱하기 기호 121">
+            <a:extLst>
+              <a:ext uri="{FF2B5EF4-FFF2-40B4-BE49-F238E27FC236}">
+                <a16:creationId xmlns:a16="http://schemas.microsoft.com/office/drawing/2014/main" id="{1411D790-96C2-456F-8639-A8D24E920352}"/>
+              </a:ext>
+            </a:extLst>
+          </p:cNvPr>
+          <p:cNvSpPr/>
+          <p:nvPr/>
+        </p:nvSpPr>
+        <p:spPr>
+          <a:xfrm>
+            <a:off x="8038251" y="3759294"/>
+            <a:ext cx="446193" cy="446193"/>
+          </a:xfrm>
+          <a:prstGeom prst="mathMultiply">
+            <a:avLst>
+              <a:gd name="adj1" fmla="val 13380"/>
+            </a:avLst>
+          </a:prstGeom>
+          <a:solidFill>
+            <a:schemeClr val="bg2">
+              <a:lumMod val="50000"/>
+            </a:schemeClr>
+          </a:solidFill>
+          <a:ln>
+            <a:noFill/>
+          </a:ln>
+        </p:spPr>
+        <p:style>
+          <a:lnRef idx="2">
+            <a:schemeClr val="accent1">
+              <a:shade val="50000"/>
+            </a:schemeClr>
+          </a:lnRef>
+          <a:fillRef idx="1">
+            <a:schemeClr val="accent1"/>
+          </a:fillRef>
+          <a:effectRef idx="0">
+            <a:schemeClr val="accent1"/>
+          </a:effectRef>
+          <a:fontRef idx="minor">
+            <a:schemeClr val="lt1"/>
+          </a:fontRef>
+        </p:style>
+        <p:txBody>
+          <a:bodyPr rtlCol="0" anchor="ctr"/>
+          <a:lstStyle/>
+          <a:p>
+            <a:pPr algn="ctr"/>
+            <a:endParaRPr lang="ko-KR" altLang="en-US"/>
+          </a:p>
+        </p:txBody>
+      </p:sp>
+      <mc:AlternateContent xmlns:mc="http://schemas.openxmlformats.org/markup-compatibility/2006">
+        <mc:Choice xmlns:a14="http://schemas.microsoft.com/office/drawing/2010/main" Requires="a14">
+          <p:sp>
+            <p:nvSpPr>
+              <p:cNvPr id="9" name="TextBox 8">
+                <a:extLst>
+                  <a:ext uri="{FF2B5EF4-FFF2-40B4-BE49-F238E27FC236}">
+                    <a16:creationId xmlns:a16="http://schemas.microsoft.com/office/drawing/2014/main" id="{8DB472A5-CF03-4004-963C-5956853D4BD1}"/>
+                  </a:ext>
+                </a:extLst>
+              </p:cNvPr>
+              <p:cNvSpPr txBox="1"/>
+              <p:nvPr/>
+            </p:nvSpPr>
+            <p:spPr>
+              <a:xfrm>
+                <a:off x="7910858" y="4859441"/>
+                <a:ext cx="748292" cy="246221"/>
+              </a:xfrm>
+              <a:prstGeom prst="rect">
+                <a:avLst/>
+              </a:prstGeom>
+              <a:noFill/>
+            </p:spPr>
+            <p:txBody>
+              <a:bodyPr wrap="square">
+                <a:spAutoFit/>
+              </a:bodyPr>
+              <a:lstStyle/>
+              <a:p>
+                <a:pPr algn="ctr"/>
+                <a14:m>
+                  <m:oMathPara xmlns:m="http://schemas.openxmlformats.org/officeDocument/2006/math">
+                    <m:oMathParaPr>
+                      <m:jc m:val="centerGroup"/>
+                    </m:oMathParaPr>
+                    <m:oMath xmlns:m="http://schemas.openxmlformats.org/officeDocument/2006/math">
+                      <m:r>
+                        <m:rPr>
+                          <m:nor/>
+                        </m:rPr>
+                        <a:rPr lang="en-US" altLang="ko-KR" sz="1000" dirty="0">
+                          <a:latin typeface="나눔스퀘어" panose="020B0600000101010101" pitchFamily="50" charset="-127"/>
+                          <a:ea typeface="나눔스퀘어" panose="020B0600000101010101" pitchFamily="50" charset="-127"/>
+                        </a:rPr>
+                        <m:t>[</m:t>
+                      </m:r>
+                      <m:r>
+                        <m:rPr>
+                          <m:nor/>
+                        </m:rPr>
+                        <a:rPr lang="en-US" altLang="ko-KR" sz="1000" b="0" i="0" dirty="0" smtClean="0">
+                          <a:latin typeface="나눔스퀘어" panose="020B0600000101010101" pitchFamily="50" charset="-127"/>
+                          <a:ea typeface="나눔스퀘어" panose="020B0600000101010101" pitchFamily="50" charset="-127"/>
+                        </a:rPr>
+                        <m:t>5</m:t>
+                      </m:r>
+                      <m:r>
+                        <a:rPr lang="en-US" altLang="ko-KR" sz="1000" i="1">
+                          <a:latin typeface="Cambria Math" panose="02040503050406030204" pitchFamily="18" charset="0"/>
+                          <a:ea typeface="Cambria Math" panose="02040503050406030204" pitchFamily="18" charset="0"/>
+                        </a:rPr>
+                        <m:t>×</m:t>
+                      </m:r>
+                      <m:r>
+                        <m:rPr>
+                          <m:nor/>
+                        </m:rPr>
+                        <a:rPr lang="en-US" altLang="ko-KR" sz="1000" b="0" i="0" dirty="0" smtClean="0">
+                          <a:latin typeface="나눔스퀘어" panose="020B0600000101010101" pitchFamily="50" charset="-127"/>
+                          <a:ea typeface="나눔스퀘어" panose="020B0600000101010101" pitchFamily="50" charset="-127"/>
+                        </a:rPr>
+                        <m:t>20</m:t>
+                      </m:r>
+                      <m:r>
+                        <m:rPr>
+                          <m:nor/>
+                        </m:rPr>
+                        <a:rPr lang="en-US" altLang="ko-KR" sz="1000" dirty="0">
+                          <a:latin typeface="나눔스퀘어" panose="020B0600000101010101" pitchFamily="50" charset="-127"/>
+                          <a:ea typeface="나눔스퀘어" panose="020B0600000101010101" pitchFamily="50" charset="-127"/>
+                        </a:rPr>
+                        <m:t>]</m:t>
+                      </m:r>
+                    </m:oMath>
+                  </m:oMathPara>
+                </a14:m>
+                <a:endParaRPr lang="ko-KR" altLang="en-US" sz="1000" dirty="0">
+                  <a:latin typeface="나눔스퀘어" panose="020B0600000101010101" pitchFamily="50" charset="-127"/>
+                  <a:ea typeface="나눔스퀘어" panose="020B0600000101010101" pitchFamily="50" charset="-127"/>
+                </a:endParaRPr>
+              </a:p>
+            </p:txBody>
+          </p:sp>
+        </mc:Choice>
+        <mc:Fallback>
+          <p:sp>
+            <p:nvSpPr>
+              <p:cNvPr id="9" name="TextBox 8">
+                <a:extLst>
+                  <a:ext uri="{FF2B5EF4-FFF2-40B4-BE49-F238E27FC236}">
+                    <a16:creationId xmlns:a16="http://schemas.microsoft.com/office/drawing/2014/main" id="{8DB472A5-CF03-4004-963C-5956853D4BD1}"/>
+                  </a:ext>
+                </a:extLst>
+              </p:cNvPr>
+              <p:cNvSpPr txBox="1">
+                <a:spLocks noRot="1" noChangeAspect="1" noMove="1" noResize="1" noEditPoints="1" noAdjustHandles="1" noChangeArrowheads="1" noChangeShapeType="1" noTextEdit="1"/>
+              </p:cNvSpPr>
+              <p:nvPr/>
+            </p:nvSpPr>
+            <p:spPr>
+              <a:xfrm>
+                <a:off x="7910858" y="4859441"/>
+                <a:ext cx="748292" cy="246221"/>
+              </a:xfrm>
+              <a:prstGeom prst="rect">
+                <a:avLst/>
+              </a:prstGeom>
+              <a:blipFill>
+                <a:blip r:embed="rId8"/>
+                <a:stretch>
+                  <a:fillRect/>
+                </a:stretch>
+              </a:blipFill>
+            </p:spPr>
+            <p:txBody>
+              <a:bodyPr/>
+              <a:lstStyle/>
+              <a:p>
+                <a:r>
+                  <a:rPr lang="ko-KR" altLang="en-US">
+                    <a:noFill/>
+                  </a:rPr>
+                  <a:t> </a:t>
+                </a:r>
+              </a:p>
+            </p:txBody>
+          </p:sp>
+        </mc:Fallback>
+      </mc:AlternateContent>
+      <p:pic>
+        <p:nvPicPr>
+          <p:cNvPr id="12" name="그림 11">
+            <a:extLst>
+              <a:ext uri="{FF2B5EF4-FFF2-40B4-BE49-F238E27FC236}">
+                <a16:creationId xmlns:a16="http://schemas.microsoft.com/office/drawing/2014/main" id="{68260DF7-430E-4E26-A1B4-0FA0D9196094}"/>
+              </a:ext>
+            </a:extLst>
+          </p:cNvPr>
+          <p:cNvPicPr>
+            <a:picLocks noChangeAspect="1"/>
+          </p:cNvPicPr>
+          <p:nvPr/>
+        </p:nvPicPr>
+        <p:blipFill>
+          <a:blip r:embed="rId9"/>
+          <a:stretch>
+            <a:fillRect/>
+          </a:stretch>
+        </p:blipFill>
+        <p:spPr>
+          <a:xfrm>
+            <a:off x="7459104" y="4194958"/>
+            <a:ext cx="1604485" cy="684177"/>
+          </a:xfrm>
+          <a:prstGeom prst="rect">
+            <a:avLst/>
+          </a:prstGeom>
+        </p:spPr>
+      </p:pic>
+      <p:cxnSp>
+        <p:nvCxnSpPr>
+          <p:cNvPr id="58" name="직선 화살표 연결선 57">
+            <a:extLst>
+              <a:ext uri="{FF2B5EF4-FFF2-40B4-BE49-F238E27FC236}">
+                <a16:creationId xmlns:a16="http://schemas.microsoft.com/office/drawing/2014/main" id="{B4C23CD7-F7F6-41B9-A314-904F9E6B8057}"/>
+              </a:ext>
+            </a:extLst>
+          </p:cNvPr>
+          <p:cNvCxnSpPr>
+            <a:cxnSpLocks/>
+          </p:cNvCxnSpPr>
+          <p:nvPr/>
+        </p:nvCxnSpPr>
+        <p:spPr>
+          <a:xfrm>
+            <a:off x="8261350" y="5138762"/>
+            <a:ext cx="0" cy="146348"/>
+          </a:xfrm>
+          <a:prstGeom prst="straightConnector1">
+            <a:avLst/>
+          </a:prstGeom>
+          <a:ln w="25400">
+            <a:solidFill>
+              <a:schemeClr val="tx1">
+                <a:lumMod val="75000"/>
+                <a:lumOff val="25000"/>
+              </a:schemeClr>
+            </a:solidFill>
+            <a:tailEnd type="triangle"/>
+          </a:ln>
+        </p:spPr>
+        <p:style>
+          <a:lnRef idx="1">
+            <a:schemeClr val="accent1"/>
+          </a:lnRef>
+          <a:fillRef idx="0">
+            <a:schemeClr val="accent1"/>
+          </a:fillRef>
+          <a:effectRef idx="0">
+            <a:schemeClr val="accent1"/>
+          </a:effectRef>
+          <a:fontRef idx="minor">
+            <a:schemeClr val="tx1"/>
+          </a:fontRef>
+        </p:style>
+      </p:cxnSp>
+      <p:pic>
+        <p:nvPicPr>
+          <p:cNvPr id="20" name="그림 19">
+            <a:extLst>
+              <a:ext uri="{FF2B5EF4-FFF2-40B4-BE49-F238E27FC236}">
+                <a16:creationId xmlns:a16="http://schemas.microsoft.com/office/drawing/2014/main" id="{DC7A0306-D583-4E8B-AB9F-B676ACCE700E}"/>
+              </a:ext>
+            </a:extLst>
+          </p:cNvPr>
+          <p:cNvPicPr>
+            <a:picLocks noChangeAspect="1"/>
+          </p:cNvPicPr>
+          <p:nvPr/>
+        </p:nvPicPr>
+        <p:blipFill>
+          <a:blip r:embed="rId10"/>
+          <a:stretch>
+            <a:fillRect/>
+          </a:stretch>
+        </p:blipFill>
+        <p:spPr>
+          <a:xfrm>
+            <a:off x="5354266" y="4199521"/>
+            <a:ext cx="1483467" cy="684177"/>
+          </a:xfrm>
+          <a:prstGeom prst="rect">
+            <a:avLst/>
+          </a:prstGeom>
+        </p:spPr>
+      </p:pic>
+      <mc:AlternateContent xmlns:mc="http://schemas.openxmlformats.org/markup-compatibility/2006">
+        <mc:Choice xmlns:a14="http://schemas.microsoft.com/office/drawing/2010/main" Requires="a14">
+          <p:sp>
+            <p:nvSpPr>
+              <p:cNvPr id="68" name="TextBox 67">
+                <a:extLst>
+                  <a:ext uri="{FF2B5EF4-FFF2-40B4-BE49-F238E27FC236}">
+                    <a16:creationId xmlns:a16="http://schemas.microsoft.com/office/drawing/2014/main" id="{9FA7F989-54D4-49B5-A52A-B288E22DAEF3}"/>
+                  </a:ext>
+                </a:extLst>
+              </p:cNvPr>
+              <p:cNvSpPr txBox="1"/>
+              <p:nvPr/>
+            </p:nvSpPr>
+            <p:spPr>
+              <a:xfrm>
+                <a:off x="5727999" y="3591709"/>
+                <a:ext cx="748292" cy="246221"/>
+              </a:xfrm>
+              <a:prstGeom prst="rect">
+                <a:avLst/>
+              </a:prstGeom>
+              <a:noFill/>
+            </p:spPr>
+            <p:txBody>
+              <a:bodyPr wrap="square">
+                <a:spAutoFit/>
+              </a:bodyPr>
+              <a:lstStyle/>
+              <a:p>
+                <a:pPr algn="ctr"/>
+                <a14:m>
+                  <m:oMathPara xmlns:m="http://schemas.openxmlformats.org/officeDocument/2006/math">
+                    <m:oMathParaPr>
+                      <m:jc m:val="centerGroup"/>
+                    </m:oMathParaPr>
+                    <m:oMath xmlns:m="http://schemas.openxmlformats.org/officeDocument/2006/math">
+                      <m:r>
+                        <m:rPr>
+                          <m:nor/>
+                        </m:rPr>
+                        <a:rPr lang="en-US" altLang="ko-KR" sz="1000" dirty="0">
+                          <a:latin typeface="나눔스퀘어" panose="020B0600000101010101" pitchFamily="50" charset="-127"/>
+                          <a:ea typeface="나눔스퀘어" panose="020B0600000101010101" pitchFamily="50" charset="-127"/>
+                        </a:rPr>
+                        <m:t>[20</m:t>
+                      </m:r>
+                      <m:r>
+                        <a:rPr lang="en-US" altLang="ko-KR" sz="1000" i="1">
+                          <a:latin typeface="Cambria Math" panose="02040503050406030204" pitchFamily="18" charset="0"/>
+                          <a:ea typeface="Cambria Math" panose="02040503050406030204" pitchFamily="18" charset="0"/>
+                        </a:rPr>
+                        <m:t>×</m:t>
+                      </m:r>
+                      <m:r>
+                        <m:rPr>
+                          <m:nor/>
+                        </m:rPr>
+                        <a:rPr lang="en-US" altLang="ko-KR" sz="1000" dirty="0">
+                          <a:latin typeface="나눔스퀘어" panose="020B0600000101010101" pitchFamily="50" charset="-127"/>
+                          <a:ea typeface="나눔스퀘어" panose="020B0600000101010101" pitchFamily="50" charset="-127"/>
+                        </a:rPr>
+                        <m:t>1]</m:t>
+                      </m:r>
+                    </m:oMath>
+                  </m:oMathPara>
+                </a14:m>
+                <a:endParaRPr lang="ko-KR" altLang="en-US" sz="1000" dirty="0">
+                  <a:latin typeface="나눔스퀘어" panose="020B0600000101010101" pitchFamily="50" charset="-127"/>
+                  <a:ea typeface="나눔스퀘어" panose="020B0600000101010101" pitchFamily="50" charset="-127"/>
+                </a:endParaRPr>
+              </a:p>
+            </p:txBody>
+          </p:sp>
+        </mc:Choice>
+        <mc:Fallback>
+          <p:sp>
+            <p:nvSpPr>
+              <p:cNvPr id="68" name="TextBox 67">
+                <a:extLst>
+                  <a:ext uri="{FF2B5EF4-FFF2-40B4-BE49-F238E27FC236}">
+                    <a16:creationId xmlns:a16="http://schemas.microsoft.com/office/drawing/2014/main" id="{9FA7F989-54D4-49B5-A52A-B288E22DAEF3}"/>
+                  </a:ext>
+                </a:extLst>
+              </p:cNvPr>
+              <p:cNvSpPr txBox="1">
+                <a:spLocks noRot="1" noChangeAspect="1" noMove="1" noResize="1" noEditPoints="1" noAdjustHandles="1" noChangeArrowheads="1" noChangeShapeType="1" noTextEdit="1"/>
+              </p:cNvSpPr>
+              <p:nvPr/>
+            </p:nvSpPr>
+            <p:spPr>
+              <a:xfrm>
+                <a:off x="5727999" y="3591709"/>
+                <a:ext cx="748292" cy="246221"/>
+              </a:xfrm>
+              <a:prstGeom prst="rect">
+                <a:avLst/>
+              </a:prstGeom>
+              <a:blipFill>
+                <a:blip r:embed="rId11"/>
+                <a:stretch>
+                  <a:fillRect/>
+                </a:stretch>
+              </a:blipFill>
+            </p:spPr>
+            <p:txBody>
+              <a:bodyPr/>
+              <a:lstStyle/>
+              <a:p>
+                <a:r>
+                  <a:rPr lang="ko-KR" altLang="en-US">
+                    <a:noFill/>
+                  </a:rPr>
+                  <a:t> </a:t>
+                </a:r>
+              </a:p>
+            </p:txBody>
+          </p:sp>
+        </mc:Fallback>
+      </mc:AlternateContent>
+      <p:sp>
+        <p:nvSpPr>
+          <p:cNvPr id="70" name="곱하기 기호 69">
+            <a:extLst>
+              <a:ext uri="{FF2B5EF4-FFF2-40B4-BE49-F238E27FC236}">
+                <a16:creationId xmlns:a16="http://schemas.microsoft.com/office/drawing/2014/main" id="{8ED20430-E7BA-4787-A434-8A13049EFFDD}"/>
+              </a:ext>
+            </a:extLst>
+          </p:cNvPr>
+          <p:cNvSpPr/>
+          <p:nvPr/>
+        </p:nvSpPr>
+        <p:spPr>
+          <a:xfrm>
+            <a:off x="5872901" y="3759294"/>
+            <a:ext cx="446193" cy="446193"/>
+          </a:xfrm>
+          <a:prstGeom prst="mathMultiply">
+            <a:avLst>
+              <a:gd name="adj1" fmla="val 13380"/>
+            </a:avLst>
+          </a:prstGeom>
+          <a:solidFill>
+            <a:schemeClr val="bg2">
+              <a:lumMod val="50000"/>
+            </a:schemeClr>
+          </a:solidFill>
+          <a:ln>
+            <a:noFill/>
+          </a:ln>
+        </p:spPr>
+        <p:style>
+          <a:lnRef idx="2">
+            <a:schemeClr val="accent1">
+              <a:shade val="50000"/>
+            </a:schemeClr>
+          </a:lnRef>
+          <a:fillRef idx="1">
+            <a:schemeClr val="accent1"/>
+          </a:fillRef>
+          <a:effectRef idx="0">
+            <a:schemeClr val="accent1"/>
+          </a:effectRef>
+          <a:fontRef idx="minor">
+            <a:schemeClr val="lt1"/>
+          </a:fontRef>
+        </p:style>
+        <p:txBody>
+          <a:bodyPr rtlCol="0" anchor="ctr"/>
+          <a:lstStyle/>
+          <a:p>
+            <a:pPr algn="ctr"/>
+            <a:endParaRPr lang="ko-KR" altLang="en-US"/>
+          </a:p>
+        </p:txBody>
+      </p:sp>
+      <mc:AlternateContent xmlns:mc="http://schemas.openxmlformats.org/markup-compatibility/2006">
+        <mc:Choice xmlns:a14="http://schemas.microsoft.com/office/drawing/2010/main" Requires="a14">
+          <p:sp>
+            <p:nvSpPr>
+              <p:cNvPr id="72" name="TextBox 71">
+                <a:extLst>
+                  <a:ext uri="{FF2B5EF4-FFF2-40B4-BE49-F238E27FC236}">
+                    <a16:creationId xmlns:a16="http://schemas.microsoft.com/office/drawing/2014/main" id="{F8AC2932-EE98-4910-8A0B-1A5FB1025910}"/>
+                  </a:ext>
+                </a:extLst>
+              </p:cNvPr>
+              <p:cNvSpPr txBox="1"/>
+              <p:nvPr/>
+            </p:nvSpPr>
+            <p:spPr>
+              <a:xfrm>
+                <a:off x="5731809" y="4859441"/>
+                <a:ext cx="748292" cy="246221"/>
+              </a:xfrm>
+              <a:prstGeom prst="rect">
+                <a:avLst/>
+              </a:prstGeom>
+              <a:noFill/>
+            </p:spPr>
+            <p:txBody>
+              <a:bodyPr wrap="square">
+                <a:spAutoFit/>
+              </a:bodyPr>
+              <a:lstStyle/>
+              <a:p>
+                <a:pPr algn="ctr"/>
+                <a14:m>
+                  <m:oMathPara xmlns:m="http://schemas.openxmlformats.org/officeDocument/2006/math">
+                    <m:oMathParaPr>
+                      <m:jc m:val="center"/>
+                    </m:oMathParaPr>
+                    <m:oMath xmlns:m="http://schemas.openxmlformats.org/officeDocument/2006/math">
+                      <m:r>
+                        <m:rPr>
+                          <m:nor/>
+                        </m:rPr>
+                        <a:rPr lang="en-US" altLang="ko-KR" sz="1000" dirty="0">
+                          <a:latin typeface="나눔스퀘어" panose="020B0600000101010101" pitchFamily="50" charset="-127"/>
+                          <a:ea typeface="나눔스퀘어" panose="020B0600000101010101" pitchFamily="50" charset="-127"/>
+                        </a:rPr>
+                        <m:t>[</m:t>
+                      </m:r>
+                      <m:r>
+                        <m:rPr>
+                          <m:nor/>
+                        </m:rPr>
+                        <a:rPr lang="en-US" altLang="ko-KR" sz="1000" b="0" i="0" dirty="0" smtClean="0">
+                          <a:latin typeface="나눔스퀘어" panose="020B0600000101010101" pitchFamily="50" charset="-127"/>
+                          <a:ea typeface="나눔스퀘어" panose="020B0600000101010101" pitchFamily="50" charset="-127"/>
+                        </a:rPr>
+                        <m:t>15</m:t>
+                      </m:r>
+                      <m:r>
+                        <a:rPr lang="en-US" altLang="ko-KR" sz="1000" i="1">
+                          <a:latin typeface="Cambria Math" panose="02040503050406030204" pitchFamily="18" charset="0"/>
+                          <a:ea typeface="Cambria Math" panose="02040503050406030204" pitchFamily="18" charset="0"/>
+                        </a:rPr>
+                        <m:t>×</m:t>
+                      </m:r>
+                      <m:r>
+                        <m:rPr>
+                          <m:nor/>
+                        </m:rPr>
+                        <a:rPr lang="en-US" altLang="ko-KR" sz="1000" b="0" i="0" dirty="0" smtClean="0">
+                          <a:latin typeface="나눔스퀘어" panose="020B0600000101010101" pitchFamily="50" charset="-127"/>
+                          <a:ea typeface="나눔스퀘어" panose="020B0600000101010101" pitchFamily="50" charset="-127"/>
+                        </a:rPr>
+                        <m:t>20</m:t>
+                      </m:r>
+                      <m:r>
+                        <m:rPr>
+                          <m:nor/>
+                        </m:rPr>
+                        <a:rPr lang="en-US" altLang="ko-KR" sz="1000" dirty="0">
+                          <a:latin typeface="나눔스퀘어" panose="020B0600000101010101" pitchFamily="50" charset="-127"/>
+                          <a:ea typeface="나눔스퀘어" panose="020B0600000101010101" pitchFamily="50" charset="-127"/>
+                        </a:rPr>
+                        <m:t>]</m:t>
+                      </m:r>
+                    </m:oMath>
+                  </m:oMathPara>
+                </a14:m>
+                <a:endParaRPr lang="ko-KR" altLang="en-US" sz="1000" dirty="0">
+                  <a:latin typeface="나눔스퀘어" panose="020B0600000101010101" pitchFamily="50" charset="-127"/>
+                  <a:ea typeface="나눔스퀘어" panose="020B0600000101010101" pitchFamily="50" charset="-127"/>
+                </a:endParaRPr>
+              </a:p>
+            </p:txBody>
+          </p:sp>
+        </mc:Choice>
+        <mc:Fallback>
+          <p:sp>
+            <p:nvSpPr>
+              <p:cNvPr id="72" name="TextBox 71">
+                <a:extLst>
+                  <a:ext uri="{FF2B5EF4-FFF2-40B4-BE49-F238E27FC236}">
+                    <a16:creationId xmlns:a16="http://schemas.microsoft.com/office/drawing/2014/main" id="{F8AC2932-EE98-4910-8A0B-1A5FB1025910}"/>
+                  </a:ext>
+                </a:extLst>
+              </p:cNvPr>
+              <p:cNvSpPr txBox="1">
+                <a:spLocks noRot="1" noChangeAspect="1" noMove="1" noResize="1" noEditPoints="1" noAdjustHandles="1" noChangeArrowheads="1" noChangeShapeType="1" noTextEdit="1"/>
+              </p:cNvSpPr>
+              <p:nvPr/>
+            </p:nvSpPr>
+            <p:spPr>
+              <a:xfrm>
+                <a:off x="5731809" y="4859441"/>
+                <a:ext cx="748292" cy="246221"/>
+              </a:xfrm>
+              <a:prstGeom prst="rect">
+                <a:avLst/>
+              </a:prstGeom>
+              <a:blipFill>
+                <a:blip r:embed="rId12"/>
+                <a:stretch>
+                  <a:fillRect/>
+                </a:stretch>
+              </a:blipFill>
+            </p:spPr>
+            <p:txBody>
+              <a:bodyPr/>
+              <a:lstStyle/>
+              <a:p>
+                <a:r>
+                  <a:rPr lang="ko-KR" altLang="en-US">
+                    <a:noFill/>
+                  </a:rPr>
+                  <a:t> </a:t>
+                </a:r>
+              </a:p>
+            </p:txBody>
+          </p:sp>
+        </mc:Fallback>
+      </mc:AlternateContent>
+      <p:cxnSp>
+        <p:nvCxnSpPr>
+          <p:cNvPr id="74" name="직선 화살표 연결선 73">
+            <a:extLst>
+              <a:ext uri="{FF2B5EF4-FFF2-40B4-BE49-F238E27FC236}">
+                <a16:creationId xmlns:a16="http://schemas.microsoft.com/office/drawing/2014/main" id="{46B51500-C1BF-4D6B-AA9D-7F8E80E91256}"/>
+              </a:ext>
+            </a:extLst>
+          </p:cNvPr>
+          <p:cNvCxnSpPr>
+            <a:cxnSpLocks/>
+          </p:cNvCxnSpPr>
+          <p:nvPr/>
+        </p:nvCxnSpPr>
+        <p:spPr>
+          <a:xfrm>
+            <a:off x="6093255" y="5138762"/>
+            <a:ext cx="0" cy="146348"/>
+          </a:xfrm>
+          <a:prstGeom prst="straightConnector1">
+            <a:avLst/>
+          </a:prstGeom>
+          <a:ln w="25400">
+            <a:solidFill>
+              <a:schemeClr val="tx1">
+                <a:lumMod val="75000"/>
+                <a:lumOff val="25000"/>
+              </a:schemeClr>
+            </a:solidFill>
+            <a:tailEnd type="triangle"/>
+          </a:ln>
+        </p:spPr>
+        <p:style>
+          <a:lnRef idx="1">
+            <a:schemeClr val="accent1"/>
+          </a:lnRef>
+          <a:fillRef idx="0">
+            <a:schemeClr val="accent1"/>
+          </a:fillRef>
+          <a:effectRef idx="0">
+            <a:schemeClr val="accent1"/>
+          </a:effectRef>
+          <a:fontRef idx="minor">
+            <a:schemeClr val="tx1"/>
+          </a:fontRef>
+        </p:style>
+      </p:cxnSp>
+      <p:sp>
+        <p:nvSpPr>
+          <p:cNvPr id="76" name="왼쪽 중괄호 75">
+            <a:extLst>
+              <a:ext uri="{FF2B5EF4-FFF2-40B4-BE49-F238E27FC236}">
+                <a16:creationId xmlns:a16="http://schemas.microsoft.com/office/drawing/2014/main" id="{FAB9FC7B-962D-47F7-85F9-EB55539F5B9C}"/>
+              </a:ext>
+            </a:extLst>
+          </p:cNvPr>
+          <p:cNvSpPr/>
+          <p:nvPr/>
+        </p:nvSpPr>
+        <p:spPr>
+          <a:xfrm flipH="1">
+            <a:off x="9126078" y="3363068"/>
+            <a:ext cx="158750" cy="1516068"/>
+          </a:xfrm>
+          <a:prstGeom prst="leftBrace">
+            <a:avLst/>
+          </a:prstGeom>
+          <a:ln w="25400">
+            <a:solidFill>
+              <a:schemeClr val="bg2">
+                <a:lumMod val="50000"/>
+              </a:schemeClr>
+            </a:solidFill>
+          </a:ln>
+        </p:spPr>
+        <p:style>
+          <a:lnRef idx="1">
+            <a:schemeClr val="accent1"/>
+          </a:lnRef>
+          <a:fillRef idx="0">
+            <a:schemeClr val="accent1"/>
+          </a:fillRef>
+          <a:effectRef idx="0">
+            <a:schemeClr val="accent1"/>
+          </a:effectRef>
+          <a:fontRef idx="minor">
+            <a:schemeClr val="tx1"/>
+          </a:fontRef>
+        </p:style>
+        <p:txBody>
+          <a:bodyPr rtlCol="0" anchor="ctr"/>
+          <a:lstStyle/>
+          <a:p>
+            <a:pPr algn="ctr"/>
+            <a:endParaRPr lang="ko-KR" altLang="en-US"/>
+          </a:p>
+        </p:txBody>
+      </p:sp>
+      <mc:AlternateContent xmlns:mc="http://schemas.openxmlformats.org/markup-compatibility/2006">
+        <mc:Choice xmlns:a14="http://schemas.microsoft.com/office/drawing/2010/main" Requires="a14">
+          <p:sp>
+            <p:nvSpPr>
+              <p:cNvPr id="78" name="TextBox 77">
+                <a:extLst>
+                  <a:ext uri="{FF2B5EF4-FFF2-40B4-BE49-F238E27FC236}">
+                    <a16:creationId xmlns:a16="http://schemas.microsoft.com/office/drawing/2014/main" id="{EBF244C0-B4E8-456F-BB26-ACC7468D3CA7}"/>
+                  </a:ext>
+                </a:extLst>
+              </p:cNvPr>
+              <p:cNvSpPr txBox="1"/>
+              <p:nvPr/>
+            </p:nvSpPr>
+            <p:spPr>
+              <a:xfrm>
+                <a:off x="5731809" y="5488165"/>
+                <a:ext cx="748292" cy="246221"/>
+              </a:xfrm>
+              <a:prstGeom prst="rect">
+                <a:avLst/>
+              </a:prstGeom>
+              <a:noFill/>
+            </p:spPr>
+            <p:txBody>
+              <a:bodyPr wrap="square">
+                <a:spAutoFit/>
+              </a:bodyPr>
+              <a:lstStyle/>
+              <a:p>
+                <a:pPr algn="ctr"/>
+                <a14:m>
+                  <m:oMathPara xmlns:m="http://schemas.openxmlformats.org/officeDocument/2006/math">
+                    <m:oMathParaPr>
+                      <m:jc m:val="center"/>
+                    </m:oMathParaPr>
+                    <m:oMath xmlns:m="http://schemas.openxmlformats.org/officeDocument/2006/math">
+                      <m:r>
+                        <m:rPr>
+                          <m:nor/>
+                        </m:rPr>
+                        <a:rPr lang="en-US" altLang="ko-KR" sz="1000" dirty="0">
+                          <a:latin typeface="나눔스퀘어" panose="020B0600000101010101" pitchFamily="50" charset="-127"/>
+                          <a:ea typeface="나눔스퀘어" panose="020B0600000101010101" pitchFamily="50" charset="-127"/>
+                        </a:rPr>
+                        <m:t>[</m:t>
+                      </m:r>
+                      <m:r>
+                        <m:rPr>
+                          <m:nor/>
+                        </m:rPr>
+                        <a:rPr lang="en-US" altLang="ko-KR" sz="1000" b="0" i="0" dirty="0" smtClean="0">
+                          <a:latin typeface="나눔스퀘어" panose="020B0600000101010101" pitchFamily="50" charset="-127"/>
+                          <a:ea typeface="나눔스퀘어" panose="020B0600000101010101" pitchFamily="50" charset="-127"/>
+                        </a:rPr>
+                        <m:t>15</m:t>
+                      </m:r>
+                      <m:r>
+                        <a:rPr lang="en-US" altLang="ko-KR" sz="1000" i="1">
+                          <a:latin typeface="Cambria Math" panose="02040503050406030204" pitchFamily="18" charset="0"/>
+                          <a:ea typeface="Cambria Math" panose="02040503050406030204" pitchFamily="18" charset="0"/>
+                        </a:rPr>
+                        <m:t>×</m:t>
+                      </m:r>
+                      <m:r>
+                        <m:rPr>
+                          <m:nor/>
+                        </m:rPr>
+                        <a:rPr lang="en-US" altLang="ko-KR" sz="1000" b="0" i="0" dirty="0" smtClean="0">
+                          <a:latin typeface="나눔스퀘어" panose="020B0600000101010101" pitchFamily="50" charset="-127"/>
+                          <a:ea typeface="나눔스퀘어" panose="020B0600000101010101" pitchFamily="50" charset="-127"/>
+                        </a:rPr>
+                        <m:t>1</m:t>
+                      </m:r>
+                      <m:r>
+                        <m:rPr>
+                          <m:nor/>
+                        </m:rPr>
+                        <a:rPr lang="en-US" altLang="ko-KR" sz="1000" dirty="0">
+                          <a:latin typeface="나눔스퀘어" panose="020B0600000101010101" pitchFamily="50" charset="-127"/>
+                          <a:ea typeface="나눔스퀘어" panose="020B0600000101010101" pitchFamily="50" charset="-127"/>
+                        </a:rPr>
+                        <m:t>]</m:t>
+                      </m:r>
+                    </m:oMath>
+                  </m:oMathPara>
+                </a14:m>
+                <a:endParaRPr lang="ko-KR" altLang="en-US" sz="1000" dirty="0">
+                  <a:latin typeface="나눔스퀘어" panose="020B0600000101010101" pitchFamily="50" charset="-127"/>
+                  <a:ea typeface="나눔스퀘어" panose="020B0600000101010101" pitchFamily="50" charset="-127"/>
+                </a:endParaRPr>
+              </a:p>
+            </p:txBody>
+          </p:sp>
+        </mc:Choice>
+        <mc:Fallback>
+          <p:sp>
+            <p:nvSpPr>
+              <p:cNvPr id="78" name="TextBox 77">
+                <a:extLst>
+                  <a:ext uri="{FF2B5EF4-FFF2-40B4-BE49-F238E27FC236}">
+                    <a16:creationId xmlns:a16="http://schemas.microsoft.com/office/drawing/2014/main" id="{EBF244C0-B4E8-456F-BB26-ACC7468D3CA7}"/>
+                  </a:ext>
+                </a:extLst>
+              </p:cNvPr>
+              <p:cNvSpPr txBox="1">
+                <a:spLocks noRot="1" noChangeAspect="1" noMove="1" noResize="1" noEditPoints="1" noAdjustHandles="1" noChangeArrowheads="1" noChangeShapeType="1" noTextEdit="1"/>
+              </p:cNvSpPr>
+              <p:nvPr/>
+            </p:nvSpPr>
+            <p:spPr>
+              <a:xfrm>
+                <a:off x="5731809" y="5488165"/>
+                <a:ext cx="748292" cy="246221"/>
+              </a:xfrm>
+              <a:prstGeom prst="rect">
+                <a:avLst/>
+              </a:prstGeom>
+              <a:blipFill>
+                <a:blip r:embed="rId13"/>
+                <a:stretch>
+                  <a:fillRect/>
+                </a:stretch>
+              </a:blipFill>
+            </p:spPr>
+            <p:txBody>
+              <a:bodyPr/>
+              <a:lstStyle/>
+              <a:p>
+                <a:r>
+                  <a:rPr lang="ko-KR" altLang="en-US">
+                    <a:noFill/>
+                  </a:rPr>
+                  <a:t> </a:t>
+                </a:r>
+              </a:p>
+            </p:txBody>
+          </p:sp>
+        </mc:Fallback>
+      </mc:AlternateContent>
+      <mc:AlternateContent xmlns:mc="http://schemas.openxmlformats.org/markup-compatibility/2006">
+        <mc:Choice xmlns:a14="http://schemas.microsoft.com/office/drawing/2010/main" Requires="a14">
+          <p:sp>
+            <p:nvSpPr>
+              <p:cNvPr id="80" name="TextBox 79">
+                <a:extLst>
+                  <a:ext uri="{FF2B5EF4-FFF2-40B4-BE49-F238E27FC236}">
+                    <a16:creationId xmlns:a16="http://schemas.microsoft.com/office/drawing/2014/main" id="{A6090EB9-C513-4F08-8E57-3A0FC0E708E7}"/>
+                  </a:ext>
+                </a:extLst>
+              </p:cNvPr>
+              <p:cNvSpPr txBox="1"/>
+              <p:nvPr/>
+            </p:nvSpPr>
+            <p:spPr>
+              <a:xfrm>
+                <a:off x="7910858" y="5488165"/>
+                <a:ext cx="748292" cy="246221"/>
+              </a:xfrm>
+              <a:prstGeom prst="rect">
+                <a:avLst/>
+              </a:prstGeom>
+              <a:noFill/>
+            </p:spPr>
+            <p:txBody>
+              <a:bodyPr wrap="square">
+                <a:spAutoFit/>
+              </a:bodyPr>
+              <a:lstStyle/>
+              <a:p>
+                <a:pPr algn="ctr"/>
+                <a14:m>
+                  <m:oMathPara xmlns:m="http://schemas.openxmlformats.org/officeDocument/2006/math">
+                    <m:oMathParaPr>
+                      <m:jc m:val="center"/>
+                    </m:oMathParaPr>
+                    <m:oMath xmlns:m="http://schemas.openxmlformats.org/officeDocument/2006/math">
+                      <m:r>
+                        <m:rPr>
+                          <m:nor/>
+                        </m:rPr>
+                        <a:rPr lang="en-US" altLang="ko-KR" sz="1000" dirty="0">
+                          <a:latin typeface="나눔스퀘어" panose="020B0600000101010101" pitchFamily="50" charset="-127"/>
+                          <a:ea typeface="나눔스퀘어" panose="020B0600000101010101" pitchFamily="50" charset="-127"/>
+                        </a:rPr>
+                        <m:t>[</m:t>
+                      </m:r>
+                      <m:r>
+                        <m:rPr>
+                          <m:nor/>
+                        </m:rPr>
+                        <a:rPr lang="en-US" altLang="ko-KR" sz="1000" b="0" i="0" dirty="0" smtClean="0">
+                          <a:latin typeface="나눔스퀘어" panose="020B0600000101010101" pitchFamily="50" charset="-127"/>
+                          <a:ea typeface="나눔스퀘어" panose="020B0600000101010101" pitchFamily="50" charset="-127"/>
+                        </a:rPr>
+                        <m:t>5</m:t>
+                      </m:r>
+                      <m:r>
+                        <a:rPr lang="en-US" altLang="ko-KR" sz="1000" i="1">
+                          <a:latin typeface="Cambria Math" panose="02040503050406030204" pitchFamily="18" charset="0"/>
+                          <a:ea typeface="Cambria Math" panose="02040503050406030204" pitchFamily="18" charset="0"/>
+                        </a:rPr>
+                        <m:t>×</m:t>
+                      </m:r>
+                      <m:r>
+                        <m:rPr>
+                          <m:nor/>
+                        </m:rPr>
+                        <a:rPr lang="en-US" altLang="ko-KR" sz="1000" b="0" i="0" dirty="0" smtClean="0">
+                          <a:latin typeface="나눔스퀘어" panose="020B0600000101010101" pitchFamily="50" charset="-127"/>
+                          <a:ea typeface="나눔스퀘어" panose="020B0600000101010101" pitchFamily="50" charset="-127"/>
+                        </a:rPr>
+                        <m:t>1</m:t>
+                      </m:r>
+                      <m:r>
+                        <m:rPr>
+                          <m:nor/>
+                        </m:rPr>
+                        <a:rPr lang="en-US" altLang="ko-KR" sz="1000" dirty="0">
+                          <a:latin typeface="나눔스퀘어" panose="020B0600000101010101" pitchFamily="50" charset="-127"/>
+                          <a:ea typeface="나눔스퀘어" panose="020B0600000101010101" pitchFamily="50" charset="-127"/>
+                        </a:rPr>
+                        <m:t>]</m:t>
+                      </m:r>
+                    </m:oMath>
+                  </m:oMathPara>
+                </a14:m>
+                <a:endParaRPr lang="ko-KR" altLang="en-US" sz="1000" dirty="0">
+                  <a:latin typeface="나눔스퀘어" panose="020B0600000101010101" pitchFamily="50" charset="-127"/>
+                  <a:ea typeface="나눔스퀘어" panose="020B0600000101010101" pitchFamily="50" charset="-127"/>
+                </a:endParaRPr>
+              </a:p>
+            </p:txBody>
+          </p:sp>
+        </mc:Choice>
+        <mc:Fallback>
+          <p:sp>
+            <p:nvSpPr>
+              <p:cNvPr id="80" name="TextBox 79">
+                <a:extLst>
+                  <a:ext uri="{FF2B5EF4-FFF2-40B4-BE49-F238E27FC236}">
+                    <a16:creationId xmlns:a16="http://schemas.microsoft.com/office/drawing/2014/main" id="{A6090EB9-C513-4F08-8E57-3A0FC0E708E7}"/>
+                  </a:ext>
+                </a:extLst>
+              </p:cNvPr>
+              <p:cNvSpPr txBox="1">
+                <a:spLocks noRot="1" noChangeAspect="1" noMove="1" noResize="1" noEditPoints="1" noAdjustHandles="1" noChangeArrowheads="1" noChangeShapeType="1" noTextEdit="1"/>
+              </p:cNvSpPr>
+              <p:nvPr/>
+            </p:nvSpPr>
+            <p:spPr>
+              <a:xfrm>
+                <a:off x="7910858" y="5488165"/>
+                <a:ext cx="748292" cy="246221"/>
+              </a:xfrm>
+              <a:prstGeom prst="rect">
+                <a:avLst/>
+              </a:prstGeom>
+              <a:blipFill>
+                <a:blip r:embed="rId14"/>
+                <a:stretch>
+                  <a:fillRect/>
+                </a:stretch>
+              </a:blipFill>
+            </p:spPr>
+            <p:txBody>
+              <a:bodyPr/>
+              <a:lstStyle/>
+              <a:p>
+                <a:r>
+                  <a:rPr lang="ko-KR" altLang="en-US">
+                    <a:noFill/>
+                  </a:rPr>
+                  <a:t> </a:t>
+                </a:r>
+              </a:p>
+            </p:txBody>
+          </p:sp>
+        </mc:Fallback>
+      </mc:AlternateContent>
+    </p:spTree>
+    <p:extLst>
+      <p:ext uri="{BB962C8B-B14F-4D97-AF65-F5344CB8AC3E}">
+        <p14:creationId xmlns:p14="http://schemas.microsoft.com/office/powerpoint/2010/main" val="1133732780"/>
       </p:ext>
     </p:extLst>
   </p:cSld>

--- a/img/in-post/2020/2020-09-09/0909_resource.pptx
+++ b/img/in-post/2020/2020-09-09/0909_resource.pptx
@@ -10,6 +10,7 @@
     <p:sldId id="259" r:id="rId4"/>
     <p:sldId id="260" r:id="rId5"/>
     <p:sldId id="261" r:id="rId6"/>
+    <p:sldId id="262" r:id="rId7"/>
   </p:sldIdLst>
   <p:sldSz cx="12192000" cy="6858000"/>
   <p:notesSz cx="6858000" cy="9144000"/>
@@ -18503,6 +18504,3602 @@
 </p:sld>
 </file>
 
+<file path=ppt/slides/slide6.xml><?xml version="1.0" encoding="utf-8"?>
+<p:sld xmlns:a="http://schemas.openxmlformats.org/drawingml/2006/main" xmlns:r="http://schemas.openxmlformats.org/officeDocument/2006/relationships" xmlns:p="http://schemas.openxmlformats.org/presentationml/2006/main">
+  <p:cSld>
+    <p:spTree>
+      <p:nvGrpSpPr>
+        <p:cNvPr id="1" name=""/>
+        <p:cNvGrpSpPr/>
+        <p:nvPr/>
+      </p:nvGrpSpPr>
+      <p:grpSpPr>
+        <a:xfrm>
+          <a:off x="0" y="0"/>
+          <a:ext cx="0" cy="0"/>
+          <a:chOff x="0" y="0"/>
+          <a:chExt cx="0" cy="0"/>
+        </a:xfrm>
+      </p:grpSpPr>
+      <p:pic>
+        <p:nvPicPr>
+          <p:cNvPr id="5" name="그림 4">
+            <a:extLst>
+              <a:ext uri="{FF2B5EF4-FFF2-40B4-BE49-F238E27FC236}">
+                <a16:creationId xmlns:a16="http://schemas.microsoft.com/office/drawing/2014/main" id="{E8F418CA-638E-4B6D-B326-722A3F43E53E}"/>
+              </a:ext>
+            </a:extLst>
+          </p:cNvPr>
+          <p:cNvPicPr>
+            <a:picLocks noChangeAspect="1"/>
+          </p:cNvPicPr>
+          <p:nvPr/>
+        </p:nvPicPr>
+        <p:blipFill>
+          <a:blip r:embed="rId2"/>
+          <a:stretch>
+            <a:fillRect/>
+          </a:stretch>
+        </p:blipFill>
+        <p:spPr>
+          <a:xfrm>
+            <a:off x="689952" y="636023"/>
+            <a:ext cx="2628046" cy="4279175"/>
+          </a:xfrm>
+          <a:prstGeom prst="rect">
+            <a:avLst/>
+          </a:prstGeom>
+        </p:spPr>
+      </p:pic>
+      <p:sp>
+        <p:nvSpPr>
+          <p:cNvPr id="7" name="화살표: 오른쪽 6">
+            <a:extLst>
+              <a:ext uri="{FF2B5EF4-FFF2-40B4-BE49-F238E27FC236}">
+                <a16:creationId xmlns:a16="http://schemas.microsoft.com/office/drawing/2014/main" id="{BEC9760C-56EF-47B7-A39B-E63C0FE20222}"/>
+              </a:ext>
+            </a:extLst>
+          </p:cNvPr>
+          <p:cNvSpPr/>
+          <p:nvPr/>
+        </p:nvSpPr>
+        <p:spPr>
+          <a:xfrm>
+            <a:off x="3522564" y="1623113"/>
+            <a:ext cx="679580" cy="1910686"/>
+          </a:xfrm>
+          <a:prstGeom prst="rightArrow">
+            <a:avLst/>
+          </a:prstGeom>
+          <a:solidFill>
+            <a:schemeClr val="bg1">
+              <a:lumMod val="95000"/>
+            </a:schemeClr>
+          </a:solidFill>
+          <a:ln>
+            <a:solidFill>
+              <a:schemeClr val="bg1">
+                <a:lumMod val="75000"/>
+              </a:schemeClr>
+            </a:solidFill>
+          </a:ln>
+          <a:effectLst>
+            <a:outerShdw blurRad="50800" dist="38100" dir="8100000" algn="tr" rotWithShape="0">
+              <a:prstClr val="black">
+                <a:alpha val="40000"/>
+              </a:prstClr>
+            </a:outerShdw>
+          </a:effectLst>
+        </p:spPr>
+        <p:style>
+          <a:lnRef idx="2">
+            <a:schemeClr val="accent1">
+              <a:shade val="50000"/>
+            </a:schemeClr>
+          </a:lnRef>
+          <a:fillRef idx="1">
+            <a:schemeClr val="accent1"/>
+          </a:fillRef>
+          <a:effectRef idx="0">
+            <a:schemeClr val="accent1"/>
+          </a:effectRef>
+          <a:fontRef idx="minor">
+            <a:schemeClr val="lt1"/>
+          </a:fontRef>
+        </p:style>
+        <p:txBody>
+          <a:bodyPr rtlCol="0" anchor="ctr"/>
+          <a:lstStyle/>
+          <a:p>
+            <a:pPr algn="ctr"/>
+            <a:endParaRPr lang="ko-KR" altLang="en-US"/>
+          </a:p>
+        </p:txBody>
+      </p:sp>
+      <p:sp>
+        <p:nvSpPr>
+          <p:cNvPr id="11" name="직사각형 10">
+            <a:extLst>
+              <a:ext uri="{FF2B5EF4-FFF2-40B4-BE49-F238E27FC236}">
+                <a16:creationId xmlns:a16="http://schemas.microsoft.com/office/drawing/2014/main" id="{92E42DB1-3CC0-4BDD-9C09-919315FE2B85}"/>
+              </a:ext>
+            </a:extLst>
+          </p:cNvPr>
+          <p:cNvSpPr/>
+          <p:nvPr/>
+        </p:nvSpPr>
+        <p:spPr>
+          <a:xfrm>
+            <a:off x="5865707" y="343323"/>
+            <a:ext cx="2628053" cy="291254"/>
+          </a:xfrm>
+          <a:prstGeom prst="rect">
+            <a:avLst/>
+          </a:prstGeom>
+          <a:noFill/>
+          <a:ln w="3175">
+            <a:solidFill>
+              <a:schemeClr val="tx1">
+                <a:lumMod val="65000"/>
+                <a:lumOff val="35000"/>
+              </a:schemeClr>
+            </a:solidFill>
+          </a:ln>
+        </p:spPr>
+        <p:style>
+          <a:lnRef idx="2">
+            <a:schemeClr val="accent1">
+              <a:shade val="50000"/>
+            </a:schemeClr>
+          </a:lnRef>
+          <a:fillRef idx="1">
+            <a:schemeClr val="accent1"/>
+          </a:fillRef>
+          <a:effectRef idx="0">
+            <a:schemeClr val="accent1"/>
+          </a:effectRef>
+          <a:fontRef idx="minor">
+            <a:schemeClr val="lt1"/>
+          </a:fontRef>
+        </p:style>
+        <p:txBody>
+          <a:bodyPr rtlCol="0" anchor="ctr"/>
+          <a:lstStyle/>
+          <a:p>
+            <a:pPr algn="ctr"/>
+            <a:r>
+              <a:rPr lang="en-US" altLang="ko-KR" sz="1050" dirty="0">
+                <a:solidFill>
+                  <a:schemeClr val="tx1"/>
+                </a:solidFill>
+                <a:latin typeface="나눔스퀘어" panose="020B0600000101010101" pitchFamily="50" charset="-127"/>
+                <a:ea typeface="나눔스퀘어" panose="020B0600000101010101" pitchFamily="50" charset="-127"/>
+              </a:rPr>
+              <a:t>Block</a:t>
+            </a:r>
+            <a:r>
+              <a:rPr lang="ko-KR" altLang="en-US" sz="1050" dirty="0">
+                <a:solidFill>
+                  <a:schemeClr val="tx1"/>
+                </a:solidFill>
+                <a:latin typeface="나눔스퀘어" panose="020B0600000101010101" pitchFamily="50" charset="-127"/>
+                <a:ea typeface="나눔스퀘어" panose="020B0600000101010101" pitchFamily="50" charset="-127"/>
+              </a:rPr>
+              <a:t> </a:t>
+            </a:r>
+            <a:r>
+              <a:rPr lang="en-US" altLang="ko-KR" sz="1050" dirty="0">
+                <a:solidFill>
+                  <a:schemeClr val="tx1"/>
+                </a:solidFill>
+                <a:latin typeface="나눔스퀘어" panose="020B0600000101010101" pitchFamily="50" charset="-127"/>
+                <a:ea typeface="나눔스퀘어" panose="020B0600000101010101" pitchFamily="50" charset="-127"/>
+              </a:rPr>
+              <a:t>Input</a:t>
+            </a:r>
+            <a:r>
+              <a:rPr lang="ko-KR" altLang="en-US" sz="1050" dirty="0">
+                <a:solidFill>
+                  <a:schemeClr val="tx1"/>
+                </a:solidFill>
+                <a:latin typeface="나눔스퀘어" panose="020B0600000101010101" pitchFamily="50" charset="-127"/>
+                <a:ea typeface="나눔스퀘어" panose="020B0600000101010101" pitchFamily="50" charset="-127"/>
+              </a:rPr>
+              <a:t> </a:t>
+            </a:r>
+            <a:r>
+              <a:rPr lang="en-US" altLang="ko-KR" sz="1050" dirty="0">
+                <a:solidFill>
+                  <a:schemeClr val="tx1"/>
+                </a:solidFill>
+                <a:latin typeface="나눔스퀘어" panose="020B0600000101010101" pitchFamily="50" charset="-127"/>
+                <a:ea typeface="나눔스퀘어" panose="020B0600000101010101" pitchFamily="50" charset="-127"/>
+              </a:rPr>
+              <a:t>=</a:t>
+            </a:r>
+            <a:r>
+              <a:rPr lang="ko-KR" altLang="en-US" sz="1050" dirty="0">
+                <a:solidFill>
+                  <a:schemeClr val="tx1"/>
+                </a:solidFill>
+                <a:latin typeface="나눔스퀘어" panose="020B0600000101010101" pitchFamily="50" charset="-127"/>
+                <a:ea typeface="나눔스퀘어" panose="020B0600000101010101" pitchFamily="50" charset="-127"/>
+              </a:rPr>
+              <a:t> </a:t>
+            </a:r>
+            <a:r>
+              <a:rPr lang="en-US" altLang="ko-KR" sz="1050" dirty="0">
+                <a:solidFill>
+                  <a:schemeClr val="tx1"/>
+                </a:solidFill>
+                <a:latin typeface="나눔스퀘어" panose="020B0600000101010101" pitchFamily="50" charset="-127"/>
+                <a:ea typeface="나눔스퀘어" panose="020B0600000101010101" pitchFamily="50" charset="-127"/>
+              </a:rPr>
+              <a:t>15</a:t>
+            </a:r>
+            <a:r>
+              <a:rPr lang="ko-KR" altLang="en-US" sz="1050" dirty="0">
+                <a:solidFill>
+                  <a:schemeClr val="tx1"/>
+                </a:solidFill>
+                <a:latin typeface="나눔스퀘어" panose="020B0600000101010101" pitchFamily="50" charset="-127"/>
+                <a:ea typeface="나눔스퀘어" panose="020B0600000101010101" pitchFamily="50" charset="-127"/>
+              </a:rPr>
+              <a:t> </a:t>
+            </a:r>
+            <a:r>
+              <a:rPr lang="en-US" altLang="ko-KR" sz="1050" dirty="0">
+                <a:solidFill>
+                  <a:schemeClr val="tx1"/>
+                </a:solidFill>
+                <a:latin typeface="나눔스퀘어" panose="020B0600000101010101" pitchFamily="50" charset="-127"/>
+                <a:ea typeface="나눔스퀘어" panose="020B0600000101010101" pitchFamily="50" charset="-127"/>
+              </a:rPr>
+              <a:t>data</a:t>
+            </a:r>
+            <a:r>
+              <a:rPr lang="ko-KR" altLang="en-US" sz="1050" dirty="0">
+                <a:solidFill>
+                  <a:schemeClr val="tx1"/>
+                </a:solidFill>
+                <a:latin typeface="나눔스퀘어" panose="020B0600000101010101" pitchFamily="50" charset="-127"/>
+                <a:ea typeface="나눔스퀘어" panose="020B0600000101010101" pitchFamily="50" charset="-127"/>
+              </a:rPr>
+              <a:t> </a:t>
+            </a:r>
+            <a:r>
+              <a:rPr lang="en-US" altLang="ko-KR" sz="1050" dirty="0">
+                <a:solidFill>
+                  <a:schemeClr val="tx1"/>
+                </a:solidFill>
+                <a:latin typeface="나눔스퀘어" panose="020B0600000101010101" pitchFamily="50" charset="-127"/>
+                <a:ea typeface="나눔스퀘어" panose="020B0600000101010101" pitchFamily="50" charset="-127"/>
+              </a:rPr>
+              <a:t>points</a:t>
+            </a:r>
+            <a:endParaRPr lang="ko-KR" altLang="en-US" sz="1050" dirty="0">
+              <a:solidFill>
+                <a:schemeClr val="tx1"/>
+              </a:solidFill>
+              <a:latin typeface="나눔스퀘어" panose="020B0600000101010101" pitchFamily="50" charset="-127"/>
+              <a:ea typeface="나눔스퀘어" panose="020B0600000101010101" pitchFamily="50" charset="-127"/>
+            </a:endParaRPr>
+          </a:p>
+        </p:txBody>
+      </p:sp>
+      <p:sp>
+        <p:nvSpPr>
+          <p:cNvPr id="13" name="직사각형 12">
+            <a:extLst>
+              <a:ext uri="{FF2B5EF4-FFF2-40B4-BE49-F238E27FC236}">
+                <a16:creationId xmlns:a16="http://schemas.microsoft.com/office/drawing/2014/main" id="{8A18BFDB-553C-4B59-94C7-AD33421B1875}"/>
+              </a:ext>
+            </a:extLst>
+          </p:cNvPr>
+          <p:cNvSpPr/>
+          <p:nvPr/>
+        </p:nvSpPr>
+        <p:spPr>
+          <a:xfrm>
+            <a:off x="8550487" y="343323"/>
+            <a:ext cx="1629833" cy="291254"/>
+          </a:xfrm>
+          <a:prstGeom prst="rect">
+            <a:avLst/>
+          </a:prstGeom>
+          <a:noFill/>
+          <a:ln w="3175">
+            <a:solidFill>
+              <a:schemeClr val="tx1">
+                <a:lumMod val="65000"/>
+                <a:lumOff val="35000"/>
+              </a:schemeClr>
+            </a:solidFill>
+          </a:ln>
+        </p:spPr>
+        <p:style>
+          <a:lnRef idx="2">
+            <a:schemeClr val="accent1">
+              <a:shade val="50000"/>
+            </a:schemeClr>
+          </a:lnRef>
+          <a:fillRef idx="1">
+            <a:schemeClr val="accent1"/>
+          </a:fillRef>
+          <a:effectRef idx="0">
+            <a:schemeClr val="accent1"/>
+          </a:effectRef>
+          <a:fontRef idx="minor">
+            <a:schemeClr val="lt1"/>
+          </a:fontRef>
+        </p:style>
+        <p:txBody>
+          <a:bodyPr rtlCol="0" anchor="ctr"/>
+          <a:lstStyle/>
+          <a:p>
+            <a:pPr algn="ctr"/>
+            <a:r>
+              <a:rPr lang="ko-KR" altLang="en-US" sz="1050" dirty="0">
+                <a:solidFill>
+                  <a:schemeClr val="tx1"/>
+                </a:solidFill>
+                <a:latin typeface="나눔스퀘어" panose="020B0600000101010101" pitchFamily="50" charset="-127"/>
+                <a:ea typeface="나눔스퀘어" panose="020B0600000101010101" pitchFamily="50" charset="-127"/>
+              </a:rPr>
+              <a:t>예측구간</a:t>
+            </a:r>
+            <a:r>
+              <a:rPr lang="en-US" altLang="ko-KR" sz="1050" dirty="0">
+                <a:solidFill>
+                  <a:schemeClr val="tx1"/>
+                </a:solidFill>
+                <a:latin typeface="나눔스퀘어" panose="020B0600000101010101" pitchFamily="50" charset="-127"/>
+                <a:ea typeface="나눔스퀘어" panose="020B0600000101010101" pitchFamily="50" charset="-127"/>
+              </a:rPr>
+              <a:t> =</a:t>
+            </a:r>
+            <a:r>
+              <a:rPr lang="ko-KR" altLang="en-US" sz="1050" dirty="0">
+                <a:solidFill>
+                  <a:schemeClr val="tx1"/>
+                </a:solidFill>
+                <a:latin typeface="나눔스퀘어" panose="020B0600000101010101" pitchFamily="50" charset="-127"/>
+                <a:ea typeface="나눔스퀘어" panose="020B0600000101010101" pitchFamily="50" charset="-127"/>
+              </a:rPr>
+              <a:t> </a:t>
+            </a:r>
+            <a:r>
+              <a:rPr lang="en-US" altLang="ko-KR" sz="1050" dirty="0">
+                <a:solidFill>
+                  <a:schemeClr val="tx1"/>
+                </a:solidFill>
+                <a:latin typeface="나눔스퀘어" panose="020B0600000101010101" pitchFamily="50" charset="-127"/>
+                <a:ea typeface="나눔스퀘어" panose="020B0600000101010101" pitchFamily="50" charset="-127"/>
+              </a:rPr>
+              <a:t>5</a:t>
+            </a:r>
+            <a:r>
+              <a:rPr lang="ko-KR" altLang="en-US" sz="1050" dirty="0">
+                <a:solidFill>
+                  <a:schemeClr val="tx1"/>
+                </a:solidFill>
+                <a:latin typeface="나눔스퀘어" panose="020B0600000101010101" pitchFamily="50" charset="-127"/>
+                <a:ea typeface="나눔스퀘어" panose="020B0600000101010101" pitchFamily="50" charset="-127"/>
+              </a:rPr>
+              <a:t> </a:t>
+            </a:r>
+            <a:r>
+              <a:rPr lang="en-US" altLang="ko-KR" sz="1050" dirty="0">
+                <a:solidFill>
+                  <a:schemeClr val="tx1"/>
+                </a:solidFill>
+                <a:latin typeface="나눔스퀘어" panose="020B0600000101010101" pitchFamily="50" charset="-127"/>
+                <a:ea typeface="나눔스퀘어" panose="020B0600000101010101" pitchFamily="50" charset="-127"/>
+              </a:rPr>
+              <a:t>data</a:t>
+            </a:r>
+            <a:r>
+              <a:rPr lang="ko-KR" altLang="en-US" sz="1050" dirty="0">
+                <a:solidFill>
+                  <a:schemeClr val="tx1"/>
+                </a:solidFill>
+                <a:latin typeface="나눔스퀘어" panose="020B0600000101010101" pitchFamily="50" charset="-127"/>
+                <a:ea typeface="나눔스퀘어" panose="020B0600000101010101" pitchFamily="50" charset="-127"/>
+              </a:rPr>
+              <a:t> </a:t>
+            </a:r>
+            <a:r>
+              <a:rPr lang="en-US" altLang="ko-KR" sz="1050" dirty="0">
+                <a:solidFill>
+                  <a:schemeClr val="tx1"/>
+                </a:solidFill>
+                <a:latin typeface="나눔스퀘어" panose="020B0600000101010101" pitchFamily="50" charset="-127"/>
+                <a:ea typeface="나눔스퀘어" panose="020B0600000101010101" pitchFamily="50" charset="-127"/>
+              </a:rPr>
+              <a:t>points</a:t>
+            </a:r>
+            <a:endParaRPr lang="ko-KR" altLang="en-US" sz="1050" dirty="0">
+              <a:solidFill>
+                <a:schemeClr val="tx1"/>
+              </a:solidFill>
+              <a:latin typeface="나눔스퀘어" panose="020B0600000101010101" pitchFamily="50" charset="-127"/>
+              <a:ea typeface="나눔스퀘어" panose="020B0600000101010101" pitchFamily="50" charset="-127"/>
+            </a:endParaRPr>
+          </a:p>
+        </p:txBody>
+      </p:sp>
+      <p:cxnSp>
+        <p:nvCxnSpPr>
+          <p:cNvPr id="15" name="직선 화살표 연결선 14">
+            <a:extLst>
+              <a:ext uri="{FF2B5EF4-FFF2-40B4-BE49-F238E27FC236}">
+                <a16:creationId xmlns:a16="http://schemas.microsoft.com/office/drawing/2014/main" id="{9081448A-5CEE-4295-BB7D-1232A7ADA247}"/>
+              </a:ext>
+            </a:extLst>
+          </p:cNvPr>
+          <p:cNvCxnSpPr>
+            <a:cxnSpLocks/>
+            <a:stCxn id="11" idx="2"/>
+            <a:endCxn id="47" idx="0"/>
+          </p:cNvCxnSpPr>
+          <p:nvPr/>
+        </p:nvCxnSpPr>
+        <p:spPr>
+          <a:xfrm>
+            <a:off x="7179734" y="634577"/>
+            <a:ext cx="421" cy="260773"/>
+          </a:xfrm>
+          <a:prstGeom prst="straightConnector1">
+            <a:avLst/>
+          </a:prstGeom>
+          <a:ln w="25400">
+            <a:solidFill>
+              <a:schemeClr val="tx1">
+                <a:lumMod val="75000"/>
+                <a:lumOff val="25000"/>
+              </a:schemeClr>
+            </a:solidFill>
+            <a:tailEnd type="triangle"/>
+          </a:ln>
+        </p:spPr>
+        <p:style>
+          <a:lnRef idx="1">
+            <a:schemeClr val="accent1"/>
+          </a:lnRef>
+          <a:fillRef idx="0">
+            <a:schemeClr val="accent1"/>
+          </a:fillRef>
+          <a:effectRef idx="0">
+            <a:schemeClr val="accent1"/>
+          </a:effectRef>
+          <a:fontRef idx="minor">
+            <a:schemeClr val="tx1"/>
+          </a:fontRef>
+        </p:style>
+      </p:cxnSp>
+      <p:sp>
+        <p:nvSpPr>
+          <p:cNvPr id="17" name="직사각형 16">
+            <a:extLst>
+              <a:ext uri="{FF2B5EF4-FFF2-40B4-BE49-F238E27FC236}">
+                <a16:creationId xmlns:a16="http://schemas.microsoft.com/office/drawing/2014/main" id="{8498ED5D-DF34-4EFF-88BB-B304CFA93DC2}"/>
+              </a:ext>
+            </a:extLst>
+          </p:cNvPr>
+          <p:cNvSpPr/>
+          <p:nvPr/>
+        </p:nvSpPr>
+        <p:spPr>
+          <a:xfrm>
+            <a:off x="5865707" y="1007162"/>
+            <a:ext cx="2628053" cy="240705"/>
+          </a:xfrm>
+          <a:prstGeom prst="rect">
+            <a:avLst/>
+          </a:prstGeom>
+          <a:noFill/>
+          <a:ln w="3175">
+            <a:solidFill>
+              <a:schemeClr val="tx1">
+                <a:lumMod val="65000"/>
+                <a:lumOff val="35000"/>
+              </a:schemeClr>
+            </a:solidFill>
+          </a:ln>
+        </p:spPr>
+        <p:style>
+          <a:lnRef idx="2">
+            <a:schemeClr val="accent1">
+              <a:shade val="50000"/>
+            </a:schemeClr>
+          </a:lnRef>
+          <a:fillRef idx="1">
+            <a:schemeClr val="accent1"/>
+          </a:fillRef>
+          <a:effectRef idx="0">
+            <a:schemeClr val="accent1"/>
+          </a:effectRef>
+          <a:fontRef idx="minor">
+            <a:schemeClr val="lt1"/>
+          </a:fontRef>
+        </p:style>
+        <p:txBody>
+          <a:bodyPr rtlCol="0" anchor="ctr"/>
+          <a:lstStyle/>
+          <a:p>
+            <a:pPr algn="ctr"/>
+            <a:r>
+              <a:rPr lang="en-US" altLang="ko-KR" sz="1050" dirty="0">
+                <a:solidFill>
+                  <a:schemeClr val="tx1"/>
+                </a:solidFill>
+                <a:latin typeface="나눔스퀘어" panose="020B0600000101010101" pitchFamily="50" charset="-127"/>
+                <a:ea typeface="나눔스퀘어" panose="020B0600000101010101" pitchFamily="50" charset="-127"/>
+              </a:rPr>
+              <a:t>FC[ 15 -&gt; 256 ]</a:t>
+            </a:r>
+            <a:endParaRPr lang="ko-KR" altLang="en-US" sz="1050" dirty="0">
+              <a:solidFill>
+                <a:schemeClr val="tx1"/>
+              </a:solidFill>
+              <a:latin typeface="나눔스퀘어" panose="020B0600000101010101" pitchFamily="50" charset="-127"/>
+              <a:ea typeface="나눔스퀘어" panose="020B0600000101010101" pitchFamily="50" charset="-127"/>
+            </a:endParaRPr>
+          </a:p>
+        </p:txBody>
+      </p:sp>
+      <p:sp>
+        <p:nvSpPr>
+          <p:cNvPr id="19" name="직사각형 18">
+            <a:extLst>
+              <a:ext uri="{FF2B5EF4-FFF2-40B4-BE49-F238E27FC236}">
+                <a16:creationId xmlns:a16="http://schemas.microsoft.com/office/drawing/2014/main" id="{14EF3E05-325E-4451-B385-EFBB524AB1DE}"/>
+              </a:ext>
+            </a:extLst>
+          </p:cNvPr>
+          <p:cNvSpPr/>
+          <p:nvPr/>
+        </p:nvSpPr>
+        <p:spPr>
+          <a:xfrm>
+            <a:off x="5865707" y="1369835"/>
+            <a:ext cx="2628053" cy="124953"/>
+          </a:xfrm>
+          <a:prstGeom prst="rect">
+            <a:avLst/>
+          </a:prstGeom>
+          <a:noFill/>
+          <a:ln w="3175">
+            <a:solidFill>
+              <a:schemeClr val="tx1">
+                <a:lumMod val="65000"/>
+                <a:lumOff val="35000"/>
+              </a:schemeClr>
+            </a:solidFill>
+          </a:ln>
+        </p:spPr>
+        <p:style>
+          <a:lnRef idx="2">
+            <a:schemeClr val="accent1">
+              <a:shade val="50000"/>
+            </a:schemeClr>
+          </a:lnRef>
+          <a:fillRef idx="1">
+            <a:schemeClr val="accent1"/>
+          </a:fillRef>
+          <a:effectRef idx="0">
+            <a:schemeClr val="accent1"/>
+          </a:effectRef>
+          <a:fontRef idx="minor">
+            <a:schemeClr val="lt1"/>
+          </a:fontRef>
+        </p:style>
+        <p:txBody>
+          <a:bodyPr rtlCol="0" anchor="ctr"/>
+          <a:lstStyle/>
+          <a:p>
+            <a:pPr algn="ctr"/>
+            <a:r>
+              <a:rPr lang="en-US" altLang="ko-KR" sz="1050" dirty="0" err="1">
+                <a:solidFill>
+                  <a:schemeClr val="tx1"/>
+                </a:solidFill>
+                <a:latin typeface="나눔스퀘어" panose="020B0600000101010101" pitchFamily="50" charset="-127"/>
+                <a:ea typeface="나눔스퀘어" panose="020B0600000101010101" pitchFamily="50" charset="-127"/>
+              </a:rPr>
+              <a:t>Relu</a:t>
+            </a:r>
+            <a:endParaRPr lang="ko-KR" altLang="en-US" sz="1050" dirty="0">
+              <a:solidFill>
+                <a:schemeClr val="tx1"/>
+              </a:solidFill>
+              <a:latin typeface="나눔스퀘어" panose="020B0600000101010101" pitchFamily="50" charset="-127"/>
+              <a:ea typeface="나눔스퀘어" panose="020B0600000101010101" pitchFamily="50" charset="-127"/>
+            </a:endParaRPr>
+          </a:p>
+        </p:txBody>
+      </p:sp>
+      <p:cxnSp>
+        <p:nvCxnSpPr>
+          <p:cNvPr id="21" name="직선 화살표 연결선 20">
+            <a:extLst>
+              <a:ext uri="{FF2B5EF4-FFF2-40B4-BE49-F238E27FC236}">
+                <a16:creationId xmlns:a16="http://schemas.microsoft.com/office/drawing/2014/main" id="{F27E086C-7D89-41DB-9104-E731746C6371}"/>
+              </a:ext>
+            </a:extLst>
+          </p:cNvPr>
+          <p:cNvCxnSpPr>
+            <a:cxnSpLocks/>
+            <a:stCxn id="17" idx="2"/>
+            <a:endCxn id="19" idx="0"/>
+          </p:cNvCxnSpPr>
+          <p:nvPr/>
+        </p:nvCxnSpPr>
+        <p:spPr>
+          <a:xfrm>
+            <a:off x="7179734" y="1247867"/>
+            <a:ext cx="0" cy="121968"/>
+          </a:xfrm>
+          <a:prstGeom prst="straightConnector1">
+            <a:avLst/>
+          </a:prstGeom>
+          <a:ln w="25400">
+            <a:solidFill>
+              <a:schemeClr val="tx1">
+                <a:lumMod val="75000"/>
+                <a:lumOff val="25000"/>
+              </a:schemeClr>
+            </a:solidFill>
+            <a:tailEnd type="triangle"/>
+          </a:ln>
+        </p:spPr>
+        <p:style>
+          <a:lnRef idx="1">
+            <a:schemeClr val="accent1"/>
+          </a:lnRef>
+          <a:fillRef idx="0">
+            <a:schemeClr val="accent1"/>
+          </a:fillRef>
+          <a:effectRef idx="0">
+            <a:schemeClr val="accent1"/>
+          </a:effectRef>
+          <a:fontRef idx="minor">
+            <a:schemeClr val="tx1"/>
+          </a:fontRef>
+        </p:style>
+      </p:cxnSp>
+      <p:cxnSp>
+        <p:nvCxnSpPr>
+          <p:cNvPr id="35" name="직선 화살표 연결선 34">
+            <a:extLst>
+              <a:ext uri="{FF2B5EF4-FFF2-40B4-BE49-F238E27FC236}">
+                <a16:creationId xmlns:a16="http://schemas.microsoft.com/office/drawing/2014/main" id="{B156C00A-90C4-4397-91E4-45ED93DE4026}"/>
+              </a:ext>
+            </a:extLst>
+          </p:cNvPr>
+          <p:cNvCxnSpPr>
+            <a:cxnSpLocks/>
+            <a:stCxn id="19" idx="2"/>
+          </p:cNvCxnSpPr>
+          <p:nvPr/>
+        </p:nvCxnSpPr>
+        <p:spPr>
+          <a:xfrm>
+            <a:off x="7179734" y="1494788"/>
+            <a:ext cx="0" cy="120282"/>
+          </a:xfrm>
+          <a:prstGeom prst="straightConnector1">
+            <a:avLst/>
+          </a:prstGeom>
+          <a:ln w="25400">
+            <a:solidFill>
+              <a:schemeClr val="tx1">
+                <a:lumMod val="75000"/>
+                <a:lumOff val="25000"/>
+              </a:schemeClr>
+            </a:solidFill>
+            <a:tailEnd type="triangle"/>
+          </a:ln>
+        </p:spPr>
+        <p:style>
+          <a:lnRef idx="1">
+            <a:schemeClr val="accent1"/>
+          </a:lnRef>
+          <a:fillRef idx="0">
+            <a:schemeClr val="accent1"/>
+          </a:fillRef>
+          <a:effectRef idx="0">
+            <a:schemeClr val="accent1"/>
+          </a:effectRef>
+          <a:fontRef idx="minor">
+            <a:schemeClr val="tx1"/>
+          </a:fontRef>
+        </p:style>
+      </p:cxnSp>
+      <p:sp>
+        <p:nvSpPr>
+          <p:cNvPr id="47" name="직사각형 46">
+            <a:extLst>
+              <a:ext uri="{FF2B5EF4-FFF2-40B4-BE49-F238E27FC236}">
+                <a16:creationId xmlns:a16="http://schemas.microsoft.com/office/drawing/2014/main" id="{9DCC065B-166E-4F70-913C-14AFD24686DB}"/>
+              </a:ext>
+            </a:extLst>
+          </p:cNvPr>
+          <p:cNvSpPr/>
+          <p:nvPr/>
+        </p:nvSpPr>
+        <p:spPr>
+          <a:xfrm>
+            <a:off x="5764107" y="895350"/>
+            <a:ext cx="2832096" cy="1711542"/>
+          </a:xfrm>
+          <a:prstGeom prst="rect">
+            <a:avLst/>
+          </a:prstGeom>
+          <a:noFill/>
+          <a:ln w="19050">
+            <a:solidFill>
+              <a:schemeClr val="accent1">
+                <a:lumMod val="60000"/>
+                <a:lumOff val="40000"/>
+              </a:schemeClr>
+            </a:solidFill>
+          </a:ln>
+        </p:spPr>
+        <p:style>
+          <a:lnRef idx="2">
+            <a:schemeClr val="accent1">
+              <a:shade val="50000"/>
+            </a:schemeClr>
+          </a:lnRef>
+          <a:fillRef idx="1">
+            <a:schemeClr val="accent1"/>
+          </a:fillRef>
+          <a:effectRef idx="0">
+            <a:schemeClr val="accent1"/>
+          </a:effectRef>
+          <a:fontRef idx="minor">
+            <a:schemeClr val="lt1"/>
+          </a:fontRef>
+        </p:style>
+        <p:txBody>
+          <a:bodyPr rtlCol="0" anchor="ctr"/>
+          <a:lstStyle/>
+          <a:p>
+            <a:pPr algn="ctr"/>
+            <a:endParaRPr lang="ko-KR" altLang="en-US" sz="1050" dirty="0">
+              <a:solidFill>
+                <a:schemeClr val="tx1"/>
+              </a:solidFill>
+              <a:latin typeface="나눔스퀘어" panose="020B0600000101010101" pitchFamily="50" charset="-127"/>
+              <a:ea typeface="나눔스퀘어" panose="020B0600000101010101" pitchFamily="50" charset="-127"/>
+            </a:endParaRPr>
+          </a:p>
+        </p:txBody>
+      </p:sp>
+      <p:sp>
+        <p:nvSpPr>
+          <p:cNvPr id="49" name="왼쪽 중괄호 48">
+            <a:extLst>
+              <a:ext uri="{FF2B5EF4-FFF2-40B4-BE49-F238E27FC236}">
+                <a16:creationId xmlns:a16="http://schemas.microsoft.com/office/drawing/2014/main" id="{608B30AF-44A3-4812-87D1-96A368AF2113}"/>
+              </a:ext>
+            </a:extLst>
+          </p:cNvPr>
+          <p:cNvSpPr/>
+          <p:nvPr/>
+        </p:nvSpPr>
+        <p:spPr>
+          <a:xfrm>
+            <a:off x="5434753" y="895350"/>
+            <a:ext cx="158750" cy="1711542"/>
+          </a:xfrm>
+          <a:prstGeom prst="leftBrace">
+            <a:avLst/>
+          </a:prstGeom>
+          <a:ln w="25400">
+            <a:solidFill>
+              <a:schemeClr val="bg2">
+                <a:lumMod val="50000"/>
+              </a:schemeClr>
+            </a:solidFill>
+          </a:ln>
+        </p:spPr>
+        <p:style>
+          <a:lnRef idx="1">
+            <a:schemeClr val="accent1"/>
+          </a:lnRef>
+          <a:fillRef idx="0">
+            <a:schemeClr val="accent1"/>
+          </a:fillRef>
+          <a:effectRef idx="0">
+            <a:schemeClr val="accent1"/>
+          </a:effectRef>
+          <a:fontRef idx="minor">
+            <a:schemeClr val="tx1"/>
+          </a:fontRef>
+        </p:style>
+        <p:txBody>
+          <a:bodyPr rtlCol="0" anchor="ctr"/>
+          <a:lstStyle/>
+          <a:p>
+            <a:pPr algn="ctr"/>
+            <a:endParaRPr lang="ko-KR" altLang="en-US"/>
+          </a:p>
+        </p:txBody>
+      </p:sp>
+      <p:sp>
+        <p:nvSpPr>
+          <p:cNvPr id="51" name="TextBox 50">
+            <a:extLst>
+              <a:ext uri="{FF2B5EF4-FFF2-40B4-BE49-F238E27FC236}">
+                <a16:creationId xmlns:a16="http://schemas.microsoft.com/office/drawing/2014/main" id="{5AFF4854-EF2F-4C0C-B4EA-0D2257CCA8FF}"/>
+              </a:ext>
+            </a:extLst>
+          </p:cNvPr>
+          <p:cNvSpPr txBox="1"/>
+          <p:nvPr/>
+        </p:nvSpPr>
+        <p:spPr>
+          <a:xfrm>
+            <a:off x="4451972" y="1554929"/>
+            <a:ext cx="826701" cy="461665"/>
+          </a:xfrm>
+          <a:prstGeom prst="rect">
+            <a:avLst/>
+          </a:prstGeom>
+          <a:noFill/>
+        </p:spPr>
+        <p:txBody>
+          <a:bodyPr wrap="none" rtlCol="0">
+            <a:spAutoFit/>
+          </a:bodyPr>
+          <a:lstStyle/>
+          <a:p>
+            <a:pPr algn="ctr"/>
+            <a:r>
+              <a:rPr lang="en-US" altLang="ko-KR" sz="1200" b="1" dirty="0">
+                <a:latin typeface="나눔스퀘어" panose="020B0600000101010101" pitchFamily="50" charset="-127"/>
+                <a:ea typeface="나눔스퀘어" panose="020B0600000101010101" pitchFamily="50" charset="-127"/>
+              </a:rPr>
+              <a:t>FC Stack</a:t>
+            </a:r>
+          </a:p>
+          <a:p>
+            <a:pPr algn="ctr"/>
+            <a:r>
+              <a:rPr lang="en-US" altLang="ko-KR" sz="1200" b="1" dirty="0">
+                <a:latin typeface="나눔스퀘어" panose="020B0600000101010101" pitchFamily="50" charset="-127"/>
+                <a:ea typeface="나눔스퀘어" panose="020B0600000101010101" pitchFamily="50" charset="-127"/>
+              </a:rPr>
+              <a:t>(4 layers)</a:t>
+            </a:r>
+            <a:endParaRPr lang="ko-KR" altLang="en-US" sz="1200" b="1" dirty="0">
+              <a:latin typeface="나눔스퀘어" panose="020B0600000101010101" pitchFamily="50" charset="-127"/>
+              <a:ea typeface="나눔스퀘어" panose="020B0600000101010101" pitchFamily="50" charset="-127"/>
+            </a:endParaRPr>
+          </a:p>
+        </p:txBody>
+      </p:sp>
+      <p:cxnSp>
+        <p:nvCxnSpPr>
+          <p:cNvPr id="53" name="직선 화살표 연결선 52">
+            <a:extLst>
+              <a:ext uri="{FF2B5EF4-FFF2-40B4-BE49-F238E27FC236}">
+                <a16:creationId xmlns:a16="http://schemas.microsoft.com/office/drawing/2014/main" id="{34AECE6B-06B3-4E94-8E79-77890D79DE60}"/>
+              </a:ext>
+            </a:extLst>
+          </p:cNvPr>
+          <p:cNvCxnSpPr>
+            <a:cxnSpLocks/>
+            <a:stCxn id="47" idx="2"/>
+            <a:endCxn id="61" idx="0"/>
+          </p:cNvCxnSpPr>
+          <p:nvPr/>
+        </p:nvCxnSpPr>
+        <p:spPr>
+          <a:xfrm flipH="1">
+            <a:off x="6096000" y="2606892"/>
+            <a:ext cx="1084155" cy="393502"/>
+          </a:xfrm>
+          <a:prstGeom prst="straightConnector1">
+            <a:avLst/>
+          </a:prstGeom>
+          <a:ln w="25400">
+            <a:solidFill>
+              <a:schemeClr val="tx1">
+                <a:lumMod val="75000"/>
+                <a:lumOff val="25000"/>
+              </a:schemeClr>
+            </a:solidFill>
+            <a:tailEnd type="triangle"/>
+          </a:ln>
+        </p:spPr>
+        <p:style>
+          <a:lnRef idx="1">
+            <a:schemeClr val="accent1"/>
+          </a:lnRef>
+          <a:fillRef idx="0">
+            <a:schemeClr val="accent1"/>
+          </a:fillRef>
+          <a:effectRef idx="0">
+            <a:schemeClr val="accent1"/>
+          </a:effectRef>
+          <a:fontRef idx="minor">
+            <a:schemeClr val="tx1"/>
+          </a:fontRef>
+        </p:style>
+      </p:cxnSp>
+      <p:cxnSp>
+        <p:nvCxnSpPr>
+          <p:cNvPr id="55" name="직선 화살표 연결선 54">
+            <a:extLst>
+              <a:ext uri="{FF2B5EF4-FFF2-40B4-BE49-F238E27FC236}">
+                <a16:creationId xmlns:a16="http://schemas.microsoft.com/office/drawing/2014/main" id="{35065456-91D7-4857-AF80-BABDBFE09B8B}"/>
+              </a:ext>
+            </a:extLst>
+          </p:cNvPr>
+          <p:cNvCxnSpPr>
+            <a:cxnSpLocks/>
+            <a:stCxn id="47" idx="2"/>
+            <a:endCxn id="57" idx="0"/>
+          </p:cNvCxnSpPr>
+          <p:nvPr/>
+        </p:nvCxnSpPr>
+        <p:spPr>
+          <a:xfrm>
+            <a:off x="7180155" y="2606892"/>
+            <a:ext cx="1081195" cy="393502"/>
+          </a:xfrm>
+          <a:prstGeom prst="straightConnector1">
+            <a:avLst/>
+          </a:prstGeom>
+          <a:ln w="25400">
+            <a:solidFill>
+              <a:schemeClr val="tx1">
+                <a:lumMod val="75000"/>
+                <a:lumOff val="25000"/>
+              </a:schemeClr>
+            </a:solidFill>
+            <a:tailEnd type="triangle"/>
+          </a:ln>
+        </p:spPr>
+        <p:style>
+          <a:lnRef idx="1">
+            <a:schemeClr val="accent1"/>
+          </a:lnRef>
+          <a:fillRef idx="0">
+            <a:schemeClr val="accent1"/>
+          </a:fillRef>
+          <a:effectRef idx="0">
+            <a:schemeClr val="accent1"/>
+          </a:effectRef>
+          <a:fontRef idx="minor">
+            <a:schemeClr val="tx1"/>
+          </a:fontRef>
+        </p:style>
+      </p:cxnSp>
+      <p:sp>
+        <p:nvSpPr>
+          <p:cNvPr id="57" name="직사각형 56">
+            <a:extLst>
+              <a:ext uri="{FF2B5EF4-FFF2-40B4-BE49-F238E27FC236}">
+                <a16:creationId xmlns:a16="http://schemas.microsoft.com/office/drawing/2014/main" id="{A28FD7B5-137C-4610-9848-BDDF910026FD}"/>
+              </a:ext>
+            </a:extLst>
+          </p:cNvPr>
+          <p:cNvSpPr/>
+          <p:nvPr/>
+        </p:nvSpPr>
+        <p:spPr>
+          <a:xfrm>
+            <a:off x="7519616" y="3000394"/>
+            <a:ext cx="1483467" cy="240705"/>
+          </a:xfrm>
+          <a:prstGeom prst="rect">
+            <a:avLst/>
+          </a:prstGeom>
+          <a:noFill/>
+          <a:ln w="3175">
+            <a:solidFill>
+              <a:schemeClr val="tx1">
+                <a:lumMod val="65000"/>
+                <a:lumOff val="35000"/>
+              </a:schemeClr>
+            </a:solidFill>
+          </a:ln>
+        </p:spPr>
+        <p:style>
+          <a:lnRef idx="2">
+            <a:schemeClr val="accent1">
+              <a:shade val="50000"/>
+            </a:schemeClr>
+          </a:lnRef>
+          <a:fillRef idx="1">
+            <a:schemeClr val="accent1"/>
+          </a:fillRef>
+          <a:effectRef idx="0">
+            <a:schemeClr val="accent1"/>
+          </a:effectRef>
+          <a:fontRef idx="minor">
+            <a:schemeClr val="lt1"/>
+          </a:fontRef>
+        </p:style>
+        <p:txBody>
+          <a:bodyPr rtlCol="0" anchor="ctr"/>
+          <a:lstStyle/>
+          <a:p>
+            <a:pPr algn="ctr"/>
+            <a:r>
+              <a:rPr lang="en-US" altLang="ko-KR" sz="1050" dirty="0">
+                <a:solidFill>
+                  <a:schemeClr val="tx1"/>
+                </a:solidFill>
+                <a:latin typeface="나눔스퀘어" panose="020B0600000101010101" pitchFamily="50" charset="-127"/>
+                <a:ea typeface="나눔스퀘어" panose="020B0600000101010101" pitchFamily="50" charset="-127"/>
+              </a:rPr>
+              <a:t>FC[ 256 -&gt; 20 ]</a:t>
+            </a:r>
+            <a:endParaRPr lang="ko-KR" altLang="en-US" sz="1050" dirty="0">
+              <a:solidFill>
+                <a:schemeClr val="tx1"/>
+              </a:solidFill>
+              <a:latin typeface="나눔스퀘어" panose="020B0600000101010101" pitchFamily="50" charset="-127"/>
+              <a:ea typeface="나눔스퀘어" panose="020B0600000101010101" pitchFamily="50" charset="-127"/>
+            </a:endParaRPr>
+          </a:p>
+        </p:txBody>
+      </p:sp>
+      <p:cxnSp>
+        <p:nvCxnSpPr>
+          <p:cNvPr id="59" name="직선 화살표 연결선 58">
+            <a:extLst>
+              <a:ext uri="{FF2B5EF4-FFF2-40B4-BE49-F238E27FC236}">
+                <a16:creationId xmlns:a16="http://schemas.microsoft.com/office/drawing/2014/main" id="{FBF495CC-38E2-499D-A358-5BC7568BD214}"/>
+              </a:ext>
+            </a:extLst>
+          </p:cNvPr>
+          <p:cNvCxnSpPr>
+            <a:cxnSpLocks/>
+            <a:stCxn id="57" idx="2"/>
+          </p:cNvCxnSpPr>
+          <p:nvPr/>
+        </p:nvCxnSpPr>
+        <p:spPr>
+          <a:xfrm>
+            <a:off x="8261350" y="3241099"/>
+            <a:ext cx="0" cy="121968"/>
+          </a:xfrm>
+          <a:prstGeom prst="straightConnector1">
+            <a:avLst/>
+          </a:prstGeom>
+          <a:ln w="25400">
+            <a:solidFill>
+              <a:schemeClr val="tx1">
+                <a:lumMod val="75000"/>
+                <a:lumOff val="25000"/>
+              </a:schemeClr>
+            </a:solidFill>
+            <a:tailEnd type="triangle"/>
+          </a:ln>
+        </p:spPr>
+        <p:style>
+          <a:lnRef idx="1">
+            <a:schemeClr val="accent1"/>
+          </a:lnRef>
+          <a:fillRef idx="0">
+            <a:schemeClr val="accent1"/>
+          </a:fillRef>
+          <a:effectRef idx="0">
+            <a:schemeClr val="accent1"/>
+          </a:effectRef>
+          <a:fontRef idx="minor">
+            <a:schemeClr val="tx1"/>
+          </a:fontRef>
+        </p:style>
+      </p:cxnSp>
+      <p:sp>
+        <p:nvSpPr>
+          <p:cNvPr id="61" name="직사각형 60">
+            <a:extLst>
+              <a:ext uri="{FF2B5EF4-FFF2-40B4-BE49-F238E27FC236}">
+                <a16:creationId xmlns:a16="http://schemas.microsoft.com/office/drawing/2014/main" id="{5466D731-4578-4D58-86C1-48FB65800198}"/>
+              </a:ext>
+            </a:extLst>
+          </p:cNvPr>
+          <p:cNvSpPr/>
+          <p:nvPr/>
+        </p:nvSpPr>
+        <p:spPr>
+          <a:xfrm>
+            <a:off x="5354266" y="3000394"/>
+            <a:ext cx="1483467" cy="240705"/>
+          </a:xfrm>
+          <a:prstGeom prst="rect">
+            <a:avLst/>
+          </a:prstGeom>
+          <a:noFill/>
+          <a:ln w="3175">
+            <a:solidFill>
+              <a:schemeClr val="tx1">
+                <a:lumMod val="65000"/>
+                <a:lumOff val="35000"/>
+              </a:schemeClr>
+            </a:solidFill>
+          </a:ln>
+        </p:spPr>
+        <p:style>
+          <a:lnRef idx="2">
+            <a:schemeClr val="accent1">
+              <a:shade val="50000"/>
+            </a:schemeClr>
+          </a:lnRef>
+          <a:fillRef idx="1">
+            <a:schemeClr val="accent1"/>
+          </a:fillRef>
+          <a:effectRef idx="0">
+            <a:schemeClr val="accent1"/>
+          </a:effectRef>
+          <a:fontRef idx="minor">
+            <a:schemeClr val="lt1"/>
+          </a:fontRef>
+        </p:style>
+        <p:txBody>
+          <a:bodyPr rtlCol="0" anchor="ctr"/>
+          <a:lstStyle/>
+          <a:p>
+            <a:pPr algn="ctr"/>
+            <a:r>
+              <a:rPr lang="en-US" altLang="ko-KR" sz="1050" dirty="0">
+                <a:solidFill>
+                  <a:schemeClr val="tx1"/>
+                </a:solidFill>
+                <a:latin typeface="나눔스퀘어" panose="020B0600000101010101" pitchFamily="50" charset="-127"/>
+                <a:ea typeface="나눔스퀘어" panose="020B0600000101010101" pitchFamily="50" charset="-127"/>
+              </a:rPr>
+              <a:t>FC[ 256 -&gt; 20 ]</a:t>
+            </a:r>
+            <a:endParaRPr lang="ko-KR" altLang="en-US" sz="1050" dirty="0">
+              <a:solidFill>
+                <a:schemeClr val="tx1"/>
+              </a:solidFill>
+              <a:latin typeface="나눔스퀘어" panose="020B0600000101010101" pitchFamily="50" charset="-127"/>
+              <a:ea typeface="나눔스퀘어" panose="020B0600000101010101" pitchFamily="50" charset="-127"/>
+            </a:endParaRPr>
+          </a:p>
+        </p:txBody>
+      </p:sp>
+      <p:cxnSp>
+        <p:nvCxnSpPr>
+          <p:cNvPr id="63" name="직선 화살표 연결선 62">
+            <a:extLst>
+              <a:ext uri="{FF2B5EF4-FFF2-40B4-BE49-F238E27FC236}">
+                <a16:creationId xmlns:a16="http://schemas.microsoft.com/office/drawing/2014/main" id="{058CEB61-7966-40BB-8AED-7AA22828CC9F}"/>
+              </a:ext>
+            </a:extLst>
+          </p:cNvPr>
+          <p:cNvCxnSpPr>
+            <a:cxnSpLocks/>
+            <a:stCxn id="61" idx="2"/>
+          </p:cNvCxnSpPr>
+          <p:nvPr/>
+        </p:nvCxnSpPr>
+        <p:spPr>
+          <a:xfrm>
+            <a:off x="6096000" y="3241099"/>
+            <a:ext cx="0" cy="121968"/>
+          </a:xfrm>
+          <a:prstGeom prst="straightConnector1">
+            <a:avLst/>
+          </a:prstGeom>
+          <a:ln w="25400">
+            <a:solidFill>
+              <a:schemeClr val="tx1">
+                <a:lumMod val="75000"/>
+                <a:lumOff val="25000"/>
+              </a:schemeClr>
+            </a:solidFill>
+            <a:tailEnd type="triangle"/>
+          </a:ln>
+        </p:spPr>
+        <p:style>
+          <a:lnRef idx="1">
+            <a:schemeClr val="accent1"/>
+          </a:lnRef>
+          <a:fillRef idx="0">
+            <a:schemeClr val="accent1"/>
+          </a:fillRef>
+          <a:effectRef idx="0">
+            <a:schemeClr val="accent1"/>
+          </a:effectRef>
+          <a:fontRef idx="minor">
+            <a:schemeClr val="tx1"/>
+          </a:fontRef>
+        </p:style>
+      </p:cxnSp>
+      <p:sp>
+        <p:nvSpPr>
+          <p:cNvPr id="71" name="TextBox 70">
+            <a:extLst>
+              <a:ext uri="{FF2B5EF4-FFF2-40B4-BE49-F238E27FC236}">
+                <a16:creationId xmlns:a16="http://schemas.microsoft.com/office/drawing/2014/main" id="{C5F816F3-A788-4086-BAAB-B1F3DAAF8A11}"/>
+              </a:ext>
+            </a:extLst>
+          </p:cNvPr>
+          <p:cNvSpPr txBox="1"/>
+          <p:nvPr/>
+        </p:nvSpPr>
+        <p:spPr>
+          <a:xfrm>
+            <a:off x="5690567" y="5261551"/>
+            <a:ext cx="810863" cy="276999"/>
+          </a:xfrm>
+          <a:prstGeom prst="rect">
+            <a:avLst/>
+          </a:prstGeom>
+          <a:noFill/>
+        </p:spPr>
+        <p:txBody>
+          <a:bodyPr wrap="none" rtlCol="0">
+            <a:spAutoFit/>
+          </a:bodyPr>
+          <a:lstStyle/>
+          <a:p>
+            <a:pPr algn="ctr"/>
+            <a:r>
+              <a:rPr lang="en-US" altLang="ko-KR" sz="1200" b="1" dirty="0" err="1">
+                <a:latin typeface="나눔스퀘어" panose="020B0600000101010101" pitchFamily="50" charset="-127"/>
+                <a:ea typeface="나눔스퀘어" panose="020B0600000101010101" pitchFamily="50" charset="-127"/>
+              </a:rPr>
+              <a:t>Backcast</a:t>
+            </a:r>
+            <a:endParaRPr lang="ko-KR" altLang="en-US" sz="1200" b="1" dirty="0">
+              <a:latin typeface="나눔스퀘어" panose="020B0600000101010101" pitchFamily="50" charset="-127"/>
+              <a:ea typeface="나눔스퀘어" panose="020B0600000101010101" pitchFamily="50" charset="-127"/>
+            </a:endParaRPr>
+          </a:p>
+        </p:txBody>
+      </p:sp>
+      <p:sp>
+        <p:nvSpPr>
+          <p:cNvPr id="73" name="TextBox 72">
+            <a:extLst>
+              <a:ext uri="{FF2B5EF4-FFF2-40B4-BE49-F238E27FC236}">
+                <a16:creationId xmlns:a16="http://schemas.microsoft.com/office/drawing/2014/main" id="{BF13CE0D-5F5A-4772-80E7-965144BAB7AD}"/>
+              </a:ext>
+            </a:extLst>
+          </p:cNvPr>
+          <p:cNvSpPr txBox="1"/>
+          <p:nvPr/>
+        </p:nvSpPr>
+        <p:spPr>
+          <a:xfrm>
+            <a:off x="7863548" y="5261551"/>
+            <a:ext cx="795602" cy="276999"/>
+          </a:xfrm>
+          <a:prstGeom prst="rect">
+            <a:avLst/>
+          </a:prstGeom>
+          <a:noFill/>
+        </p:spPr>
+        <p:txBody>
+          <a:bodyPr wrap="none" rtlCol="0">
+            <a:spAutoFit/>
+          </a:bodyPr>
+          <a:lstStyle/>
+          <a:p>
+            <a:pPr algn="ctr"/>
+            <a:r>
+              <a:rPr lang="en-US" altLang="ko-KR" sz="1200" b="1" dirty="0">
+                <a:latin typeface="나눔스퀘어" panose="020B0600000101010101" pitchFamily="50" charset="-127"/>
+                <a:ea typeface="나눔스퀘어" panose="020B0600000101010101" pitchFamily="50" charset="-127"/>
+              </a:rPr>
+              <a:t>Forecast</a:t>
+            </a:r>
+            <a:endParaRPr lang="ko-KR" altLang="en-US" sz="1200" b="1" dirty="0">
+              <a:latin typeface="나눔스퀘어" panose="020B0600000101010101" pitchFamily="50" charset="-127"/>
+              <a:ea typeface="나눔스퀘어" panose="020B0600000101010101" pitchFamily="50" charset="-127"/>
+            </a:endParaRPr>
+          </a:p>
+        </p:txBody>
+      </p:sp>
+      <p:sp>
+        <p:nvSpPr>
+          <p:cNvPr id="77" name="왼쪽 중괄호 76">
+            <a:extLst>
+              <a:ext uri="{FF2B5EF4-FFF2-40B4-BE49-F238E27FC236}">
+                <a16:creationId xmlns:a16="http://schemas.microsoft.com/office/drawing/2014/main" id="{7C239180-EC51-4D9A-9CF0-F795443B81BE}"/>
+              </a:ext>
+            </a:extLst>
+          </p:cNvPr>
+          <p:cNvSpPr/>
+          <p:nvPr/>
+        </p:nvSpPr>
+        <p:spPr>
+          <a:xfrm>
+            <a:off x="4954859" y="2977085"/>
+            <a:ext cx="158750" cy="254651"/>
+          </a:xfrm>
+          <a:prstGeom prst="leftBrace">
+            <a:avLst/>
+          </a:prstGeom>
+          <a:ln w="25400">
+            <a:solidFill>
+              <a:schemeClr val="bg2">
+                <a:lumMod val="50000"/>
+              </a:schemeClr>
+            </a:solidFill>
+          </a:ln>
+        </p:spPr>
+        <p:style>
+          <a:lnRef idx="1">
+            <a:schemeClr val="accent1"/>
+          </a:lnRef>
+          <a:fillRef idx="0">
+            <a:schemeClr val="accent1"/>
+          </a:fillRef>
+          <a:effectRef idx="0">
+            <a:schemeClr val="accent1"/>
+          </a:effectRef>
+          <a:fontRef idx="minor">
+            <a:schemeClr val="tx1"/>
+          </a:fontRef>
+        </p:style>
+        <p:txBody>
+          <a:bodyPr rtlCol="0" anchor="ctr"/>
+          <a:lstStyle/>
+          <a:p>
+            <a:pPr algn="ctr"/>
+            <a:endParaRPr lang="ko-KR" altLang="en-US"/>
+          </a:p>
+        </p:txBody>
+      </p:sp>
+      <p:sp>
+        <p:nvSpPr>
+          <p:cNvPr id="79" name="TextBox 78">
+            <a:extLst>
+              <a:ext uri="{FF2B5EF4-FFF2-40B4-BE49-F238E27FC236}">
+                <a16:creationId xmlns:a16="http://schemas.microsoft.com/office/drawing/2014/main" id="{972EFC62-E108-48E6-8FE1-4D4B657AC317}"/>
+              </a:ext>
+            </a:extLst>
+          </p:cNvPr>
+          <p:cNvSpPr txBox="1"/>
+          <p:nvPr/>
+        </p:nvSpPr>
+        <p:spPr>
+          <a:xfrm>
+            <a:off x="4466562" y="2984113"/>
+            <a:ext cx="367408" cy="276999"/>
+          </a:xfrm>
+          <a:prstGeom prst="rect">
+            <a:avLst/>
+          </a:prstGeom>
+          <a:noFill/>
+        </p:spPr>
+        <p:txBody>
+          <a:bodyPr wrap="none" rtlCol="0">
+            <a:spAutoFit/>
+          </a:bodyPr>
+          <a:lstStyle/>
+          <a:p>
+            <a:pPr algn="ctr"/>
+            <a:r>
+              <a:rPr lang="en-US" altLang="ko-KR" sz="1200" b="1" dirty="0">
+                <a:latin typeface="나눔스퀘어" panose="020B0600000101010101" pitchFamily="50" charset="-127"/>
+                <a:ea typeface="나눔스퀘어" panose="020B0600000101010101" pitchFamily="50" charset="-127"/>
+              </a:rPr>
+              <a:t>FC</a:t>
+            </a:r>
+          </a:p>
+        </p:txBody>
+      </p:sp>
+      <mc:AlternateContent xmlns:mc="http://schemas.openxmlformats.org/markup-compatibility/2006">
+        <mc:Choice xmlns:a14="http://schemas.microsoft.com/office/drawing/2010/main" Requires="a14">
+          <p:sp>
+            <p:nvSpPr>
+              <p:cNvPr id="81" name="TextBox 80">
+                <a:extLst>
+                  <a:ext uri="{FF2B5EF4-FFF2-40B4-BE49-F238E27FC236}">
+                    <a16:creationId xmlns:a16="http://schemas.microsoft.com/office/drawing/2014/main" id="{568666AE-B0F9-4636-B214-537A08E868F7}"/>
+                  </a:ext>
+                </a:extLst>
+              </p:cNvPr>
+              <p:cNvSpPr txBox="1"/>
+              <p:nvPr/>
+            </p:nvSpPr>
+            <p:spPr>
+              <a:xfrm>
+                <a:off x="4501886" y="3962084"/>
+                <a:ext cx="438966" cy="315856"/>
+              </a:xfrm>
+              <a:prstGeom prst="rect">
+                <a:avLst/>
+              </a:prstGeom>
+              <a:noFill/>
+            </p:spPr>
+            <p:txBody>
+              <a:bodyPr wrap="none" rtlCol="0">
+                <a:spAutoFit/>
+              </a:bodyPr>
+              <a:lstStyle/>
+              <a:p>
+                <a:pPr algn="ctr"/>
+                <a14:m>
+                  <m:oMathPara xmlns:m="http://schemas.openxmlformats.org/officeDocument/2006/math">
+                    <m:oMathParaPr>
+                      <m:jc m:val="centerGroup"/>
+                    </m:oMathParaPr>
+                    <m:oMath xmlns:m="http://schemas.openxmlformats.org/officeDocument/2006/math">
+                      <m:sSup>
+                        <m:sSupPr>
+                          <m:ctrlPr>
+                            <a:rPr lang="en-US" altLang="ko-KR" sz="1400" b="1" i="1" smtClean="0">
+                              <a:latin typeface="Cambria Math" panose="02040503050406030204" pitchFamily="18" charset="0"/>
+                              <a:ea typeface="나눔스퀘어" panose="020B0600000101010101" pitchFamily="50" charset="-127"/>
+                            </a:rPr>
+                          </m:ctrlPr>
+                        </m:sSupPr>
+                        <m:e>
+                          <m:r>
+                            <a:rPr lang="en-US" altLang="ko-KR" sz="1400" b="1" i="1" smtClean="0">
+                              <a:latin typeface="Cambria Math" panose="02040503050406030204" pitchFamily="18" charset="0"/>
+                              <a:ea typeface="나눔스퀘어" panose="020B0600000101010101" pitchFamily="50" charset="-127"/>
+                            </a:rPr>
+                            <m:t>𝒈</m:t>
+                          </m:r>
+                        </m:e>
+                        <m:sup>
+                          <m:r>
+                            <a:rPr lang="en-US" altLang="ko-KR" sz="1400" b="1" i="1" smtClean="0">
+                              <a:latin typeface="Cambria Math" panose="02040503050406030204" pitchFamily="18" charset="0"/>
+                              <a:ea typeface="나눔스퀘어" panose="020B0600000101010101" pitchFamily="50" charset="-127"/>
+                            </a:rPr>
+                            <m:t>𝒃</m:t>
+                          </m:r>
+                        </m:sup>
+                      </m:sSup>
+                    </m:oMath>
+                  </m:oMathPara>
+                </a14:m>
+                <a:endParaRPr lang="en-US" altLang="ko-KR" sz="1400" b="1" dirty="0">
+                  <a:latin typeface="나눔스퀘어" panose="020B0600000101010101" pitchFamily="50" charset="-127"/>
+                  <a:ea typeface="나눔스퀘어" panose="020B0600000101010101" pitchFamily="50" charset="-127"/>
+                </a:endParaRPr>
+              </a:p>
+            </p:txBody>
+          </p:sp>
+        </mc:Choice>
+        <mc:Fallback>
+          <p:sp>
+            <p:nvSpPr>
+              <p:cNvPr id="81" name="TextBox 80">
+                <a:extLst>
+                  <a:ext uri="{FF2B5EF4-FFF2-40B4-BE49-F238E27FC236}">
+                    <a16:creationId xmlns:a16="http://schemas.microsoft.com/office/drawing/2014/main" id="{568666AE-B0F9-4636-B214-537A08E868F7}"/>
+                  </a:ext>
+                </a:extLst>
+              </p:cNvPr>
+              <p:cNvSpPr txBox="1">
+                <a:spLocks noRot="1" noChangeAspect="1" noMove="1" noResize="1" noEditPoints="1" noAdjustHandles="1" noChangeArrowheads="1" noChangeShapeType="1" noTextEdit="1"/>
+              </p:cNvSpPr>
+              <p:nvPr/>
+            </p:nvSpPr>
+            <p:spPr>
+              <a:xfrm>
+                <a:off x="4501886" y="3962084"/>
+                <a:ext cx="438966" cy="315856"/>
+              </a:xfrm>
+              <a:prstGeom prst="rect">
+                <a:avLst/>
+              </a:prstGeom>
+              <a:blipFill>
+                <a:blip r:embed="rId3"/>
+                <a:stretch>
+                  <a:fillRect b="-1923"/>
+                </a:stretch>
+              </a:blipFill>
+            </p:spPr>
+            <p:txBody>
+              <a:bodyPr/>
+              <a:lstStyle/>
+              <a:p>
+                <a:r>
+                  <a:rPr lang="ko-KR" altLang="en-US">
+                    <a:noFill/>
+                  </a:rPr>
+                  <a:t> </a:t>
+                </a:r>
+              </a:p>
+            </p:txBody>
+          </p:sp>
+        </mc:Fallback>
+      </mc:AlternateContent>
+      <p:sp>
+        <p:nvSpPr>
+          <p:cNvPr id="83" name="왼쪽 중괄호 82">
+            <a:extLst>
+              <a:ext uri="{FF2B5EF4-FFF2-40B4-BE49-F238E27FC236}">
+                <a16:creationId xmlns:a16="http://schemas.microsoft.com/office/drawing/2014/main" id="{AB6DC569-7C60-4060-93D8-6F06BAF80C7B}"/>
+              </a:ext>
+            </a:extLst>
+          </p:cNvPr>
+          <p:cNvSpPr/>
+          <p:nvPr/>
+        </p:nvSpPr>
+        <p:spPr>
+          <a:xfrm>
+            <a:off x="4954859" y="3363068"/>
+            <a:ext cx="158750" cy="1516068"/>
+          </a:xfrm>
+          <a:prstGeom prst="leftBrace">
+            <a:avLst/>
+          </a:prstGeom>
+          <a:ln w="25400">
+            <a:solidFill>
+              <a:schemeClr val="bg2">
+                <a:lumMod val="50000"/>
+              </a:schemeClr>
+            </a:solidFill>
+          </a:ln>
+        </p:spPr>
+        <p:style>
+          <a:lnRef idx="1">
+            <a:schemeClr val="accent1"/>
+          </a:lnRef>
+          <a:fillRef idx="0">
+            <a:schemeClr val="accent1"/>
+          </a:fillRef>
+          <a:effectRef idx="0">
+            <a:schemeClr val="accent1"/>
+          </a:effectRef>
+          <a:fontRef idx="minor">
+            <a:schemeClr val="tx1"/>
+          </a:fontRef>
+        </p:style>
+        <p:txBody>
+          <a:bodyPr rtlCol="0" anchor="ctr"/>
+          <a:lstStyle/>
+          <a:p>
+            <a:pPr algn="ctr"/>
+            <a:endParaRPr lang="ko-KR" altLang="en-US"/>
+          </a:p>
+        </p:txBody>
+      </p:sp>
+      <mc:AlternateContent xmlns:mc="http://schemas.openxmlformats.org/markup-compatibility/2006">
+        <mc:Choice xmlns:a14="http://schemas.microsoft.com/office/drawing/2010/main" Requires="a14">
+          <p:sp>
+            <p:nvSpPr>
+              <p:cNvPr id="87" name="TextBox 86">
+                <a:extLst>
+                  <a:ext uri="{FF2B5EF4-FFF2-40B4-BE49-F238E27FC236}">
+                    <a16:creationId xmlns:a16="http://schemas.microsoft.com/office/drawing/2014/main" id="{47BA009E-67F4-4437-983A-D12DD62B02AD}"/>
+                  </a:ext>
+                </a:extLst>
+              </p:cNvPr>
+              <p:cNvSpPr txBox="1"/>
+              <p:nvPr/>
+            </p:nvSpPr>
+            <p:spPr>
+              <a:xfrm>
+                <a:off x="9508888" y="3964264"/>
+                <a:ext cx="437877" cy="313676"/>
+              </a:xfrm>
+              <a:prstGeom prst="rect">
+                <a:avLst/>
+              </a:prstGeom>
+              <a:noFill/>
+            </p:spPr>
+            <p:txBody>
+              <a:bodyPr wrap="none" rtlCol="0">
+                <a:spAutoFit/>
+              </a:bodyPr>
+              <a:lstStyle/>
+              <a:p>
+                <a:pPr algn="ctr"/>
+                <a14:m>
+                  <m:oMathPara xmlns:m="http://schemas.openxmlformats.org/officeDocument/2006/math">
+                    <m:oMathParaPr>
+                      <m:jc m:val="centerGroup"/>
+                    </m:oMathParaPr>
+                    <m:oMath xmlns:m="http://schemas.openxmlformats.org/officeDocument/2006/math">
+                      <m:sSup>
+                        <m:sSupPr>
+                          <m:ctrlPr>
+                            <a:rPr lang="en-US" altLang="ko-KR" sz="1400" b="1" i="1" smtClean="0">
+                              <a:latin typeface="Cambria Math" panose="02040503050406030204" pitchFamily="18" charset="0"/>
+                              <a:ea typeface="나눔스퀘어" panose="020B0600000101010101" pitchFamily="50" charset="-127"/>
+                            </a:rPr>
+                          </m:ctrlPr>
+                        </m:sSupPr>
+                        <m:e>
+                          <m:r>
+                            <a:rPr lang="en-US" altLang="ko-KR" sz="1400" b="1" i="1" smtClean="0">
+                              <a:latin typeface="Cambria Math" panose="02040503050406030204" pitchFamily="18" charset="0"/>
+                              <a:ea typeface="나눔스퀘어" panose="020B0600000101010101" pitchFamily="50" charset="-127"/>
+                            </a:rPr>
+                            <m:t>𝒈</m:t>
+                          </m:r>
+                        </m:e>
+                        <m:sup>
+                          <m:r>
+                            <a:rPr lang="en-US" altLang="ko-KR" sz="1400" b="1" i="1" smtClean="0">
+                              <a:latin typeface="Cambria Math" panose="02040503050406030204" pitchFamily="18" charset="0"/>
+                              <a:ea typeface="나눔스퀘어" panose="020B0600000101010101" pitchFamily="50" charset="-127"/>
+                            </a:rPr>
+                            <m:t>𝒇</m:t>
+                          </m:r>
+                        </m:sup>
+                      </m:sSup>
+                    </m:oMath>
+                  </m:oMathPara>
+                </a14:m>
+                <a:endParaRPr lang="en-US" altLang="ko-KR" sz="1400" b="1" dirty="0">
+                  <a:latin typeface="나눔스퀘어" panose="020B0600000101010101" pitchFamily="50" charset="-127"/>
+                  <a:ea typeface="나눔스퀘어" panose="020B0600000101010101" pitchFamily="50" charset="-127"/>
+                </a:endParaRPr>
+              </a:p>
+            </p:txBody>
+          </p:sp>
+        </mc:Choice>
+        <mc:Fallback>
+          <p:sp>
+            <p:nvSpPr>
+              <p:cNvPr id="87" name="TextBox 86">
+                <a:extLst>
+                  <a:ext uri="{FF2B5EF4-FFF2-40B4-BE49-F238E27FC236}">
+                    <a16:creationId xmlns:a16="http://schemas.microsoft.com/office/drawing/2014/main" id="{47BA009E-67F4-4437-983A-D12DD62B02AD}"/>
+                  </a:ext>
+                </a:extLst>
+              </p:cNvPr>
+              <p:cNvSpPr txBox="1">
+                <a:spLocks noRot="1" noChangeAspect="1" noMove="1" noResize="1" noEditPoints="1" noAdjustHandles="1" noChangeArrowheads="1" noChangeShapeType="1" noTextEdit="1"/>
+              </p:cNvSpPr>
+              <p:nvPr/>
+            </p:nvSpPr>
+            <p:spPr>
+              <a:xfrm>
+                <a:off x="9508888" y="3964264"/>
+                <a:ext cx="437877" cy="313676"/>
+              </a:xfrm>
+              <a:prstGeom prst="rect">
+                <a:avLst/>
+              </a:prstGeom>
+              <a:blipFill>
+                <a:blip r:embed="rId4"/>
+                <a:stretch>
+                  <a:fillRect b="-1923"/>
+                </a:stretch>
+              </a:blipFill>
+            </p:spPr>
+            <p:txBody>
+              <a:bodyPr/>
+              <a:lstStyle/>
+              <a:p>
+                <a:r>
+                  <a:rPr lang="ko-KR" altLang="en-US">
+                    <a:noFill/>
+                  </a:rPr>
+                  <a:t> </a:t>
+                </a:r>
+              </a:p>
+            </p:txBody>
+          </p:sp>
+        </mc:Fallback>
+      </mc:AlternateContent>
+      <mc:AlternateContent xmlns:mc="http://schemas.openxmlformats.org/markup-compatibility/2006">
+        <mc:Choice xmlns:a14="http://schemas.microsoft.com/office/drawing/2010/main" Requires="a14">
+          <p:sp>
+            <p:nvSpPr>
+              <p:cNvPr id="90" name="직사각형 89">
+                <a:extLst>
+                  <a:ext uri="{FF2B5EF4-FFF2-40B4-BE49-F238E27FC236}">
+                    <a16:creationId xmlns:a16="http://schemas.microsoft.com/office/drawing/2014/main" id="{DA92ED44-50F6-49FB-859F-7655CAE21373}"/>
+                  </a:ext>
+                </a:extLst>
+              </p:cNvPr>
+              <p:cNvSpPr/>
+              <p:nvPr/>
+            </p:nvSpPr>
+            <p:spPr>
+              <a:xfrm>
+                <a:off x="5589386" y="3363067"/>
+                <a:ext cx="1013227" cy="240705"/>
+              </a:xfrm>
+              <a:prstGeom prst="rect">
+                <a:avLst/>
+              </a:prstGeom>
+              <a:noFill/>
+              <a:ln w="3175">
+                <a:solidFill>
+                  <a:schemeClr val="tx1">
+                    <a:lumMod val="65000"/>
+                    <a:lumOff val="35000"/>
+                  </a:schemeClr>
+                </a:solidFill>
+              </a:ln>
+            </p:spPr>
+            <p:style>
+              <a:lnRef idx="2">
+                <a:schemeClr val="accent1">
+                  <a:shade val="50000"/>
+                </a:schemeClr>
+              </a:lnRef>
+              <a:fillRef idx="1">
+                <a:schemeClr val="accent1"/>
+              </a:fillRef>
+              <a:effectRef idx="0">
+                <a:schemeClr val="accent1"/>
+              </a:effectRef>
+              <a:fontRef idx="minor">
+                <a:schemeClr val="lt1"/>
+              </a:fontRef>
+            </p:style>
+            <p:txBody>
+              <a:bodyPr rtlCol="0" anchor="ctr"/>
+              <a:lstStyle/>
+              <a:p>
+                <a:pPr/>
+                <a14:m>
+                  <m:oMathPara xmlns:m="http://schemas.openxmlformats.org/officeDocument/2006/math">
+                    <m:oMathParaPr>
+                      <m:jc m:val="center"/>
+                    </m:oMathParaPr>
+                    <m:oMath xmlns:m="http://schemas.openxmlformats.org/officeDocument/2006/math">
+                      <m:sSup>
+                        <m:sSupPr>
+                          <m:ctrlPr>
+                            <a:rPr lang="en-US" altLang="ko-KR" sz="1200" b="1" i="1" smtClean="0">
+                              <a:solidFill>
+                                <a:schemeClr val="tx1"/>
+                              </a:solidFill>
+                              <a:latin typeface="Cambria Math" panose="02040503050406030204" pitchFamily="18" charset="0"/>
+                              <a:ea typeface="나눔스퀘어" panose="020B0600000101010101" pitchFamily="50" charset="-127"/>
+                            </a:rPr>
+                          </m:ctrlPr>
+                        </m:sSupPr>
+                        <m:e>
+                          <m:r>
+                            <a:rPr lang="ko-KR" altLang="en-US" sz="1200" b="1" i="1">
+                              <a:solidFill>
+                                <a:schemeClr val="tx1"/>
+                              </a:solidFill>
+                              <a:latin typeface="Cambria Math" panose="02040503050406030204" pitchFamily="18" charset="0"/>
+                              <a:ea typeface="나눔스퀘어" panose="020B0600000101010101" pitchFamily="50" charset="-127"/>
+                            </a:rPr>
+                            <m:t>𝜽</m:t>
+                          </m:r>
+                        </m:e>
+                        <m:sup>
+                          <m:r>
+                            <a:rPr lang="en-US" altLang="ko-KR" sz="1200" b="1" i="1">
+                              <a:solidFill>
+                                <a:schemeClr val="tx1"/>
+                              </a:solidFill>
+                              <a:latin typeface="Cambria Math" panose="02040503050406030204" pitchFamily="18" charset="0"/>
+                              <a:ea typeface="나눔스퀘어" panose="020B0600000101010101" pitchFamily="50" charset="-127"/>
+                            </a:rPr>
+                            <m:t>𝒃</m:t>
+                          </m:r>
+                        </m:sup>
+                      </m:sSup>
+                    </m:oMath>
+                  </m:oMathPara>
+                </a14:m>
+                <a:endParaRPr lang="ko-KR" altLang="en-US" sz="1200" b="1" dirty="0"/>
+              </a:p>
+            </p:txBody>
+          </p:sp>
+        </mc:Choice>
+        <mc:Fallback>
+          <p:sp>
+            <p:nvSpPr>
+              <p:cNvPr id="90" name="직사각형 89">
+                <a:extLst>
+                  <a:ext uri="{FF2B5EF4-FFF2-40B4-BE49-F238E27FC236}">
+                    <a16:creationId xmlns:a16="http://schemas.microsoft.com/office/drawing/2014/main" id="{DA92ED44-50F6-49FB-859F-7655CAE21373}"/>
+                  </a:ext>
+                </a:extLst>
+              </p:cNvPr>
+              <p:cNvSpPr>
+                <a:spLocks noRot="1" noChangeAspect="1" noMove="1" noResize="1" noEditPoints="1" noAdjustHandles="1" noChangeArrowheads="1" noChangeShapeType="1" noTextEdit="1"/>
+              </p:cNvSpPr>
+              <p:nvPr/>
+            </p:nvSpPr>
+            <p:spPr>
+              <a:xfrm>
+                <a:off x="5589386" y="3363067"/>
+                <a:ext cx="1013227" cy="240705"/>
+              </a:xfrm>
+              <a:prstGeom prst="rect">
+                <a:avLst/>
+              </a:prstGeom>
+              <a:blipFill>
+                <a:blip r:embed="rId5"/>
+                <a:stretch>
+                  <a:fillRect/>
+                </a:stretch>
+              </a:blipFill>
+              <a:ln w="3175">
+                <a:solidFill>
+                  <a:schemeClr val="tx1">
+                    <a:lumMod val="65000"/>
+                    <a:lumOff val="35000"/>
+                  </a:schemeClr>
+                </a:solidFill>
+              </a:ln>
+            </p:spPr>
+            <p:txBody>
+              <a:bodyPr/>
+              <a:lstStyle/>
+              <a:p>
+                <a:r>
+                  <a:rPr lang="ko-KR" altLang="en-US">
+                    <a:noFill/>
+                  </a:rPr>
+                  <a:t> </a:t>
+                </a:r>
+              </a:p>
+            </p:txBody>
+          </p:sp>
+        </mc:Fallback>
+      </mc:AlternateContent>
+      <mc:AlternateContent xmlns:mc="http://schemas.openxmlformats.org/markup-compatibility/2006">
+        <mc:Choice xmlns:a14="http://schemas.microsoft.com/office/drawing/2010/main" Requires="a14">
+          <p:sp>
+            <p:nvSpPr>
+              <p:cNvPr id="91" name="직사각형 90">
+                <a:extLst>
+                  <a:ext uri="{FF2B5EF4-FFF2-40B4-BE49-F238E27FC236}">
+                    <a16:creationId xmlns:a16="http://schemas.microsoft.com/office/drawing/2014/main" id="{4A00E22D-2216-401E-90FC-EADCE21D3D58}"/>
+                  </a:ext>
+                </a:extLst>
+              </p:cNvPr>
+              <p:cNvSpPr/>
+              <p:nvPr/>
+            </p:nvSpPr>
+            <p:spPr>
+              <a:xfrm>
+                <a:off x="7754735" y="3363067"/>
+                <a:ext cx="1013227" cy="240705"/>
+              </a:xfrm>
+              <a:prstGeom prst="rect">
+                <a:avLst/>
+              </a:prstGeom>
+              <a:noFill/>
+              <a:ln w="3175">
+                <a:solidFill>
+                  <a:schemeClr val="tx1">
+                    <a:lumMod val="65000"/>
+                    <a:lumOff val="35000"/>
+                  </a:schemeClr>
+                </a:solidFill>
+              </a:ln>
+            </p:spPr>
+            <p:style>
+              <a:lnRef idx="2">
+                <a:schemeClr val="accent1">
+                  <a:shade val="50000"/>
+                </a:schemeClr>
+              </a:lnRef>
+              <a:fillRef idx="1">
+                <a:schemeClr val="accent1"/>
+              </a:fillRef>
+              <a:effectRef idx="0">
+                <a:schemeClr val="accent1"/>
+              </a:effectRef>
+              <a:fontRef idx="minor">
+                <a:schemeClr val="lt1"/>
+              </a:fontRef>
+            </p:style>
+            <p:txBody>
+              <a:bodyPr rtlCol="0" anchor="ctr"/>
+              <a:lstStyle/>
+              <a:p>
+                <a:pPr/>
+                <a14:m>
+                  <m:oMathPara xmlns:m="http://schemas.openxmlformats.org/officeDocument/2006/math">
+                    <m:oMathParaPr>
+                      <m:jc m:val="centerGroup"/>
+                    </m:oMathParaPr>
+                    <m:oMath xmlns:m="http://schemas.openxmlformats.org/officeDocument/2006/math">
+                      <m:sSup>
+                        <m:sSupPr>
+                          <m:ctrlPr>
+                            <a:rPr lang="en-US" altLang="ko-KR" sz="1200" b="1" i="1">
+                              <a:solidFill>
+                                <a:schemeClr val="tx1"/>
+                              </a:solidFill>
+                              <a:latin typeface="Cambria Math" panose="02040503050406030204" pitchFamily="18" charset="0"/>
+                              <a:ea typeface="나눔스퀘어" panose="020B0600000101010101" pitchFamily="50" charset="-127"/>
+                            </a:rPr>
+                          </m:ctrlPr>
+                        </m:sSupPr>
+                        <m:e>
+                          <m:r>
+                            <a:rPr lang="ko-KR" altLang="en-US" sz="1200" b="1" i="1">
+                              <a:solidFill>
+                                <a:schemeClr val="tx1"/>
+                              </a:solidFill>
+                              <a:latin typeface="Cambria Math" panose="02040503050406030204" pitchFamily="18" charset="0"/>
+                              <a:ea typeface="나눔스퀘어" panose="020B0600000101010101" pitchFamily="50" charset="-127"/>
+                            </a:rPr>
+                            <m:t>𝜽</m:t>
+                          </m:r>
+                        </m:e>
+                        <m:sup>
+                          <m:r>
+                            <a:rPr lang="en-US" altLang="ko-KR" sz="1200" b="1" i="1">
+                              <a:solidFill>
+                                <a:schemeClr val="tx1"/>
+                              </a:solidFill>
+                              <a:latin typeface="Cambria Math" panose="02040503050406030204" pitchFamily="18" charset="0"/>
+                              <a:ea typeface="나눔스퀘어" panose="020B0600000101010101" pitchFamily="50" charset="-127"/>
+                            </a:rPr>
+                            <m:t>𝒇</m:t>
+                          </m:r>
+                        </m:sup>
+                      </m:sSup>
+                    </m:oMath>
+                  </m:oMathPara>
+                </a14:m>
+                <a:endParaRPr lang="ko-KR" altLang="en-US" sz="1200" b="1" dirty="0"/>
+              </a:p>
+            </p:txBody>
+          </p:sp>
+        </mc:Choice>
+        <mc:Fallback>
+          <p:sp>
+            <p:nvSpPr>
+              <p:cNvPr id="91" name="직사각형 90">
+                <a:extLst>
+                  <a:ext uri="{FF2B5EF4-FFF2-40B4-BE49-F238E27FC236}">
+                    <a16:creationId xmlns:a16="http://schemas.microsoft.com/office/drawing/2014/main" id="{4A00E22D-2216-401E-90FC-EADCE21D3D58}"/>
+                  </a:ext>
+                </a:extLst>
+              </p:cNvPr>
+              <p:cNvSpPr>
+                <a:spLocks noRot="1" noChangeAspect="1" noMove="1" noResize="1" noEditPoints="1" noAdjustHandles="1" noChangeArrowheads="1" noChangeShapeType="1" noTextEdit="1"/>
+              </p:cNvSpPr>
+              <p:nvPr/>
+            </p:nvSpPr>
+            <p:spPr>
+              <a:xfrm>
+                <a:off x="7754735" y="3363067"/>
+                <a:ext cx="1013227" cy="240705"/>
+              </a:xfrm>
+              <a:prstGeom prst="rect">
+                <a:avLst/>
+              </a:prstGeom>
+              <a:blipFill>
+                <a:blip r:embed="rId6"/>
+                <a:stretch>
+                  <a:fillRect/>
+                </a:stretch>
+              </a:blipFill>
+              <a:ln w="3175">
+                <a:solidFill>
+                  <a:schemeClr val="tx1">
+                    <a:lumMod val="65000"/>
+                    <a:lumOff val="35000"/>
+                  </a:schemeClr>
+                </a:solidFill>
+              </a:ln>
+            </p:spPr>
+            <p:txBody>
+              <a:bodyPr/>
+              <a:lstStyle/>
+              <a:p>
+                <a:r>
+                  <a:rPr lang="ko-KR" altLang="en-US">
+                    <a:noFill/>
+                  </a:rPr>
+                  <a:t> </a:t>
+                </a:r>
+              </a:p>
+            </p:txBody>
+          </p:sp>
+        </mc:Fallback>
+      </mc:AlternateContent>
+      <p:grpSp>
+        <p:nvGrpSpPr>
+          <p:cNvPr id="104" name="그룹 103">
+            <a:extLst>
+              <a:ext uri="{FF2B5EF4-FFF2-40B4-BE49-F238E27FC236}">
+                <a16:creationId xmlns:a16="http://schemas.microsoft.com/office/drawing/2014/main" id="{6301A3A0-BF02-4586-87CD-BA8DF9B92799}"/>
+              </a:ext>
+            </a:extLst>
+          </p:cNvPr>
+          <p:cNvGrpSpPr/>
+          <p:nvPr/>
+        </p:nvGrpSpPr>
+        <p:grpSpPr>
+          <a:xfrm rot="5400000">
+            <a:off x="7144783" y="1600994"/>
+            <a:ext cx="69056" cy="239130"/>
+            <a:chOff x="7144783" y="2625365"/>
+            <a:chExt cx="69056" cy="239130"/>
+          </a:xfrm>
+        </p:grpSpPr>
+        <p:sp>
+          <p:nvSpPr>
+            <p:cNvPr id="99" name="타원 98">
+              <a:extLst>
+                <a:ext uri="{FF2B5EF4-FFF2-40B4-BE49-F238E27FC236}">
+                  <a16:creationId xmlns:a16="http://schemas.microsoft.com/office/drawing/2014/main" id="{8BA7450D-1BAB-467D-B39D-3A30C6A4BF1A}"/>
+                </a:ext>
+              </a:extLst>
+            </p:cNvPr>
+            <p:cNvSpPr/>
+            <p:nvPr/>
+          </p:nvSpPr>
+          <p:spPr>
+            <a:xfrm>
+              <a:off x="7144783" y="2625365"/>
+              <a:ext cx="69056" cy="69056"/>
+            </a:xfrm>
+            <a:prstGeom prst="ellipse">
+              <a:avLst/>
+            </a:prstGeom>
+            <a:solidFill>
+              <a:schemeClr val="bg1">
+                <a:lumMod val="50000"/>
+              </a:schemeClr>
+            </a:solidFill>
+            <a:ln>
+              <a:noFill/>
+            </a:ln>
+          </p:spPr>
+          <p:style>
+            <a:lnRef idx="2">
+              <a:schemeClr val="accent1">
+                <a:shade val="50000"/>
+              </a:schemeClr>
+            </a:lnRef>
+            <a:fillRef idx="1">
+              <a:schemeClr val="accent1"/>
+            </a:fillRef>
+            <a:effectRef idx="0">
+              <a:schemeClr val="accent1"/>
+            </a:effectRef>
+            <a:fontRef idx="minor">
+              <a:schemeClr val="lt1"/>
+            </a:fontRef>
+          </p:style>
+          <p:txBody>
+            <a:bodyPr rtlCol="0" anchor="ctr"/>
+            <a:lstStyle/>
+            <a:p>
+              <a:pPr algn="ctr"/>
+              <a:endParaRPr lang="ko-KR" altLang="en-US"/>
+            </a:p>
+          </p:txBody>
+        </p:sp>
+        <p:sp>
+          <p:nvSpPr>
+            <p:cNvPr id="101" name="타원 100">
+              <a:extLst>
+                <a:ext uri="{FF2B5EF4-FFF2-40B4-BE49-F238E27FC236}">
+                  <a16:creationId xmlns:a16="http://schemas.microsoft.com/office/drawing/2014/main" id="{3B7E7041-048A-45E7-A0A9-E1A09B03DD37}"/>
+                </a:ext>
+              </a:extLst>
+            </p:cNvPr>
+            <p:cNvSpPr/>
+            <p:nvPr/>
+          </p:nvSpPr>
+          <p:spPr>
+            <a:xfrm>
+              <a:off x="7144783" y="2708624"/>
+              <a:ext cx="69056" cy="69056"/>
+            </a:xfrm>
+            <a:prstGeom prst="ellipse">
+              <a:avLst/>
+            </a:prstGeom>
+            <a:solidFill>
+              <a:schemeClr val="bg1">
+                <a:lumMod val="50000"/>
+              </a:schemeClr>
+            </a:solidFill>
+            <a:ln>
+              <a:noFill/>
+            </a:ln>
+          </p:spPr>
+          <p:style>
+            <a:lnRef idx="2">
+              <a:schemeClr val="accent1">
+                <a:shade val="50000"/>
+              </a:schemeClr>
+            </a:lnRef>
+            <a:fillRef idx="1">
+              <a:schemeClr val="accent1"/>
+            </a:fillRef>
+            <a:effectRef idx="0">
+              <a:schemeClr val="accent1"/>
+            </a:effectRef>
+            <a:fontRef idx="minor">
+              <a:schemeClr val="lt1"/>
+            </a:fontRef>
+          </p:style>
+          <p:txBody>
+            <a:bodyPr rtlCol="0" anchor="ctr"/>
+            <a:lstStyle/>
+            <a:p>
+              <a:pPr algn="ctr"/>
+              <a:endParaRPr lang="ko-KR" altLang="en-US"/>
+            </a:p>
+          </p:txBody>
+        </p:sp>
+        <p:sp>
+          <p:nvSpPr>
+            <p:cNvPr id="103" name="타원 102">
+              <a:extLst>
+                <a:ext uri="{FF2B5EF4-FFF2-40B4-BE49-F238E27FC236}">
+                  <a16:creationId xmlns:a16="http://schemas.microsoft.com/office/drawing/2014/main" id="{C4334EE9-713D-4983-B5CD-F0B5672F57D1}"/>
+                </a:ext>
+              </a:extLst>
+            </p:cNvPr>
+            <p:cNvSpPr/>
+            <p:nvPr/>
+          </p:nvSpPr>
+          <p:spPr>
+            <a:xfrm>
+              <a:off x="7144783" y="2795439"/>
+              <a:ext cx="69056" cy="69056"/>
+            </a:xfrm>
+            <a:prstGeom prst="ellipse">
+              <a:avLst/>
+            </a:prstGeom>
+            <a:solidFill>
+              <a:schemeClr val="bg1">
+                <a:lumMod val="50000"/>
+              </a:schemeClr>
+            </a:solidFill>
+            <a:ln>
+              <a:noFill/>
+            </a:ln>
+          </p:spPr>
+          <p:style>
+            <a:lnRef idx="2">
+              <a:schemeClr val="accent1">
+                <a:shade val="50000"/>
+              </a:schemeClr>
+            </a:lnRef>
+            <a:fillRef idx="1">
+              <a:schemeClr val="accent1"/>
+            </a:fillRef>
+            <a:effectRef idx="0">
+              <a:schemeClr val="accent1"/>
+            </a:effectRef>
+            <a:fontRef idx="minor">
+              <a:schemeClr val="lt1"/>
+            </a:fontRef>
+          </p:style>
+          <p:txBody>
+            <a:bodyPr rtlCol="0" anchor="ctr"/>
+            <a:lstStyle/>
+            <a:p>
+              <a:pPr algn="ctr"/>
+              <a:endParaRPr lang="ko-KR" altLang="en-US"/>
+            </a:p>
+          </p:txBody>
+        </p:sp>
+      </p:grpSp>
+      <p:sp>
+        <p:nvSpPr>
+          <p:cNvPr id="105" name="직사각형 104">
+            <a:extLst>
+              <a:ext uri="{FF2B5EF4-FFF2-40B4-BE49-F238E27FC236}">
+                <a16:creationId xmlns:a16="http://schemas.microsoft.com/office/drawing/2014/main" id="{74BFCFB5-E289-492F-AF74-758D5B804FDE}"/>
+              </a:ext>
+            </a:extLst>
+          </p:cNvPr>
+          <p:cNvSpPr/>
+          <p:nvPr/>
+        </p:nvSpPr>
+        <p:spPr>
+          <a:xfrm>
+            <a:off x="5865707" y="1970548"/>
+            <a:ext cx="2628053" cy="240705"/>
+          </a:xfrm>
+          <a:prstGeom prst="rect">
+            <a:avLst/>
+          </a:prstGeom>
+          <a:noFill/>
+          <a:ln w="3175">
+            <a:solidFill>
+              <a:schemeClr val="tx1">
+                <a:lumMod val="65000"/>
+                <a:lumOff val="35000"/>
+              </a:schemeClr>
+            </a:solidFill>
+          </a:ln>
+        </p:spPr>
+        <p:style>
+          <a:lnRef idx="2">
+            <a:schemeClr val="accent1">
+              <a:shade val="50000"/>
+            </a:schemeClr>
+          </a:lnRef>
+          <a:fillRef idx="1">
+            <a:schemeClr val="accent1"/>
+          </a:fillRef>
+          <a:effectRef idx="0">
+            <a:schemeClr val="accent1"/>
+          </a:effectRef>
+          <a:fontRef idx="minor">
+            <a:schemeClr val="lt1"/>
+          </a:fontRef>
+        </p:style>
+        <p:txBody>
+          <a:bodyPr rtlCol="0" anchor="ctr"/>
+          <a:lstStyle/>
+          <a:p>
+            <a:pPr algn="ctr"/>
+            <a:r>
+              <a:rPr lang="en-US" altLang="ko-KR" sz="1050" dirty="0">
+                <a:solidFill>
+                  <a:schemeClr val="tx1"/>
+                </a:solidFill>
+                <a:latin typeface="나눔스퀘어" panose="020B0600000101010101" pitchFamily="50" charset="-127"/>
+                <a:ea typeface="나눔스퀘어" panose="020B0600000101010101" pitchFamily="50" charset="-127"/>
+              </a:rPr>
+              <a:t>FC[ 15 -&gt; 256 ]</a:t>
+            </a:r>
+            <a:endParaRPr lang="ko-KR" altLang="en-US" sz="1050" dirty="0">
+              <a:solidFill>
+                <a:schemeClr val="tx1"/>
+              </a:solidFill>
+              <a:latin typeface="나눔스퀘어" panose="020B0600000101010101" pitchFamily="50" charset="-127"/>
+              <a:ea typeface="나눔스퀘어" panose="020B0600000101010101" pitchFamily="50" charset="-127"/>
+            </a:endParaRPr>
+          </a:p>
+        </p:txBody>
+      </p:sp>
+      <p:sp>
+        <p:nvSpPr>
+          <p:cNvPr id="106" name="직사각형 105">
+            <a:extLst>
+              <a:ext uri="{FF2B5EF4-FFF2-40B4-BE49-F238E27FC236}">
+                <a16:creationId xmlns:a16="http://schemas.microsoft.com/office/drawing/2014/main" id="{E92FB5C1-F64D-42F9-A5BF-DA69A0E11A71}"/>
+              </a:ext>
+            </a:extLst>
+          </p:cNvPr>
+          <p:cNvSpPr/>
+          <p:nvPr/>
+        </p:nvSpPr>
+        <p:spPr>
+          <a:xfrm>
+            <a:off x="5865707" y="2333221"/>
+            <a:ext cx="2628053" cy="124953"/>
+          </a:xfrm>
+          <a:prstGeom prst="rect">
+            <a:avLst/>
+          </a:prstGeom>
+          <a:noFill/>
+          <a:ln w="3175">
+            <a:solidFill>
+              <a:schemeClr val="tx1">
+                <a:lumMod val="65000"/>
+                <a:lumOff val="35000"/>
+              </a:schemeClr>
+            </a:solidFill>
+          </a:ln>
+        </p:spPr>
+        <p:style>
+          <a:lnRef idx="2">
+            <a:schemeClr val="accent1">
+              <a:shade val="50000"/>
+            </a:schemeClr>
+          </a:lnRef>
+          <a:fillRef idx="1">
+            <a:schemeClr val="accent1"/>
+          </a:fillRef>
+          <a:effectRef idx="0">
+            <a:schemeClr val="accent1"/>
+          </a:effectRef>
+          <a:fontRef idx="minor">
+            <a:schemeClr val="lt1"/>
+          </a:fontRef>
+        </p:style>
+        <p:txBody>
+          <a:bodyPr rtlCol="0" anchor="ctr"/>
+          <a:lstStyle/>
+          <a:p>
+            <a:pPr algn="ctr"/>
+            <a:r>
+              <a:rPr lang="en-US" altLang="ko-KR" sz="1050" dirty="0" err="1">
+                <a:solidFill>
+                  <a:schemeClr val="tx1"/>
+                </a:solidFill>
+                <a:latin typeface="나눔스퀘어" panose="020B0600000101010101" pitchFamily="50" charset="-127"/>
+                <a:ea typeface="나눔스퀘어" panose="020B0600000101010101" pitchFamily="50" charset="-127"/>
+              </a:rPr>
+              <a:t>Relu</a:t>
+            </a:r>
+            <a:endParaRPr lang="ko-KR" altLang="en-US" sz="1050" dirty="0">
+              <a:solidFill>
+                <a:schemeClr val="tx1"/>
+              </a:solidFill>
+              <a:latin typeface="나눔스퀘어" panose="020B0600000101010101" pitchFamily="50" charset="-127"/>
+              <a:ea typeface="나눔스퀘어" panose="020B0600000101010101" pitchFamily="50" charset="-127"/>
+            </a:endParaRPr>
+          </a:p>
+        </p:txBody>
+      </p:sp>
+      <p:cxnSp>
+        <p:nvCxnSpPr>
+          <p:cNvPr id="107" name="직선 화살표 연결선 106">
+            <a:extLst>
+              <a:ext uri="{FF2B5EF4-FFF2-40B4-BE49-F238E27FC236}">
+                <a16:creationId xmlns:a16="http://schemas.microsoft.com/office/drawing/2014/main" id="{6CC9BB48-2864-4AE5-BD48-14531A6822CC}"/>
+              </a:ext>
+            </a:extLst>
+          </p:cNvPr>
+          <p:cNvCxnSpPr>
+            <a:cxnSpLocks/>
+            <a:stCxn id="105" idx="2"/>
+            <a:endCxn id="106" idx="0"/>
+          </p:cNvCxnSpPr>
+          <p:nvPr/>
+        </p:nvCxnSpPr>
+        <p:spPr>
+          <a:xfrm>
+            <a:off x="7179734" y="2211253"/>
+            <a:ext cx="0" cy="121968"/>
+          </a:xfrm>
+          <a:prstGeom prst="straightConnector1">
+            <a:avLst/>
+          </a:prstGeom>
+          <a:ln w="25400">
+            <a:solidFill>
+              <a:schemeClr val="tx1">
+                <a:lumMod val="75000"/>
+                <a:lumOff val="25000"/>
+              </a:schemeClr>
+            </a:solidFill>
+            <a:tailEnd type="triangle"/>
+          </a:ln>
+        </p:spPr>
+        <p:style>
+          <a:lnRef idx="1">
+            <a:schemeClr val="accent1"/>
+          </a:lnRef>
+          <a:fillRef idx="0">
+            <a:schemeClr val="accent1"/>
+          </a:fillRef>
+          <a:effectRef idx="0">
+            <a:schemeClr val="accent1"/>
+          </a:effectRef>
+          <a:fontRef idx="minor">
+            <a:schemeClr val="tx1"/>
+          </a:fontRef>
+        </p:style>
+      </p:cxnSp>
+      <p:cxnSp>
+        <p:nvCxnSpPr>
+          <p:cNvPr id="108" name="직선 화살표 연결선 107">
+            <a:extLst>
+              <a:ext uri="{FF2B5EF4-FFF2-40B4-BE49-F238E27FC236}">
+                <a16:creationId xmlns:a16="http://schemas.microsoft.com/office/drawing/2014/main" id="{3871E332-0E45-450C-98C5-6360E6FADA02}"/>
+              </a:ext>
+            </a:extLst>
+          </p:cNvPr>
+          <p:cNvCxnSpPr>
+            <a:cxnSpLocks/>
+            <a:stCxn id="106" idx="2"/>
+          </p:cNvCxnSpPr>
+          <p:nvPr/>
+        </p:nvCxnSpPr>
+        <p:spPr>
+          <a:xfrm>
+            <a:off x="7179734" y="2458174"/>
+            <a:ext cx="0" cy="120282"/>
+          </a:xfrm>
+          <a:prstGeom prst="straightConnector1">
+            <a:avLst/>
+          </a:prstGeom>
+          <a:ln w="25400">
+            <a:solidFill>
+              <a:schemeClr val="tx1">
+                <a:lumMod val="75000"/>
+                <a:lumOff val="25000"/>
+              </a:schemeClr>
+            </a:solidFill>
+            <a:tailEnd type="triangle"/>
+          </a:ln>
+        </p:spPr>
+        <p:style>
+          <a:lnRef idx="1">
+            <a:schemeClr val="accent1"/>
+          </a:lnRef>
+          <a:fillRef idx="0">
+            <a:schemeClr val="accent1"/>
+          </a:fillRef>
+          <a:effectRef idx="0">
+            <a:schemeClr val="accent1"/>
+          </a:effectRef>
+          <a:fontRef idx="minor">
+            <a:schemeClr val="tx1"/>
+          </a:fontRef>
+        </p:style>
+      </p:cxnSp>
+      <p:cxnSp>
+        <p:nvCxnSpPr>
+          <p:cNvPr id="109" name="직선 화살표 연결선 108">
+            <a:extLst>
+              <a:ext uri="{FF2B5EF4-FFF2-40B4-BE49-F238E27FC236}">
+                <a16:creationId xmlns:a16="http://schemas.microsoft.com/office/drawing/2014/main" id="{75C167EF-DA77-42BD-B661-7A5C83F59A97}"/>
+              </a:ext>
+            </a:extLst>
+          </p:cNvPr>
+          <p:cNvCxnSpPr>
+            <a:cxnSpLocks/>
+            <a:endCxn id="105" idx="0"/>
+          </p:cNvCxnSpPr>
+          <p:nvPr/>
+        </p:nvCxnSpPr>
+        <p:spPr>
+          <a:xfrm>
+            <a:off x="7179734" y="1831747"/>
+            <a:ext cx="0" cy="138801"/>
+          </a:xfrm>
+          <a:prstGeom prst="straightConnector1">
+            <a:avLst/>
+          </a:prstGeom>
+          <a:ln w="25400">
+            <a:solidFill>
+              <a:schemeClr val="tx1">
+                <a:lumMod val="75000"/>
+                <a:lumOff val="25000"/>
+              </a:schemeClr>
+            </a:solidFill>
+            <a:tailEnd type="triangle"/>
+          </a:ln>
+        </p:spPr>
+        <p:style>
+          <a:lnRef idx="1">
+            <a:schemeClr val="accent1"/>
+          </a:lnRef>
+          <a:fillRef idx="0">
+            <a:schemeClr val="accent1"/>
+          </a:fillRef>
+          <a:effectRef idx="0">
+            <a:schemeClr val="accent1"/>
+          </a:effectRef>
+          <a:fontRef idx="minor">
+            <a:schemeClr val="tx1"/>
+          </a:fontRef>
+        </p:style>
+      </p:cxnSp>
+      <mc:AlternateContent xmlns:mc="http://schemas.openxmlformats.org/markup-compatibility/2006">
+        <mc:Choice xmlns:a14="http://schemas.microsoft.com/office/drawing/2010/main" Requires="a14">
+          <p:sp>
+            <p:nvSpPr>
+              <p:cNvPr id="120" name="TextBox 119">
+                <a:extLst>
+                  <a:ext uri="{FF2B5EF4-FFF2-40B4-BE49-F238E27FC236}">
+                    <a16:creationId xmlns:a16="http://schemas.microsoft.com/office/drawing/2014/main" id="{9DFF7777-A03C-4407-AABA-4C6C7ED27198}"/>
+                  </a:ext>
+                </a:extLst>
+              </p:cNvPr>
+              <p:cNvSpPr txBox="1"/>
+              <p:nvPr/>
+            </p:nvSpPr>
+            <p:spPr>
+              <a:xfrm>
+                <a:off x="7893192" y="3591709"/>
+                <a:ext cx="748292" cy="246221"/>
+              </a:xfrm>
+              <a:prstGeom prst="rect">
+                <a:avLst/>
+              </a:prstGeom>
+              <a:noFill/>
+            </p:spPr>
+            <p:txBody>
+              <a:bodyPr wrap="square">
+                <a:spAutoFit/>
+              </a:bodyPr>
+              <a:lstStyle/>
+              <a:p>
+                <a:pPr algn="ctr"/>
+                <a14:m>
+                  <m:oMathPara xmlns:m="http://schemas.openxmlformats.org/officeDocument/2006/math">
+                    <m:oMathParaPr>
+                      <m:jc m:val="centerGroup"/>
+                    </m:oMathParaPr>
+                    <m:oMath xmlns:m="http://schemas.openxmlformats.org/officeDocument/2006/math">
+                      <m:r>
+                        <m:rPr>
+                          <m:nor/>
+                        </m:rPr>
+                        <a:rPr lang="en-US" altLang="ko-KR" sz="1000" dirty="0">
+                          <a:latin typeface="나눔스퀘어" panose="020B0600000101010101" pitchFamily="50" charset="-127"/>
+                          <a:ea typeface="나눔스퀘어" panose="020B0600000101010101" pitchFamily="50" charset="-127"/>
+                        </a:rPr>
+                        <m:t>[20</m:t>
+                      </m:r>
+                      <m:r>
+                        <a:rPr lang="en-US" altLang="ko-KR" sz="1000" i="1">
+                          <a:latin typeface="Cambria Math" panose="02040503050406030204" pitchFamily="18" charset="0"/>
+                          <a:ea typeface="Cambria Math" panose="02040503050406030204" pitchFamily="18" charset="0"/>
+                        </a:rPr>
+                        <m:t>×</m:t>
+                      </m:r>
+                      <m:r>
+                        <m:rPr>
+                          <m:nor/>
+                        </m:rPr>
+                        <a:rPr lang="en-US" altLang="ko-KR" sz="1000" dirty="0">
+                          <a:latin typeface="나눔스퀘어" panose="020B0600000101010101" pitchFamily="50" charset="-127"/>
+                          <a:ea typeface="나눔스퀘어" panose="020B0600000101010101" pitchFamily="50" charset="-127"/>
+                        </a:rPr>
+                        <m:t>1]</m:t>
+                      </m:r>
+                    </m:oMath>
+                  </m:oMathPara>
+                </a14:m>
+                <a:endParaRPr lang="ko-KR" altLang="en-US" sz="1000" dirty="0">
+                  <a:latin typeface="나눔스퀘어" panose="020B0600000101010101" pitchFamily="50" charset="-127"/>
+                  <a:ea typeface="나눔스퀘어" panose="020B0600000101010101" pitchFamily="50" charset="-127"/>
+                </a:endParaRPr>
+              </a:p>
+            </p:txBody>
+          </p:sp>
+        </mc:Choice>
+        <mc:Fallback>
+          <p:sp>
+            <p:nvSpPr>
+              <p:cNvPr id="120" name="TextBox 119">
+                <a:extLst>
+                  <a:ext uri="{FF2B5EF4-FFF2-40B4-BE49-F238E27FC236}">
+                    <a16:creationId xmlns:a16="http://schemas.microsoft.com/office/drawing/2014/main" id="{9DFF7777-A03C-4407-AABA-4C6C7ED27198}"/>
+                  </a:ext>
+                </a:extLst>
+              </p:cNvPr>
+              <p:cNvSpPr txBox="1">
+                <a:spLocks noRot="1" noChangeAspect="1" noMove="1" noResize="1" noEditPoints="1" noAdjustHandles="1" noChangeArrowheads="1" noChangeShapeType="1" noTextEdit="1"/>
+              </p:cNvSpPr>
+              <p:nvPr/>
+            </p:nvSpPr>
+            <p:spPr>
+              <a:xfrm>
+                <a:off x="7893192" y="3591709"/>
+                <a:ext cx="748292" cy="246221"/>
+              </a:xfrm>
+              <a:prstGeom prst="rect">
+                <a:avLst/>
+              </a:prstGeom>
+              <a:blipFill>
+                <a:blip r:embed="rId7"/>
+                <a:stretch>
+                  <a:fillRect/>
+                </a:stretch>
+              </a:blipFill>
+            </p:spPr>
+            <p:txBody>
+              <a:bodyPr/>
+              <a:lstStyle/>
+              <a:p>
+                <a:r>
+                  <a:rPr lang="ko-KR" altLang="en-US">
+                    <a:noFill/>
+                  </a:rPr>
+                  <a:t> </a:t>
+                </a:r>
+              </a:p>
+            </p:txBody>
+          </p:sp>
+        </mc:Fallback>
+      </mc:AlternateContent>
+      <p:sp>
+        <p:nvSpPr>
+          <p:cNvPr id="122" name="곱하기 기호 121">
+            <a:extLst>
+              <a:ext uri="{FF2B5EF4-FFF2-40B4-BE49-F238E27FC236}">
+                <a16:creationId xmlns:a16="http://schemas.microsoft.com/office/drawing/2014/main" id="{1411D790-96C2-456F-8639-A8D24E920352}"/>
+              </a:ext>
+            </a:extLst>
+          </p:cNvPr>
+          <p:cNvSpPr/>
+          <p:nvPr/>
+        </p:nvSpPr>
+        <p:spPr>
+          <a:xfrm>
+            <a:off x="8038251" y="3759294"/>
+            <a:ext cx="446193" cy="446193"/>
+          </a:xfrm>
+          <a:prstGeom prst="mathMultiply">
+            <a:avLst>
+              <a:gd name="adj1" fmla="val 13380"/>
+            </a:avLst>
+          </a:prstGeom>
+          <a:solidFill>
+            <a:schemeClr val="bg2">
+              <a:lumMod val="50000"/>
+            </a:schemeClr>
+          </a:solidFill>
+          <a:ln>
+            <a:noFill/>
+          </a:ln>
+        </p:spPr>
+        <p:style>
+          <a:lnRef idx="2">
+            <a:schemeClr val="accent1">
+              <a:shade val="50000"/>
+            </a:schemeClr>
+          </a:lnRef>
+          <a:fillRef idx="1">
+            <a:schemeClr val="accent1"/>
+          </a:fillRef>
+          <a:effectRef idx="0">
+            <a:schemeClr val="accent1"/>
+          </a:effectRef>
+          <a:fontRef idx="minor">
+            <a:schemeClr val="lt1"/>
+          </a:fontRef>
+        </p:style>
+        <p:txBody>
+          <a:bodyPr rtlCol="0" anchor="ctr"/>
+          <a:lstStyle/>
+          <a:p>
+            <a:pPr algn="ctr"/>
+            <a:endParaRPr lang="ko-KR" altLang="en-US"/>
+          </a:p>
+        </p:txBody>
+      </p:sp>
+      <mc:AlternateContent xmlns:mc="http://schemas.openxmlformats.org/markup-compatibility/2006">
+        <mc:Choice xmlns:a14="http://schemas.microsoft.com/office/drawing/2010/main" Requires="a14">
+          <p:sp>
+            <p:nvSpPr>
+              <p:cNvPr id="9" name="TextBox 8">
+                <a:extLst>
+                  <a:ext uri="{FF2B5EF4-FFF2-40B4-BE49-F238E27FC236}">
+                    <a16:creationId xmlns:a16="http://schemas.microsoft.com/office/drawing/2014/main" id="{8DB472A5-CF03-4004-963C-5956853D4BD1}"/>
+                  </a:ext>
+                </a:extLst>
+              </p:cNvPr>
+              <p:cNvSpPr txBox="1"/>
+              <p:nvPr/>
+            </p:nvSpPr>
+            <p:spPr>
+              <a:xfrm>
+                <a:off x="7933295" y="4859441"/>
+                <a:ext cx="748292" cy="246221"/>
+              </a:xfrm>
+              <a:prstGeom prst="rect">
+                <a:avLst/>
+              </a:prstGeom>
+              <a:noFill/>
+            </p:spPr>
+            <p:txBody>
+              <a:bodyPr wrap="square">
+                <a:spAutoFit/>
+              </a:bodyPr>
+              <a:lstStyle/>
+              <a:p>
+                <a:pPr algn="ctr"/>
+                <a14:m>
+                  <m:oMathPara xmlns:m="http://schemas.openxmlformats.org/officeDocument/2006/math">
+                    <m:oMathParaPr>
+                      <m:jc m:val="centerGroup"/>
+                    </m:oMathParaPr>
+                    <m:oMath xmlns:m="http://schemas.openxmlformats.org/officeDocument/2006/math">
+                      <m:r>
+                        <m:rPr>
+                          <m:nor/>
+                        </m:rPr>
+                        <a:rPr lang="en-US" altLang="ko-KR" sz="1000" dirty="0">
+                          <a:latin typeface="나눔스퀘어" panose="020B0600000101010101" pitchFamily="50" charset="-127"/>
+                          <a:ea typeface="나눔스퀘어" panose="020B0600000101010101" pitchFamily="50" charset="-127"/>
+                        </a:rPr>
+                        <m:t>[</m:t>
+                      </m:r>
+                      <m:r>
+                        <m:rPr>
+                          <m:nor/>
+                        </m:rPr>
+                        <a:rPr lang="en-US" altLang="ko-KR" sz="1000" b="0" i="0" dirty="0" smtClean="0">
+                          <a:latin typeface="나눔스퀘어" panose="020B0600000101010101" pitchFamily="50" charset="-127"/>
+                          <a:ea typeface="나눔스퀘어" panose="020B0600000101010101" pitchFamily="50" charset="-127"/>
+                        </a:rPr>
+                        <m:t>5</m:t>
+                      </m:r>
+                      <m:r>
+                        <a:rPr lang="en-US" altLang="ko-KR" sz="1000" i="1">
+                          <a:latin typeface="Cambria Math" panose="02040503050406030204" pitchFamily="18" charset="0"/>
+                          <a:ea typeface="Cambria Math" panose="02040503050406030204" pitchFamily="18" charset="0"/>
+                        </a:rPr>
+                        <m:t>×</m:t>
+                      </m:r>
+                      <m:r>
+                        <m:rPr>
+                          <m:nor/>
+                        </m:rPr>
+                        <a:rPr lang="en-US" altLang="ko-KR" sz="1000" b="0" i="0" dirty="0" smtClean="0">
+                          <a:latin typeface="나눔스퀘어" panose="020B0600000101010101" pitchFamily="50" charset="-127"/>
+                          <a:ea typeface="나눔스퀘어" panose="020B0600000101010101" pitchFamily="50" charset="-127"/>
+                        </a:rPr>
+                        <m:t>20</m:t>
+                      </m:r>
+                      <m:r>
+                        <m:rPr>
+                          <m:nor/>
+                        </m:rPr>
+                        <a:rPr lang="en-US" altLang="ko-KR" sz="1000" dirty="0">
+                          <a:latin typeface="나눔스퀘어" panose="020B0600000101010101" pitchFamily="50" charset="-127"/>
+                          <a:ea typeface="나눔스퀘어" panose="020B0600000101010101" pitchFamily="50" charset="-127"/>
+                        </a:rPr>
+                        <m:t>]</m:t>
+                      </m:r>
+                    </m:oMath>
+                  </m:oMathPara>
+                </a14:m>
+                <a:endParaRPr lang="ko-KR" altLang="en-US" sz="1000" dirty="0">
+                  <a:latin typeface="나눔스퀘어" panose="020B0600000101010101" pitchFamily="50" charset="-127"/>
+                  <a:ea typeface="나눔스퀘어" panose="020B0600000101010101" pitchFamily="50" charset="-127"/>
+                </a:endParaRPr>
+              </a:p>
+            </p:txBody>
+          </p:sp>
+        </mc:Choice>
+        <mc:Fallback>
+          <p:sp>
+            <p:nvSpPr>
+              <p:cNvPr id="9" name="TextBox 8">
+                <a:extLst>
+                  <a:ext uri="{FF2B5EF4-FFF2-40B4-BE49-F238E27FC236}">
+                    <a16:creationId xmlns:a16="http://schemas.microsoft.com/office/drawing/2014/main" id="{8DB472A5-CF03-4004-963C-5956853D4BD1}"/>
+                  </a:ext>
+                </a:extLst>
+              </p:cNvPr>
+              <p:cNvSpPr txBox="1">
+                <a:spLocks noRot="1" noChangeAspect="1" noMove="1" noResize="1" noEditPoints="1" noAdjustHandles="1" noChangeArrowheads="1" noChangeShapeType="1" noTextEdit="1"/>
+              </p:cNvSpPr>
+              <p:nvPr/>
+            </p:nvSpPr>
+            <p:spPr>
+              <a:xfrm>
+                <a:off x="7933295" y="4859441"/>
+                <a:ext cx="748292" cy="246221"/>
+              </a:xfrm>
+              <a:prstGeom prst="rect">
+                <a:avLst/>
+              </a:prstGeom>
+              <a:blipFill>
+                <a:blip r:embed="rId8"/>
+                <a:stretch>
+                  <a:fillRect/>
+                </a:stretch>
+              </a:blipFill>
+            </p:spPr>
+            <p:txBody>
+              <a:bodyPr/>
+              <a:lstStyle/>
+              <a:p>
+                <a:r>
+                  <a:rPr lang="ko-KR" altLang="en-US">
+                    <a:noFill/>
+                  </a:rPr>
+                  <a:t> </a:t>
+                </a:r>
+              </a:p>
+            </p:txBody>
+          </p:sp>
+        </mc:Fallback>
+      </mc:AlternateContent>
+      <p:cxnSp>
+        <p:nvCxnSpPr>
+          <p:cNvPr id="58" name="직선 화살표 연결선 57">
+            <a:extLst>
+              <a:ext uri="{FF2B5EF4-FFF2-40B4-BE49-F238E27FC236}">
+                <a16:creationId xmlns:a16="http://schemas.microsoft.com/office/drawing/2014/main" id="{B4C23CD7-F7F6-41B9-A314-904F9E6B8057}"/>
+              </a:ext>
+            </a:extLst>
+          </p:cNvPr>
+          <p:cNvCxnSpPr>
+            <a:cxnSpLocks/>
+          </p:cNvCxnSpPr>
+          <p:nvPr/>
+        </p:nvCxnSpPr>
+        <p:spPr>
+          <a:xfrm>
+            <a:off x="8261350" y="5138762"/>
+            <a:ext cx="0" cy="146348"/>
+          </a:xfrm>
+          <a:prstGeom prst="straightConnector1">
+            <a:avLst/>
+          </a:prstGeom>
+          <a:ln w="25400">
+            <a:solidFill>
+              <a:schemeClr val="tx1">
+                <a:lumMod val="75000"/>
+                <a:lumOff val="25000"/>
+              </a:schemeClr>
+            </a:solidFill>
+            <a:tailEnd type="triangle"/>
+          </a:ln>
+        </p:spPr>
+        <p:style>
+          <a:lnRef idx="1">
+            <a:schemeClr val="accent1"/>
+          </a:lnRef>
+          <a:fillRef idx="0">
+            <a:schemeClr val="accent1"/>
+          </a:fillRef>
+          <a:effectRef idx="0">
+            <a:schemeClr val="accent1"/>
+          </a:effectRef>
+          <a:fontRef idx="minor">
+            <a:schemeClr val="tx1"/>
+          </a:fontRef>
+        </p:style>
+      </p:cxnSp>
+      <mc:AlternateContent xmlns:mc="http://schemas.openxmlformats.org/markup-compatibility/2006">
+        <mc:Choice xmlns:a14="http://schemas.microsoft.com/office/drawing/2010/main" Requires="a14">
+          <p:sp>
+            <p:nvSpPr>
+              <p:cNvPr id="68" name="TextBox 67">
+                <a:extLst>
+                  <a:ext uri="{FF2B5EF4-FFF2-40B4-BE49-F238E27FC236}">
+                    <a16:creationId xmlns:a16="http://schemas.microsoft.com/office/drawing/2014/main" id="{9FA7F989-54D4-49B5-A52A-B288E22DAEF3}"/>
+                  </a:ext>
+                </a:extLst>
+              </p:cNvPr>
+              <p:cNvSpPr txBox="1"/>
+              <p:nvPr/>
+            </p:nvSpPr>
+            <p:spPr>
+              <a:xfrm>
+                <a:off x="5727999" y="3591709"/>
+                <a:ext cx="748292" cy="246221"/>
+              </a:xfrm>
+              <a:prstGeom prst="rect">
+                <a:avLst/>
+              </a:prstGeom>
+              <a:noFill/>
+            </p:spPr>
+            <p:txBody>
+              <a:bodyPr wrap="square">
+                <a:spAutoFit/>
+              </a:bodyPr>
+              <a:lstStyle/>
+              <a:p>
+                <a:pPr algn="ctr"/>
+                <a14:m>
+                  <m:oMathPara xmlns:m="http://schemas.openxmlformats.org/officeDocument/2006/math">
+                    <m:oMathParaPr>
+                      <m:jc m:val="centerGroup"/>
+                    </m:oMathParaPr>
+                    <m:oMath xmlns:m="http://schemas.openxmlformats.org/officeDocument/2006/math">
+                      <m:r>
+                        <m:rPr>
+                          <m:nor/>
+                        </m:rPr>
+                        <a:rPr lang="en-US" altLang="ko-KR" sz="1000" dirty="0">
+                          <a:latin typeface="나눔스퀘어" panose="020B0600000101010101" pitchFamily="50" charset="-127"/>
+                          <a:ea typeface="나눔스퀘어" panose="020B0600000101010101" pitchFamily="50" charset="-127"/>
+                        </a:rPr>
+                        <m:t>[20</m:t>
+                      </m:r>
+                      <m:r>
+                        <a:rPr lang="en-US" altLang="ko-KR" sz="1000" i="1">
+                          <a:latin typeface="Cambria Math" panose="02040503050406030204" pitchFamily="18" charset="0"/>
+                          <a:ea typeface="Cambria Math" panose="02040503050406030204" pitchFamily="18" charset="0"/>
+                        </a:rPr>
+                        <m:t>×</m:t>
+                      </m:r>
+                      <m:r>
+                        <m:rPr>
+                          <m:nor/>
+                        </m:rPr>
+                        <a:rPr lang="en-US" altLang="ko-KR" sz="1000" dirty="0">
+                          <a:latin typeface="나눔스퀘어" panose="020B0600000101010101" pitchFamily="50" charset="-127"/>
+                          <a:ea typeface="나눔스퀘어" panose="020B0600000101010101" pitchFamily="50" charset="-127"/>
+                        </a:rPr>
+                        <m:t>1]</m:t>
+                      </m:r>
+                    </m:oMath>
+                  </m:oMathPara>
+                </a14:m>
+                <a:endParaRPr lang="ko-KR" altLang="en-US" sz="1000" dirty="0">
+                  <a:latin typeface="나눔스퀘어" panose="020B0600000101010101" pitchFamily="50" charset="-127"/>
+                  <a:ea typeface="나눔스퀘어" panose="020B0600000101010101" pitchFamily="50" charset="-127"/>
+                </a:endParaRPr>
+              </a:p>
+            </p:txBody>
+          </p:sp>
+        </mc:Choice>
+        <mc:Fallback>
+          <p:sp>
+            <p:nvSpPr>
+              <p:cNvPr id="68" name="TextBox 67">
+                <a:extLst>
+                  <a:ext uri="{FF2B5EF4-FFF2-40B4-BE49-F238E27FC236}">
+                    <a16:creationId xmlns:a16="http://schemas.microsoft.com/office/drawing/2014/main" id="{9FA7F989-54D4-49B5-A52A-B288E22DAEF3}"/>
+                  </a:ext>
+                </a:extLst>
+              </p:cNvPr>
+              <p:cNvSpPr txBox="1">
+                <a:spLocks noRot="1" noChangeAspect="1" noMove="1" noResize="1" noEditPoints="1" noAdjustHandles="1" noChangeArrowheads="1" noChangeShapeType="1" noTextEdit="1"/>
+              </p:cNvSpPr>
+              <p:nvPr/>
+            </p:nvSpPr>
+            <p:spPr>
+              <a:xfrm>
+                <a:off x="5727999" y="3591709"/>
+                <a:ext cx="748292" cy="246221"/>
+              </a:xfrm>
+              <a:prstGeom prst="rect">
+                <a:avLst/>
+              </a:prstGeom>
+              <a:blipFill>
+                <a:blip r:embed="rId9"/>
+                <a:stretch>
+                  <a:fillRect/>
+                </a:stretch>
+              </a:blipFill>
+            </p:spPr>
+            <p:txBody>
+              <a:bodyPr/>
+              <a:lstStyle/>
+              <a:p>
+                <a:r>
+                  <a:rPr lang="ko-KR" altLang="en-US">
+                    <a:noFill/>
+                  </a:rPr>
+                  <a:t> </a:t>
+                </a:r>
+              </a:p>
+            </p:txBody>
+          </p:sp>
+        </mc:Fallback>
+      </mc:AlternateContent>
+      <p:sp>
+        <p:nvSpPr>
+          <p:cNvPr id="70" name="곱하기 기호 69">
+            <a:extLst>
+              <a:ext uri="{FF2B5EF4-FFF2-40B4-BE49-F238E27FC236}">
+                <a16:creationId xmlns:a16="http://schemas.microsoft.com/office/drawing/2014/main" id="{8ED20430-E7BA-4787-A434-8A13049EFFDD}"/>
+              </a:ext>
+            </a:extLst>
+          </p:cNvPr>
+          <p:cNvSpPr/>
+          <p:nvPr/>
+        </p:nvSpPr>
+        <p:spPr>
+          <a:xfrm>
+            <a:off x="5872901" y="3759294"/>
+            <a:ext cx="446193" cy="446193"/>
+          </a:xfrm>
+          <a:prstGeom prst="mathMultiply">
+            <a:avLst>
+              <a:gd name="adj1" fmla="val 13380"/>
+            </a:avLst>
+          </a:prstGeom>
+          <a:solidFill>
+            <a:schemeClr val="bg2">
+              <a:lumMod val="50000"/>
+            </a:schemeClr>
+          </a:solidFill>
+          <a:ln>
+            <a:noFill/>
+          </a:ln>
+        </p:spPr>
+        <p:style>
+          <a:lnRef idx="2">
+            <a:schemeClr val="accent1">
+              <a:shade val="50000"/>
+            </a:schemeClr>
+          </a:lnRef>
+          <a:fillRef idx="1">
+            <a:schemeClr val="accent1"/>
+          </a:fillRef>
+          <a:effectRef idx="0">
+            <a:schemeClr val="accent1"/>
+          </a:effectRef>
+          <a:fontRef idx="minor">
+            <a:schemeClr val="lt1"/>
+          </a:fontRef>
+        </p:style>
+        <p:txBody>
+          <a:bodyPr rtlCol="0" anchor="ctr"/>
+          <a:lstStyle/>
+          <a:p>
+            <a:pPr algn="ctr"/>
+            <a:endParaRPr lang="ko-KR" altLang="en-US"/>
+          </a:p>
+        </p:txBody>
+      </p:sp>
+      <mc:AlternateContent xmlns:mc="http://schemas.openxmlformats.org/markup-compatibility/2006">
+        <mc:Choice xmlns:a14="http://schemas.microsoft.com/office/drawing/2010/main" Requires="a14">
+          <p:sp>
+            <p:nvSpPr>
+              <p:cNvPr id="72" name="TextBox 71">
+                <a:extLst>
+                  <a:ext uri="{FF2B5EF4-FFF2-40B4-BE49-F238E27FC236}">
+                    <a16:creationId xmlns:a16="http://schemas.microsoft.com/office/drawing/2014/main" id="{F8AC2932-EE98-4910-8A0B-1A5FB1025910}"/>
+                  </a:ext>
+                </a:extLst>
+              </p:cNvPr>
+              <p:cNvSpPr txBox="1"/>
+              <p:nvPr/>
+            </p:nvSpPr>
+            <p:spPr>
+              <a:xfrm>
+                <a:off x="5731809" y="4859441"/>
+                <a:ext cx="748292" cy="246221"/>
+              </a:xfrm>
+              <a:prstGeom prst="rect">
+                <a:avLst/>
+              </a:prstGeom>
+              <a:noFill/>
+            </p:spPr>
+            <p:txBody>
+              <a:bodyPr wrap="square">
+                <a:spAutoFit/>
+              </a:bodyPr>
+              <a:lstStyle/>
+              <a:p>
+                <a:pPr algn="ctr"/>
+                <a14:m>
+                  <m:oMathPara xmlns:m="http://schemas.openxmlformats.org/officeDocument/2006/math">
+                    <m:oMathParaPr>
+                      <m:jc m:val="center"/>
+                    </m:oMathParaPr>
+                    <m:oMath xmlns:m="http://schemas.openxmlformats.org/officeDocument/2006/math">
+                      <m:r>
+                        <m:rPr>
+                          <m:nor/>
+                        </m:rPr>
+                        <a:rPr lang="en-US" altLang="ko-KR" sz="1000" dirty="0">
+                          <a:latin typeface="나눔스퀘어" panose="020B0600000101010101" pitchFamily="50" charset="-127"/>
+                          <a:ea typeface="나눔스퀘어" panose="020B0600000101010101" pitchFamily="50" charset="-127"/>
+                        </a:rPr>
+                        <m:t>[</m:t>
+                      </m:r>
+                      <m:r>
+                        <m:rPr>
+                          <m:nor/>
+                        </m:rPr>
+                        <a:rPr lang="en-US" altLang="ko-KR" sz="1000" b="0" i="0" dirty="0" smtClean="0">
+                          <a:latin typeface="나눔스퀘어" panose="020B0600000101010101" pitchFamily="50" charset="-127"/>
+                          <a:ea typeface="나눔스퀘어" panose="020B0600000101010101" pitchFamily="50" charset="-127"/>
+                        </a:rPr>
+                        <m:t>15</m:t>
+                      </m:r>
+                      <m:r>
+                        <a:rPr lang="en-US" altLang="ko-KR" sz="1000" i="1">
+                          <a:latin typeface="Cambria Math" panose="02040503050406030204" pitchFamily="18" charset="0"/>
+                          <a:ea typeface="Cambria Math" panose="02040503050406030204" pitchFamily="18" charset="0"/>
+                        </a:rPr>
+                        <m:t>×</m:t>
+                      </m:r>
+                      <m:r>
+                        <m:rPr>
+                          <m:nor/>
+                        </m:rPr>
+                        <a:rPr lang="en-US" altLang="ko-KR" sz="1000" b="0" i="0" dirty="0" smtClean="0">
+                          <a:latin typeface="나눔스퀘어" panose="020B0600000101010101" pitchFamily="50" charset="-127"/>
+                          <a:ea typeface="나눔스퀘어" panose="020B0600000101010101" pitchFamily="50" charset="-127"/>
+                        </a:rPr>
+                        <m:t>20</m:t>
+                      </m:r>
+                      <m:r>
+                        <m:rPr>
+                          <m:nor/>
+                        </m:rPr>
+                        <a:rPr lang="en-US" altLang="ko-KR" sz="1000" dirty="0">
+                          <a:latin typeface="나눔스퀘어" panose="020B0600000101010101" pitchFamily="50" charset="-127"/>
+                          <a:ea typeface="나눔스퀘어" panose="020B0600000101010101" pitchFamily="50" charset="-127"/>
+                        </a:rPr>
+                        <m:t>]</m:t>
+                      </m:r>
+                    </m:oMath>
+                  </m:oMathPara>
+                </a14:m>
+                <a:endParaRPr lang="ko-KR" altLang="en-US" sz="1000" dirty="0">
+                  <a:latin typeface="나눔스퀘어" panose="020B0600000101010101" pitchFamily="50" charset="-127"/>
+                  <a:ea typeface="나눔스퀘어" panose="020B0600000101010101" pitchFamily="50" charset="-127"/>
+                </a:endParaRPr>
+              </a:p>
+            </p:txBody>
+          </p:sp>
+        </mc:Choice>
+        <mc:Fallback>
+          <p:sp>
+            <p:nvSpPr>
+              <p:cNvPr id="72" name="TextBox 71">
+                <a:extLst>
+                  <a:ext uri="{FF2B5EF4-FFF2-40B4-BE49-F238E27FC236}">
+                    <a16:creationId xmlns:a16="http://schemas.microsoft.com/office/drawing/2014/main" id="{F8AC2932-EE98-4910-8A0B-1A5FB1025910}"/>
+                  </a:ext>
+                </a:extLst>
+              </p:cNvPr>
+              <p:cNvSpPr txBox="1">
+                <a:spLocks noRot="1" noChangeAspect="1" noMove="1" noResize="1" noEditPoints="1" noAdjustHandles="1" noChangeArrowheads="1" noChangeShapeType="1" noTextEdit="1"/>
+              </p:cNvSpPr>
+              <p:nvPr/>
+            </p:nvSpPr>
+            <p:spPr>
+              <a:xfrm>
+                <a:off x="5731809" y="4859441"/>
+                <a:ext cx="748292" cy="246221"/>
+              </a:xfrm>
+              <a:prstGeom prst="rect">
+                <a:avLst/>
+              </a:prstGeom>
+              <a:blipFill>
+                <a:blip r:embed="rId10"/>
+                <a:stretch>
+                  <a:fillRect/>
+                </a:stretch>
+              </a:blipFill>
+            </p:spPr>
+            <p:txBody>
+              <a:bodyPr/>
+              <a:lstStyle/>
+              <a:p>
+                <a:r>
+                  <a:rPr lang="ko-KR" altLang="en-US">
+                    <a:noFill/>
+                  </a:rPr>
+                  <a:t> </a:t>
+                </a:r>
+              </a:p>
+            </p:txBody>
+          </p:sp>
+        </mc:Fallback>
+      </mc:AlternateContent>
+      <p:cxnSp>
+        <p:nvCxnSpPr>
+          <p:cNvPr id="74" name="직선 화살표 연결선 73">
+            <a:extLst>
+              <a:ext uri="{FF2B5EF4-FFF2-40B4-BE49-F238E27FC236}">
+                <a16:creationId xmlns:a16="http://schemas.microsoft.com/office/drawing/2014/main" id="{46B51500-C1BF-4D6B-AA9D-7F8E80E91256}"/>
+              </a:ext>
+            </a:extLst>
+          </p:cNvPr>
+          <p:cNvCxnSpPr>
+            <a:cxnSpLocks/>
+          </p:cNvCxnSpPr>
+          <p:nvPr/>
+        </p:nvCxnSpPr>
+        <p:spPr>
+          <a:xfrm>
+            <a:off x="6093255" y="5138762"/>
+            <a:ext cx="0" cy="146348"/>
+          </a:xfrm>
+          <a:prstGeom prst="straightConnector1">
+            <a:avLst/>
+          </a:prstGeom>
+          <a:ln w="25400">
+            <a:solidFill>
+              <a:schemeClr val="tx1">
+                <a:lumMod val="75000"/>
+                <a:lumOff val="25000"/>
+              </a:schemeClr>
+            </a:solidFill>
+            <a:tailEnd type="triangle"/>
+          </a:ln>
+        </p:spPr>
+        <p:style>
+          <a:lnRef idx="1">
+            <a:schemeClr val="accent1"/>
+          </a:lnRef>
+          <a:fillRef idx="0">
+            <a:schemeClr val="accent1"/>
+          </a:fillRef>
+          <a:effectRef idx="0">
+            <a:schemeClr val="accent1"/>
+          </a:effectRef>
+          <a:fontRef idx="minor">
+            <a:schemeClr val="tx1"/>
+          </a:fontRef>
+        </p:style>
+      </p:cxnSp>
+      <p:sp>
+        <p:nvSpPr>
+          <p:cNvPr id="76" name="왼쪽 중괄호 75">
+            <a:extLst>
+              <a:ext uri="{FF2B5EF4-FFF2-40B4-BE49-F238E27FC236}">
+                <a16:creationId xmlns:a16="http://schemas.microsoft.com/office/drawing/2014/main" id="{FAB9FC7B-962D-47F7-85F9-EB55539F5B9C}"/>
+              </a:ext>
+            </a:extLst>
+          </p:cNvPr>
+          <p:cNvSpPr/>
+          <p:nvPr/>
+        </p:nvSpPr>
+        <p:spPr>
+          <a:xfrm flipH="1">
+            <a:off x="9272128" y="3363068"/>
+            <a:ext cx="158750" cy="1516068"/>
+          </a:xfrm>
+          <a:prstGeom prst="leftBrace">
+            <a:avLst/>
+          </a:prstGeom>
+          <a:ln w="25400">
+            <a:solidFill>
+              <a:schemeClr val="bg2">
+                <a:lumMod val="50000"/>
+              </a:schemeClr>
+            </a:solidFill>
+          </a:ln>
+        </p:spPr>
+        <p:style>
+          <a:lnRef idx="1">
+            <a:schemeClr val="accent1"/>
+          </a:lnRef>
+          <a:fillRef idx="0">
+            <a:schemeClr val="accent1"/>
+          </a:fillRef>
+          <a:effectRef idx="0">
+            <a:schemeClr val="accent1"/>
+          </a:effectRef>
+          <a:fontRef idx="minor">
+            <a:schemeClr val="tx1"/>
+          </a:fontRef>
+        </p:style>
+        <p:txBody>
+          <a:bodyPr rtlCol="0" anchor="ctr"/>
+          <a:lstStyle/>
+          <a:p>
+            <a:pPr algn="ctr"/>
+            <a:endParaRPr lang="ko-KR" altLang="en-US"/>
+          </a:p>
+        </p:txBody>
+      </p:sp>
+      <mc:AlternateContent xmlns:mc="http://schemas.openxmlformats.org/markup-compatibility/2006">
+        <mc:Choice xmlns:a14="http://schemas.microsoft.com/office/drawing/2010/main" Requires="a14">
+          <p:sp>
+            <p:nvSpPr>
+              <p:cNvPr id="78" name="TextBox 77">
+                <a:extLst>
+                  <a:ext uri="{FF2B5EF4-FFF2-40B4-BE49-F238E27FC236}">
+                    <a16:creationId xmlns:a16="http://schemas.microsoft.com/office/drawing/2014/main" id="{EBF244C0-B4E8-456F-BB26-ACC7468D3CA7}"/>
+                  </a:ext>
+                </a:extLst>
+              </p:cNvPr>
+              <p:cNvSpPr txBox="1"/>
+              <p:nvPr/>
+            </p:nvSpPr>
+            <p:spPr>
+              <a:xfrm>
+                <a:off x="5731809" y="5488165"/>
+                <a:ext cx="748292" cy="246221"/>
+              </a:xfrm>
+              <a:prstGeom prst="rect">
+                <a:avLst/>
+              </a:prstGeom>
+              <a:noFill/>
+            </p:spPr>
+            <p:txBody>
+              <a:bodyPr wrap="square">
+                <a:spAutoFit/>
+              </a:bodyPr>
+              <a:lstStyle/>
+              <a:p>
+                <a:pPr algn="ctr"/>
+                <a14:m>
+                  <m:oMathPara xmlns:m="http://schemas.openxmlformats.org/officeDocument/2006/math">
+                    <m:oMathParaPr>
+                      <m:jc m:val="center"/>
+                    </m:oMathParaPr>
+                    <m:oMath xmlns:m="http://schemas.openxmlformats.org/officeDocument/2006/math">
+                      <m:r>
+                        <m:rPr>
+                          <m:nor/>
+                        </m:rPr>
+                        <a:rPr lang="en-US" altLang="ko-KR" sz="1000" dirty="0">
+                          <a:latin typeface="나눔스퀘어" panose="020B0600000101010101" pitchFamily="50" charset="-127"/>
+                          <a:ea typeface="나눔스퀘어" panose="020B0600000101010101" pitchFamily="50" charset="-127"/>
+                        </a:rPr>
+                        <m:t>[</m:t>
+                      </m:r>
+                      <m:r>
+                        <m:rPr>
+                          <m:nor/>
+                        </m:rPr>
+                        <a:rPr lang="en-US" altLang="ko-KR" sz="1000" b="0" i="0" dirty="0" smtClean="0">
+                          <a:latin typeface="나눔스퀘어" panose="020B0600000101010101" pitchFamily="50" charset="-127"/>
+                          <a:ea typeface="나눔스퀘어" panose="020B0600000101010101" pitchFamily="50" charset="-127"/>
+                        </a:rPr>
+                        <m:t>15</m:t>
+                      </m:r>
+                      <m:r>
+                        <a:rPr lang="en-US" altLang="ko-KR" sz="1000" i="1">
+                          <a:latin typeface="Cambria Math" panose="02040503050406030204" pitchFamily="18" charset="0"/>
+                          <a:ea typeface="Cambria Math" panose="02040503050406030204" pitchFamily="18" charset="0"/>
+                        </a:rPr>
+                        <m:t>×</m:t>
+                      </m:r>
+                      <m:r>
+                        <m:rPr>
+                          <m:nor/>
+                        </m:rPr>
+                        <a:rPr lang="en-US" altLang="ko-KR" sz="1000" b="0" i="0" dirty="0" smtClean="0">
+                          <a:latin typeface="나눔스퀘어" panose="020B0600000101010101" pitchFamily="50" charset="-127"/>
+                          <a:ea typeface="나눔스퀘어" panose="020B0600000101010101" pitchFamily="50" charset="-127"/>
+                        </a:rPr>
+                        <m:t>1</m:t>
+                      </m:r>
+                      <m:r>
+                        <m:rPr>
+                          <m:nor/>
+                        </m:rPr>
+                        <a:rPr lang="en-US" altLang="ko-KR" sz="1000" dirty="0">
+                          <a:latin typeface="나눔스퀘어" panose="020B0600000101010101" pitchFamily="50" charset="-127"/>
+                          <a:ea typeface="나눔스퀘어" panose="020B0600000101010101" pitchFamily="50" charset="-127"/>
+                        </a:rPr>
+                        <m:t>]</m:t>
+                      </m:r>
+                    </m:oMath>
+                  </m:oMathPara>
+                </a14:m>
+                <a:endParaRPr lang="ko-KR" altLang="en-US" sz="1000" dirty="0">
+                  <a:latin typeface="나눔스퀘어" panose="020B0600000101010101" pitchFamily="50" charset="-127"/>
+                  <a:ea typeface="나눔스퀘어" panose="020B0600000101010101" pitchFamily="50" charset="-127"/>
+                </a:endParaRPr>
+              </a:p>
+            </p:txBody>
+          </p:sp>
+        </mc:Choice>
+        <mc:Fallback>
+          <p:sp>
+            <p:nvSpPr>
+              <p:cNvPr id="78" name="TextBox 77">
+                <a:extLst>
+                  <a:ext uri="{FF2B5EF4-FFF2-40B4-BE49-F238E27FC236}">
+                    <a16:creationId xmlns:a16="http://schemas.microsoft.com/office/drawing/2014/main" id="{EBF244C0-B4E8-456F-BB26-ACC7468D3CA7}"/>
+                  </a:ext>
+                </a:extLst>
+              </p:cNvPr>
+              <p:cNvSpPr txBox="1">
+                <a:spLocks noRot="1" noChangeAspect="1" noMove="1" noResize="1" noEditPoints="1" noAdjustHandles="1" noChangeArrowheads="1" noChangeShapeType="1" noTextEdit="1"/>
+              </p:cNvSpPr>
+              <p:nvPr/>
+            </p:nvSpPr>
+            <p:spPr>
+              <a:xfrm>
+                <a:off x="5731809" y="5488165"/>
+                <a:ext cx="748292" cy="246221"/>
+              </a:xfrm>
+              <a:prstGeom prst="rect">
+                <a:avLst/>
+              </a:prstGeom>
+              <a:blipFill>
+                <a:blip r:embed="rId11"/>
+                <a:stretch>
+                  <a:fillRect/>
+                </a:stretch>
+              </a:blipFill>
+            </p:spPr>
+            <p:txBody>
+              <a:bodyPr/>
+              <a:lstStyle/>
+              <a:p>
+                <a:r>
+                  <a:rPr lang="ko-KR" altLang="en-US">
+                    <a:noFill/>
+                  </a:rPr>
+                  <a:t> </a:t>
+                </a:r>
+              </a:p>
+            </p:txBody>
+          </p:sp>
+        </mc:Fallback>
+      </mc:AlternateContent>
+      <mc:AlternateContent xmlns:mc="http://schemas.openxmlformats.org/markup-compatibility/2006">
+        <mc:Choice xmlns:a14="http://schemas.microsoft.com/office/drawing/2010/main" Requires="a14">
+          <p:sp>
+            <p:nvSpPr>
+              <p:cNvPr id="80" name="TextBox 79">
+                <a:extLst>
+                  <a:ext uri="{FF2B5EF4-FFF2-40B4-BE49-F238E27FC236}">
+                    <a16:creationId xmlns:a16="http://schemas.microsoft.com/office/drawing/2014/main" id="{A6090EB9-C513-4F08-8E57-3A0FC0E708E7}"/>
+                  </a:ext>
+                </a:extLst>
+              </p:cNvPr>
+              <p:cNvSpPr txBox="1"/>
+              <p:nvPr/>
+            </p:nvSpPr>
+            <p:spPr>
+              <a:xfrm>
+                <a:off x="7910858" y="5488165"/>
+                <a:ext cx="748292" cy="246221"/>
+              </a:xfrm>
+              <a:prstGeom prst="rect">
+                <a:avLst/>
+              </a:prstGeom>
+              <a:noFill/>
+            </p:spPr>
+            <p:txBody>
+              <a:bodyPr wrap="square">
+                <a:spAutoFit/>
+              </a:bodyPr>
+              <a:lstStyle/>
+              <a:p>
+                <a:pPr algn="ctr"/>
+                <a14:m>
+                  <m:oMathPara xmlns:m="http://schemas.openxmlformats.org/officeDocument/2006/math">
+                    <m:oMathParaPr>
+                      <m:jc m:val="center"/>
+                    </m:oMathParaPr>
+                    <m:oMath xmlns:m="http://schemas.openxmlformats.org/officeDocument/2006/math">
+                      <m:r>
+                        <m:rPr>
+                          <m:nor/>
+                        </m:rPr>
+                        <a:rPr lang="en-US" altLang="ko-KR" sz="1000" dirty="0">
+                          <a:latin typeface="나눔스퀘어" panose="020B0600000101010101" pitchFamily="50" charset="-127"/>
+                          <a:ea typeface="나눔스퀘어" panose="020B0600000101010101" pitchFamily="50" charset="-127"/>
+                        </a:rPr>
+                        <m:t>[</m:t>
+                      </m:r>
+                      <m:r>
+                        <m:rPr>
+                          <m:nor/>
+                        </m:rPr>
+                        <a:rPr lang="en-US" altLang="ko-KR" sz="1000" b="0" i="0" dirty="0" smtClean="0">
+                          <a:latin typeface="나눔스퀘어" panose="020B0600000101010101" pitchFamily="50" charset="-127"/>
+                          <a:ea typeface="나눔스퀘어" panose="020B0600000101010101" pitchFamily="50" charset="-127"/>
+                        </a:rPr>
+                        <m:t>5</m:t>
+                      </m:r>
+                      <m:r>
+                        <a:rPr lang="en-US" altLang="ko-KR" sz="1000" i="1">
+                          <a:latin typeface="Cambria Math" panose="02040503050406030204" pitchFamily="18" charset="0"/>
+                          <a:ea typeface="Cambria Math" panose="02040503050406030204" pitchFamily="18" charset="0"/>
+                        </a:rPr>
+                        <m:t>×</m:t>
+                      </m:r>
+                      <m:r>
+                        <m:rPr>
+                          <m:nor/>
+                        </m:rPr>
+                        <a:rPr lang="en-US" altLang="ko-KR" sz="1000" b="0" i="0" dirty="0" smtClean="0">
+                          <a:latin typeface="나눔스퀘어" panose="020B0600000101010101" pitchFamily="50" charset="-127"/>
+                          <a:ea typeface="나눔스퀘어" panose="020B0600000101010101" pitchFamily="50" charset="-127"/>
+                        </a:rPr>
+                        <m:t>1</m:t>
+                      </m:r>
+                      <m:r>
+                        <m:rPr>
+                          <m:nor/>
+                        </m:rPr>
+                        <a:rPr lang="en-US" altLang="ko-KR" sz="1000" dirty="0">
+                          <a:latin typeface="나눔스퀘어" panose="020B0600000101010101" pitchFamily="50" charset="-127"/>
+                          <a:ea typeface="나눔스퀘어" panose="020B0600000101010101" pitchFamily="50" charset="-127"/>
+                        </a:rPr>
+                        <m:t>]</m:t>
+                      </m:r>
+                    </m:oMath>
+                  </m:oMathPara>
+                </a14:m>
+                <a:endParaRPr lang="ko-KR" altLang="en-US" sz="1000" dirty="0">
+                  <a:latin typeface="나눔스퀘어" panose="020B0600000101010101" pitchFamily="50" charset="-127"/>
+                  <a:ea typeface="나눔스퀘어" panose="020B0600000101010101" pitchFamily="50" charset="-127"/>
+                </a:endParaRPr>
+              </a:p>
+            </p:txBody>
+          </p:sp>
+        </mc:Choice>
+        <mc:Fallback>
+          <p:sp>
+            <p:nvSpPr>
+              <p:cNvPr id="80" name="TextBox 79">
+                <a:extLst>
+                  <a:ext uri="{FF2B5EF4-FFF2-40B4-BE49-F238E27FC236}">
+                    <a16:creationId xmlns:a16="http://schemas.microsoft.com/office/drawing/2014/main" id="{A6090EB9-C513-4F08-8E57-3A0FC0E708E7}"/>
+                  </a:ext>
+                </a:extLst>
+              </p:cNvPr>
+              <p:cNvSpPr txBox="1">
+                <a:spLocks noRot="1" noChangeAspect="1" noMove="1" noResize="1" noEditPoints="1" noAdjustHandles="1" noChangeArrowheads="1" noChangeShapeType="1" noTextEdit="1"/>
+              </p:cNvSpPr>
+              <p:nvPr/>
+            </p:nvSpPr>
+            <p:spPr>
+              <a:xfrm>
+                <a:off x="7910858" y="5488165"/>
+                <a:ext cx="748292" cy="246221"/>
+              </a:xfrm>
+              <a:prstGeom prst="rect">
+                <a:avLst/>
+              </a:prstGeom>
+              <a:blipFill>
+                <a:blip r:embed="rId12"/>
+                <a:stretch>
+                  <a:fillRect/>
+                </a:stretch>
+              </a:blipFill>
+            </p:spPr>
+            <p:txBody>
+              <a:bodyPr/>
+              <a:lstStyle/>
+              <a:p>
+                <a:r>
+                  <a:rPr lang="ko-KR" altLang="en-US">
+                    <a:noFill/>
+                  </a:rPr>
+                  <a:t> </a:t>
+                </a:r>
+              </a:p>
+            </p:txBody>
+          </p:sp>
+        </mc:Fallback>
+      </mc:AlternateContent>
+      <p:pic>
+        <p:nvPicPr>
+          <p:cNvPr id="3" name="그림 2">
+            <a:extLst>
+              <a:ext uri="{FF2B5EF4-FFF2-40B4-BE49-F238E27FC236}">
+                <a16:creationId xmlns:a16="http://schemas.microsoft.com/office/drawing/2014/main" id="{ACF23571-6428-4D1B-B4CF-8E200A2401E3}"/>
+              </a:ext>
+            </a:extLst>
+          </p:cNvPr>
+          <p:cNvPicPr>
+            <a:picLocks noChangeAspect="1"/>
+          </p:cNvPicPr>
+          <p:nvPr/>
+        </p:nvPicPr>
+        <p:blipFill>
+          <a:blip r:embed="rId13"/>
+          <a:stretch>
+            <a:fillRect/>
+          </a:stretch>
+        </p:blipFill>
+        <p:spPr>
+          <a:xfrm>
+            <a:off x="7388463" y="4199521"/>
+            <a:ext cx="1793081" cy="679615"/>
+          </a:xfrm>
+          <a:prstGeom prst="rect">
+            <a:avLst/>
+          </a:prstGeom>
+        </p:spPr>
+      </p:pic>
+      <p:pic>
+        <p:nvPicPr>
+          <p:cNvPr id="6" name="그림 5">
+            <a:extLst>
+              <a:ext uri="{FF2B5EF4-FFF2-40B4-BE49-F238E27FC236}">
+                <a16:creationId xmlns:a16="http://schemas.microsoft.com/office/drawing/2014/main" id="{CB593693-BFDA-4606-BFE7-76638C471C60}"/>
+              </a:ext>
+            </a:extLst>
+          </p:cNvPr>
+          <p:cNvPicPr>
+            <a:picLocks noChangeAspect="1"/>
+          </p:cNvPicPr>
+          <p:nvPr/>
+        </p:nvPicPr>
+        <p:blipFill>
+          <a:blip r:embed="rId14"/>
+          <a:stretch>
+            <a:fillRect/>
+          </a:stretch>
+        </p:blipFill>
+        <p:spPr>
+          <a:xfrm>
+            <a:off x="5220059" y="4202121"/>
+            <a:ext cx="1792800" cy="677015"/>
+          </a:xfrm>
+          <a:prstGeom prst="rect">
+            <a:avLst/>
+          </a:prstGeom>
+        </p:spPr>
+      </p:pic>
+    </p:spTree>
+    <p:extLst>
+      <p:ext uri="{BB962C8B-B14F-4D97-AF65-F5344CB8AC3E}">
+        <p14:creationId xmlns:p14="http://schemas.microsoft.com/office/powerpoint/2010/main" val="2350210337"/>
+      </p:ext>
+    </p:extLst>
+  </p:cSld>
+  <p:clrMapOvr>
+    <a:masterClrMapping/>
+  </p:clrMapOvr>
+</p:sld>
+</file>
+
 <file path=ppt/theme/theme1.xml><?xml version="1.0" encoding="utf-8"?>
 <a:theme xmlns:a="http://schemas.openxmlformats.org/drawingml/2006/main" name="Office 테마">
   <a:themeElements>
